--- a/Fidelity_EntropyMatrics.pptx
+++ b/Fidelity_EntropyMatrics.pptx
@@ -6,24 +6,26 @@
     <p:sldMasterId id="2147483661" r:id="rId2"/>
   </p:sldMasterIdLst>
   <p:notesMasterIdLst>
-    <p:notesMasterId r:id="rId18"/>
+    <p:notesMasterId r:id="rId20"/>
   </p:notesMasterIdLst>
   <p:sldIdLst>
     <p:sldId id="256" r:id="rId3"/>
     <p:sldId id="1874" r:id="rId4"/>
-    <p:sldId id="1870" r:id="rId5"/>
-    <p:sldId id="1888" r:id="rId6"/>
-    <p:sldId id="1879" r:id="rId7"/>
-    <p:sldId id="1878" r:id="rId8"/>
-    <p:sldId id="267" r:id="rId9"/>
-    <p:sldId id="1886" r:id="rId10"/>
-    <p:sldId id="1887" r:id="rId11"/>
-    <p:sldId id="268" r:id="rId12"/>
-    <p:sldId id="1880" r:id="rId13"/>
-    <p:sldId id="1881" r:id="rId14"/>
-    <p:sldId id="1882" r:id="rId15"/>
-    <p:sldId id="1883" r:id="rId16"/>
-    <p:sldId id="1885" r:id="rId17"/>
+    <p:sldId id="1889" r:id="rId5"/>
+    <p:sldId id="1870" r:id="rId6"/>
+    <p:sldId id="1888" r:id="rId7"/>
+    <p:sldId id="1879" r:id="rId8"/>
+    <p:sldId id="1878" r:id="rId9"/>
+    <p:sldId id="267" r:id="rId10"/>
+    <p:sldId id="1886" r:id="rId11"/>
+    <p:sldId id="1887" r:id="rId12"/>
+    <p:sldId id="268" r:id="rId13"/>
+    <p:sldId id="1880" r:id="rId14"/>
+    <p:sldId id="1881" r:id="rId15"/>
+    <p:sldId id="1882" r:id="rId16"/>
+    <p:sldId id="1883" r:id="rId17"/>
+    <p:sldId id="1885" r:id="rId18"/>
+    <p:sldId id="1890" r:id="rId19"/>
   </p:sldIdLst>
   <p:sldSz cx="12192000" cy="6858000"/>
   <p:notesSz cx="6858000" cy="9144000"/>
@@ -212,7 +214,7 @@
           <a:p>
             <a:fld id="{4F7775B3-ED76-476A-9905-090772E98060}" type="datetimeFigureOut">
               <a:rPr lang="en-US" smtClean="0"/>
-              <a:t>11-Feb-25</a:t>
+              <a:t>14-Feb-25</a:t>
             </a:fld>
             <a:endParaRPr lang="en-US"/>
           </a:p>
@@ -6871,7 +6873,7 @@
                 <a:latin typeface="Arial"/>
                 <a:cs typeface="Arial"/>
               </a:rPr>
-              <a:t>Enhanced Quantum Teleportation Using Metrics Based on Information Entropy</a:t>
+              <a:t>Enhanced Quantum Internet Using Metrics Based on Information Entropy</a:t>
             </a:r>
             <a:endParaRPr lang="en-US" sz="3200" b="1" dirty="0">
               <a:latin typeface="Arial" panose="020B0604020202020204" pitchFamily="34" charset="0"/>
@@ -7223,6 +7225,814 @@
           <p:cNvPr id="2" name="Title 1">
             <a:extLst>
               <a:ext uri="{FF2B5EF4-FFF2-40B4-BE49-F238E27FC236}">
+                <a16:creationId xmlns:a16="http://schemas.microsoft.com/office/drawing/2014/main" id="{81AB9609-6F08-C384-6ADB-C1C661CC3EE4}"/>
+              </a:ext>
+            </a:extLst>
+          </p:cNvPr>
+          <p:cNvSpPr>
+            <a:spLocks noGrp="1"/>
+          </p:cNvSpPr>
+          <p:nvPr>
+            <p:ph type="title"/>
+          </p:nvPr>
+        </p:nvSpPr>
+        <p:spPr/>
+        <p:txBody>
+          <a:bodyPr/>
+          <a:lstStyle/>
+          <a:p>
+            <a:r>
+              <a:rPr lang="en-US" dirty="0"/>
+              <a:t>Finding 2</a:t>
+            </a:r>
+          </a:p>
+        </p:txBody>
+      </p:sp>
+      <mc:AlternateContent xmlns:mc="http://schemas.openxmlformats.org/markup-compatibility/2006" xmlns:a14="http://schemas.microsoft.com/office/drawing/2010/main">
+        <mc:Choice Requires="a14">
+          <p:sp>
+            <p:nvSpPr>
+              <p:cNvPr id="3" name="Content Placeholder 2">
+                <a:extLst>
+                  <a:ext uri="{FF2B5EF4-FFF2-40B4-BE49-F238E27FC236}">
+                    <a16:creationId xmlns:a16="http://schemas.microsoft.com/office/drawing/2014/main" id="{07AACD02-177E-420B-48C9-C08D2976A9D0}"/>
+                  </a:ext>
+                </a:extLst>
+              </p:cNvPr>
+              <p:cNvSpPr>
+                <a:spLocks noGrp="1"/>
+              </p:cNvSpPr>
+              <p:nvPr>
+                <p:ph idx="1"/>
+              </p:nvPr>
+            </p:nvSpPr>
+            <p:spPr/>
+            <p:txBody>
+              <a:bodyPr/>
+              <a:lstStyle/>
+              <a:p>
+                <a:pPr>
+                  <a:buFont typeface="Wingdings" panose="05000000000000000000" pitchFamily="2" charset="2"/>
+                  <a:buChar char="Ø"/>
+                </a:pPr>
+                <a:r>
+                  <a:rPr lang="en-US" dirty="0"/>
+                  <a:t> </a:t>
+                </a:r>
+                <a:r>
+                  <a:rPr lang="en-US" b="0" dirty="0"/>
+                  <a:t> </a:t>
+                </a:r>
+                <a14:m>
+                  <m:oMath xmlns:m="http://schemas.openxmlformats.org/officeDocument/2006/math">
+                    <m:sSub>
+                      <m:sSubPr>
+                        <m:ctrlPr>
+                          <a:rPr lang="en-US" b="0" i="1" smtClean="0">
+                            <a:latin typeface="Cambria Math" panose="02040503050406030204" pitchFamily="18" charset="0"/>
+                          </a:rPr>
+                        </m:ctrlPr>
+                      </m:sSubPr>
+                      <m:e>
+                        <m:r>
+                          <a:rPr lang="en-US" b="0" i="1" smtClean="0">
+                            <a:latin typeface="Cambria Math" panose="02040503050406030204" pitchFamily="18" charset="0"/>
+                          </a:rPr>
+                          <m:t>𝐴</m:t>
+                        </m:r>
+                      </m:e>
+                      <m:sub>
+                        <m:r>
+                          <a:rPr lang="en-US" b="0" i="1" smtClean="0">
+                            <a:latin typeface="Cambria Math" panose="02040503050406030204" pitchFamily="18" charset="0"/>
+                          </a:rPr>
+                          <m:t>𝑘</m:t>
+                        </m:r>
+                      </m:sub>
+                    </m:sSub>
+                  </m:oMath>
+                </a14:m>
+                <a:r>
+                  <a:rPr lang="en-US" b="0" dirty="0"/>
+                  <a:t> could be PVM or POVM elements. I have found:</a:t>
+                </a:r>
+              </a:p>
+              <a:p>
+                <a:pPr marL="0" indent="0">
+                  <a:buNone/>
+                </a:pPr>
+                <a14:m>
+                  <m:oMathPara xmlns:m="http://schemas.openxmlformats.org/officeDocument/2006/math">
+                    <m:oMathParaPr>
+                      <m:jc m:val="centerGroup"/>
+                    </m:oMathParaPr>
+                    <m:oMath xmlns:m="http://schemas.openxmlformats.org/officeDocument/2006/math">
+                      <m:r>
+                        <a:rPr lang="en-US" i="1" smtClean="0">
+                          <a:latin typeface="Cambria Math" panose="02040503050406030204" pitchFamily="18" charset="0"/>
+                        </a:rPr>
+                        <m:t>𝑆</m:t>
+                      </m:r>
+                      <m:d>
+                        <m:dPr>
+                          <m:ctrlPr>
+                            <a:rPr lang="en-US" i="1" smtClean="0">
+                              <a:latin typeface="Cambria Math" panose="02040503050406030204" pitchFamily="18" charset="0"/>
+                            </a:rPr>
+                          </m:ctrlPr>
+                        </m:dPr>
+                        <m:e>
+                          <m:sSub>
+                            <m:sSubPr>
+                              <m:ctrlPr>
+                                <a:rPr lang="en-US" i="1">
+                                  <a:latin typeface="Cambria Math" panose="02040503050406030204" pitchFamily="18" charset="0"/>
+                                </a:rPr>
+                              </m:ctrlPr>
+                            </m:sSubPr>
+                            <m:e>
+                              <m:r>
+                                <a:rPr lang="en-US" i="1">
+                                  <a:latin typeface="Cambria Math" panose="02040503050406030204" pitchFamily="18" charset="0"/>
+                                </a:rPr>
+                                <m:t>𝜌</m:t>
+                              </m:r>
+                            </m:e>
+                            <m:sub>
+                              <m:r>
+                                <a:rPr lang="en-US" i="1">
+                                  <a:latin typeface="Cambria Math" panose="02040503050406030204" pitchFamily="18" charset="0"/>
+                                </a:rPr>
+                                <m:t>𝐵</m:t>
+                              </m:r>
+                            </m:sub>
+                          </m:sSub>
+                        </m:e>
+                        <m:e>
+                          <m:sSub>
+                            <m:sSubPr>
+                              <m:ctrlPr>
+                                <a:rPr lang="en-US" b="0" i="1" smtClean="0">
+                                  <a:latin typeface="Cambria Math" panose="02040503050406030204" pitchFamily="18" charset="0"/>
+                                </a:rPr>
+                              </m:ctrlPr>
+                            </m:sSubPr>
+                            <m:e>
+                              <m:r>
+                                <a:rPr lang="en-US" b="0" i="1" smtClean="0">
+                                  <a:latin typeface="Cambria Math" panose="02040503050406030204" pitchFamily="18" charset="0"/>
+                                </a:rPr>
+                                <m:t>𝐴</m:t>
+                              </m:r>
+                            </m:e>
+                            <m:sub>
+                              <m:r>
+                                <a:rPr lang="en-US" b="0" i="1" smtClean="0">
+                                  <a:latin typeface="Cambria Math" panose="02040503050406030204" pitchFamily="18" charset="0"/>
+                                </a:rPr>
+                                <m:t>𝑃𝑂𝑉𝑀</m:t>
+                              </m:r>
+                            </m:sub>
+                          </m:sSub>
+                        </m:e>
+                      </m:d>
+                      <m:r>
+                        <a:rPr lang="en-US" b="0" i="1" smtClean="0">
+                          <a:latin typeface="Cambria Math" panose="02040503050406030204" pitchFamily="18" charset="0"/>
+                        </a:rPr>
+                        <m:t>≤</m:t>
+                      </m:r>
+                      <m:r>
+                        <a:rPr lang="en-US" b="0" i="1" smtClean="0">
+                          <a:latin typeface="Cambria Math" panose="02040503050406030204" pitchFamily="18" charset="0"/>
+                        </a:rPr>
+                        <m:t>𝑆</m:t>
+                      </m:r>
+                      <m:d>
+                        <m:dPr>
+                          <m:ctrlPr>
+                            <a:rPr lang="en-US" i="1">
+                              <a:latin typeface="Cambria Math" panose="02040503050406030204" pitchFamily="18" charset="0"/>
+                            </a:rPr>
+                          </m:ctrlPr>
+                        </m:dPr>
+                        <m:e>
+                          <m:sSub>
+                            <m:sSubPr>
+                              <m:ctrlPr>
+                                <a:rPr lang="en-US" i="1">
+                                  <a:latin typeface="Cambria Math" panose="02040503050406030204" pitchFamily="18" charset="0"/>
+                                </a:rPr>
+                              </m:ctrlPr>
+                            </m:sSubPr>
+                            <m:e>
+                              <m:r>
+                                <a:rPr lang="en-US" i="1">
+                                  <a:latin typeface="Cambria Math" panose="02040503050406030204" pitchFamily="18" charset="0"/>
+                                </a:rPr>
+                                <m:t>𝜌</m:t>
+                              </m:r>
+                            </m:e>
+                            <m:sub>
+                              <m:r>
+                                <a:rPr lang="en-US" i="1">
+                                  <a:latin typeface="Cambria Math" panose="02040503050406030204" pitchFamily="18" charset="0"/>
+                                </a:rPr>
+                                <m:t>𝐵</m:t>
+                              </m:r>
+                            </m:sub>
+                          </m:sSub>
+                        </m:e>
+                        <m:e>
+                          <m:sSub>
+                            <m:sSubPr>
+                              <m:ctrlPr>
+                                <a:rPr lang="en-US" i="1">
+                                  <a:latin typeface="Cambria Math" panose="02040503050406030204" pitchFamily="18" charset="0"/>
+                                </a:rPr>
+                              </m:ctrlPr>
+                            </m:sSubPr>
+                            <m:e>
+                              <m:r>
+                                <a:rPr lang="en-US" i="1">
+                                  <a:latin typeface="Cambria Math" panose="02040503050406030204" pitchFamily="18" charset="0"/>
+                                </a:rPr>
+                                <m:t>𝐴</m:t>
+                              </m:r>
+                            </m:e>
+                            <m:sub>
+                              <m:r>
+                                <a:rPr lang="en-US" i="1">
+                                  <a:latin typeface="Cambria Math" panose="02040503050406030204" pitchFamily="18" charset="0"/>
+                                </a:rPr>
+                                <m:t>𝑃𝑉𝑀</m:t>
+                              </m:r>
+                            </m:sub>
+                          </m:sSub>
+                        </m:e>
+                      </m:d>
+                    </m:oMath>
+                  </m:oMathPara>
+                </a14:m>
+                <a:endParaRPr lang="en-US" b="0" dirty="0"/>
+              </a:p>
+              <a:p>
+                <a:pPr marL="0" indent="0">
+                  <a:buNone/>
+                </a:pPr>
+                <a:endParaRPr lang="en-US" b="0" dirty="0"/>
+              </a:p>
+              <a:p>
+                <a:pPr>
+                  <a:buFont typeface="Wingdings" panose="05000000000000000000" pitchFamily="2" charset="2"/>
+                  <a:buChar char="Ø"/>
+                </a:pPr>
+                <a:r>
+                  <a:rPr lang="en-US" dirty="0"/>
+                  <a:t> So, we will use POVM one! </a:t>
+                </a:r>
+              </a:p>
+              <a:p>
+                <a:pPr>
+                  <a:buFont typeface="Wingdings" panose="05000000000000000000" pitchFamily="2" charset="2"/>
+                  <a:buChar char="Ø"/>
+                </a:pPr>
+                <a:endParaRPr lang="en-US" dirty="0"/>
+              </a:p>
+              <a:p>
+                <a:pPr>
+                  <a:buFont typeface="Wingdings" panose="05000000000000000000" pitchFamily="2" charset="2"/>
+                  <a:buChar char="Ø"/>
+                </a:pPr>
+                <a:r>
+                  <a:rPr lang="en-US" dirty="0"/>
+                  <a:t>Given </a:t>
+                </a:r>
+                <a14:m>
+                  <m:oMath xmlns:m="http://schemas.openxmlformats.org/officeDocument/2006/math">
+                    <m:sSub>
+                      <m:sSubPr>
+                        <m:ctrlPr>
+                          <a:rPr lang="en-US" b="0" i="1" smtClean="0">
+                            <a:latin typeface="Cambria Math" panose="02040503050406030204" pitchFamily="18" charset="0"/>
+                          </a:rPr>
+                        </m:ctrlPr>
+                      </m:sSubPr>
+                      <m:e>
+                        <m:r>
+                          <a:rPr lang="en-US" b="0" i="1" smtClean="0">
+                            <a:latin typeface="Cambria Math" panose="02040503050406030204" pitchFamily="18" charset="0"/>
+                          </a:rPr>
+                          <m:t>𝜌</m:t>
+                        </m:r>
+                      </m:e>
+                      <m:sub>
+                        <m:r>
+                          <a:rPr lang="en-US" b="0" i="1" smtClean="0">
+                            <a:latin typeface="Cambria Math" panose="02040503050406030204" pitchFamily="18" charset="0"/>
+                          </a:rPr>
+                          <m:t>𝐴𝐵</m:t>
+                        </m:r>
+                      </m:sub>
+                    </m:sSub>
+                  </m:oMath>
+                </a14:m>
+                <a:r>
+                  <a:rPr lang="en-US" dirty="0"/>
+                  <a:t> we can purify it as </a:t>
+                </a:r>
+                <a14:m>
+                  <m:oMath xmlns:m="http://schemas.openxmlformats.org/officeDocument/2006/math">
+                    <m:sSub>
+                      <m:sSubPr>
+                        <m:ctrlPr>
+                          <a:rPr lang="en-US" b="0" i="1" smtClean="0">
+                            <a:latin typeface="Cambria Math" panose="02040503050406030204" pitchFamily="18" charset="0"/>
+                          </a:rPr>
+                        </m:ctrlPr>
+                      </m:sSubPr>
+                      <m:e>
+                        <m:r>
+                          <a:rPr lang="en-US" b="0" i="1" smtClean="0">
+                            <a:latin typeface="Cambria Math" panose="02040503050406030204" pitchFamily="18" charset="0"/>
+                          </a:rPr>
+                          <m:t>𝜌</m:t>
+                        </m:r>
+                      </m:e>
+                      <m:sub>
+                        <m:r>
+                          <a:rPr lang="en-US" b="0" i="1" smtClean="0">
+                            <a:latin typeface="Cambria Math" panose="02040503050406030204" pitchFamily="18" charset="0"/>
+                          </a:rPr>
+                          <m:t>𝐴𝐵</m:t>
+                        </m:r>
+                      </m:sub>
+                    </m:sSub>
+                    <m:r>
+                      <a:rPr lang="en-US" b="0" i="1" smtClean="0">
+                        <a:latin typeface="Cambria Math" panose="02040503050406030204" pitchFamily="18" charset="0"/>
+                      </a:rPr>
+                      <m:t>=</m:t>
+                    </m:r>
+                    <m:r>
+                      <a:rPr lang="en-US" b="0" i="1" smtClean="0">
+                        <a:latin typeface="Cambria Math" panose="02040503050406030204" pitchFamily="18" charset="0"/>
+                      </a:rPr>
+                      <m:t>𝑇</m:t>
+                    </m:r>
+                    <m:sSub>
+                      <m:sSubPr>
+                        <m:ctrlPr>
+                          <a:rPr lang="en-US" b="0" i="1" smtClean="0">
+                            <a:latin typeface="Cambria Math" panose="02040503050406030204" pitchFamily="18" charset="0"/>
+                          </a:rPr>
+                        </m:ctrlPr>
+                      </m:sSubPr>
+                      <m:e>
+                        <m:r>
+                          <a:rPr lang="en-US" b="0" i="1" smtClean="0">
+                            <a:latin typeface="Cambria Math" panose="02040503050406030204" pitchFamily="18" charset="0"/>
+                          </a:rPr>
+                          <m:t>𝑟</m:t>
+                        </m:r>
+                      </m:e>
+                      <m:sub>
+                        <m:r>
+                          <a:rPr lang="en-US" b="0" i="1" smtClean="0">
+                            <a:latin typeface="Cambria Math" panose="02040503050406030204" pitchFamily="18" charset="0"/>
+                          </a:rPr>
+                          <m:t>𝐶</m:t>
+                        </m:r>
+                      </m:sub>
+                    </m:sSub>
+                    <m:r>
+                      <a:rPr lang="en-US" b="0" i="1" smtClean="0">
+                        <a:latin typeface="Cambria Math" panose="02040503050406030204" pitchFamily="18" charset="0"/>
+                      </a:rPr>
+                      <m:t>(</m:t>
+                    </m:r>
+                    <m:r>
+                      <a:rPr lang="en-US" i="1">
+                        <a:latin typeface="Cambria Math" panose="02040503050406030204" pitchFamily="18" charset="0"/>
+                      </a:rPr>
+                      <m:t>|</m:t>
+                    </m:r>
+                    <m:sSub>
+                      <m:sSubPr>
+                        <m:ctrlPr>
+                          <a:rPr lang="en-US" i="1">
+                            <a:latin typeface="Cambria Math" panose="02040503050406030204" pitchFamily="18" charset="0"/>
+                          </a:rPr>
+                        </m:ctrlPr>
+                      </m:sSubPr>
+                      <m:e>
+                        <m:r>
+                          <a:rPr lang="en-US" i="1">
+                            <a:latin typeface="Cambria Math" panose="02040503050406030204" pitchFamily="18" charset="0"/>
+                          </a:rPr>
+                          <m:t>𝜓</m:t>
+                        </m:r>
+                      </m:e>
+                      <m:sub>
+                        <m:r>
+                          <a:rPr lang="en-US" i="1">
+                            <a:latin typeface="Cambria Math" panose="02040503050406030204" pitchFamily="18" charset="0"/>
+                          </a:rPr>
+                          <m:t>𝐴𝐵𝐶</m:t>
+                        </m:r>
+                      </m:sub>
+                    </m:sSub>
+                    <m:r>
+                      <a:rPr lang="en-US" i="1">
+                        <a:latin typeface="Cambria Math" panose="02040503050406030204" pitchFamily="18" charset="0"/>
+                      </a:rPr>
+                      <m:t>⟩⟨</m:t>
+                    </m:r>
+                    <m:sSub>
+                      <m:sSubPr>
+                        <m:ctrlPr>
+                          <a:rPr lang="en-US" i="1">
+                            <a:latin typeface="Cambria Math" panose="02040503050406030204" pitchFamily="18" charset="0"/>
+                          </a:rPr>
+                        </m:ctrlPr>
+                      </m:sSubPr>
+                      <m:e>
+                        <m:r>
+                          <a:rPr lang="en-US" i="1">
+                            <a:latin typeface="Cambria Math" panose="02040503050406030204" pitchFamily="18" charset="0"/>
+                          </a:rPr>
+                          <m:t>𝜓</m:t>
+                        </m:r>
+                      </m:e>
+                      <m:sub>
+                        <m:r>
+                          <a:rPr lang="en-US" i="1">
+                            <a:latin typeface="Cambria Math" panose="02040503050406030204" pitchFamily="18" charset="0"/>
+                          </a:rPr>
+                          <m:t>𝐴𝐵𝐶</m:t>
+                        </m:r>
+                      </m:sub>
+                    </m:sSub>
+                    <m:r>
+                      <a:rPr lang="en-US" i="1">
+                        <a:latin typeface="Cambria Math" panose="02040503050406030204" pitchFamily="18" charset="0"/>
+                      </a:rPr>
+                      <m:t>|</m:t>
+                    </m:r>
+                    <m:r>
+                      <a:rPr lang="en-US" b="0" i="1" smtClean="0">
+                        <a:latin typeface="Cambria Math" panose="02040503050406030204" pitchFamily="18" charset="0"/>
+                      </a:rPr>
+                      <m:t>)</m:t>
+                    </m:r>
+                  </m:oMath>
+                </a14:m>
+                <a:endParaRPr lang="en-US" dirty="0"/>
+              </a:p>
+              <a:p>
+                <a:pPr>
+                  <a:buFont typeface="Wingdings" panose="05000000000000000000" pitchFamily="2" charset="2"/>
+                  <a:buChar char="Ø"/>
+                </a:pPr>
+                <a:endParaRPr lang="en-US" dirty="0"/>
+              </a:p>
+              <a:p>
+                <a:pPr>
+                  <a:buFont typeface="Wingdings" panose="05000000000000000000" pitchFamily="2" charset="2"/>
+                  <a:buChar char="Ø"/>
+                </a:pPr>
+                <a:r>
+                  <a:rPr lang="en-US" dirty="0"/>
+                  <a:t> Then I have found,</a:t>
+                </a:r>
+              </a:p>
+              <a:p>
+                <a:pPr marL="0" indent="0">
+                  <a:buNone/>
+                </a:pPr>
+                <a14:m>
+                  <m:oMathPara xmlns:m="http://schemas.openxmlformats.org/officeDocument/2006/math">
+                    <m:oMathParaPr>
+                      <m:jc m:val="centerGroup"/>
+                    </m:oMathParaPr>
+                    <m:oMath xmlns:m="http://schemas.openxmlformats.org/officeDocument/2006/math">
+                      <m:r>
+                        <a:rPr lang="en-US" i="1" smtClean="0">
+                          <a:latin typeface="Cambria Math" panose="02040503050406030204" pitchFamily="18" charset="0"/>
+                        </a:rPr>
+                        <m:t>𝑆</m:t>
+                      </m:r>
+                      <m:d>
+                        <m:dPr>
+                          <m:ctrlPr>
+                            <a:rPr lang="en-US" i="1" smtClean="0">
+                              <a:latin typeface="Cambria Math" panose="02040503050406030204" pitchFamily="18" charset="0"/>
+                            </a:rPr>
+                          </m:ctrlPr>
+                        </m:dPr>
+                        <m:e>
+                          <m:sSub>
+                            <m:sSubPr>
+                              <m:ctrlPr>
+                                <a:rPr lang="en-US" i="1">
+                                  <a:latin typeface="Cambria Math" panose="02040503050406030204" pitchFamily="18" charset="0"/>
+                                </a:rPr>
+                              </m:ctrlPr>
+                            </m:sSubPr>
+                            <m:e>
+                              <m:r>
+                                <a:rPr lang="en-US" i="1">
+                                  <a:latin typeface="Cambria Math" panose="02040503050406030204" pitchFamily="18" charset="0"/>
+                                </a:rPr>
+                                <m:t>𝜌</m:t>
+                              </m:r>
+                            </m:e>
+                            <m:sub>
+                              <m:r>
+                                <a:rPr lang="en-US" i="1">
+                                  <a:latin typeface="Cambria Math" panose="02040503050406030204" pitchFamily="18" charset="0"/>
+                                </a:rPr>
+                                <m:t>𝐵</m:t>
+                              </m:r>
+                            </m:sub>
+                          </m:sSub>
+                        </m:e>
+                        <m:e>
+                          <m:sSub>
+                            <m:sSubPr>
+                              <m:ctrlPr>
+                                <a:rPr lang="en-US" b="0" i="1" smtClean="0">
+                                  <a:latin typeface="Cambria Math" panose="02040503050406030204" pitchFamily="18" charset="0"/>
+                                </a:rPr>
+                              </m:ctrlPr>
+                            </m:sSubPr>
+                            <m:e>
+                              <m:r>
+                                <a:rPr lang="en-US" b="0" i="1" smtClean="0">
+                                  <a:latin typeface="Cambria Math" panose="02040503050406030204" pitchFamily="18" charset="0"/>
+                                </a:rPr>
+                                <m:t>𝐴</m:t>
+                              </m:r>
+                            </m:e>
+                            <m:sub>
+                              <m:r>
+                                <a:rPr lang="en-US" b="0" i="1" smtClean="0">
+                                  <a:latin typeface="Cambria Math" panose="02040503050406030204" pitchFamily="18" charset="0"/>
+                                </a:rPr>
+                                <m:t>𝑃𝑂𝑉𝑀</m:t>
+                              </m:r>
+                            </m:sub>
+                          </m:sSub>
+                        </m:e>
+                      </m:d>
+                      <m:r>
+                        <a:rPr lang="en-US" b="0" i="1" smtClean="0">
+                          <a:latin typeface="Cambria Math" panose="02040503050406030204" pitchFamily="18" charset="0"/>
+                        </a:rPr>
+                        <m:t>=</m:t>
+                      </m:r>
+                      <m:r>
+                        <a:rPr lang="en-US" b="0" i="1" smtClean="0">
+                          <a:latin typeface="Cambria Math" panose="02040503050406030204" pitchFamily="18" charset="0"/>
+                        </a:rPr>
+                        <m:t>𝑆</m:t>
+                      </m:r>
+                      <m:r>
+                        <a:rPr lang="en-US" b="0" i="1" smtClean="0">
+                          <a:latin typeface="Cambria Math" panose="02040503050406030204" pitchFamily="18" charset="0"/>
+                        </a:rPr>
+                        <m:t>(</m:t>
+                      </m:r>
+                      <m:r>
+                        <a:rPr lang="en-US" b="0" i="1" smtClean="0">
+                          <a:latin typeface="Cambria Math" panose="02040503050406030204" pitchFamily="18" charset="0"/>
+                        </a:rPr>
+                        <m:t>𝑇</m:t>
+                      </m:r>
+                      <m:sSub>
+                        <m:sSubPr>
+                          <m:ctrlPr>
+                            <a:rPr lang="en-US" b="0" i="1" smtClean="0">
+                              <a:latin typeface="Cambria Math" panose="02040503050406030204" pitchFamily="18" charset="0"/>
+                            </a:rPr>
+                          </m:ctrlPr>
+                        </m:sSubPr>
+                        <m:e>
+                          <m:r>
+                            <a:rPr lang="en-US" b="0" i="1" smtClean="0">
+                              <a:latin typeface="Cambria Math" panose="02040503050406030204" pitchFamily="18" charset="0"/>
+                            </a:rPr>
+                            <m:t>𝑟</m:t>
+                          </m:r>
+                        </m:e>
+                        <m:sub>
+                          <m:r>
+                            <a:rPr lang="en-US" b="0" i="1" smtClean="0">
+                              <a:latin typeface="Cambria Math" panose="02040503050406030204" pitchFamily="18" charset="0"/>
+                            </a:rPr>
+                            <m:t>𝐴</m:t>
+                          </m:r>
+                        </m:sub>
+                      </m:sSub>
+                      <m:r>
+                        <a:rPr lang="en-US" i="1">
+                          <a:latin typeface="Cambria Math" panose="02040503050406030204" pitchFamily="18" charset="0"/>
+                        </a:rPr>
+                        <m:t>|</m:t>
+                      </m:r>
+                      <m:sSub>
+                        <m:sSubPr>
+                          <m:ctrlPr>
+                            <a:rPr lang="en-US" i="1">
+                              <a:latin typeface="Cambria Math" panose="02040503050406030204" pitchFamily="18" charset="0"/>
+                            </a:rPr>
+                          </m:ctrlPr>
+                        </m:sSubPr>
+                        <m:e>
+                          <m:r>
+                            <a:rPr lang="en-US" i="1">
+                              <a:latin typeface="Cambria Math" panose="02040503050406030204" pitchFamily="18" charset="0"/>
+                            </a:rPr>
+                            <m:t>𝜓</m:t>
+                          </m:r>
+                        </m:e>
+                        <m:sub>
+                          <m:r>
+                            <a:rPr lang="en-US" i="1">
+                              <a:latin typeface="Cambria Math" panose="02040503050406030204" pitchFamily="18" charset="0"/>
+                            </a:rPr>
+                            <m:t>𝐴𝐵𝐶</m:t>
+                          </m:r>
+                        </m:sub>
+                      </m:sSub>
+                      <m:r>
+                        <a:rPr lang="en-US" i="1">
+                          <a:latin typeface="Cambria Math" panose="02040503050406030204" pitchFamily="18" charset="0"/>
+                        </a:rPr>
+                        <m:t>⟩⟨</m:t>
+                      </m:r>
+                      <m:sSub>
+                        <m:sSubPr>
+                          <m:ctrlPr>
+                            <a:rPr lang="en-US" i="1">
+                              <a:latin typeface="Cambria Math" panose="02040503050406030204" pitchFamily="18" charset="0"/>
+                            </a:rPr>
+                          </m:ctrlPr>
+                        </m:sSubPr>
+                        <m:e>
+                          <m:r>
+                            <a:rPr lang="en-US" i="1">
+                              <a:latin typeface="Cambria Math" panose="02040503050406030204" pitchFamily="18" charset="0"/>
+                            </a:rPr>
+                            <m:t>𝜓</m:t>
+                          </m:r>
+                        </m:e>
+                        <m:sub>
+                          <m:r>
+                            <a:rPr lang="en-US" i="1">
+                              <a:latin typeface="Cambria Math" panose="02040503050406030204" pitchFamily="18" charset="0"/>
+                            </a:rPr>
+                            <m:t>𝐴𝐵𝐶</m:t>
+                          </m:r>
+                        </m:sub>
+                      </m:sSub>
+                      <m:r>
+                        <a:rPr lang="en-US" i="1">
+                          <a:latin typeface="Cambria Math" panose="02040503050406030204" pitchFamily="18" charset="0"/>
+                        </a:rPr>
+                        <m:t>|</m:t>
+                      </m:r>
+                      <m:r>
+                        <a:rPr lang="en-US" b="0" i="1" smtClean="0">
+                          <a:latin typeface="Cambria Math" panose="02040503050406030204" pitchFamily="18" charset="0"/>
+                        </a:rPr>
+                        <m:t>)</m:t>
+                      </m:r>
+                    </m:oMath>
+                  </m:oMathPara>
+                </a14:m>
+                <a:endParaRPr lang="en-US" dirty="0"/>
+              </a:p>
+              <a:p>
+                <a:pPr marL="0" indent="0">
+                  <a:buNone/>
+                </a:pPr>
+                <a:endParaRPr lang="en-US" dirty="0"/>
+              </a:p>
+              <a:p>
+                <a:pPr>
+                  <a:buFont typeface="Wingdings" panose="05000000000000000000" pitchFamily="2" charset="2"/>
+                  <a:buChar char="Ø"/>
+                </a:pPr>
+                <a:endParaRPr lang="en-US" dirty="0"/>
+              </a:p>
+            </p:txBody>
+          </p:sp>
+        </mc:Choice>
+        <mc:Fallback xmlns="">
+          <p:sp>
+            <p:nvSpPr>
+              <p:cNvPr id="3" name="Content Placeholder 2">
+                <a:extLst>
+                  <a:ext uri="{FF2B5EF4-FFF2-40B4-BE49-F238E27FC236}">
+                    <a16:creationId xmlns:a16="http://schemas.microsoft.com/office/drawing/2014/main" id="{07AACD02-177E-420B-48C9-C08D2976A9D0}"/>
+                  </a:ext>
+                </a:extLst>
+              </p:cNvPr>
+              <p:cNvSpPr>
+                <a:spLocks noGrp="1" noRot="1" noChangeAspect="1" noMove="1" noResize="1" noEditPoints="1" noAdjustHandles="1" noChangeArrowheads="1" noChangeShapeType="1" noTextEdit="1"/>
+              </p:cNvSpPr>
+              <p:nvPr>
+                <p:ph idx="1"/>
+              </p:nvPr>
+            </p:nvSpPr>
+            <p:spPr>
+              <a:blipFill>
+                <a:blip r:embed="rId2"/>
+                <a:stretch>
+                  <a:fillRect l="-714" t="-1568"/>
+                </a:stretch>
+              </a:blipFill>
+            </p:spPr>
+            <p:txBody>
+              <a:bodyPr/>
+              <a:lstStyle/>
+              <a:p>
+                <a:r>
+                  <a:rPr lang="en-US">
+                    <a:noFill/>
+                  </a:rPr>
+                  <a:t> </a:t>
+                </a:r>
+              </a:p>
+            </p:txBody>
+          </p:sp>
+        </mc:Fallback>
+      </mc:AlternateContent>
+      <p:sp>
+        <p:nvSpPr>
+          <p:cNvPr id="4" name="Footer Placeholder 3">
+            <a:extLst>
+              <a:ext uri="{FF2B5EF4-FFF2-40B4-BE49-F238E27FC236}">
+                <a16:creationId xmlns:a16="http://schemas.microsoft.com/office/drawing/2014/main" id="{70102BC6-4D6A-0D7F-D093-F09753B1C6C5}"/>
+              </a:ext>
+            </a:extLst>
+          </p:cNvPr>
+          <p:cNvSpPr>
+            <a:spLocks noGrp="1"/>
+          </p:cNvSpPr>
+          <p:nvPr>
+            <p:ph type="ftr" sz="quarter" idx="11"/>
+          </p:nvPr>
+        </p:nvSpPr>
+        <p:spPr/>
+        <p:txBody>
+          <a:bodyPr/>
+          <a:lstStyle/>
+          <a:p>
+            <a:r>
+              <a:rPr lang="en-US"/>
+              <a:t>All Rights Reserved</a:t>
+            </a:r>
+            <a:endParaRPr lang="en-US" dirty="0"/>
+          </a:p>
+        </p:txBody>
+      </p:sp>
+    </p:spTree>
+    <p:extLst>
+      <p:ext uri="{BB962C8B-B14F-4D97-AF65-F5344CB8AC3E}">
+        <p14:creationId xmlns:p14="http://schemas.microsoft.com/office/powerpoint/2010/main" val="3306249795"/>
+      </p:ext>
+    </p:extLst>
+  </p:cSld>
+  <p:clrMapOvr>
+    <a:masterClrMapping/>
+  </p:clrMapOvr>
+</p:sld>
+</file>
+
+<file path=ppt/slides/slide11.xml><?xml version="1.0" encoding="utf-8"?>
+<p:sld xmlns:a="http://schemas.openxmlformats.org/drawingml/2006/main" xmlns:r="http://schemas.openxmlformats.org/officeDocument/2006/relationships" xmlns:p="http://schemas.openxmlformats.org/presentationml/2006/main">
+  <p:cSld>
+    <p:spTree>
+      <p:nvGrpSpPr>
+        <p:cNvPr id="1" name=""/>
+        <p:cNvGrpSpPr/>
+        <p:nvPr/>
+      </p:nvGrpSpPr>
+      <p:grpSpPr>
+        <a:xfrm>
+          <a:off x="0" y="0"/>
+          <a:ext cx="0" cy="0"/>
+          <a:chOff x="0" y="0"/>
+          <a:chExt cx="0" cy="0"/>
+        </a:xfrm>
+      </p:grpSpPr>
+      <p:sp>
+        <p:nvSpPr>
+          <p:cNvPr id="2" name="Title 1">
+            <a:extLst>
+              <a:ext uri="{FF2B5EF4-FFF2-40B4-BE49-F238E27FC236}">
                 <a16:creationId xmlns:a16="http://schemas.microsoft.com/office/drawing/2014/main" id="{6FBD0F23-8483-E7C1-B222-83AA9A8FA5BC}"/>
               </a:ext>
             </a:extLst>
@@ -7293,7 +8103,7 @@
                 </a:pPr>
                 <a:r>
                   <a:rPr lang="en-US" dirty="0"/>
-                  <a:t> Determines amount of Entanglement</a:t>
+                  <a:t> Determines amount of Entanglement [3]</a:t>
                 </a:r>
               </a:p>
               <a:p>
@@ -7797,6 +8607,13 @@
                   <a:t> For pure states, It equals to Entanglement Entropy.</a:t>
                 </a:r>
               </a:p>
+              <a:p>
+                <a:pPr>
+                  <a:buFont typeface="Wingdings" panose="05000000000000000000" pitchFamily="2" charset="2"/>
+                  <a:buChar char="Ø"/>
+                </a:pPr>
+                <a:endParaRPr lang="en-US" dirty="0"/>
+              </a:p>
             </p:txBody>
           </p:sp>
         </mc:Choice>
@@ -7890,7 +8707,7 @@
 </p:sld>
 </file>
 
-<file path=ppt/slides/slide11.xml><?xml version="1.0" encoding="utf-8"?>
+<file path=ppt/slides/slide12.xml><?xml version="1.0" encoding="utf-8"?>
 <p:sld xmlns:a="http://schemas.openxmlformats.org/drawingml/2006/main" xmlns:r="http://schemas.openxmlformats.org/officeDocument/2006/relationships" xmlns:p="http://schemas.openxmlformats.org/presentationml/2006/main">
   <p:cSld>
     <p:spTree>
@@ -8066,7 +8883,7 @@
 </p:sld>
 </file>
 
-<file path=ppt/slides/slide12.xml><?xml version="1.0" encoding="utf-8"?>
+<file path=ppt/slides/slide13.xml><?xml version="1.0" encoding="utf-8"?>
 <p:sld xmlns:a="http://schemas.openxmlformats.org/drawingml/2006/main" xmlns:r="http://schemas.openxmlformats.org/officeDocument/2006/relationships" xmlns:p="http://schemas.openxmlformats.org/presentationml/2006/main">
   <p:cSld>
     <p:spTree>
@@ -8232,7 +9049,7 @@
 </p:sld>
 </file>
 
-<file path=ppt/slides/slide13.xml><?xml version="1.0" encoding="utf-8"?>
+<file path=ppt/slides/slide14.xml><?xml version="1.0" encoding="utf-8"?>
 <p:sld xmlns:a="http://schemas.openxmlformats.org/drawingml/2006/main" xmlns:r="http://schemas.openxmlformats.org/officeDocument/2006/relationships" xmlns:p="http://schemas.openxmlformats.org/presentationml/2006/main">
   <p:cSld>
     <p:spTree>
@@ -8348,7 +9165,15 @@
                 </a:pPr>
                 <a:r>
                   <a:rPr lang="en-US" dirty="0"/>
-                  <a:t> How to use QD as parameter? We need </a:t>
+                  <a:t> How to use QD, </a:t>
+                </a:r>
+                <a:r>
+                  <a:rPr lang="en-US" dirty="0" err="1"/>
+                  <a:t>EoF</a:t>
+                </a:r>
+                <a:r>
+                  <a:rPr lang="en-US" dirty="0"/>
+                  <a:t> as parameter? We need </a:t>
                 </a:r>
                 <a:r>
                   <a:rPr lang="en-US" b="1" dirty="0"/>
@@ -8356,7 +9181,7 @@
                 </a:r>
                 <a:r>
                   <a:rPr lang="en-US" dirty="0"/>
-                  <a:t> protocol!</a:t>
+                  <a:t> protocol [4]!</a:t>
                 </a:r>
               </a:p>
               <a:p>
@@ -8396,6 +9221,18 @@
                         <a:latin typeface="Cambria Math" panose="02040503050406030204" pitchFamily="18" charset="0"/>
                       </a:rPr>
                       <m:t>𝑸𝑫</m:t>
+                    </m:r>
+                    <m:r>
+                      <a:rPr lang="en-US" b="1" i="1" smtClean="0">
+                        <a:latin typeface="Cambria Math" panose="02040503050406030204" pitchFamily="18" charset="0"/>
+                      </a:rPr>
+                      <m:t>,</m:t>
+                    </m:r>
+                    <m:r>
+                      <a:rPr lang="en-US" b="1" i="1" smtClean="0">
+                        <a:latin typeface="Cambria Math" panose="02040503050406030204" pitchFamily="18" charset="0"/>
+                      </a:rPr>
+                      <m:t>𝑬𝒐𝑭</m:t>
                     </m:r>
                   </m:oMath>
                 </a14:m>
@@ -8457,6 +9294,18 @@
                           <a:latin typeface="Cambria Math" panose="02040503050406030204" pitchFamily="18" charset="0"/>
                         </a:rPr>
                         <m:t>𝑸𝑫</m:t>
+                      </m:r>
+                      <m:r>
+                        <a:rPr lang="en-US" b="1" i="1" smtClean="0">
+                          <a:latin typeface="Cambria Math" panose="02040503050406030204" pitchFamily="18" charset="0"/>
+                        </a:rPr>
+                        <m:t>,</m:t>
+                      </m:r>
+                      <m:r>
+                        <a:rPr lang="en-US" b="1" i="1" smtClean="0">
+                          <a:latin typeface="Cambria Math" panose="02040503050406030204" pitchFamily="18" charset="0"/>
+                        </a:rPr>
+                        <m:t>𝑬𝒐𝑭</m:t>
                       </m:r>
                       <m:r>
                         <a:rPr lang="en-US" b="1" i="1" smtClean="0">
@@ -8554,7 +9403,7 @@
 </p:sld>
 </file>
 
-<file path=ppt/slides/slide14.xml><?xml version="1.0" encoding="utf-8"?>
+<file path=ppt/slides/slide15.xml><?xml version="1.0" encoding="utf-8"?>
 <p:sld xmlns:a="http://schemas.openxmlformats.org/drawingml/2006/main" xmlns:r="http://schemas.openxmlformats.org/officeDocument/2006/relationships" xmlns:p="http://schemas.openxmlformats.org/presentationml/2006/main">
   <p:cSld>
     <p:spTree>
@@ -8599,8 +9448,8 @@
           </a:p>
         </p:txBody>
       </p:sp>
-      <mc:AlternateContent xmlns:mc="http://schemas.openxmlformats.org/markup-compatibility/2006">
-        <mc:Choice xmlns:a14="http://schemas.microsoft.com/office/drawing/2010/main" Requires="a14">
+      <mc:AlternateContent xmlns:mc="http://schemas.openxmlformats.org/markup-compatibility/2006" xmlns:a14="http://schemas.microsoft.com/office/drawing/2010/main">
+        <mc:Choice Requires="a14">
           <p:sp>
             <p:nvSpPr>
               <p:cNvPr id="3" name="Content Placeholder 2">
@@ -9119,7 +9968,7 @@
             </p:txBody>
           </p:sp>
         </mc:Choice>
-        <mc:Fallback>
+        <mc:Fallback xmlns="">
           <p:sp>
             <p:nvSpPr>
               <p:cNvPr id="3" name="Content Placeholder 2">
@@ -9236,7 +10085,7 @@
 </p:sld>
 </file>
 
-<file path=ppt/slides/slide15.xml><?xml version="1.0" encoding="utf-8"?>
+<file path=ppt/slides/slide16.xml><?xml version="1.0" encoding="utf-8"?>
 <p:sld xmlns:a="http://schemas.openxmlformats.org/drawingml/2006/main" xmlns:r="http://schemas.openxmlformats.org/officeDocument/2006/relationships" xmlns:p="http://schemas.openxmlformats.org/presentationml/2006/main">
   <p:cSld>
     <p:spTree>
@@ -9553,7 +10402,7 @@
                       <m:sSub>
                         <m:sSubPr>
                           <m:ctrlPr>
-                            <a:rPr lang="en-US" b="0" i="0" smtClean="0">
+                            <a:rPr lang="en-US" b="0" i="1" smtClean="0">
                               <a:latin typeface="Cambria Math" panose="02040503050406030204" pitchFamily="18" charset="0"/>
                             </a:rPr>
                           </m:ctrlPr>
@@ -9829,6 +10678,241 @@
                 <a:endParaRPr lang="en-US" dirty="0"/>
               </a:p>
               <a:p>
+                <a:pPr>
+                  <a:buFont typeface="Wingdings" panose="05000000000000000000" pitchFamily="2" charset="2"/>
+                  <a:buChar char="Ø"/>
+                </a:pPr>
+                <a:r>
+                  <a:rPr lang="en-US" dirty="0"/>
+                  <a:t> </a:t>
+                </a:r>
+                <a:r>
+                  <a:rPr lang="en-US" b="1" dirty="0"/>
+                  <a:t>Then we have </a:t>
+                </a:r>
+                <a14:m>
+                  <m:oMath xmlns:m="http://schemas.openxmlformats.org/officeDocument/2006/math">
+                    <m:r>
+                      <a:rPr lang="en-US" b="1" i="1">
+                        <a:latin typeface="Cambria Math" panose="02040503050406030204" pitchFamily="18" charset="0"/>
+                      </a:rPr>
+                      <m:t>𝜽</m:t>
+                    </m:r>
+                    <m:r>
+                      <a:rPr lang="en-US" b="1" i="1">
+                        <a:latin typeface="Cambria Math" panose="02040503050406030204" pitchFamily="18" charset="0"/>
+                      </a:rPr>
+                      <m:t>=</m:t>
+                    </m:r>
+                    <m:r>
+                      <a:rPr lang="en-US" b="1" i="1">
+                        <a:latin typeface="Cambria Math" panose="02040503050406030204" pitchFamily="18" charset="0"/>
+                      </a:rPr>
+                      <m:t>𝜽</m:t>
+                    </m:r>
+                    <m:r>
+                      <a:rPr lang="en-US" b="1" i="1" smtClean="0">
+                        <a:latin typeface="Cambria Math" panose="02040503050406030204" pitchFamily="18" charset="0"/>
+                      </a:rPr>
+                      <m:t>(</m:t>
+                    </m:r>
+                    <m:r>
+                      <a:rPr lang="en-US" b="1" i="1" smtClean="0">
+                        <a:latin typeface="Cambria Math" panose="02040503050406030204" pitchFamily="18" charset="0"/>
+                      </a:rPr>
+                      <m:t>𝒑</m:t>
+                    </m:r>
+                    <m:r>
+                      <a:rPr lang="en-US" b="1" i="1" smtClean="0">
+                        <a:latin typeface="Cambria Math" panose="02040503050406030204" pitchFamily="18" charset="0"/>
+                      </a:rPr>
+                      <m:t>,</m:t>
+                    </m:r>
+                    <m:r>
+                      <a:rPr lang="en-US" b="1" i="1" smtClean="0">
+                        <a:latin typeface="Cambria Math" panose="02040503050406030204" pitchFamily="18" charset="0"/>
+                      </a:rPr>
+                      <m:t>𝒒</m:t>
+                    </m:r>
+                    <m:r>
+                      <a:rPr lang="en-US" b="1" i="1" smtClean="0">
+                        <a:latin typeface="Cambria Math" panose="02040503050406030204" pitchFamily="18" charset="0"/>
+                      </a:rPr>
+                      <m:t>)</m:t>
+                    </m:r>
+                  </m:oMath>
+                </a14:m>
+                <a:r>
+                  <a:rPr lang="en-US" b="1" dirty="0"/>
+                  <a:t>, we have </a:t>
+                </a:r>
+                <a14:m>
+                  <m:oMath xmlns:m="http://schemas.openxmlformats.org/officeDocument/2006/math">
+                    <m:r>
+                      <a:rPr lang="en-US" b="1" i="1" smtClean="0">
+                        <a:latin typeface="Cambria Math" panose="02040503050406030204" pitchFamily="18" charset="0"/>
+                      </a:rPr>
+                      <m:t>𝑸𝑫</m:t>
+                    </m:r>
+                    <m:r>
+                      <a:rPr lang="en-US" b="1" i="1" smtClean="0">
+                        <a:latin typeface="Cambria Math" panose="02040503050406030204" pitchFamily="18" charset="0"/>
+                      </a:rPr>
+                      <m:t>(</m:t>
+                    </m:r>
+                    <m:r>
+                      <a:rPr lang="en-US" b="1" i="1" smtClean="0">
+                        <a:latin typeface="Cambria Math" panose="02040503050406030204" pitchFamily="18" charset="0"/>
+                      </a:rPr>
+                      <m:t>𝒑</m:t>
+                    </m:r>
+                    <m:r>
+                      <a:rPr lang="en-US" b="1" i="1" smtClean="0">
+                        <a:latin typeface="Cambria Math" panose="02040503050406030204" pitchFamily="18" charset="0"/>
+                      </a:rPr>
+                      <m:t>,</m:t>
+                    </m:r>
+                    <m:r>
+                      <a:rPr lang="en-US" b="1" i="1" smtClean="0">
+                        <a:latin typeface="Cambria Math" panose="02040503050406030204" pitchFamily="18" charset="0"/>
+                      </a:rPr>
+                      <m:t>𝒒</m:t>
+                    </m:r>
+                    <m:r>
+                      <a:rPr lang="en-US" b="1" i="1" smtClean="0">
+                        <a:latin typeface="Cambria Math" panose="02040503050406030204" pitchFamily="18" charset="0"/>
+                      </a:rPr>
+                      <m:t>)</m:t>
+                    </m:r>
+                  </m:oMath>
+                </a14:m>
+                <a:r>
+                  <a:rPr lang="en-US" b="1" dirty="0"/>
+                  <a:t>, </a:t>
+                </a:r>
+                <a14:m>
+                  <m:oMath xmlns:m="http://schemas.openxmlformats.org/officeDocument/2006/math">
+                    <m:r>
+                      <a:rPr lang="en-US" b="1" i="1" dirty="0" smtClean="0">
+                        <a:latin typeface="Cambria Math" panose="02040503050406030204" pitchFamily="18" charset="0"/>
+                      </a:rPr>
+                      <m:t>𝑬𝒐𝑭</m:t>
+                    </m:r>
+                    <m:r>
+                      <a:rPr lang="en-US" b="1" i="1" dirty="0" smtClean="0">
+                        <a:latin typeface="Cambria Math" panose="02040503050406030204" pitchFamily="18" charset="0"/>
+                      </a:rPr>
+                      <m:t>(</m:t>
+                    </m:r>
+                    <m:r>
+                      <a:rPr lang="en-US" b="1" i="1" dirty="0" smtClean="0">
+                        <a:latin typeface="Cambria Math" panose="02040503050406030204" pitchFamily="18" charset="0"/>
+                      </a:rPr>
+                      <m:t>𝒑</m:t>
+                    </m:r>
+                    <m:r>
+                      <a:rPr lang="en-US" b="1" i="1" dirty="0" smtClean="0">
+                        <a:latin typeface="Cambria Math" panose="02040503050406030204" pitchFamily="18" charset="0"/>
+                      </a:rPr>
+                      <m:t>,</m:t>
+                    </m:r>
+                    <m:r>
+                      <a:rPr lang="en-US" b="1" i="1" dirty="0" smtClean="0">
+                        <a:latin typeface="Cambria Math" panose="02040503050406030204" pitchFamily="18" charset="0"/>
+                      </a:rPr>
+                      <m:t>𝒒</m:t>
+                    </m:r>
+                    <m:r>
+                      <a:rPr lang="en-US" b="1" i="1" dirty="0" smtClean="0">
+                        <a:latin typeface="Cambria Math" panose="02040503050406030204" pitchFamily="18" charset="0"/>
+                      </a:rPr>
+                      <m:t>)</m:t>
+                    </m:r>
+                  </m:oMath>
+                </a14:m>
+                <a:r>
+                  <a:rPr lang="en-US" b="1" dirty="0"/>
+                  <a:t>, our target is</a:t>
+                </a:r>
+              </a:p>
+              <a:p>
+                <a:pPr marL="0" indent="0">
+                  <a:buNone/>
+                </a:pPr>
+                <a14:m>
+                  <m:oMathPara xmlns:m="http://schemas.openxmlformats.org/officeDocument/2006/math">
+                    <m:oMathParaPr>
+                      <m:jc m:val="centerGroup"/>
+                    </m:oMathParaPr>
+                    <m:oMath xmlns:m="http://schemas.openxmlformats.org/officeDocument/2006/math">
+                      <m:r>
+                        <a:rPr lang="en-US" b="1" i="1">
+                          <a:latin typeface="Cambria Math" panose="02040503050406030204" pitchFamily="18" charset="0"/>
+                        </a:rPr>
+                        <m:t>𝜽</m:t>
+                      </m:r>
+                      <m:r>
+                        <a:rPr lang="en-US" b="1" i="1">
+                          <a:latin typeface="Cambria Math" panose="02040503050406030204" pitchFamily="18" charset="0"/>
+                        </a:rPr>
+                        <m:t>=</m:t>
+                      </m:r>
+                      <m:r>
+                        <a:rPr lang="en-US" b="1" i="1">
+                          <a:latin typeface="Cambria Math" panose="02040503050406030204" pitchFamily="18" charset="0"/>
+                        </a:rPr>
+                        <m:t>𝜽</m:t>
+                      </m:r>
+                      <m:r>
+                        <a:rPr lang="en-US" b="1" i="1" smtClean="0">
+                          <a:latin typeface="Cambria Math" panose="02040503050406030204" pitchFamily="18" charset="0"/>
+                        </a:rPr>
+                        <m:t>(</m:t>
+                      </m:r>
+                      <m:r>
+                        <a:rPr lang="en-US" b="1" i="1" smtClean="0">
+                          <a:latin typeface="Cambria Math" panose="02040503050406030204" pitchFamily="18" charset="0"/>
+                        </a:rPr>
+                        <m:t>𝑸𝑫</m:t>
+                      </m:r>
+                      <m:r>
+                        <a:rPr lang="en-US" b="1" i="1" smtClean="0">
+                          <a:latin typeface="Cambria Math" panose="02040503050406030204" pitchFamily="18" charset="0"/>
+                        </a:rPr>
+                        <m:t>, </m:t>
+                      </m:r>
+                      <m:r>
+                        <a:rPr lang="en-US" b="1" i="1" smtClean="0">
+                          <a:latin typeface="Cambria Math" panose="02040503050406030204" pitchFamily="18" charset="0"/>
+                        </a:rPr>
+                        <m:t>𝑬𝒐𝑭</m:t>
+                      </m:r>
+                      <m:r>
+                        <a:rPr lang="en-US" b="1" i="1" smtClean="0">
+                          <a:latin typeface="Cambria Math" panose="02040503050406030204" pitchFamily="18" charset="0"/>
+                        </a:rPr>
+                        <m:t>)</m:t>
+                      </m:r>
+                    </m:oMath>
+                  </m:oMathPara>
+                </a14:m>
+                <a:endParaRPr lang="en-US" b="1" dirty="0"/>
+              </a:p>
+              <a:p>
+                <a:pPr>
+                  <a:buFont typeface="Wingdings" panose="05000000000000000000" pitchFamily="2" charset="2"/>
+                  <a:buChar char="Ø"/>
+                </a:pPr>
+                <a:endParaRPr lang="en-US" dirty="0"/>
+              </a:p>
+              <a:p>
+                <a:pPr>
+                  <a:buFont typeface="Wingdings" panose="05000000000000000000" pitchFamily="2" charset="2"/>
+                  <a:buChar char="Ø"/>
+                </a:pPr>
+                <a:endParaRPr lang="en-US" dirty="0"/>
+              </a:p>
+              <a:p>
                 <a:pPr marL="0" indent="0">
                   <a:buNone/>
                 </a:pPr>
@@ -9919,6 +11003,263 @@
 </p:sld>
 </file>
 
+<file path=ppt/slides/slide17.xml><?xml version="1.0" encoding="utf-8"?>
+<p:sld xmlns:a="http://schemas.openxmlformats.org/drawingml/2006/main" xmlns:r="http://schemas.openxmlformats.org/officeDocument/2006/relationships" xmlns:p="http://schemas.openxmlformats.org/presentationml/2006/main">
+  <p:cSld>
+    <p:spTree>
+      <p:nvGrpSpPr>
+        <p:cNvPr id="1" name=""/>
+        <p:cNvGrpSpPr/>
+        <p:nvPr/>
+      </p:nvGrpSpPr>
+      <p:grpSpPr>
+        <a:xfrm>
+          <a:off x="0" y="0"/>
+          <a:ext cx="0" cy="0"/>
+          <a:chOff x="0" y="0"/>
+          <a:chExt cx="0" cy="0"/>
+        </a:xfrm>
+      </p:grpSpPr>
+      <p:sp>
+        <p:nvSpPr>
+          <p:cNvPr id="2" name="Title 1">
+            <a:extLst>
+              <a:ext uri="{FF2B5EF4-FFF2-40B4-BE49-F238E27FC236}">
+                <a16:creationId xmlns:a16="http://schemas.microsoft.com/office/drawing/2014/main" id="{E921A107-AB51-4447-B917-291964DB150D}"/>
+              </a:ext>
+            </a:extLst>
+          </p:cNvPr>
+          <p:cNvSpPr>
+            <a:spLocks noGrp="1"/>
+          </p:cNvSpPr>
+          <p:nvPr>
+            <p:ph type="title"/>
+          </p:nvPr>
+        </p:nvSpPr>
+        <p:spPr/>
+        <p:txBody>
+          <a:bodyPr/>
+          <a:lstStyle/>
+          <a:p>
+            <a:r>
+              <a:rPr lang="en-US" dirty="0"/>
+              <a:t>References</a:t>
+            </a:r>
+          </a:p>
+        </p:txBody>
+      </p:sp>
+      <p:sp>
+        <p:nvSpPr>
+          <p:cNvPr id="3" name="Content Placeholder 2">
+            <a:extLst>
+              <a:ext uri="{FF2B5EF4-FFF2-40B4-BE49-F238E27FC236}">
+                <a16:creationId xmlns:a16="http://schemas.microsoft.com/office/drawing/2014/main" id="{97892623-EC42-984A-E592-3D8717E7C17D}"/>
+              </a:ext>
+            </a:extLst>
+          </p:cNvPr>
+          <p:cNvSpPr>
+            <a:spLocks noGrp="1"/>
+          </p:cNvSpPr>
+          <p:nvPr>
+            <p:ph idx="1"/>
+          </p:nvPr>
+        </p:nvSpPr>
+        <p:spPr/>
+        <p:txBody>
+          <a:bodyPr/>
+          <a:lstStyle/>
+          <a:p>
+            <a:pPr marL="0" indent="0">
+              <a:buNone/>
+            </a:pPr>
+            <a:r>
+              <a:rPr lang="en-US" sz="1600" dirty="0">
+                <a:latin typeface="Times New Roman" panose="02020603050405020304" pitchFamily="18" charset="0"/>
+                <a:cs typeface="Times New Roman" panose="02020603050405020304" pitchFamily="18" charset="0"/>
+              </a:rPr>
+              <a:t>[1] </a:t>
+            </a:r>
+            <a:r>
+              <a:rPr lang="en-US" sz="1600" b="0" i="0" dirty="0">
+                <a:effectLst/>
+                <a:latin typeface="Times New Roman" panose="02020603050405020304" pitchFamily="18" charset="0"/>
+                <a:cs typeface="Times New Roman" panose="02020603050405020304" pitchFamily="18" charset="0"/>
+                <a:hlinkClick r:id="rId2"/>
+              </a:rPr>
+              <a:t>https://doi.org/10.1103/PhysRevLett.69.2881</a:t>
+            </a:r>
+            <a:endParaRPr lang="en-US" sz="1600" b="0" i="0" dirty="0">
+              <a:effectLst/>
+              <a:latin typeface="Times New Roman" panose="02020603050405020304" pitchFamily="18" charset="0"/>
+              <a:cs typeface="Times New Roman" panose="02020603050405020304" pitchFamily="18" charset="0"/>
+            </a:endParaRPr>
+          </a:p>
+          <a:p>
+            <a:pPr marL="0" indent="0">
+              <a:buNone/>
+            </a:pPr>
+            <a:r>
+              <a:rPr lang="en-US" sz="1600" dirty="0">
+                <a:latin typeface="Times New Roman" panose="02020603050405020304" pitchFamily="18" charset="0"/>
+                <a:cs typeface="Times New Roman" panose="02020603050405020304" pitchFamily="18" charset="0"/>
+              </a:rPr>
+              <a:t>[2] </a:t>
+            </a:r>
+            <a:r>
+              <a:rPr lang="en-US" sz="1600" b="0" i="0" dirty="0">
+                <a:solidFill>
+                  <a:srgbClr val="222222"/>
+                </a:solidFill>
+                <a:effectLst/>
+                <a:latin typeface="Times New Roman" panose="02020603050405020304" pitchFamily="18" charset="0"/>
+                <a:cs typeface="Times New Roman" panose="02020603050405020304" pitchFamily="18" charset="0"/>
+                <a:hlinkClick r:id="rId3"/>
+              </a:rPr>
+              <a:t>https://doi.org/10.1038/srep06956</a:t>
+            </a:r>
+            <a:endParaRPr lang="en-US" sz="1600" b="0" i="0" dirty="0">
+              <a:solidFill>
+                <a:srgbClr val="222222"/>
+              </a:solidFill>
+              <a:effectLst/>
+              <a:latin typeface="Times New Roman" panose="02020603050405020304" pitchFamily="18" charset="0"/>
+              <a:cs typeface="Times New Roman" panose="02020603050405020304" pitchFamily="18" charset="0"/>
+            </a:endParaRPr>
+          </a:p>
+          <a:p>
+            <a:pPr marL="0" indent="0">
+              <a:buNone/>
+            </a:pPr>
+            <a:r>
+              <a:rPr lang="en-US" sz="1600" dirty="0">
+                <a:solidFill>
+                  <a:srgbClr val="222222"/>
+                </a:solidFill>
+                <a:latin typeface="Times New Roman" panose="02020603050405020304" pitchFamily="18" charset="0"/>
+                <a:cs typeface="Times New Roman" panose="02020603050405020304" pitchFamily="18" charset="0"/>
+              </a:rPr>
+              <a:t>[3] </a:t>
+            </a:r>
+            <a:r>
+              <a:rPr lang="en-US" sz="1600" b="0" i="0" dirty="0">
+                <a:effectLst/>
+                <a:latin typeface="Times New Roman" panose="02020603050405020304" pitchFamily="18" charset="0"/>
+                <a:cs typeface="Times New Roman" panose="02020603050405020304" pitchFamily="18" charset="0"/>
+                <a:hlinkClick r:id="rId4"/>
+              </a:rPr>
+              <a:t>https://doi.org/10.1103/PhysRevA.83.054101</a:t>
+            </a:r>
+            <a:endParaRPr lang="en-US" sz="1600" b="0" i="0" dirty="0">
+              <a:effectLst/>
+              <a:latin typeface="Times New Roman" panose="02020603050405020304" pitchFamily="18" charset="0"/>
+              <a:cs typeface="Times New Roman" panose="02020603050405020304" pitchFamily="18" charset="0"/>
+            </a:endParaRPr>
+          </a:p>
+          <a:p>
+            <a:pPr marL="0" indent="0">
+              <a:buNone/>
+            </a:pPr>
+            <a:r>
+              <a:rPr lang="en-US" sz="1600" dirty="0">
+                <a:latin typeface="Times New Roman" panose="02020603050405020304" pitchFamily="18" charset="0"/>
+                <a:cs typeface="Times New Roman" panose="02020603050405020304" pitchFamily="18" charset="0"/>
+              </a:rPr>
+              <a:t>[4] </a:t>
+            </a:r>
+            <a:r>
+              <a:rPr lang="en-US" sz="1600" dirty="0">
+                <a:latin typeface="Times New Roman" panose="02020603050405020304" pitchFamily="18" charset="0"/>
+                <a:cs typeface="Times New Roman" panose="02020603050405020304" pitchFamily="18" charset="0"/>
+                <a:hlinkClick r:id="rId5"/>
+              </a:rPr>
+              <a:t>https://doi.org/10.1103/PhysRevLett.77.2818</a:t>
+            </a:r>
+            <a:endParaRPr lang="en-US" sz="1600" dirty="0">
+              <a:latin typeface="Times New Roman" panose="02020603050405020304" pitchFamily="18" charset="0"/>
+              <a:cs typeface="Times New Roman" panose="02020603050405020304" pitchFamily="18" charset="0"/>
+            </a:endParaRPr>
+          </a:p>
+          <a:p>
+            <a:pPr marL="0" indent="0">
+              <a:buNone/>
+            </a:pPr>
+            <a:r>
+              <a:rPr lang="en-US" sz="1600" b="0" i="0" dirty="0">
+                <a:effectLst/>
+                <a:latin typeface="Times New Roman" panose="02020603050405020304" pitchFamily="18" charset="0"/>
+                <a:cs typeface="Times New Roman" panose="02020603050405020304" pitchFamily="18" charset="0"/>
+              </a:rPr>
+              <a:t>[5] </a:t>
+            </a:r>
+            <a:r>
+              <a:rPr lang="en-US" sz="1600" b="0" i="0" dirty="0">
+                <a:effectLst/>
+                <a:latin typeface="Times New Roman" panose="02020603050405020304" pitchFamily="18" charset="0"/>
+                <a:cs typeface="Times New Roman" panose="02020603050405020304" pitchFamily="18" charset="0"/>
+                <a:hlinkClick r:id="rId6"/>
+              </a:rPr>
+              <a:t>https://doi.org/10.1103/PhysRevLett.86.5811</a:t>
+            </a:r>
+            <a:endParaRPr lang="en-US" sz="1600" b="0" i="0" dirty="0">
+              <a:effectLst/>
+              <a:latin typeface="Times New Roman" panose="02020603050405020304" pitchFamily="18" charset="0"/>
+              <a:cs typeface="Times New Roman" panose="02020603050405020304" pitchFamily="18" charset="0"/>
+            </a:endParaRPr>
+          </a:p>
+          <a:p>
+            <a:pPr marL="0" indent="0">
+              <a:buNone/>
+            </a:pPr>
+            <a:endParaRPr lang="en-US" sz="1600" b="0" i="0" dirty="0">
+              <a:effectLst/>
+              <a:latin typeface="Times New Roman" panose="02020603050405020304" pitchFamily="18" charset="0"/>
+              <a:cs typeface="Times New Roman" panose="02020603050405020304" pitchFamily="18" charset="0"/>
+            </a:endParaRPr>
+          </a:p>
+        </p:txBody>
+      </p:sp>
+      <p:sp>
+        <p:nvSpPr>
+          <p:cNvPr id="4" name="Footer Placeholder 3">
+            <a:extLst>
+              <a:ext uri="{FF2B5EF4-FFF2-40B4-BE49-F238E27FC236}">
+                <a16:creationId xmlns:a16="http://schemas.microsoft.com/office/drawing/2014/main" id="{00555844-5850-DAED-A124-DC7015F1E1F3}"/>
+              </a:ext>
+            </a:extLst>
+          </p:cNvPr>
+          <p:cNvSpPr>
+            <a:spLocks noGrp="1"/>
+          </p:cNvSpPr>
+          <p:nvPr>
+            <p:ph type="ftr" sz="quarter" idx="11"/>
+          </p:nvPr>
+        </p:nvSpPr>
+        <p:spPr/>
+        <p:txBody>
+          <a:bodyPr/>
+          <a:lstStyle/>
+          <a:p>
+            <a:r>
+              <a:rPr lang="en-US"/>
+              <a:t>All Rights Reserved</a:t>
+            </a:r>
+            <a:endParaRPr lang="en-US" dirty="0"/>
+          </a:p>
+        </p:txBody>
+      </p:sp>
+    </p:spTree>
+    <p:extLst>
+      <p:ext uri="{BB962C8B-B14F-4D97-AF65-F5344CB8AC3E}">
+        <p14:creationId xmlns:p14="http://schemas.microsoft.com/office/powerpoint/2010/main" val="654118308"/>
+      </p:ext>
+    </p:extLst>
+  </p:cSld>
+  <p:clrMapOvr>
+    <a:masterClrMapping/>
+  </p:clrMapOvr>
+</p:sld>
+</file>
+
 <file path=ppt/slides/slide2.xml><?xml version="1.0" encoding="utf-8"?>
 <p:sld xmlns:a="http://schemas.openxmlformats.org/drawingml/2006/main" xmlns:r="http://schemas.openxmlformats.org/officeDocument/2006/relationships" xmlns:p="http://schemas.openxmlformats.org/presentationml/2006/main">
   <p:cSld>
@@ -9959,7 +11300,7 @@
           <a:p>
             <a:r>
               <a:rPr lang="en-US" dirty="0"/>
-              <a:t>Quantum Teleportation</a:t>
+              <a:t>Quantum Internet: Dense Coding</a:t>
             </a:r>
           </a:p>
         </p:txBody>
@@ -9987,383 +11328,244 @@
               <a:bodyPr/>
               <a:lstStyle/>
               <a:p>
-                <a:pPr marL="0" indent="0">
-                  <a:buNone/>
+                <a:pPr>
+                  <a:buFont typeface="Wingdings" panose="05000000000000000000" pitchFamily="2" charset="2"/>
+                  <a:buChar char="Ø"/>
                 </a:pPr>
+                <a:r>
+                  <a:rPr lang="en-US" dirty="0"/>
+                  <a:t> Alice and Bob Share a Bell state </a:t>
+                </a:r>
                 <a14:m>
-                  <m:oMathPara xmlns:m="http://schemas.openxmlformats.org/officeDocument/2006/math">
-                    <m:oMathParaPr>
-                      <m:jc m:val="centerGroup"/>
-                    </m:oMathParaPr>
-                    <m:oMath xmlns:m="http://schemas.openxmlformats.org/officeDocument/2006/math">
-                      <m:r>
-                        <a:rPr lang="en-US" b="0" i="1" smtClean="0">
-                          <a:latin typeface="Cambria Math" panose="02040503050406030204" pitchFamily="18" charset="0"/>
-                        </a:rPr>
-                        <m:t>𝜌</m:t>
-                      </m:r>
-                      <m:r>
-                        <a:rPr lang="en-US" b="0" i="1" smtClean="0">
-                          <a:latin typeface="Cambria Math" panose="02040503050406030204" pitchFamily="18" charset="0"/>
-                        </a:rPr>
-                        <m:t>⊗</m:t>
-                      </m:r>
-                      <m:d>
-                        <m:dPr>
-                          <m:begChr m:val="|"/>
-                          <m:endChr m:val="⟩"/>
-                          <m:ctrlPr>
-                            <a:rPr lang="en-US" b="0" i="1" smtClean="0">
-                              <a:latin typeface="Cambria Math" panose="02040503050406030204" pitchFamily="18" charset="0"/>
-                            </a:rPr>
-                          </m:ctrlPr>
-                        </m:dPr>
-                        <m:e>
-                          <m:sSub>
-                            <m:sSubPr>
-                              <m:ctrlPr>
-                                <a:rPr lang="en-US" b="0" i="1" smtClean="0">
-                                  <a:latin typeface="Cambria Math" panose="02040503050406030204" pitchFamily="18" charset="0"/>
-                                </a:rPr>
-                              </m:ctrlPr>
-                            </m:sSubPr>
-                            <m:e>
-                              <m:r>
-                                <m:rPr>
-                                  <m:sty m:val="p"/>
-                                </m:rPr>
-                                <a:rPr lang="en-US" b="0" i="0" smtClean="0">
-                                  <a:latin typeface="Cambria Math" panose="02040503050406030204" pitchFamily="18" charset="0"/>
-                                </a:rPr>
-                                <m:t>Φ</m:t>
-                              </m:r>
-                            </m:e>
-                            <m:sub>
-                              <m:r>
-                                <a:rPr lang="en-US" b="0" i="1" smtClean="0">
-                                  <a:latin typeface="Cambria Math" panose="02040503050406030204" pitchFamily="18" charset="0"/>
-                                </a:rPr>
-                                <m:t>𝑖𝑗</m:t>
-                              </m:r>
-                            </m:sub>
-                          </m:sSub>
-                        </m:e>
-                      </m:d>
-                      <m:d>
-                        <m:dPr>
-                          <m:begChr m:val="⟨"/>
-                          <m:endChr m:val="|"/>
-                          <m:ctrlPr>
-                            <a:rPr lang="en-US" b="0" i="1" smtClean="0">
-                              <a:latin typeface="Cambria Math" panose="02040503050406030204" pitchFamily="18" charset="0"/>
-                            </a:rPr>
-                          </m:ctrlPr>
-                        </m:dPr>
-                        <m:e>
-                          <m:sSub>
-                            <m:sSubPr>
-                              <m:ctrlPr>
-                                <a:rPr lang="en-US" b="0" i="1" smtClean="0">
-                                  <a:latin typeface="Cambria Math" panose="02040503050406030204" pitchFamily="18" charset="0"/>
-                                </a:rPr>
-                              </m:ctrlPr>
-                            </m:sSubPr>
-                            <m:e>
-                              <m:r>
-                                <m:rPr>
-                                  <m:sty m:val="p"/>
-                                </m:rPr>
-                                <a:rPr lang="en-US" b="0" i="0" smtClean="0">
-                                  <a:latin typeface="Cambria Math" panose="02040503050406030204" pitchFamily="18" charset="0"/>
-                                </a:rPr>
-                                <m:t>Φ</m:t>
-                              </m:r>
-                            </m:e>
-                            <m:sub>
-                              <m:r>
-                                <a:rPr lang="en-US" b="0" i="1" smtClean="0">
-                                  <a:latin typeface="Cambria Math" panose="02040503050406030204" pitchFamily="18" charset="0"/>
-                                </a:rPr>
-                                <m:t>𝑖𝑗</m:t>
-                              </m:r>
-                            </m:sub>
-                          </m:sSub>
-                        </m:e>
-                      </m:d>
-                      <m:r>
-                        <a:rPr lang="en-US" b="0" i="1" smtClean="0">
-                          <a:latin typeface="Cambria Math" panose="02040503050406030204" pitchFamily="18" charset="0"/>
-                        </a:rPr>
-                        <m:t>→</m:t>
-                      </m:r>
-                      <m:d>
-                        <m:dPr>
-                          <m:begChr m:val="|"/>
-                          <m:endChr m:val="⟩"/>
-                          <m:ctrlPr>
-                            <a:rPr lang="en-US" i="1">
-                              <a:latin typeface="Cambria Math" panose="02040503050406030204" pitchFamily="18" charset="0"/>
-                            </a:rPr>
-                          </m:ctrlPr>
-                        </m:dPr>
-                        <m:e>
-                          <m:sSub>
-                            <m:sSubPr>
-                              <m:ctrlPr>
-                                <a:rPr lang="en-US" i="1">
-                                  <a:latin typeface="Cambria Math" panose="02040503050406030204" pitchFamily="18" charset="0"/>
-                                </a:rPr>
-                              </m:ctrlPr>
-                            </m:sSubPr>
-                            <m:e>
-                              <m:r>
-                                <m:rPr>
-                                  <m:sty m:val="p"/>
-                                </m:rPr>
-                                <a:rPr lang="en-US">
-                                  <a:latin typeface="Cambria Math" panose="02040503050406030204" pitchFamily="18" charset="0"/>
-                                </a:rPr>
-                                <m:t>Φ</m:t>
-                              </m:r>
-                            </m:e>
-                            <m:sub>
-                              <m:r>
-                                <a:rPr lang="en-US" b="0" i="1" smtClean="0">
-                                  <a:latin typeface="Cambria Math" panose="02040503050406030204" pitchFamily="18" charset="0"/>
-                                </a:rPr>
-                                <m:t>𝑚𝑛</m:t>
-                              </m:r>
-                            </m:sub>
-                          </m:sSub>
-                        </m:e>
-                      </m:d>
-                      <m:d>
-                        <m:dPr>
-                          <m:begChr m:val="⟨"/>
-                          <m:endChr m:val="|"/>
-                          <m:ctrlPr>
-                            <a:rPr lang="en-US" i="1">
-                              <a:latin typeface="Cambria Math" panose="02040503050406030204" pitchFamily="18" charset="0"/>
-                            </a:rPr>
-                          </m:ctrlPr>
-                        </m:dPr>
-                        <m:e>
-                          <m:sSub>
-                            <m:sSubPr>
-                              <m:ctrlPr>
-                                <a:rPr lang="en-US" i="1">
-                                  <a:latin typeface="Cambria Math" panose="02040503050406030204" pitchFamily="18" charset="0"/>
-                                </a:rPr>
-                              </m:ctrlPr>
-                            </m:sSubPr>
-                            <m:e>
-                              <m:r>
-                                <m:rPr>
-                                  <m:sty m:val="p"/>
-                                </m:rPr>
-                                <a:rPr lang="en-US">
-                                  <a:latin typeface="Cambria Math" panose="02040503050406030204" pitchFamily="18" charset="0"/>
-                                </a:rPr>
-                                <m:t>Φ</m:t>
-                              </m:r>
-                            </m:e>
-                            <m:sub>
-                              <m:r>
-                                <a:rPr lang="en-US" b="0" i="1" smtClean="0">
-                                  <a:latin typeface="Cambria Math" panose="02040503050406030204" pitchFamily="18" charset="0"/>
-                                </a:rPr>
-                                <m:t>𝑚𝑛</m:t>
-                              </m:r>
-                            </m:sub>
-                          </m:sSub>
-                        </m:e>
-                      </m:d>
-                      <m:r>
-                        <a:rPr lang="en-US" b="0" i="1" smtClean="0">
-                          <a:latin typeface="Cambria Math" panose="02040503050406030204" pitchFamily="18" charset="0"/>
-                        </a:rPr>
-                        <m:t>⊗</m:t>
-                      </m:r>
-                      <m:r>
-                        <a:rPr lang="en-US" b="0" i="1" smtClean="0">
-                          <a:latin typeface="Cambria Math" panose="02040503050406030204" pitchFamily="18" charset="0"/>
-                        </a:rPr>
-                        <m:t>𝜌</m:t>
-                      </m:r>
-                    </m:oMath>
-                  </m:oMathPara>
+                  <m:oMath xmlns:m="http://schemas.openxmlformats.org/officeDocument/2006/math">
+                    <m:sSub>
+                      <m:sSubPr>
+                        <m:ctrlPr>
+                          <a:rPr lang="en-US" b="0" i="1" smtClean="0">
+                            <a:latin typeface="Cambria Math" panose="02040503050406030204" pitchFamily="18" charset="0"/>
+                          </a:rPr>
+                        </m:ctrlPr>
+                      </m:sSubPr>
+                      <m:e>
+                        <m:d>
+                          <m:dPr>
+                            <m:begChr m:val="|"/>
+                            <m:endChr m:val="⟩"/>
+                            <m:ctrlPr>
+                              <a:rPr lang="en-US" b="0" i="1" smtClean="0">
+                                <a:latin typeface="Cambria Math" panose="02040503050406030204" pitchFamily="18" charset="0"/>
+                              </a:rPr>
+                            </m:ctrlPr>
+                          </m:dPr>
+                          <m:e>
+                            <m:sSup>
+                              <m:sSupPr>
+                                <m:ctrlPr>
+                                  <a:rPr lang="en-US" b="0" i="1" smtClean="0">
+                                    <a:latin typeface="Cambria Math" panose="02040503050406030204" pitchFamily="18" charset="0"/>
+                                  </a:rPr>
+                                </m:ctrlPr>
+                              </m:sSupPr>
+                              <m:e>
+                                <m:r>
+                                  <m:rPr>
+                                    <m:sty m:val="p"/>
+                                  </m:rPr>
+                                  <a:rPr lang="en-US" b="0" i="0" smtClean="0">
+                                    <a:latin typeface="Cambria Math" panose="02040503050406030204" pitchFamily="18" charset="0"/>
+                                  </a:rPr>
+                                  <m:t>Φ</m:t>
+                                </m:r>
+                              </m:e>
+                              <m:sup>
+                                <m:r>
+                                  <a:rPr lang="en-US" b="0" i="1" smtClean="0">
+                                    <a:latin typeface="Cambria Math" panose="02040503050406030204" pitchFamily="18" charset="0"/>
+                                  </a:rPr>
+                                  <m:t>+</m:t>
+                                </m:r>
+                              </m:sup>
+                            </m:sSup>
+                          </m:e>
+                        </m:d>
+                      </m:e>
+                      <m:sub>
+                        <m:r>
+                          <a:rPr lang="en-US" b="0" i="1" smtClean="0">
+                            <a:latin typeface="Cambria Math" panose="02040503050406030204" pitchFamily="18" charset="0"/>
+                          </a:rPr>
+                          <m:t>𝐴𝐵</m:t>
+                        </m:r>
+                      </m:sub>
+                    </m:sSub>
+                    <m:r>
+                      <a:rPr lang="en-US" b="0" i="1" smtClean="0">
+                        <a:latin typeface="Cambria Math" panose="02040503050406030204" pitchFamily="18" charset="0"/>
+                      </a:rPr>
+                      <m:t>=</m:t>
+                    </m:r>
+                    <m:f>
+                      <m:fPr>
+                        <m:ctrlPr>
+                          <a:rPr lang="en-US" b="0" i="1" smtClean="0">
+                            <a:latin typeface="Cambria Math" panose="02040503050406030204" pitchFamily="18" charset="0"/>
+                          </a:rPr>
+                        </m:ctrlPr>
+                      </m:fPr>
+                      <m:num>
+                        <m:r>
+                          <a:rPr lang="en-US" b="0" i="1" smtClean="0">
+                            <a:latin typeface="Cambria Math" panose="02040503050406030204" pitchFamily="18" charset="0"/>
+                          </a:rPr>
+                          <m:t>1</m:t>
+                        </m:r>
+                      </m:num>
+                      <m:den>
+                        <m:rad>
+                          <m:radPr>
+                            <m:degHide m:val="on"/>
+                            <m:ctrlPr>
+                              <a:rPr lang="en-US" b="0" i="1" smtClean="0">
+                                <a:latin typeface="Cambria Math" panose="02040503050406030204" pitchFamily="18" charset="0"/>
+                              </a:rPr>
+                            </m:ctrlPr>
+                          </m:radPr>
+                          <m:deg/>
+                          <m:e>
+                            <m:r>
+                              <a:rPr lang="en-US" b="0" i="1" smtClean="0">
+                                <a:latin typeface="Cambria Math" panose="02040503050406030204" pitchFamily="18" charset="0"/>
+                              </a:rPr>
+                              <m:t>2</m:t>
+                            </m:r>
+                          </m:e>
+                        </m:rad>
+                      </m:den>
+                    </m:f>
+                    <m:d>
+                      <m:dPr>
+                        <m:ctrlPr>
+                          <a:rPr lang="en-US" b="0" i="1" smtClean="0">
+                            <a:latin typeface="Cambria Math" panose="02040503050406030204" pitchFamily="18" charset="0"/>
+                          </a:rPr>
+                        </m:ctrlPr>
+                      </m:dPr>
+                      <m:e>
+                        <m:d>
+                          <m:dPr>
+                            <m:begChr m:val="|"/>
+                            <m:endChr m:val="⟩"/>
+                            <m:ctrlPr>
+                              <a:rPr lang="en-US" i="1">
+                                <a:latin typeface="Cambria Math" panose="02040503050406030204" pitchFamily="18" charset="0"/>
+                              </a:rPr>
+                            </m:ctrlPr>
+                          </m:dPr>
+                          <m:e>
+                            <m:r>
+                              <a:rPr lang="en-US" b="0" i="1" smtClean="0">
+                                <a:latin typeface="Cambria Math" panose="02040503050406030204" pitchFamily="18" charset="0"/>
+                              </a:rPr>
+                              <m:t>00</m:t>
+                            </m:r>
+                          </m:e>
+                        </m:d>
+                        <m:r>
+                          <a:rPr lang="en-US" b="0" i="1" smtClean="0">
+                            <a:latin typeface="Cambria Math" panose="02040503050406030204" pitchFamily="18" charset="0"/>
+                          </a:rPr>
+                          <m:t>+</m:t>
+                        </m:r>
+                        <m:r>
+                          <a:rPr lang="en-US" i="1">
+                            <a:latin typeface="Cambria Math" panose="02040503050406030204" pitchFamily="18" charset="0"/>
+                          </a:rPr>
+                          <m:t>|</m:t>
+                        </m:r>
+                        <m:r>
+                          <a:rPr lang="en-US" b="0" i="1" smtClean="0">
+                            <a:latin typeface="Cambria Math" panose="02040503050406030204" pitchFamily="18" charset="0"/>
+                          </a:rPr>
+                          <m:t>11</m:t>
+                        </m:r>
+                        <m:r>
+                          <a:rPr lang="en-US" i="1">
+                            <a:latin typeface="Cambria Math" panose="02040503050406030204" pitchFamily="18" charset="0"/>
+                          </a:rPr>
+                          <m:t>⟩</m:t>
+                        </m:r>
+                      </m:e>
+                    </m:d>
+                  </m:oMath>
                 </a14:m>
+                <a:r>
+                  <a:rPr lang="en-US" dirty="0"/>
+                  <a:t> </a:t>
+                </a:r>
+              </a:p>
+              <a:p>
+                <a:pPr>
+                  <a:buFont typeface="Wingdings" panose="05000000000000000000" pitchFamily="2" charset="2"/>
+                  <a:buChar char="Ø"/>
+                </a:pPr>
+                <a:endParaRPr lang="en-US" sz="100" dirty="0"/>
+              </a:p>
+              <a:p>
+                <a:pPr>
+                  <a:buFont typeface="Wingdings" panose="05000000000000000000" pitchFamily="2" charset="2"/>
+                  <a:buChar char="Ø"/>
+                </a:pPr>
+                <a:r>
+                  <a:rPr lang="en-US" dirty="0"/>
+                  <a:t> Alice encodes her qubit by applying either of I,X,Z,ZX to represent 00,01,10,11</a:t>
+                </a:r>
+              </a:p>
+              <a:p>
+                <a:pPr>
+                  <a:buFont typeface="Wingdings" panose="05000000000000000000" pitchFamily="2" charset="2"/>
+                  <a:buChar char="Ø"/>
+                </a:pPr>
+                <a:endParaRPr lang="en-US" sz="100" dirty="0"/>
+              </a:p>
+              <a:p>
+                <a:pPr>
+                  <a:buFont typeface="Wingdings" panose="05000000000000000000" pitchFamily="2" charset="2"/>
+                  <a:buChar char="Ø"/>
+                </a:pPr>
+                <a:r>
+                  <a:rPr lang="en-US" dirty="0"/>
+                  <a:t> Alice sends the qubit to Bob, he performs a Bell Basis measurement</a:t>
+                </a:r>
+              </a:p>
+              <a:p>
+                <a:pPr>
+                  <a:buFont typeface="Wingdings" panose="05000000000000000000" pitchFamily="2" charset="2"/>
+                  <a:buChar char="Ø"/>
+                </a:pPr>
+                <a:endParaRPr lang="en-US" sz="100" dirty="0"/>
+              </a:p>
+              <a:p>
+                <a:pPr>
+                  <a:buFont typeface="Wingdings" panose="05000000000000000000" pitchFamily="2" charset="2"/>
+                  <a:buChar char="Ø"/>
+                </a:pPr>
+                <a:r>
+                  <a:rPr lang="en-US" dirty="0"/>
+                  <a:t> 1 qubit carries 2 bits of information [1].</a:t>
+                </a:r>
+              </a:p>
+              <a:p>
+                <a:pPr>
+                  <a:buFont typeface="Wingdings" panose="05000000000000000000" pitchFamily="2" charset="2"/>
+                  <a:buChar char="Ø"/>
+                </a:pPr>
                 <a:endParaRPr lang="en-US" dirty="0"/>
               </a:p>
               <a:p>
-                <a:pPr marL="0" indent="0">
-                  <a:buNone/>
+                <a:pPr>
+                  <a:buFont typeface="Wingdings" panose="05000000000000000000" pitchFamily="2" charset="2"/>
+                  <a:buChar char="Ø"/>
                 </a:pPr>
-                <a:r>
-                  <a:rPr lang="en-US" dirty="0"/>
-                  <a:t>Only LOCC (Local Operation and Classical Communication) is allowed. </a:t>
-                </a:r>
-              </a:p>
-              <a:p>
-                <a:pPr marL="0" indent="0">
-                  <a:buNone/>
-                </a:pPr>
-                <a:endParaRPr lang="en-US" b="0" i="1" dirty="0">
-                  <a:latin typeface="Cambria Math" panose="02040503050406030204" pitchFamily="18" charset="0"/>
-                </a:endParaRPr>
-              </a:p>
-              <a:p>
-                <a:pPr marL="0" indent="0">
-                  <a:buNone/>
-                </a:pPr>
-                <a14:m>
-                  <m:oMathPara xmlns:m="http://schemas.openxmlformats.org/officeDocument/2006/math">
-                    <m:oMathParaPr>
-                      <m:jc m:val="centerGroup"/>
-                    </m:oMathParaPr>
-                    <m:oMath xmlns:m="http://schemas.openxmlformats.org/officeDocument/2006/math">
-                      <m:d>
-                        <m:dPr>
-                          <m:begChr m:val="|"/>
-                          <m:endChr m:val="⟩"/>
-                          <m:ctrlPr>
-                            <a:rPr lang="en-US" b="0" i="1" smtClean="0">
-                              <a:latin typeface="Cambria Math" panose="02040503050406030204" pitchFamily="18" charset="0"/>
-                            </a:rPr>
-                          </m:ctrlPr>
-                        </m:dPr>
-                        <m:e>
-                          <m:sSup>
-                            <m:sSupPr>
-                              <m:ctrlPr>
-                                <a:rPr lang="en-US" b="0" i="1" smtClean="0">
-                                  <a:latin typeface="Cambria Math" panose="02040503050406030204" pitchFamily="18" charset="0"/>
-                                </a:rPr>
-                              </m:ctrlPr>
-                            </m:sSupPr>
-                            <m:e>
-                              <m:r>
-                                <m:rPr>
-                                  <m:sty m:val="p"/>
-                                </m:rPr>
-                                <a:rPr lang="en-US" b="0" i="0" smtClean="0">
-                                  <a:latin typeface="Cambria Math" panose="02040503050406030204" pitchFamily="18" charset="0"/>
-                                </a:rPr>
-                                <m:t>Φ</m:t>
-                              </m:r>
-                            </m:e>
-                            <m:sup>
-                              <m:r>
-                                <a:rPr lang="en-US" b="0" i="1" smtClean="0">
-                                  <a:latin typeface="Cambria Math" panose="02040503050406030204" pitchFamily="18" charset="0"/>
-                                </a:rPr>
-                                <m:t>+</m:t>
-                              </m:r>
-                            </m:sup>
-                          </m:sSup>
-                        </m:e>
-                      </m:d>
-                      <m:r>
-                        <a:rPr lang="en-US" b="0" i="1" smtClean="0">
-                          <a:latin typeface="Cambria Math" panose="02040503050406030204" pitchFamily="18" charset="0"/>
-                        </a:rPr>
-                        <m:t>=</m:t>
-                      </m:r>
-                      <m:f>
-                        <m:fPr>
-                          <m:ctrlPr>
-                            <a:rPr lang="en-US" b="0" i="1" smtClean="0">
-                              <a:latin typeface="Cambria Math" panose="02040503050406030204" pitchFamily="18" charset="0"/>
-                            </a:rPr>
-                          </m:ctrlPr>
-                        </m:fPr>
-                        <m:num>
-                          <m:r>
-                            <a:rPr lang="en-US" b="0" i="1" smtClean="0">
-                              <a:latin typeface="Cambria Math" panose="02040503050406030204" pitchFamily="18" charset="0"/>
-                            </a:rPr>
-                            <m:t>1</m:t>
-                          </m:r>
-                        </m:num>
-                        <m:den>
-                          <m:rad>
-                            <m:radPr>
-                              <m:degHide m:val="on"/>
-                              <m:ctrlPr>
-                                <a:rPr lang="en-US" b="0" i="1" smtClean="0">
-                                  <a:latin typeface="Cambria Math" panose="02040503050406030204" pitchFamily="18" charset="0"/>
-                                </a:rPr>
-                              </m:ctrlPr>
-                            </m:radPr>
-                            <m:deg/>
-                            <m:e>
-                              <m:r>
-                                <a:rPr lang="en-US" b="0" i="1" smtClean="0">
-                                  <a:latin typeface="Cambria Math" panose="02040503050406030204" pitchFamily="18" charset="0"/>
-                                </a:rPr>
-                                <m:t>2</m:t>
-                              </m:r>
-                            </m:e>
-                          </m:rad>
-                        </m:den>
-                      </m:f>
-                      <m:d>
-                        <m:dPr>
-                          <m:ctrlPr>
-                            <a:rPr lang="en-US" b="0" i="1" smtClean="0">
-                              <a:latin typeface="Cambria Math" panose="02040503050406030204" pitchFamily="18" charset="0"/>
-                            </a:rPr>
-                          </m:ctrlPr>
-                        </m:dPr>
-                        <m:e>
-                          <m:d>
-                            <m:dPr>
-                              <m:begChr m:val="|"/>
-                              <m:endChr m:val="⟩"/>
-                              <m:ctrlPr>
-                                <a:rPr lang="en-US" i="1">
-                                  <a:latin typeface="Cambria Math" panose="02040503050406030204" pitchFamily="18" charset="0"/>
-                                </a:rPr>
-                              </m:ctrlPr>
-                            </m:dPr>
-                            <m:e>
-                              <m:r>
-                                <a:rPr lang="en-US" b="0" i="1" smtClean="0">
-                                  <a:latin typeface="Cambria Math" panose="02040503050406030204" pitchFamily="18" charset="0"/>
-                                </a:rPr>
-                                <m:t>00</m:t>
-                              </m:r>
-                            </m:e>
-                          </m:d>
-                          <m:r>
-                            <a:rPr lang="en-US" b="0" i="1" smtClean="0">
-                              <a:latin typeface="Cambria Math" panose="02040503050406030204" pitchFamily="18" charset="0"/>
-                            </a:rPr>
-                            <m:t>+</m:t>
-                          </m:r>
-                          <m:r>
-                            <a:rPr lang="en-US" i="1">
-                              <a:latin typeface="Cambria Math" panose="02040503050406030204" pitchFamily="18" charset="0"/>
-                            </a:rPr>
-                            <m:t>|</m:t>
-                          </m:r>
-                          <m:r>
-                            <a:rPr lang="en-US" b="0" i="1" smtClean="0">
-                              <a:latin typeface="Cambria Math" panose="02040503050406030204" pitchFamily="18" charset="0"/>
-                            </a:rPr>
-                            <m:t>11</m:t>
-                          </m:r>
-                          <m:r>
-                            <a:rPr lang="en-US" i="1">
-                              <a:latin typeface="Cambria Math" panose="02040503050406030204" pitchFamily="18" charset="0"/>
-                            </a:rPr>
-                            <m:t>⟩</m:t>
-                          </m:r>
-                        </m:e>
-                      </m:d>
-                    </m:oMath>
-                  </m:oMathPara>
-                </a14:m>
                 <a:endParaRPr lang="en-US" dirty="0"/>
               </a:p>
               <a:p>
@@ -10414,7 +11616,7 @@
               <a:blipFill>
                 <a:blip r:embed="rId2"/>
                 <a:stretch>
-                  <a:fillRect l="-823"/>
+                  <a:fillRect l="-714" t="-362" r="-549"/>
                 </a:stretch>
               </a:blipFill>
             </p:spPr>
@@ -10464,10 +11666,10 @@
       </p:sp>
       <p:pic>
         <p:nvPicPr>
-          <p:cNvPr id="6" name="Picture 5">
+          <p:cNvPr id="7" name="Picture 6">
             <a:extLst>
               <a:ext uri="{FF2B5EF4-FFF2-40B4-BE49-F238E27FC236}">
-                <a16:creationId xmlns:a16="http://schemas.microsoft.com/office/drawing/2014/main" id="{2A6DCEF1-303C-EB87-03C4-E7FE86B0AB70}"/>
+                <a16:creationId xmlns:a16="http://schemas.microsoft.com/office/drawing/2014/main" id="{3530F017-F90F-C85C-B112-C3FC9DD23F8D}"/>
               </a:ext>
             </a:extLst>
           </p:cNvPr>
@@ -10484,13 +11686,13 @@
               </a:ext>
             </a:extLst>
           </a:blip>
-          <a:srcRect t="9611" b="5359"/>
+          <a:srcRect b="13514"/>
           <a:stretch/>
         </p:blipFill>
         <p:spPr>
           <a:xfrm>
-            <a:off x="1574479" y="3429000"/>
-            <a:ext cx="9043040" cy="2707341"/>
+            <a:off x="1877072" y="3648855"/>
+            <a:ext cx="8154636" cy="1888490"/>
           </a:xfrm>
           <a:prstGeom prst="rect">
             <a:avLst/>
@@ -10532,6 +11734,227 @@
           <p:cNvPr id="2" name="Title 1">
             <a:extLst>
               <a:ext uri="{FF2B5EF4-FFF2-40B4-BE49-F238E27FC236}">
+                <a16:creationId xmlns:a16="http://schemas.microsoft.com/office/drawing/2014/main" id="{37B2A28D-46AD-F92C-1D35-6E495F2392D9}"/>
+              </a:ext>
+            </a:extLst>
+          </p:cNvPr>
+          <p:cNvSpPr>
+            <a:spLocks noGrp="1"/>
+          </p:cNvSpPr>
+          <p:nvPr>
+            <p:ph type="title"/>
+          </p:nvPr>
+        </p:nvSpPr>
+        <p:spPr/>
+        <p:txBody>
+          <a:bodyPr/>
+          <a:lstStyle/>
+          <a:p>
+            <a:r>
+              <a:rPr lang="en-US" dirty="0"/>
+              <a:t>Motivation</a:t>
+            </a:r>
+          </a:p>
+        </p:txBody>
+      </p:sp>
+      <p:sp>
+        <p:nvSpPr>
+          <p:cNvPr id="3" name="Content Placeholder 2">
+            <a:extLst>
+              <a:ext uri="{FF2B5EF4-FFF2-40B4-BE49-F238E27FC236}">
+                <a16:creationId xmlns:a16="http://schemas.microsoft.com/office/drawing/2014/main" id="{C0A006AF-E727-0F23-4D96-F2EDBF1FF068}"/>
+              </a:ext>
+            </a:extLst>
+          </p:cNvPr>
+          <p:cNvSpPr>
+            <a:spLocks noGrp="1"/>
+          </p:cNvSpPr>
+          <p:nvPr>
+            <p:ph idx="1"/>
+          </p:nvPr>
+        </p:nvSpPr>
+        <p:spPr/>
+        <p:txBody>
+          <a:bodyPr/>
+          <a:lstStyle/>
+          <a:p>
+            <a:pPr>
+              <a:buFont typeface="Wingdings" panose="05000000000000000000" pitchFamily="2" charset="2"/>
+              <a:buChar char="Ø"/>
+            </a:pPr>
+            <a:r>
+              <a:rPr lang="en-US" dirty="0"/>
+              <a:t> </a:t>
+            </a:r>
+            <a:r>
+              <a:rPr lang="pt-BR" dirty="0"/>
+              <a:t>Quantum discord can be used as a resource for quantum cryptography [2].</a:t>
+            </a:r>
+          </a:p>
+          <a:p>
+            <a:pPr>
+              <a:buFont typeface="Wingdings" panose="05000000000000000000" pitchFamily="2" charset="2"/>
+              <a:buChar char="Ø"/>
+            </a:pPr>
+            <a:r>
+              <a:rPr lang="pt-BR" dirty="0"/>
+              <a:t> Superdense Coding is the basis for quantum internet. </a:t>
+            </a:r>
+          </a:p>
+          <a:p>
+            <a:pPr>
+              <a:buFont typeface="Wingdings" panose="05000000000000000000" pitchFamily="2" charset="2"/>
+              <a:buChar char="Ø"/>
+            </a:pPr>
+            <a:r>
+              <a:rPr lang="pt-BR" dirty="0"/>
+              <a:t> When Alice sends her qubit, it can be affected by noise. </a:t>
+            </a:r>
+          </a:p>
+          <a:p>
+            <a:pPr>
+              <a:buFont typeface="Wingdings" panose="05000000000000000000" pitchFamily="2" charset="2"/>
+              <a:buChar char="Ø"/>
+            </a:pPr>
+            <a:r>
+              <a:rPr lang="pt-BR" dirty="0"/>
+              <a:t> This noise model is easier to simulate since it is just one qubit.</a:t>
+            </a:r>
+          </a:p>
+          <a:p>
+            <a:pPr>
+              <a:buFont typeface="Wingdings" panose="05000000000000000000" pitchFamily="2" charset="2"/>
+              <a:buChar char="Ø"/>
+            </a:pPr>
+            <a:r>
+              <a:rPr lang="pt-BR" dirty="0"/>
+              <a:t> Alice can use 5 qubit perfect code to encode her qubit.</a:t>
+            </a:r>
+          </a:p>
+          <a:p>
+            <a:pPr>
+              <a:buFont typeface="Wingdings" panose="05000000000000000000" pitchFamily="2" charset="2"/>
+              <a:buChar char="Ø"/>
+            </a:pPr>
+            <a:r>
+              <a:rPr lang="pt-BR" dirty="0"/>
+              <a:t> However it may not enough depending on the noise. </a:t>
+            </a:r>
+          </a:p>
+          <a:p>
+            <a:pPr>
+              <a:buFont typeface="Wingdings" panose="05000000000000000000" pitchFamily="2" charset="2"/>
+              <a:buChar char="Ø"/>
+            </a:pPr>
+            <a:r>
+              <a:rPr lang="pt-BR" dirty="0"/>
+              <a:t> Fidelity alone isn’t enough to learn about the noise channel.</a:t>
+            </a:r>
+          </a:p>
+          <a:p>
+            <a:pPr>
+              <a:buFont typeface="Wingdings" panose="05000000000000000000" pitchFamily="2" charset="2"/>
+              <a:buChar char="Ø"/>
+            </a:pPr>
+            <a:r>
+              <a:rPr lang="pt-BR" dirty="0"/>
+              <a:t> We can use another layer of entanglement purification based on Quantum Discord and Entanglement of Formation: </a:t>
+            </a:r>
+            <a:r>
+              <a:rPr lang="en-US" dirty="0"/>
+              <a:t>DEJMPS protocol.</a:t>
+            </a:r>
+          </a:p>
+          <a:p>
+            <a:pPr>
+              <a:buFont typeface="Wingdings" panose="05000000000000000000" pitchFamily="2" charset="2"/>
+              <a:buChar char="Ø"/>
+            </a:pPr>
+            <a:r>
+              <a:rPr lang="en-US" dirty="0"/>
+              <a:t> DEJMPS needs an angle which determines the efficiency of purification.</a:t>
+            </a:r>
+          </a:p>
+          <a:p>
+            <a:pPr>
+              <a:buFont typeface="Wingdings" panose="05000000000000000000" pitchFamily="2" charset="2"/>
+              <a:buChar char="Ø"/>
+            </a:pPr>
+            <a:r>
+              <a:rPr lang="en-US" dirty="0"/>
+              <a:t> Why need </a:t>
+            </a:r>
+            <a:r>
+              <a:rPr lang="pt-BR" dirty="0"/>
+              <a:t>Entanglement of Formation? To know the quality of Entanglement.</a:t>
+            </a:r>
+          </a:p>
+        </p:txBody>
+      </p:sp>
+      <p:sp>
+        <p:nvSpPr>
+          <p:cNvPr id="4" name="Footer Placeholder 3">
+            <a:extLst>
+              <a:ext uri="{FF2B5EF4-FFF2-40B4-BE49-F238E27FC236}">
+                <a16:creationId xmlns:a16="http://schemas.microsoft.com/office/drawing/2014/main" id="{7C7D3894-92C5-42B4-268B-0E828B721C0C}"/>
+              </a:ext>
+            </a:extLst>
+          </p:cNvPr>
+          <p:cNvSpPr>
+            <a:spLocks noGrp="1"/>
+          </p:cNvSpPr>
+          <p:nvPr>
+            <p:ph type="ftr" sz="quarter" idx="11"/>
+          </p:nvPr>
+        </p:nvSpPr>
+        <p:spPr/>
+        <p:txBody>
+          <a:bodyPr/>
+          <a:lstStyle/>
+          <a:p>
+            <a:r>
+              <a:rPr lang="en-US"/>
+              <a:t>All Rights Reserved</a:t>
+            </a:r>
+            <a:endParaRPr lang="en-US" dirty="0"/>
+          </a:p>
+        </p:txBody>
+      </p:sp>
+    </p:spTree>
+    <p:extLst>
+      <p:ext uri="{BB962C8B-B14F-4D97-AF65-F5344CB8AC3E}">
+        <p14:creationId xmlns:p14="http://schemas.microsoft.com/office/powerpoint/2010/main" val="3053846858"/>
+      </p:ext>
+    </p:extLst>
+  </p:cSld>
+  <p:clrMapOvr>
+    <a:masterClrMapping/>
+  </p:clrMapOvr>
+</p:sld>
+</file>
+
+<file path=ppt/slides/slide4.xml><?xml version="1.0" encoding="utf-8"?>
+<p:sld xmlns:a="http://schemas.openxmlformats.org/drawingml/2006/main" xmlns:r="http://schemas.openxmlformats.org/officeDocument/2006/relationships" xmlns:p="http://schemas.openxmlformats.org/presentationml/2006/main">
+  <p:cSld>
+    <p:spTree>
+      <p:nvGrpSpPr>
+        <p:cNvPr id="1" name=""/>
+        <p:cNvGrpSpPr/>
+        <p:nvPr/>
+      </p:nvGrpSpPr>
+      <p:grpSpPr>
+        <a:xfrm>
+          <a:off x="0" y="0"/>
+          <a:ext cx="0" cy="0"/>
+          <a:chOff x="0" y="0"/>
+          <a:chExt cx="0" cy="0"/>
+        </a:xfrm>
+      </p:grpSpPr>
+      <p:sp>
+        <p:nvSpPr>
+          <p:cNvPr id="2" name="Title 1">
+            <a:extLst>
+              <a:ext uri="{FF2B5EF4-FFF2-40B4-BE49-F238E27FC236}">
                 <a16:creationId xmlns:a16="http://schemas.microsoft.com/office/drawing/2014/main" id="{29B6F7E7-A1AA-8AAB-FD71-229D8247373B}"/>
               </a:ext>
             </a:extLst>
@@ -10552,13 +11975,13 @@
           <a:p>
             <a:r>
               <a:rPr lang="en-US" dirty="0"/>
-              <a:t>Quantum Noise</a:t>
+              <a:t>Quantum Noise (for our simulation)</a:t>
             </a:r>
           </a:p>
         </p:txBody>
       </p:sp>
-      <mc:AlternateContent xmlns:mc="http://schemas.openxmlformats.org/markup-compatibility/2006">
-        <mc:Choice xmlns:a14="http://schemas.microsoft.com/office/drawing/2010/main" Requires="a14">
+      <mc:AlternateContent xmlns:mc="http://schemas.openxmlformats.org/markup-compatibility/2006" xmlns:a14="http://schemas.microsoft.com/office/drawing/2010/main">
+        <mc:Choice Requires="a14">
           <p:sp>
             <p:nvSpPr>
               <p:cNvPr id="3" name="Content Placeholder 2">
@@ -11472,7 +12895,7 @@
             </p:txBody>
           </p:sp>
         </mc:Choice>
-        <mc:Fallback>
+        <mc:Fallback xmlns="">
           <p:sp>
             <p:nvSpPr>
               <p:cNvPr id="3" name="Content Placeholder 2">
@@ -11693,7 +13116,7 @@
 </p:sld>
 </file>
 
-<file path=ppt/slides/slide4.xml><?xml version="1.0" encoding="utf-8"?>
+<file path=ppt/slides/slide5.xml><?xml version="1.0" encoding="utf-8"?>
 <p:sld xmlns:a="http://schemas.openxmlformats.org/drawingml/2006/main" xmlns:r="http://schemas.openxmlformats.org/officeDocument/2006/relationships" xmlns:p="http://schemas.openxmlformats.org/presentationml/2006/main">
   <p:cSld>
     <p:spTree>
@@ -11999,6 +13422,109 @@
                 </a:pPr>
                 <a:r>
                   <a:rPr lang="en-US" dirty="0"/>
+                  <a:t> Let’s define, </a:t>
+                </a:r>
+                <a14:m>
+                  <m:oMath xmlns:m="http://schemas.openxmlformats.org/officeDocument/2006/math">
+                    <m:r>
+                      <a:rPr lang="en-US" b="1" i="1" smtClean="0">
+                        <a:latin typeface="Cambria Math" panose="02040503050406030204" pitchFamily="18" charset="0"/>
+                      </a:rPr>
+                      <m:t>𝝆</m:t>
+                    </m:r>
+                    <m:r>
+                      <a:rPr lang="en-US" b="1" i="1" smtClean="0">
+                        <a:latin typeface="Cambria Math" panose="02040503050406030204" pitchFamily="18" charset="0"/>
+                      </a:rPr>
+                      <m:t>=</m:t>
+                    </m:r>
+                    <m:d>
+                      <m:dPr>
+                        <m:begChr m:val="|"/>
+                        <m:endChr m:val="⟩"/>
+                        <m:ctrlPr>
+                          <a:rPr lang="en-US" b="1" i="1" smtClean="0">
+                            <a:latin typeface="Cambria Math" panose="02040503050406030204" pitchFamily="18" charset="0"/>
+                          </a:rPr>
+                        </m:ctrlPr>
+                      </m:dPr>
+                      <m:e>
+                        <m:sSup>
+                          <m:sSupPr>
+                            <m:ctrlPr>
+                              <a:rPr lang="en-US" b="1" i="1" smtClean="0">
+                                <a:latin typeface="Cambria Math" panose="02040503050406030204" pitchFamily="18" charset="0"/>
+                              </a:rPr>
+                            </m:ctrlPr>
+                          </m:sSupPr>
+                          <m:e>
+                            <m:r>
+                              <a:rPr lang="en-US" b="1" i="1" smtClean="0">
+                                <a:latin typeface="Cambria Math" panose="02040503050406030204" pitchFamily="18" charset="0"/>
+                              </a:rPr>
+                              <m:t>𝝓</m:t>
+                            </m:r>
+                          </m:e>
+                          <m:sup>
+                            <m:r>
+                              <a:rPr lang="en-US" b="1" i="1" smtClean="0">
+                                <a:latin typeface="Cambria Math" panose="02040503050406030204" pitchFamily="18" charset="0"/>
+                              </a:rPr>
+                              <m:t>+</m:t>
+                            </m:r>
+                          </m:sup>
+                        </m:sSup>
+                      </m:e>
+                    </m:d>
+                    <m:d>
+                      <m:dPr>
+                        <m:begChr m:val="⟨"/>
+                        <m:endChr m:val="|"/>
+                        <m:ctrlPr>
+                          <a:rPr lang="en-US" b="1" i="1">
+                            <a:latin typeface="Cambria Math" panose="02040503050406030204" pitchFamily="18" charset="0"/>
+                          </a:rPr>
+                        </m:ctrlPr>
+                      </m:dPr>
+                      <m:e>
+                        <m:sSup>
+                          <m:sSupPr>
+                            <m:ctrlPr>
+                              <a:rPr lang="en-US" b="1" i="1">
+                                <a:latin typeface="Cambria Math" panose="02040503050406030204" pitchFamily="18" charset="0"/>
+                              </a:rPr>
+                            </m:ctrlPr>
+                          </m:sSupPr>
+                          <m:e>
+                            <m:r>
+                              <a:rPr lang="en-US" b="1" i="1">
+                                <a:latin typeface="Cambria Math" panose="02040503050406030204" pitchFamily="18" charset="0"/>
+                              </a:rPr>
+                              <m:t>𝝓</m:t>
+                            </m:r>
+                          </m:e>
+                          <m:sup>
+                            <m:r>
+                              <a:rPr lang="en-US" b="1" i="1">
+                                <a:latin typeface="Cambria Math" panose="02040503050406030204" pitchFamily="18" charset="0"/>
+                              </a:rPr>
+                              <m:t>+</m:t>
+                            </m:r>
+                          </m:sup>
+                        </m:sSup>
+                      </m:e>
+                    </m:d>
+                  </m:oMath>
+                </a14:m>
+                <a:endParaRPr lang="en-US" b="1" dirty="0"/>
+              </a:p>
+              <a:p>
+                <a:pPr>
+                  <a:buFont typeface="Wingdings" panose="05000000000000000000" pitchFamily="2" charset="2"/>
+                  <a:buChar char="Ø"/>
+                </a:pPr>
+                <a:r>
+                  <a:rPr lang="en-US" dirty="0"/>
                   <a:t> Noise Effect: </a:t>
                 </a:r>
                 <a:endParaRPr lang="en-US" b="0" i="0" dirty="0">
@@ -12016,13 +13542,10 @@
                     </m:oMathParaPr>
                     <m:oMath xmlns:m="http://schemas.openxmlformats.org/officeDocument/2006/math">
                       <m:r>
-                        <m:rPr>
-                          <m:sty m:val="p"/>
-                        </m:rPr>
-                        <a:rPr lang="en-US" b="0" i="0" smtClean="0">
+                        <a:rPr lang="en-US" b="1" i="0" smtClean="0">
                           <a:latin typeface="Cambria Math" panose="02040503050406030204" pitchFamily="18" charset="0"/>
                         </a:rPr>
-                        <m:t>Φ</m:t>
+                        <m:t>𝚽</m:t>
                       </m:r>
                       <m:r>
                         <a:rPr lang="en-US" b="0" i="0" smtClean="0">
@@ -12042,7 +13565,7 @@
                       <m:d>
                         <m:dPr>
                           <m:ctrlPr>
-                            <a:rPr lang="en-US" b="0" i="0" smtClean="0">
+                            <a:rPr lang="en-US" b="0" i="1" smtClean="0">
                               <a:latin typeface="Cambria Math" panose="02040503050406030204" pitchFamily="18" charset="0"/>
                             </a:rPr>
                           </m:ctrlPr>
@@ -12060,88 +13583,18 @@
                           <m:d>
                             <m:dPr>
                               <m:ctrlPr>
-                                <a:rPr lang="en-US" b="0" i="0" smtClean="0">
+                                <a:rPr lang="en-US" b="0" i="1" smtClean="0">
                                   <a:latin typeface="Cambria Math" panose="02040503050406030204" pitchFamily="18" charset="0"/>
                                 </a:rPr>
                               </m:ctrlPr>
                             </m:dPr>
                             <m:e>
-                              <m:d>
-                                <m:dPr>
-                                  <m:begChr m:val="|"/>
-                                  <m:endChr m:val="⟩"/>
-                                  <m:ctrlPr>
-                                    <a:rPr lang="en-US" i="1">
-                                      <a:latin typeface="Cambria Math" panose="02040503050406030204" pitchFamily="18" charset="0"/>
-                                    </a:rPr>
-                                  </m:ctrlPr>
-                                </m:dPr>
-                                <m:e>
-                                  <m:sSup>
-                                    <m:sSupPr>
-                                      <m:ctrlPr>
-                                        <a:rPr lang="en-US" b="0" i="1" smtClean="0">
-                                          <a:latin typeface="Cambria Math" panose="02040503050406030204" pitchFamily="18" charset="0"/>
-                                        </a:rPr>
-                                      </m:ctrlPr>
-                                    </m:sSupPr>
-                                    <m:e>
-                                      <m:r>
-                                        <a:rPr lang="en-US" b="0" i="1" smtClean="0">
-                                          <a:latin typeface="Cambria Math" panose="02040503050406030204" pitchFamily="18" charset="0"/>
-                                        </a:rPr>
-                                        <m:t>𝜙</m:t>
-                                      </m:r>
-                                    </m:e>
-                                    <m:sup>
-                                      <m:r>
-                                        <a:rPr lang="en-US" b="0" i="1" smtClean="0">
-                                          <a:latin typeface="Cambria Math" panose="02040503050406030204" pitchFamily="18" charset="0"/>
-                                        </a:rPr>
-                                        <m:t>+</m:t>
-                                      </m:r>
-                                    </m:sup>
-                                  </m:sSup>
-                                </m:e>
-                              </m:d>
-                              <m:d>
-                                <m:dPr>
-                                  <m:begChr m:val="⟨"/>
-                                  <m:endChr m:val="|"/>
-                                  <m:ctrlPr>
-                                    <a:rPr lang="en-US" i="1">
-                                      <a:latin typeface="Cambria Math" panose="02040503050406030204" pitchFamily="18" charset="0"/>
-                                    </a:rPr>
-                                  </m:ctrlPr>
-                                </m:dPr>
-                                <m:e>
-                                  <m:sSup>
-                                    <m:sSupPr>
-                                      <m:ctrlPr>
-                                        <a:rPr lang="en-US" i="1">
-                                          <a:latin typeface="Cambria Math" panose="02040503050406030204" pitchFamily="18" charset="0"/>
-                                        </a:rPr>
-                                      </m:ctrlPr>
-                                    </m:sSupPr>
-                                    <m:e>
-                                      <m:r>
-                                        <a:rPr lang="en-US" i="1">
-                                          <a:latin typeface="Cambria Math" panose="02040503050406030204" pitchFamily="18" charset="0"/>
-                                        </a:rPr>
-                                        <m:t>𝜙</m:t>
-                                      </m:r>
-                                    </m:e>
-                                    <m:sup>
-                                      <m:r>
-                                        <a:rPr lang="en-US" i="1">
-                                          <a:latin typeface="Cambria Math" panose="02040503050406030204" pitchFamily="18" charset="0"/>
-                                        </a:rPr>
-                                        <m:t>+</m:t>
-                                      </m:r>
-                                    </m:sup>
-                                  </m:sSup>
-                                </m:e>
-                              </m:d>
+                              <m:r>
+                                <a:rPr lang="en-US" b="1" i="1">
+                                  <a:latin typeface="Cambria Math" panose="02040503050406030204" pitchFamily="18" charset="0"/>
+                                </a:rPr>
+                                <m:t>𝝆</m:t>
+                              </m:r>
                             </m:e>
                           </m:d>
                           <m:r>
@@ -12162,7 +13615,7 @@
                           <m:d>
                             <m:dPr>
                               <m:ctrlPr>
-                                <a:rPr lang="en-US" b="0" i="0" smtClean="0">
+                                <a:rPr lang="en-US" b="0" i="1" smtClean="0">
                                   <a:latin typeface="Cambria Math" panose="02040503050406030204" pitchFamily="18" charset="0"/>
                                 </a:rPr>
                               </m:ctrlPr>
@@ -12180,88 +13633,18 @@
                               <m:d>
                                 <m:dPr>
                                   <m:ctrlPr>
-                                    <a:rPr lang="en-US" b="0" i="0" smtClean="0">
+                                    <a:rPr lang="en-US" b="0" i="1" smtClean="0">
                                       <a:latin typeface="Cambria Math" panose="02040503050406030204" pitchFamily="18" charset="0"/>
                                     </a:rPr>
                                   </m:ctrlPr>
                                 </m:dPr>
                                 <m:e>
-                                  <m:d>
-                                    <m:dPr>
-                                      <m:begChr m:val="|"/>
-                                      <m:endChr m:val="⟩"/>
-                                      <m:ctrlPr>
-                                        <a:rPr lang="en-US" i="1">
-                                          <a:latin typeface="Cambria Math" panose="02040503050406030204" pitchFamily="18" charset="0"/>
-                                        </a:rPr>
-                                      </m:ctrlPr>
-                                    </m:dPr>
-                                    <m:e>
-                                      <m:sSup>
-                                        <m:sSupPr>
-                                          <m:ctrlPr>
-                                            <a:rPr lang="en-US" i="1">
-                                              <a:latin typeface="Cambria Math" panose="02040503050406030204" pitchFamily="18" charset="0"/>
-                                            </a:rPr>
-                                          </m:ctrlPr>
-                                        </m:sSupPr>
-                                        <m:e>
-                                          <m:r>
-                                            <a:rPr lang="en-US" i="1">
-                                              <a:latin typeface="Cambria Math" panose="02040503050406030204" pitchFamily="18" charset="0"/>
-                                            </a:rPr>
-                                            <m:t>𝜙</m:t>
-                                          </m:r>
-                                        </m:e>
-                                        <m:sup>
-                                          <m:r>
-                                            <a:rPr lang="en-US" i="1">
-                                              <a:latin typeface="Cambria Math" panose="02040503050406030204" pitchFamily="18" charset="0"/>
-                                            </a:rPr>
-                                            <m:t>+</m:t>
-                                          </m:r>
-                                        </m:sup>
-                                      </m:sSup>
-                                    </m:e>
-                                  </m:d>
-                                  <m:d>
-                                    <m:dPr>
-                                      <m:begChr m:val="⟨"/>
-                                      <m:endChr m:val="|"/>
-                                      <m:ctrlPr>
-                                        <a:rPr lang="en-US" i="1">
-                                          <a:latin typeface="Cambria Math" panose="02040503050406030204" pitchFamily="18" charset="0"/>
-                                        </a:rPr>
-                                      </m:ctrlPr>
-                                    </m:dPr>
-                                    <m:e>
-                                      <m:sSup>
-                                        <m:sSupPr>
-                                          <m:ctrlPr>
-                                            <a:rPr lang="en-US" i="1">
-                                              <a:latin typeface="Cambria Math" panose="02040503050406030204" pitchFamily="18" charset="0"/>
-                                            </a:rPr>
-                                          </m:ctrlPr>
-                                        </m:sSupPr>
-                                        <m:e>
-                                          <m:r>
-                                            <a:rPr lang="en-US" i="1">
-                                              <a:latin typeface="Cambria Math" panose="02040503050406030204" pitchFamily="18" charset="0"/>
-                                            </a:rPr>
-                                            <m:t>𝜙</m:t>
-                                          </m:r>
-                                        </m:e>
-                                        <m:sup>
-                                          <m:r>
-                                            <a:rPr lang="en-US" i="1">
-                                              <a:latin typeface="Cambria Math" panose="02040503050406030204" pitchFamily="18" charset="0"/>
-                                            </a:rPr>
-                                            <m:t>+</m:t>
-                                          </m:r>
-                                        </m:sup>
-                                      </m:sSup>
-                                    </m:e>
-                                  </m:d>
+                                  <m:r>
+                                    <a:rPr lang="en-US" b="1" i="1">
+                                      <a:latin typeface="Cambria Math" panose="02040503050406030204" pitchFamily="18" charset="0"/>
+                                    </a:rPr>
+                                    <m:t>𝝆</m:t>
+                                  </m:r>
                                 </m:e>
                               </m:d>
                             </m:e>
@@ -12276,6 +13659,74 @@
                       </m:r>
                     </m:oMath>
                   </m:oMathPara>
+                </a14:m>
+                <a:endParaRPr lang="en-US" dirty="0"/>
+              </a:p>
+              <a:p>
+                <a:pPr marL="0" indent="0">
+                  <a:buNone/>
+                </a:pPr>
+                <a:r>
+                  <a:rPr lang="en-US" dirty="0"/>
+                  <a:t>Note that, </a:t>
+                </a:r>
+                <a14:m>
+                  <m:oMath xmlns:m="http://schemas.openxmlformats.org/officeDocument/2006/math">
+                    <m:r>
+                      <m:rPr>
+                        <m:sty m:val="p"/>
+                      </m:rPr>
+                      <a:rPr lang="en-US" b="0" i="0" smtClean="0">
+                        <a:latin typeface="Cambria Math" panose="02040503050406030204" pitchFamily="18" charset="0"/>
+                      </a:rPr>
+                      <m:t>Φ</m:t>
+                    </m:r>
+                    <m:r>
+                      <a:rPr lang="en-US" b="0" i="1" smtClean="0">
+                        <a:latin typeface="Cambria Math" panose="02040503050406030204" pitchFamily="18" charset="0"/>
+                      </a:rPr>
+                      <m:t>=</m:t>
+                    </m:r>
+                    <m:r>
+                      <m:rPr>
+                        <m:sty m:val="p"/>
+                      </m:rPr>
+                      <a:rPr lang="en-US" b="0" i="0" smtClean="0">
+                        <a:latin typeface="Cambria Math" panose="02040503050406030204" pitchFamily="18" charset="0"/>
+                      </a:rPr>
+                      <m:t>Φ</m:t>
+                    </m:r>
+                    <m:r>
+                      <a:rPr lang="en-US" b="0" i="1" smtClean="0">
+                        <a:latin typeface="Cambria Math" panose="02040503050406030204" pitchFamily="18" charset="0"/>
+                      </a:rPr>
+                      <m:t>(</m:t>
+                    </m:r>
+                    <m:r>
+                      <a:rPr lang="en-US" b="0" i="1" smtClean="0">
+                        <a:latin typeface="Cambria Math" panose="02040503050406030204" pitchFamily="18" charset="0"/>
+                      </a:rPr>
+                      <m:t>𝑝</m:t>
+                    </m:r>
+                    <m:r>
+                      <a:rPr lang="en-US" b="0" i="1" smtClean="0">
+                        <a:latin typeface="Cambria Math" panose="02040503050406030204" pitchFamily="18" charset="0"/>
+                      </a:rPr>
+                      <m:t>,</m:t>
+                    </m:r>
+                    <m:r>
+                      <a:rPr lang="en-US" b="0" i="1" smtClean="0">
+                        <a:latin typeface="Cambria Math" panose="02040503050406030204" pitchFamily="18" charset="0"/>
+                      </a:rPr>
+                      <m:t>𝑞</m:t>
+                    </m:r>
+                    <m:r>
+                      <a:rPr lang="en-US" b="0" i="1" smtClean="0">
+                        <a:latin typeface="Cambria Math" panose="02040503050406030204" pitchFamily="18" charset="0"/>
+                      </a:rPr>
+                      <m:t>)</m:t>
+                    </m:r>
+                  </m:oMath>
                 </a14:m>
                 <a:endParaRPr lang="en-US" dirty="0"/>
               </a:p>
@@ -12310,7 +13761,7 @@
               <a:blipFill>
                 <a:blip r:embed="rId2"/>
                 <a:stretch>
-                  <a:fillRect l="-714" t="-1568"/>
+                  <a:fillRect l="-823" t="-1568"/>
                 </a:stretch>
               </a:blipFill>
             </p:spPr>
@@ -12371,7 +13822,7 @@
 </p:sld>
 </file>
 
-<file path=ppt/slides/slide5.xml><?xml version="1.0" encoding="utf-8"?>
+<file path=ppt/slides/slide6.xml><?xml version="1.0" encoding="utf-8"?>
 <p:sld xmlns:a="http://schemas.openxmlformats.org/drawingml/2006/main" xmlns:r="http://schemas.openxmlformats.org/officeDocument/2006/relationships" xmlns:p="http://schemas.openxmlformats.org/presentationml/2006/main">
   <p:cSld>
     <p:spTree>
@@ -12535,10 +13986,13 @@
                             <m:t>,</m:t>
                           </m:r>
                           <m:r>
-                            <a:rPr lang="en-US" b="0" i="1" smtClean="0">
+                            <m:rPr>
+                              <m:sty m:val="p"/>
+                            </m:rPr>
+                            <a:rPr lang="en-US" b="0" i="0" smtClean="0">
                               <a:latin typeface="Cambria Math" panose="02040503050406030204" pitchFamily="18" charset="0"/>
                             </a:rPr>
-                            <m:t>𝜎</m:t>
+                            <m:t>Φ</m:t>
                           </m:r>
                         </m:e>
                       </m:d>
@@ -12626,10 +14080,13 @@
                                     <m:deg/>
                                     <m:e>
                                       <m:r>
-                                        <a:rPr lang="en-US" b="0" i="1" smtClean="0">
+                                        <m:rPr>
+                                          <m:sty m:val="p"/>
+                                        </m:rPr>
+                                        <a:rPr lang="en-US" b="0" i="0" smtClean="0">
                                           <a:latin typeface="Cambria Math" panose="02040503050406030204" pitchFamily="18" charset="0"/>
                                         </a:rPr>
-                                        <m:t>𝜎</m:t>
+                                        <m:t>Φ</m:t>
                                       </m:r>
                                     </m:e>
                                   </m:rad>
@@ -12663,16 +14120,49 @@
                   <a:buFont typeface="Wingdings" panose="05000000000000000000" pitchFamily="2" charset="2"/>
                   <a:buChar char="Ø"/>
                 </a:pPr>
-                <a:endParaRPr lang="en-US" dirty="0"/>
-              </a:p>
-              <a:p>
-                <a:pPr algn="just">
-                  <a:buFont typeface="Wingdings" panose="05000000000000000000" pitchFamily="2" charset="2"/>
-                  <a:buChar char="Ø"/>
-                </a:pPr>
                 <a:r>
                   <a:rPr lang="en-US" dirty="0"/>
-                  <a:t> For imperfect Bell states, </a:t>
+                  <a:t> Note that, </a:t>
+                </a:r>
+                <a14:m>
+                  <m:oMath xmlns:m="http://schemas.openxmlformats.org/officeDocument/2006/math">
+                    <m:r>
+                      <a:rPr lang="en-US" i="1" dirty="0" smtClean="0">
+                        <a:latin typeface="Cambria Math" panose="02040503050406030204" pitchFamily="18" charset="0"/>
+                      </a:rPr>
+                      <m:t>𝐹</m:t>
+                    </m:r>
+                  </m:oMath>
+                </a14:m>
+                <a:r>
+                  <a:rPr lang="en-US" dirty="0"/>
+                  <a:t> depends on noise parameters </a:t>
+                </a:r>
+                <a14:m>
+                  <m:oMath xmlns:m="http://schemas.openxmlformats.org/officeDocument/2006/math">
+                    <m:r>
+                      <a:rPr lang="en-US" i="1" dirty="0" smtClean="0">
+                        <a:latin typeface="Cambria Math" panose="02040503050406030204" pitchFamily="18" charset="0"/>
+                      </a:rPr>
+                      <m:t>𝑝</m:t>
+                    </m:r>
+                    <m:r>
+                      <a:rPr lang="en-US" i="1" dirty="0" smtClean="0">
+                        <a:latin typeface="Cambria Math" panose="02040503050406030204" pitchFamily="18" charset="0"/>
+                      </a:rPr>
+                      <m:t>, </m:t>
+                    </m:r>
+                    <m:r>
+                      <a:rPr lang="en-US" i="1" dirty="0" smtClean="0">
+                        <a:latin typeface="Cambria Math" panose="02040503050406030204" pitchFamily="18" charset="0"/>
+                      </a:rPr>
+                      <m:t>𝑞</m:t>
+                    </m:r>
+                  </m:oMath>
+                </a14:m>
+                <a:r>
+                  <a:rPr lang="en-US" dirty="0"/>
+                  <a:t> since </a:t>
                 </a:r>
                 <a14:m>
                   <m:oMath xmlns:m="http://schemas.openxmlformats.org/officeDocument/2006/math">
@@ -12680,196 +14170,102 @@
                       <m:rPr>
                         <m:sty m:val="p"/>
                       </m:rPr>
-                      <a:rPr lang="en-US" b="0" i="0" smtClean="0">
+                      <a:rPr lang="en-US">
                         <a:latin typeface="Cambria Math" panose="02040503050406030204" pitchFamily="18" charset="0"/>
                       </a:rPr>
                       <m:t>Φ</m:t>
                     </m:r>
                     <m:r>
-                      <a:rPr lang="en-US" b="0" i="1" smtClean="0">
+                      <a:rPr lang="en-US" i="1">
                         <a:latin typeface="Cambria Math" panose="02040503050406030204" pitchFamily="18" charset="0"/>
                       </a:rPr>
                       <m:t>=</m:t>
                     </m:r>
                     <m:r>
-                      <a:rPr lang="en-US" b="0" i="1" smtClean="0">
+                      <m:rPr>
+                        <m:sty m:val="p"/>
+                      </m:rPr>
+                      <a:rPr lang="en-US">
+                        <a:latin typeface="Cambria Math" panose="02040503050406030204" pitchFamily="18" charset="0"/>
+                      </a:rPr>
+                      <m:t>Φ</m:t>
+                    </m:r>
+                    <m:r>
+                      <a:rPr lang="en-US" i="1">
+                        <a:latin typeface="Cambria Math" panose="02040503050406030204" pitchFamily="18" charset="0"/>
+                      </a:rPr>
+                      <m:t>(</m:t>
+                    </m:r>
+                    <m:r>
+                      <a:rPr lang="en-US" i="1">
                         <a:latin typeface="Cambria Math" panose="02040503050406030204" pitchFamily="18" charset="0"/>
                       </a:rPr>
                       <m:t>𝑝</m:t>
                     </m:r>
+                    <m:r>
+                      <a:rPr lang="en-US" i="1">
+                        <a:latin typeface="Cambria Math" panose="02040503050406030204" pitchFamily="18" charset="0"/>
+                      </a:rPr>
+                      <m:t>,</m:t>
+                    </m:r>
+                    <m:r>
+                      <a:rPr lang="en-US" i="1">
+                        <a:latin typeface="Cambria Math" panose="02040503050406030204" pitchFamily="18" charset="0"/>
+                      </a:rPr>
+                      <m:t>𝑞</m:t>
+                    </m:r>
+                    <m:r>
+                      <a:rPr lang="en-US" i="1">
+                        <a:latin typeface="Cambria Math" panose="02040503050406030204" pitchFamily="18" charset="0"/>
+                      </a:rPr>
+                      <m:t>)</m:t>
+                    </m:r>
                   </m:oMath>
                 </a14:m>
+                <a:endParaRPr lang="en-US" dirty="0"/>
+              </a:p>
+              <a:p>
+                <a:pPr>
+                  <a:buFont typeface="Wingdings" panose="05000000000000000000" pitchFamily="2" charset="2"/>
+                  <a:buChar char="Ø"/>
+                </a:pPr>
                 <a:r>
                   <a:rPr lang="en-US" dirty="0"/>
-                  <a:t> </a:t>
+                  <a:t> In DEJMPS protocol, we will use the </a:t>
                 </a:r>
                 <a14:m>
                   <m:oMath xmlns:m="http://schemas.openxmlformats.org/officeDocument/2006/math">
-                    <m:d>
-                      <m:dPr>
-                        <m:begChr m:val="|"/>
-                        <m:endChr m:val="⟩"/>
-                        <m:ctrlPr>
-                          <a:rPr lang="en-US" i="1">
-                            <a:latin typeface="Cambria Math" panose="02040503050406030204" pitchFamily="18" charset="0"/>
-                          </a:rPr>
-                        </m:ctrlPr>
-                      </m:dPr>
-                      <m:e>
-                        <m:sSub>
-                          <m:sSubPr>
-                            <m:ctrlPr>
-                              <a:rPr lang="en-US" i="1">
-                                <a:latin typeface="Cambria Math" panose="02040503050406030204" pitchFamily="18" charset="0"/>
-                              </a:rPr>
-                            </m:ctrlPr>
-                          </m:sSubPr>
-                          <m:e>
-                            <m:r>
-                              <m:rPr>
-                                <m:sty m:val="p"/>
-                              </m:rPr>
-                              <a:rPr lang="en-US">
-                                <a:latin typeface="Cambria Math" panose="02040503050406030204" pitchFamily="18" charset="0"/>
-                              </a:rPr>
-                              <m:t>Φ</m:t>
-                            </m:r>
-                          </m:e>
-                          <m:sub>
-                            <m:r>
-                              <a:rPr lang="en-US" i="1">
-                                <a:latin typeface="Cambria Math" panose="02040503050406030204" pitchFamily="18" charset="0"/>
-                              </a:rPr>
-                              <m:t>𝑖𝑗</m:t>
-                            </m:r>
-                          </m:sub>
-                        </m:sSub>
-                      </m:e>
-                    </m:d>
-                    <m:d>
-                      <m:dPr>
-                        <m:begChr m:val="⟨"/>
-                        <m:endChr m:val="|"/>
-                        <m:ctrlPr>
-                          <a:rPr lang="en-US" i="1">
-                            <a:latin typeface="Cambria Math" panose="02040503050406030204" pitchFamily="18" charset="0"/>
-                          </a:rPr>
-                        </m:ctrlPr>
-                      </m:dPr>
-                      <m:e>
-                        <m:sSub>
-                          <m:sSubPr>
-                            <m:ctrlPr>
-                              <a:rPr lang="en-US" i="1">
-                                <a:latin typeface="Cambria Math" panose="02040503050406030204" pitchFamily="18" charset="0"/>
-                              </a:rPr>
-                            </m:ctrlPr>
-                          </m:sSubPr>
-                          <m:e>
-                            <m:r>
-                              <m:rPr>
-                                <m:sty m:val="p"/>
-                              </m:rPr>
-                              <a:rPr lang="en-US">
-                                <a:latin typeface="Cambria Math" panose="02040503050406030204" pitchFamily="18" charset="0"/>
-                              </a:rPr>
-                              <m:t>Φ</m:t>
-                            </m:r>
-                          </m:e>
-                          <m:sub>
-                            <m:r>
-                              <a:rPr lang="en-US" i="1">
-                                <a:latin typeface="Cambria Math" panose="02040503050406030204" pitchFamily="18" charset="0"/>
-                              </a:rPr>
-                              <m:t>𝑖𝑗</m:t>
-                            </m:r>
-                          </m:sub>
-                        </m:sSub>
-                      </m:e>
-                    </m:d>
-                    <m:r>
-                      <a:rPr lang="en-US" b="0" i="0" smtClean="0">
-                        <a:latin typeface="Cambria Math" panose="02040503050406030204" pitchFamily="18" charset="0"/>
-                      </a:rPr>
-                      <m:t>+</m:t>
-                    </m:r>
-                    <m:d>
-                      <m:dPr>
+                    <m:sSub>
+                      <m:sSubPr>
                         <m:ctrlPr>
                           <a:rPr lang="en-US" b="0" i="1" smtClean="0">
                             <a:latin typeface="Cambria Math" panose="02040503050406030204" pitchFamily="18" charset="0"/>
                           </a:rPr>
                         </m:ctrlPr>
-                      </m:dPr>
+                      </m:sSubPr>
                       <m:e>
                         <m:r>
-                          <a:rPr lang="en-US" b="0" i="0" smtClean="0">
-                            <a:latin typeface="Cambria Math" panose="02040503050406030204" pitchFamily="18" charset="0"/>
-                          </a:rPr>
-                          <m:t>1−</m:t>
-                        </m:r>
-                        <m:r>
-                          <m:rPr>
-                            <m:sty m:val="p"/>
-                          </m:rPr>
-                          <a:rPr lang="en-US" b="0" i="0" smtClean="0">
-                            <a:latin typeface="Cambria Math" panose="02040503050406030204" pitchFamily="18" charset="0"/>
-                          </a:rPr>
-                          <m:t>p</m:t>
-                        </m:r>
-                      </m:e>
-                    </m:d>
-                    <m:f>
-                      <m:fPr>
-                        <m:ctrlPr>
                           <a:rPr lang="en-US" b="0" i="1" smtClean="0">
                             <a:latin typeface="Cambria Math" panose="02040503050406030204" pitchFamily="18" charset="0"/>
                           </a:rPr>
-                        </m:ctrlPr>
-                      </m:fPr>
-                      <m:num>
+                          <m:t>𝐹</m:t>
+                        </m:r>
+                      </m:e>
+                      <m:sub>
                         <m:r>
-                          <m:rPr>
-                            <m:sty m:val="p"/>
-                          </m:rPr>
-                          <a:rPr lang="en-US" b="0" i="0" smtClean="0">
+                          <a:rPr lang="en-US" b="0" i="1" smtClean="0">
                             <a:latin typeface="Cambria Math" panose="02040503050406030204" pitchFamily="18" charset="0"/>
                           </a:rPr>
-                          <m:t>I</m:t>
+                          <m:t>0</m:t>
                         </m:r>
-                      </m:num>
-                      <m:den>
-                        <m:r>
-                          <a:rPr lang="en-US" b="0" i="0" smtClean="0">
-                            <a:latin typeface="Cambria Math" panose="02040503050406030204" pitchFamily="18" charset="0"/>
-                          </a:rPr>
-                          <m:t>4</m:t>
-                        </m:r>
-                      </m:den>
-                    </m:f>
+                      </m:sub>
+                    </m:sSub>
                   </m:oMath>
                 </a14:m>
                 <a:r>
                   <a:rPr lang="en-US" dirty="0"/>
-                  <a:t> ,the teleported state fidelity </a:t>
+                  <a:t> as initial F.</a:t>
                 </a:r>
-                <a14:m>
-                  <m:oMath xmlns:m="http://schemas.openxmlformats.org/officeDocument/2006/math">
-                    <m:r>
-                      <a:rPr lang="en-US" b="0" i="0" smtClean="0">
-                        <a:latin typeface="Cambria Math" panose="02040503050406030204" pitchFamily="18" charset="0"/>
-                      </a:rPr>
-                      <m:t>=</m:t>
-                    </m:r>
-                    <m:r>
-                      <a:rPr lang="en-US" b="0" i="1" smtClean="0">
-                        <a:latin typeface="Cambria Math" panose="02040503050406030204" pitchFamily="18" charset="0"/>
-                      </a:rPr>
-                      <m:t>𝑝</m:t>
-                    </m:r>
-                  </m:oMath>
-                </a14:m>
-                <a:endParaRPr lang="en-US" dirty="0"/>
               </a:p>
               <a:p>
                 <a:pPr>
@@ -13022,7 +14418,7 @@
               <a:blipFill>
                 <a:blip r:embed="rId2"/>
                 <a:stretch>
-                  <a:fillRect l="-714" t="-1568" r="-878"/>
+                  <a:fillRect l="-714" t="-1568"/>
                 </a:stretch>
               </a:blipFill>
             </p:spPr>
@@ -13083,7 +14479,7 @@
 </p:sld>
 </file>
 
-<file path=ppt/slides/slide6.xml><?xml version="1.0" encoding="utf-8"?>
+<file path=ppt/slides/slide7.xml><?xml version="1.0" encoding="utf-8"?>
 <p:sld xmlns:a="http://schemas.openxmlformats.org/drawingml/2006/main" xmlns:r="http://schemas.openxmlformats.org/officeDocument/2006/relationships" xmlns:p="http://schemas.openxmlformats.org/presentationml/2006/main">
   <p:cSld>
     <p:spTree>
@@ -13128,8 +14524,8 @@
           </a:p>
         </p:txBody>
       </p:sp>
-      <mc:AlternateContent xmlns:mc="http://schemas.openxmlformats.org/markup-compatibility/2006">
-        <mc:Choice xmlns:a14="http://schemas.microsoft.com/office/drawing/2010/main" Requires="a14">
+      <mc:AlternateContent xmlns:mc="http://schemas.openxmlformats.org/markup-compatibility/2006" xmlns:a14="http://schemas.microsoft.com/office/drawing/2010/main">
+        <mc:Choice Requires="a14">
           <p:sp>
             <p:nvSpPr>
               <p:cNvPr id="3" name="Content Placeholder 2">
@@ -13870,7 +15266,7 @@
             </p:txBody>
           </p:sp>
         </mc:Choice>
-        <mc:Fallback>
+        <mc:Fallback xmlns="">
           <p:sp>
             <p:nvSpPr>
               <p:cNvPr id="3" name="Content Placeholder 2">
@@ -13952,7 +15348,7 @@
 </p:sld>
 </file>
 
-<file path=ppt/slides/slide7.xml><?xml version="1.0" encoding="utf-8"?>
+<file path=ppt/slides/slide8.xml><?xml version="1.0" encoding="utf-8"?>
 <p:sld xmlns:a="http://schemas.openxmlformats.org/drawingml/2006/main" xmlns:r="http://schemas.openxmlformats.org/officeDocument/2006/relationships" xmlns:p="http://schemas.openxmlformats.org/presentationml/2006/main">
   <p:cSld>
     <p:spTree>
@@ -13997,8 +15393,8 @@
           </a:p>
         </p:txBody>
       </p:sp>
-      <mc:AlternateContent xmlns:mc="http://schemas.openxmlformats.org/markup-compatibility/2006">
-        <mc:Choice xmlns:a14="http://schemas.microsoft.com/office/drawing/2010/main" Requires="a14">
+      <mc:AlternateContent xmlns:mc="http://schemas.openxmlformats.org/markup-compatibility/2006" xmlns:a14="http://schemas.microsoft.com/office/drawing/2010/main">
+        <mc:Choice Requires="a14">
           <p:sp>
             <p:nvSpPr>
               <p:cNvPr id="3" name="Content Placeholder 2">
@@ -14232,7 +15628,7 @@
             </p:txBody>
           </p:sp>
         </mc:Choice>
-        <mc:Fallback>
+        <mc:Fallback xmlns="">
           <p:sp>
             <p:nvSpPr>
               <p:cNvPr id="3" name="Content Placeholder 2">
@@ -14539,7 +15935,7 @@
 </p:sld>
 </file>
 
-<file path=ppt/slides/slide8.xml><?xml version="1.0" encoding="utf-8"?>
+<file path=ppt/slides/slide9.xml><?xml version="1.0" encoding="utf-8"?>
 <p:sld xmlns:a="http://schemas.openxmlformats.org/drawingml/2006/main" xmlns:r="http://schemas.openxmlformats.org/officeDocument/2006/relationships" xmlns:p="http://schemas.openxmlformats.org/presentationml/2006/main">
   <p:cSld>
     <p:spTree>
@@ -14584,8 +15980,8 @@
           </a:p>
         </p:txBody>
       </p:sp>
-      <mc:AlternateContent xmlns:mc="http://schemas.openxmlformats.org/markup-compatibility/2006">
-        <mc:Choice xmlns:a14="http://schemas.microsoft.com/office/drawing/2010/main" Requires="a14">
+      <mc:AlternateContent xmlns:mc="http://schemas.openxmlformats.org/markup-compatibility/2006" xmlns:a14="http://schemas.microsoft.com/office/drawing/2010/main">
+        <mc:Choice Requires="a14">
           <p:sp>
             <p:nvSpPr>
               <p:cNvPr id="3" name="Content Placeholder 2">
@@ -15065,7 +16461,7 @@
                     <m:limLow>
                       <m:limLowPr>
                         <m:ctrlPr>
-                          <a:rPr lang="en-US" b="0" i="0" smtClean="0">
+                          <a:rPr lang="en-US" b="0" i="1" smtClean="0">
                             <a:latin typeface="Cambria Math" panose="02040503050406030204" pitchFamily="18" charset="0"/>
                           </a:rPr>
                         </m:ctrlPr>
@@ -15087,7 +16483,7 @@
                             <m:begChr m:val="{"/>
                             <m:endChr m:val="}"/>
                             <m:ctrlPr>
-                              <a:rPr lang="en-US" b="0" i="0" smtClean="0">
+                              <a:rPr lang="en-US" b="0" i="1" smtClean="0">
                                 <a:latin typeface="Cambria Math" panose="02040503050406030204" pitchFamily="18" charset="0"/>
                               </a:rPr>
                             </m:ctrlPr>
@@ -15096,7 +16492,7 @@
                             <m:sSub>
                               <m:sSubPr>
                                 <m:ctrlPr>
-                                  <a:rPr lang="en-US" b="0" i="0" smtClean="0">
+                                  <a:rPr lang="en-US" b="0" i="1" smtClean="0">
                                     <a:latin typeface="Cambria Math" panose="02040503050406030204" pitchFamily="18" charset="0"/>
                                   </a:rPr>
                                 </m:ctrlPr>
@@ -15323,7 +16719,7 @@
             </p:txBody>
           </p:sp>
         </mc:Choice>
-        <mc:Fallback>
+        <mc:Fallback xmlns="">
           <p:sp>
             <p:nvSpPr>
               <p:cNvPr id="3" name="Content Placeholder 2">
@@ -15396,814 +16792,6 @@
     <p:extLst>
       <p:ext uri="{BB962C8B-B14F-4D97-AF65-F5344CB8AC3E}">
         <p14:creationId xmlns:p14="http://schemas.microsoft.com/office/powerpoint/2010/main" val="489513884"/>
-      </p:ext>
-    </p:extLst>
-  </p:cSld>
-  <p:clrMapOvr>
-    <a:masterClrMapping/>
-  </p:clrMapOvr>
-</p:sld>
-</file>
-
-<file path=ppt/slides/slide9.xml><?xml version="1.0" encoding="utf-8"?>
-<p:sld xmlns:a="http://schemas.openxmlformats.org/drawingml/2006/main" xmlns:r="http://schemas.openxmlformats.org/officeDocument/2006/relationships" xmlns:p="http://schemas.openxmlformats.org/presentationml/2006/main">
-  <p:cSld>
-    <p:spTree>
-      <p:nvGrpSpPr>
-        <p:cNvPr id="1" name=""/>
-        <p:cNvGrpSpPr/>
-        <p:nvPr/>
-      </p:nvGrpSpPr>
-      <p:grpSpPr>
-        <a:xfrm>
-          <a:off x="0" y="0"/>
-          <a:ext cx="0" cy="0"/>
-          <a:chOff x="0" y="0"/>
-          <a:chExt cx="0" cy="0"/>
-        </a:xfrm>
-      </p:grpSpPr>
-      <p:sp>
-        <p:nvSpPr>
-          <p:cNvPr id="2" name="Title 1">
-            <a:extLst>
-              <a:ext uri="{FF2B5EF4-FFF2-40B4-BE49-F238E27FC236}">
-                <a16:creationId xmlns:a16="http://schemas.microsoft.com/office/drawing/2014/main" id="{81AB9609-6F08-C384-6ADB-C1C661CC3EE4}"/>
-              </a:ext>
-            </a:extLst>
-          </p:cNvPr>
-          <p:cNvSpPr>
-            <a:spLocks noGrp="1"/>
-          </p:cNvSpPr>
-          <p:nvPr>
-            <p:ph type="title"/>
-          </p:nvPr>
-        </p:nvSpPr>
-        <p:spPr/>
-        <p:txBody>
-          <a:bodyPr/>
-          <a:lstStyle/>
-          <a:p>
-            <a:r>
-              <a:rPr lang="en-US" dirty="0"/>
-              <a:t>Finding 2</a:t>
-            </a:r>
-          </a:p>
-        </p:txBody>
-      </p:sp>
-      <mc:AlternateContent xmlns:mc="http://schemas.openxmlformats.org/markup-compatibility/2006">
-        <mc:Choice xmlns:a14="http://schemas.microsoft.com/office/drawing/2010/main" Requires="a14">
-          <p:sp>
-            <p:nvSpPr>
-              <p:cNvPr id="3" name="Content Placeholder 2">
-                <a:extLst>
-                  <a:ext uri="{FF2B5EF4-FFF2-40B4-BE49-F238E27FC236}">
-                    <a16:creationId xmlns:a16="http://schemas.microsoft.com/office/drawing/2014/main" id="{07AACD02-177E-420B-48C9-C08D2976A9D0}"/>
-                  </a:ext>
-                </a:extLst>
-              </p:cNvPr>
-              <p:cNvSpPr>
-                <a:spLocks noGrp="1"/>
-              </p:cNvSpPr>
-              <p:nvPr>
-                <p:ph idx="1"/>
-              </p:nvPr>
-            </p:nvSpPr>
-            <p:spPr/>
-            <p:txBody>
-              <a:bodyPr/>
-              <a:lstStyle/>
-              <a:p>
-                <a:pPr>
-                  <a:buFont typeface="Wingdings" panose="05000000000000000000" pitchFamily="2" charset="2"/>
-                  <a:buChar char="Ø"/>
-                </a:pPr>
-                <a:r>
-                  <a:rPr lang="en-US" dirty="0"/>
-                  <a:t> </a:t>
-                </a:r>
-                <a:r>
-                  <a:rPr lang="en-US" b="0" dirty="0"/>
-                  <a:t> </a:t>
-                </a:r>
-                <a14:m>
-                  <m:oMath xmlns:m="http://schemas.openxmlformats.org/officeDocument/2006/math">
-                    <m:sSub>
-                      <m:sSubPr>
-                        <m:ctrlPr>
-                          <a:rPr lang="en-US" b="0" i="1" smtClean="0">
-                            <a:latin typeface="Cambria Math" panose="02040503050406030204" pitchFamily="18" charset="0"/>
-                          </a:rPr>
-                        </m:ctrlPr>
-                      </m:sSubPr>
-                      <m:e>
-                        <m:r>
-                          <a:rPr lang="en-US" b="0" i="1" smtClean="0">
-                            <a:latin typeface="Cambria Math" panose="02040503050406030204" pitchFamily="18" charset="0"/>
-                          </a:rPr>
-                          <m:t>𝐴</m:t>
-                        </m:r>
-                      </m:e>
-                      <m:sub>
-                        <m:r>
-                          <a:rPr lang="en-US" b="0" i="1" smtClean="0">
-                            <a:latin typeface="Cambria Math" panose="02040503050406030204" pitchFamily="18" charset="0"/>
-                          </a:rPr>
-                          <m:t>𝑘</m:t>
-                        </m:r>
-                      </m:sub>
-                    </m:sSub>
-                  </m:oMath>
-                </a14:m>
-                <a:r>
-                  <a:rPr lang="en-US" b="0" dirty="0"/>
-                  <a:t> could be PVM or POVM elements. I have found:</a:t>
-                </a:r>
-              </a:p>
-              <a:p>
-                <a:pPr marL="0" indent="0">
-                  <a:buNone/>
-                </a:pPr>
-                <a14:m>
-                  <m:oMathPara xmlns:m="http://schemas.openxmlformats.org/officeDocument/2006/math">
-                    <m:oMathParaPr>
-                      <m:jc m:val="centerGroup"/>
-                    </m:oMathParaPr>
-                    <m:oMath xmlns:m="http://schemas.openxmlformats.org/officeDocument/2006/math">
-                      <m:r>
-                        <a:rPr lang="en-US" i="1" smtClean="0">
-                          <a:latin typeface="Cambria Math" panose="02040503050406030204" pitchFamily="18" charset="0"/>
-                        </a:rPr>
-                        <m:t>𝑆</m:t>
-                      </m:r>
-                      <m:d>
-                        <m:dPr>
-                          <m:ctrlPr>
-                            <a:rPr lang="en-US" i="1" smtClean="0">
-                              <a:latin typeface="Cambria Math" panose="02040503050406030204" pitchFamily="18" charset="0"/>
-                            </a:rPr>
-                          </m:ctrlPr>
-                        </m:dPr>
-                        <m:e>
-                          <m:sSub>
-                            <m:sSubPr>
-                              <m:ctrlPr>
-                                <a:rPr lang="en-US" i="1">
-                                  <a:latin typeface="Cambria Math" panose="02040503050406030204" pitchFamily="18" charset="0"/>
-                                </a:rPr>
-                              </m:ctrlPr>
-                            </m:sSubPr>
-                            <m:e>
-                              <m:r>
-                                <a:rPr lang="en-US" i="1">
-                                  <a:latin typeface="Cambria Math" panose="02040503050406030204" pitchFamily="18" charset="0"/>
-                                </a:rPr>
-                                <m:t>𝜌</m:t>
-                              </m:r>
-                            </m:e>
-                            <m:sub>
-                              <m:r>
-                                <a:rPr lang="en-US" i="1">
-                                  <a:latin typeface="Cambria Math" panose="02040503050406030204" pitchFamily="18" charset="0"/>
-                                </a:rPr>
-                                <m:t>𝐵</m:t>
-                              </m:r>
-                            </m:sub>
-                          </m:sSub>
-                        </m:e>
-                        <m:e>
-                          <m:sSub>
-                            <m:sSubPr>
-                              <m:ctrlPr>
-                                <a:rPr lang="en-US" b="0" i="1" smtClean="0">
-                                  <a:latin typeface="Cambria Math" panose="02040503050406030204" pitchFamily="18" charset="0"/>
-                                </a:rPr>
-                              </m:ctrlPr>
-                            </m:sSubPr>
-                            <m:e>
-                              <m:r>
-                                <a:rPr lang="en-US" b="0" i="1" smtClean="0">
-                                  <a:latin typeface="Cambria Math" panose="02040503050406030204" pitchFamily="18" charset="0"/>
-                                </a:rPr>
-                                <m:t>𝐴</m:t>
-                              </m:r>
-                            </m:e>
-                            <m:sub>
-                              <m:r>
-                                <a:rPr lang="en-US" b="0" i="1" smtClean="0">
-                                  <a:latin typeface="Cambria Math" panose="02040503050406030204" pitchFamily="18" charset="0"/>
-                                </a:rPr>
-                                <m:t>𝑃𝑂𝑉𝑀</m:t>
-                              </m:r>
-                            </m:sub>
-                          </m:sSub>
-                        </m:e>
-                      </m:d>
-                      <m:r>
-                        <a:rPr lang="en-US" b="0" i="1" smtClean="0">
-                          <a:latin typeface="Cambria Math" panose="02040503050406030204" pitchFamily="18" charset="0"/>
-                        </a:rPr>
-                        <m:t>≤</m:t>
-                      </m:r>
-                      <m:r>
-                        <a:rPr lang="en-US" b="0" i="1" smtClean="0">
-                          <a:latin typeface="Cambria Math" panose="02040503050406030204" pitchFamily="18" charset="0"/>
-                        </a:rPr>
-                        <m:t>𝑆</m:t>
-                      </m:r>
-                      <m:d>
-                        <m:dPr>
-                          <m:ctrlPr>
-                            <a:rPr lang="en-US" i="1">
-                              <a:latin typeface="Cambria Math" panose="02040503050406030204" pitchFamily="18" charset="0"/>
-                            </a:rPr>
-                          </m:ctrlPr>
-                        </m:dPr>
-                        <m:e>
-                          <m:sSub>
-                            <m:sSubPr>
-                              <m:ctrlPr>
-                                <a:rPr lang="en-US" i="1">
-                                  <a:latin typeface="Cambria Math" panose="02040503050406030204" pitchFamily="18" charset="0"/>
-                                </a:rPr>
-                              </m:ctrlPr>
-                            </m:sSubPr>
-                            <m:e>
-                              <m:r>
-                                <a:rPr lang="en-US" i="1">
-                                  <a:latin typeface="Cambria Math" panose="02040503050406030204" pitchFamily="18" charset="0"/>
-                                </a:rPr>
-                                <m:t>𝜌</m:t>
-                              </m:r>
-                            </m:e>
-                            <m:sub>
-                              <m:r>
-                                <a:rPr lang="en-US" i="1">
-                                  <a:latin typeface="Cambria Math" panose="02040503050406030204" pitchFamily="18" charset="0"/>
-                                </a:rPr>
-                                <m:t>𝐵</m:t>
-                              </m:r>
-                            </m:sub>
-                          </m:sSub>
-                        </m:e>
-                        <m:e>
-                          <m:sSub>
-                            <m:sSubPr>
-                              <m:ctrlPr>
-                                <a:rPr lang="en-US" i="1">
-                                  <a:latin typeface="Cambria Math" panose="02040503050406030204" pitchFamily="18" charset="0"/>
-                                </a:rPr>
-                              </m:ctrlPr>
-                            </m:sSubPr>
-                            <m:e>
-                              <m:r>
-                                <a:rPr lang="en-US" i="1">
-                                  <a:latin typeface="Cambria Math" panose="02040503050406030204" pitchFamily="18" charset="0"/>
-                                </a:rPr>
-                                <m:t>𝐴</m:t>
-                              </m:r>
-                            </m:e>
-                            <m:sub>
-                              <m:r>
-                                <a:rPr lang="en-US" i="1">
-                                  <a:latin typeface="Cambria Math" panose="02040503050406030204" pitchFamily="18" charset="0"/>
-                                </a:rPr>
-                                <m:t>𝑃𝑉𝑀</m:t>
-                              </m:r>
-                            </m:sub>
-                          </m:sSub>
-                        </m:e>
-                      </m:d>
-                    </m:oMath>
-                  </m:oMathPara>
-                </a14:m>
-                <a:endParaRPr lang="en-US" b="0" dirty="0"/>
-              </a:p>
-              <a:p>
-                <a:pPr marL="0" indent="0">
-                  <a:buNone/>
-                </a:pPr>
-                <a:endParaRPr lang="en-US" b="0" dirty="0"/>
-              </a:p>
-              <a:p>
-                <a:pPr>
-                  <a:buFont typeface="Wingdings" panose="05000000000000000000" pitchFamily="2" charset="2"/>
-                  <a:buChar char="Ø"/>
-                </a:pPr>
-                <a:r>
-                  <a:rPr lang="en-US" dirty="0"/>
-                  <a:t> So, we will use POVM one! </a:t>
-                </a:r>
-              </a:p>
-              <a:p>
-                <a:pPr>
-                  <a:buFont typeface="Wingdings" panose="05000000000000000000" pitchFamily="2" charset="2"/>
-                  <a:buChar char="Ø"/>
-                </a:pPr>
-                <a:endParaRPr lang="en-US" dirty="0"/>
-              </a:p>
-              <a:p>
-                <a:pPr>
-                  <a:buFont typeface="Wingdings" panose="05000000000000000000" pitchFamily="2" charset="2"/>
-                  <a:buChar char="Ø"/>
-                </a:pPr>
-                <a:r>
-                  <a:rPr lang="en-US" dirty="0"/>
-                  <a:t>Given </a:t>
-                </a:r>
-                <a14:m>
-                  <m:oMath xmlns:m="http://schemas.openxmlformats.org/officeDocument/2006/math">
-                    <m:sSub>
-                      <m:sSubPr>
-                        <m:ctrlPr>
-                          <a:rPr lang="en-US" b="0" i="1" smtClean="0">
-                            <a:latin typeface="Cambria Math" panose="02040503050406030204" pitchFamily="18" charset="0"/>
-                          </a:rPr>
-                        </m:ctrlPr>
-                      </m:sSubPr>
-                      <m:e>
-                        <m:r>
-                          <a:rPr lang="en-US" b="0" i="1" smtClean="0">
-                            <a:latin typeface="Cambria Math" panose="02040503050406030204" pitchFamily="18" charset="0"/>
-                          </a:rPr>
-                          <m:t>𝜌</m:t>
-                        </m:r>
-                      </m:e>
-                      <m:sub>
-                        <m:r>
-                          <a:rPr lang="en-US" b="0" i="1" smtClean="0">
-                            <a:latin typeface="Cambria Math" panose="02040503050406030204" pitchFamily="18" charset="0"/>
-                          </a:rPr>
-                          <m:t>𝐴𝐵</m:t>
-                        </m:r>
-                      </m:sub>
-                    </m:sSub>
-                  </m:oMath>
-                </a14:m>
-                <a:r>
-                  <a:rPr lang="en-US" dirty="0"/>
-                  <a:t> we can purify it as </a:t>
-                </a:r>
-                <a14:m>
-                  <m:oMath xmlns:m="http://schemas.openxmlformats.org/officeDocument/2006/math">
-                    <m:sSub>
-                      <m:sSubPr>
-                        <m:ctrlPr>
-                          <a:rPr lang="en-US" b="0" i="1" smtClean="0">
-                            <a:latin typeface="Cambria Math" panose="02040503050406030204" pitchFamily="18" charset="0"/>
-                          </a:rPr>
-                        </m:ctrlPr>
-                      </m:sSubPr>
-                      <m:e>
-                        <m:r>
-                          <a:rPr lang="en-US" b="0" i="1" smtClean="0">
-                            <a:latin typeface="Cambria Math" panose="02040503050406030204" pitchFamily="18" charset="0"/>
-                          </a:rPr>
-                          <m:t>𝜌</m:t>
-                        </m:r>
-                      </m:e>
-                      <m:sub>
-                        <m:r>
-                          <a:rPr lang="en-US" b="0" i="1" smtClean="0">
-                            <a:latin typeface="Cambria Math" panose="02040503050406030204" pitchFamily="18" charset="0"/>
-                          </a:rPr>
-                          <m:t>𝐴𝐵</m:t>
-                        </m:r>
-                      </m:sub>
-                    </m:sSub>
-                    <m:r>
-                      <a:rPr lang="en-US" b="0" i="1" smtClean="0">
-                        <a:latin typeface="Cambria Math" panose="02040503050406030204" pitchFamily="18" charset="0"/>
-                      </a:rPr>
-                      <m:t>=</m:t>
-                    </m:r>
-                    <m:r>
-                      <a:rPr lang="en-US" b="0" i="1" smtClean="0">
-                        <a:latin typeface="Cambria Math" panose="02040503050406030204" pitchFamily="18" charset="0"/>
-                      </a:rPr>
-                      <m:t>𝑇</m:t>
-                    </m:r>
-                    <m:sSub>
-                      <m:sSubPr>
-                        <m:ctrlPr>
-                          <a:rPr lang="en-US" b="0" i="1" smtClean="0">
-                            <a:latin typeface="Cambria Math" panose="02040503050406030204" pitchFamily="18" charset="0"/>
-                          </a:rPr>
-                        </m:ctrlPr>
-                      </m:sSubPr>
-                      <m:e>
-                        <m:r>
-                          <a:rPr lang="en-US" b="0" i="1" smtClean="0">
-                            <a:latin typeface="Cambria Math" panose="02040503050406030204" pitchFamily="18" charset="0"/>
-                          </a:rPr>
-                          <m:t>𝑟</m:t>
-                        </m:r>
-                      </m:e>
-                      <m:sub>
-                        <m:r>
-                          <a:rPr lang="en-US" b="0" i="1" smtClean="0">
-                            <a:latin typeface="Cambria Math" panose="02040503050406030204" pitchFamily="18" charset="0"/>
-                          </a:rPr>
-                          <m:t>𝐶</m:t>
-                        </m:r>
-                      </m:sub>
-                    </m:sSub>
-                    <m:r>
-                      <a:rPr lang="en-US" b="0" i="1" smtClean="0">
-                        <a:latin typeface="Cambria Math" panose="02040503050406030204" pitchFamily="18" charset="0"/>
-                      </a:rPr>
-                      <m:t>(</m:t>
-                    </m:r>
-                    <m:r>
-                      <a:rPr lang="en-US" i="1">
-                        <a:latin typeface="Cambria Math" panose="02040503050406030204" pitchFamily="18" charset="0"/>
-                      </a:rPr>
-                      <m:t>|</m:t>
-                    </m:r>
-                    <m:sSub>
-                      <m:sSubPr>
-                        <m:ctrlPr>
-                          <a:rPr lang="en-US" i="1">
-                            <a:latin typeface="Cambria Math" panose="02040503050406030204" pitchFamily="18" charset="0"/>
-                          </a:rPr>
-                        </m:ctrlPr>
-                      </m:sSubPr>
-                      <m:e>
-                        <m:r>
-                          <a:rPr lang="en-US" i="1">
-                            <a:latin typeface="Cambria Math" panose="02040503050406030204" pitchFamily="18" charset="0"/>
-                          </a:rPr>
-                          <m:t>𝜓</m:t>
-                        </m:r>
-                      </m:e>
-                      <m:sub>
-                        <m:r>
-                          <a:rPr lang="en-US" i="1">
-                            <a:latin typeface="Cambria Math" panose="02040503050406030204" pitchFamily="18" charset="0"/>
-                          </a:rPr>
-                          <m:t>𝐴𝐵𝐶</m:t>
-                        </m:r>
-                      </m:sub>
-                    </m:sSub>
-                    <m:r>
-                      <a:rPr lang="en-US" i="1">
-                        <a:latin typeface="Cambria Math" panose="02040503050406030204" pitchFamily="18" charset="0"/>
-                      </a:rPr>
-                      <m:t>⟩⟨</m:t>
-                    </m:r>
-                    <m:sSub>
-                      <m:sSubPr>
-                        <m:ctrlPr>
-                          <a:rPr lang="en-US" i="1">
-                            <a:latin typeface="Cambria Math" panose="02040503050406030204" pitchFamily="18" charset="0"/>
-                          </a:rPr>
-                        </m:ctrlPr>
-                      </m:sSubPr>
-                      <m:e>
-                        <m:r>
-                          <a:rPr lang="en-US" i="1">
-                            <a:latin typeface="Cambria Math" panose="02040503050406030204" pitchFamily="18" charset="0"/>
-                          </a:rPr>
-                          <m:t>𝜓</m:t>
-                        </m:r>
-                      </m:e>
-                      <m:sub>
-                        <m:r>
-                          <a:rPr lang="en-US" i="1">
-                            <a:latin typeface="Cambria Math" panose="02040503050406030204" pitchFamily="18" charset="0"/>
-                          </a:rPr>
-                          <m:t>𝐴𝐵𝐶</m:t>
-                        </m:r>
-                      </m:sub>
-                    </m:sSub>
-                    <m:r>
-                      <a:rPr lang="en-US" i="1">
-                        <a:latin typeface="Cambria Math" panose="02040503050406030204" pitchFamily="18" charset="0"/>
-                      </a:rPr>
-                      <m:t>|</m:t>
-                    </m:r>
-                    <m:r>
-                      <a:rPr lang="en-US" b="0" i="1" smtClean="0">
-                        <a:latin typeface="Cambria Math" panose="02040503050406030204" pitchFamily="18" charset="0"/>
-                      </a:rPr>
-                      <m:t>)</m:t>
-                    </m:r>
-                  </m:oMath>
-                </a14:m>
-                <a:endParaRPr lang="en-US" dirty="0"/>
-              </a:p>
-              <a:p>
-                <a:pPr>
-                  <a:buFont typeface="Wingdings" panose="05000000000000000000" pitchFamily="2" charset="2"/>
-                  <a:buChar char="Ø"/>
-                </a:pPr>
-                <a:endParaRPr lang="en-US" dirty="0"/>
-              </a:p>
-              <a:p>
-                <a:pPr>
-                  <a:buFont typeface="Wingdings" panose="05000000000000000000" pitchFamily="2" charset="2"/>
-                  <a:buChar char="Ø"/>
-                </a:pPr>
-                <a:r>
-                  <a:rPr lang="en-US" dirty="0"/>
-                  <a:t> Then I have found,</a:t>
-                </a:r>
-              </a:p>
-              <a:p>
-                <a:pPr marL="0" indent="0">
-                  <a:buNone/>
-                </a:pPr>
-                <a14:m>
-                  <m:oMathPara xmlns:m="http://schemas.openxmlformats.org/officeDocument/2006/math">
-                    <m:oMathParaPr>
-                      <m:jc m:val="centerGroup"/>
-                    </m:oMathParaPr>
-                    <m:oMath xmlns:m="http://schemas.openxmlformats.org/officeDocument/2006/math">
-                      <m:r>
-                        <a:rPr lang="en-US" i="1" smtClean="0">
-                          <a:latin typeface="Cambria Math" panose="02040503050406030204" pitchFamily="18" charset="0"/>
-                        </a:rPr>
-                        <m:t>𝑆</m:t>
-                      </m:r>
-                      <m:d>
-                        <m:dPr>
-                          <m:ctrlPr>
-                            <a:rPr lang="en-US" i="1" smtClean="0">
-                              <a:latin typeface="Cambria Math" panose="02040503050406030204" pitchFamily="18" charset="0"/>
-                            </a:rPr>
-                          </m:ctrlPr>
-                        </m:dPr>
-                        <m:e>
-                          <m:sSub>
-                            <m:sSubPr>
-                              <m:ctrlPr>
-                                <a:rPr lang="en-US" i="1">
-                                  <a:latin typeface="Cambria Math" panose="02040503050406030204" pitchFamily="18" charset="0"/>
-                                </a:rPr>
-                              </m:ctrlPr>
-                            </m:sSubPr>
-                            <m:e>
-                              <m:r>
-                                <a:rPr lang="en-US" i="1">
-                                  <a:latin typeface="Cambria Math" panose="02040503050406030204" pitchFamily="18" charset="0"/>
-                                </a:rPr>
-                                <m:t>𝜌</m:t>
-                              </m:r>
-                            </m:e>
-                            <m:sub>
-                              <m:r>
-                                <a:rPr lang="en-US" i="1">
-                                  <a:latin typeface="Cambria Math" panose="02040503050406030204" pitchFamily="18" charset="0"/>
-                                </a:rPr>
-                                <m:t>𝐵</m:t>
-                              </m:r>
-                            </m:sub>
-                          </m:sSub>
-                        </m:e>
-                        <m:e>
-                          <m:sSub>
-                            <m:sSubPr>
-                              <m:ctrlPr>
-                                <a:rPr lang="en-US" b="0" i="1" smtClean="0">
-                                  <a:latin typeface="Cambria Math" panose="02040503050406030204" pitchFamily="18" charset="0"/>
-                                </a:rPr>
-                              </m:ctrlPr>
-                            </m:sSubPr>
-                            <m:e>
-                              <m:r>
-                                <a:rPr lang="en-US" b="0" i="1" smtClean="0">
-                                  <a:latin typeface="Cambria Math" panose="02040503050406030204" pitchFamily="18" charset="0"/>
-                                </a:rPr>
-                                <m:t>𝐴</m:t>
-                              </m:r>
-                            </m:e>
-                            <m:sub>
-                              <m:r>
-                                <a:rPr lang="en-US" b="0" i="1" smtClean="0">
-                                  <a:latin typeface="Cambria Math" panose="02040503050406030204" pitchFamily="18" charset="0"/>
-                                </a:rPr>
-                                <m:t>𝑃𝑂𝑉𝑀</m:t>
-                              </m:r>
-                            </m:sub>
-                          </m:sSub>
-                        </m:e>
-                      </m:d>
-                      <m:r>
-                        <a:rPr lang="en-US" b="0" i="1" smtClean="0">
-                          <a:latin typeface="Cambria Math" panose="02040503050406030204" pitchFamily="18" charset="0"/>
-                        </a:rPr>
-                        <m:t>=</m:t>
-                      </m:r>
-                      <m:r>
-                        <a:rPr lang="en-US" b="0" i="1" smtClean="0">
-                          <a:latin typeface="Cambria Math" panose="02040503050406030204" pitchFamily="18" charset="0"/>
-                        </a:rPr>
-                        <m:t>𝑆</m:t>
-                      </m:r>
-                      <m:r>
-                        <a:rPr lang="en-US" b="0" i="1" smtClean="0">
-                          <a:latin typeface="Cambria Math" panose="02040503050406030204" pitchFamily="18" charset="0"/>
-                        </a:rPr>
-                        <m:t>(</m:t>
-                      </m:r>
-                      <m:r>
-                        <a:rPr lang="en-US" b="0" i="1" smtClean="0">
-                          <a:latin typeface="Cambria Math" panose="02040503050406030204" pitchFamily="18" charset="0"/>
-                        </a:rPr>
-                        <m:t>𝑇</m:t>
-                      </m:r>
-                      <m:sSub>
-                        <m:sSubPr>
-                          <m:ctrlPr>
-                            <a:rPr lang="en-US" b="0" i="1" smtClean="0">
-                              <a:latin typeface="Cambria Math" panose="02040503050406030204" pitchFamily="18" charset="0"/>
-                            </a:rPr>
-                          </m:ctrlPr>
-                        </m:sSubPr>
-                        <m:e>
-                          <m:r>
-                            <a:rPr lang="en-US" b="0" i="1" smtClean="0">
-                              <a:latin typeface="Cambria Math" panose="02040503050406030204" pitchFamily="18" charset="0"/>
-                            </a:rPr>
-                            <m:t>𝑟</m:t>
-                          </m:r>
-                        </m:e>
-                        <m:sub>
-                          <m:r>
-                            <a:rPr lang="en-US" b="0" i="1" smtClean="0">
-                              <a:latin typeface="Cambria Math" panose="02040503050406030204" pitchFamily="18" charset="0"/>
-                            </a:rPr>
-                            <m:t>𝐴</m:t>
-                          </m:r>
-                        </m:sub>
-                      </m:sSub>
-                      <m:r>
-                        <a:rPr lang="en-US" i="1">
-                          <a:latin typeface="Cambria Math" panose="02040503050406030204" pitchFamily="18" charset="0"/>
-                        </a:rPr>
-                        <m:t>|</m:t>
-                      </m:r>
-                      <m:sSub>
-                        <m:sSubPr>
-                          <m:ctrlPr>
-                            <a:rPr lang="en-US" i="1">
-                              <a:latin typeface="Cambria Math" panose="02040503050406030204" pitchFamily="18" charset="0"/>
-                            </a:rPr>
-                          </m:ctrlPr>
-                        </m:sSubPr>
-                        <m:e>
-                          <m:r>
-                            <a:rPr lang="en-US" i="1">
-                              <a:latin typeface="Cambria Math" panose="02040503050406030204" pitchFamily="18" charset="0"/>
-                            </a:rPr>
-                            <m:t>𝜓</m:t>
-                          </m:r>
-                        </m:e>
-                        <m:sub>
-                          <m:r>
-                            <a:rPr lang="en-US" i="1">
-                              <a:latin typeface="Cambria Math" panose="02040503050406030204" pitchFamily="18" charset="0"/>
-                            </a:rPr>
-                            <m:t>𝐴𝐵𝐶</m:t>
-                          </m:r>
-                        </m:sub>
-                      </m:sSub>
-                      <m:r>
-                        <a:rPr lang="en-US" i="1">
-                          <a:latin typeface="Cambria Math" panose="02040503050406030204" pitchFamily="18" charset="0"/>
-                        </a:rPr>
-                        <m:t>⟩⟨</m:t>
-                      </m:r>
-                      <m:sSub>
-                        <m:sSubPr>
-                          <m:ctrlPr>
-                            <a:rPr lang="en-US" i="1">
-                              <a:latin typeface="Cambria Math" panose="02040503050406030204" pitchFamily="18" charset="0"/>
-                            </a:rPr>
-                          </m:ctrlPr>
-                        </m:sSubPr>
-                        <m:e>
-                          <m:r>
-                            <a:rPr lang="en-US" i="1">
-                              <a:latin typeface="Cambria Math" panose="02040503050406030204" pitchFamily="18" charset="0"/>
-                            </a:rPr>
-                            <m:t>𝜓</m:t>
-                          </m:r>
-                        </m:e>
-                        <m:sub>
-                          <m:r>
-                            <a:rPr lang="en-US" i="1">
-                              <a:latin typeface="Cambria Math" panose="02040503050406030204" pitchFamily="18" charset="0"/>
-                            </a:rPr>
-                            <m:t>𝐴𝐵𝐶</m:t>
-                          </m:r>
-                        </m:sub>
-                      </m:sSub>
-                      <m:r>
-                        <a:rPr lang="en-US" i="1">
-                          <a:latin typeface="Cambria Math" panose="02040503050406030204" pitchFamily="18" charset="0"/>
-                        </a:rPr>
-                        <m:t>|</m:t>
-                      </m:r>
-                      <m:r>
-                        <a:rPr lang="en-US" b="0" i="1" smtClean="0">
-                          <a:latin typeface="Cambria Math" panose="02040503050406030204" pitchFamily="18" charset="0"/>
-                        </a:rPr>
-                        <m:t>)</m:t>
-                      </m:r>
-                    </m:oMath>
-                  </m:oMathPara>
-                </a14:m>
-                <a:endParaRPr lang="en-US" dirty="0"/>
-              </a:p>
-              <a:p>
-                <a:pPr marL="0" indent="0">
-                  <a:buNone/>
-                </a:pPr>
-                <a:endParaRPr lang="en-US" dirty="0"/>
-              </a:p>
-              <a:p>
-                <a:pPr>
-                  <a:buFont typeface="Wingdings" panose="05000000000000000000" pitchFamily="2" charset="2"/>
-                  <a:buChar char="Ø"/>
-                </a:pPr>
-                <a:endParaRPr lang="en-US" dirty="0"/>
-              </a:p>
-            </p:txBody>
-          </p:sp>
-        </mc:Choice>
-        <mc:Fallback>
-          <p:sp>
-            <p:nvSpPr>
-              <p:cNvPr id="3" name="Content Placeholder 2">
-                <a:extLst>
-                  <a:ext uri="{FF2B5EF4-FFF2-40B4-BE49-F238E27FC236}">
-                    <a16:creationId xmlns:a16="http://schemas.microsoft.com/office/drawing/2014/main" id="{07AACD02-177E-420B-48C9-C08D2976A9D0}"/>
-                  </a:ext>
-                </a:extLst>
-              </p:cNvPr>
-              <p:cNvSpPr>
-                <a:spLocks noGrp="1" noRot="1" noChangeAspect="1" noMove="1" noResize="1" noEditPoints="1" noAdjustHandles="1" noChangeArrowheads="1" noChangeShapeType="1" noTextEdit="1"/>
-              </p:cNvSpPr>
-              <p:nvPr>
-                <p:ph idx="1"/>
-              </p:nvPr>
-            </p:nvSpPr>
-            <p:spPr>
-              <a:blipFill>
-                <a:blip r:embed="rId2"/>
-                <a:stretch>
-                  <a:fillRect l="-714" t="-1568"/>
-                </a:stretch>
-              </a:blipFill>
-            </p:spPr>
-            <p:txBody>
-              <a:bodyPr/>
-              <a:lstStyle/>
-              <a:p>
-                <a:r>
-                  <a:rPr lang="en-US">
-                    <a:noFill/>
-                  </a:rPr>
-                  <a:t> </a:t>
-                </a:r>
-              </a:p>
-            </p:txBody>
-          </p:sp>
-        </mc:Fallback>
-      </mc:AlternateContent>
-      <p:sp>
-        <p:nvSpPr>
-          <p:cNvPr id="4" name="Footer Placeholder 3">
-            <a:extLst>
-              <a:ext uri="{FF2B5EF4-FFF2-40B4-BE49-F238E27FC236}">
-                <a16:creationId xmlns:a16="http://schemas.microsoft.com/office/drawing/2014/main" id="{70102BC6-4D6A-0D7F-D093-F09753B1C6C5}"/>
-              </a:ext>
-            </a:extLst>
-          </p:cNvPr>
-          <p:cNvSpPr>
-            <a:spLocks noGrp="1"/>
-          </p:cNvSpPr>
-          <p:nvPr>
-            <p:ph type="ftr" sz="quarter" idx="11"/>
-          </p:nvPr>
-        </p:nvSpPr>
-        <p:spPr/>
-        <p:txBody>
-          <a:bodyPr/>
-          <a:lstStyle/>
-          <a:p>
-            <a:r>
-              <a:rPr lang="en-US"/>
-              <a:t>All Rights Reserved</a:t>
-            </a:r>
-            <a:endParaRPr lang="en-US" dirty="0"/>
-          </a:p>
-        </p:txBody>
-      </p:sp>
-    </p:spTree>
-    <p:extLst>
-      <p:ext uri="{BB962C8B-B14F-4D97-AF65-F5344CB8AC3E}">
-        <p14:creationId xmlns:p14="http://schemas.microsoft.com/office/powerpoint/2010/main" val="3306249795"/>
       </p:ext>
     </p:extLst>
   </p:cSld>

--- a/Fidelity_EntropyMatrics.pptx
+++ b/Fidelity_EntropyMatrics.pptx
@@ -6,26 +6,29 @@
     <p:sldMasterId id="2147483661" r:id="rId2"/>
   </p:sldMasterIdLst>
   <p:notesMasterIdLst>
-    <p:notesMasterId r:id="rId20"/>
+    <p:notesMasterId r:id="rId23"/>
   </p:notesMasterIdLst>
   <p:sldIdLst>
     <p:sldId id="256" r:id="rId3"/>
     <p:sldId id="1874" r:id="rId4"/>
-    <p:sldId id="1889" r:id="rId5"/>
-    <p:sldId id="1870" r:id="rId6"/>
-    <p:sldId id="1888" r:id="rId7"/>
-    <p:sldId id="1879" r:id="rId8"/>
-    <p:sldId id="1878" r:id="rId9"/>
-    <p:sldId id="267" r:id="rId10"/>
-    <p:sldId id="1886" r:id="rId11"/>
-    <p:sldId id="1887" r:id="rId12"/>
-    <p:sldId id="268" r:id="rId13"/>
-    <p:sldId id="1880" r:id="rId14"/>
-    <p:sldId id="1881" r:id="rId15"/>
-    <p:sldId id="1882" r:id="rId16"/>
-    <p:sldId id="1883" r:id="rId17"/>
-    <p:sldId id="1885" r:id="rId18"/>
-    <p:sldId id="1890" r:id="rId19"/>
+    <p:sldId id="1891" r:id="rId5"/>
+    <p:sldId id="1892" r:id="rId6"/>
+    <p:sldId id="1893" r:id="rId7"/>
+    <p:sldId id="1894" r:id="rId8"/>
+    <p:sldId id="1870" r:id="rId9"/>
+    <p:sldId id="1888" r:id="rId10"/>
+    <p:sldId id="1879" r:id="rId11"/>
+    <p:sldId id="1878" r:id="rId12"/>
+    <p:sldId id="267" r:id="rId13"/>
+    <p:sldId id="1886" r:id="rId14"/>
+    <p:sldId id="1887" r:id="rId15"/>
+    <p:sldId id="268" r:id="rId16"/>
+    <p:sldId id="1880" r:id="rId17"/>
+    <p:sldId id="1881" r:id="rId18"/>
+    <p:sldId id="1882" r:id="rId19"/>
+    <p:sldId id="1883" r:id="rId20"/>
+    <p:sldId id="1885" r:id="rId21"/>
+    <p:sldId id="1890" r:id="rId22"/>
   </p:sldIdLst>
   <p:sldSz cx="12192000" cy="6858000"/>
   <p:notesSz cx="6858000" cy="9144000"/>
@@ -132,6 +135,150 @@
 </p:presentation>
 </file>
 
+<file path=ppt/revisionInfo.xml><?xml version="1.0" encoding="utf-8"?>
+<p1510:revInfo xmlns:a="http://schemas.openxmlformats.org/drawingml/2006/main" xmlns:r="http://schemas.openxmlformats.org/officeDocument/2006/relationships" xmlns:p1510="http://schemas.microsoft.com/office/powerpoint/2015/10/main">
+  <p1510:revLst>
+    <p1510:client id="{A5DBC9E9-8E11-DD56-65E0-EC71F6BFF62F}" v="419" dt="2025-02-15T04:03:18.504"/>
+  </p1510:revLst>
+</p1510:revInfo>
+</file>
+
+<file path=ppt/changesInfos/changesInfo1.xml><?xml version="1.0" encoding="utf-8"?>
+<pc:chgInfo xmlns:a="http://schemas.openxmlformats.org/drawingml/2006/main" xmlns:r="http://schemas.openxmlformats.org/officeDocument/2006/relationships" xmlns:ac="http://schemas.microsoft.com/office/drawing/2013/main/command" xmlns:pc="http://schemas.microsoft.com/office/powerpoint/2013/main/command">
+  <pc:docChgLst>
+    <pc:chgData name="Syed E Shubha" userId="S::sshubh1@lsu.edu::5002043c-7220-4229-81cf-9b7e98183f7f" providerId="AD" clId="Web-{A5DBC9E9-8E11-DD56-65E0-EC71F6BFF62F}"/>
+    <pc:docChg chg="addSld delSld modSld">
+      <pc:chgData name="Syed E Shubha" userId="S::sshubh1@lsu.edu::5002043c-7220-4229-81cf-9b7e98183f7f" providerId="AD" clId="Web-{A5DBC9E9-8E11-DD56-65E0-EC71F6BFF62F}" dt="2025-02-15T04:03:18.504" v="432" actId="20577"/>
+      <pc:docMkLst>
+        <pc:docMk/>
+      </pc:docMkLst>
+      <pc:sldChg chg="modSp">
+        <pc:chgData name="Syed E Shubha" userId="S::sshubh1@lsu.edu::5002043c-7220-4229-81cf-9b7e98183f7f" providerId="AD" clId="Web-{A5DBC9E9-8E11-DD56-65E0-EC71F6BFF62F}" dt="2025-02-15T03:58:13.537" v="364" actId="20577"/>
+        <pc:sldMkLst>
+          <pc:docMk/>
+          <pc:sldMk cId="2160093586" sldId="256"/>
+        </pc:sldMkLst>
+        <pc:spChg chg="mod">
+          <ac:chgData name="Syed E Shubha" userId="S::sshubh1@lsu.edu::5002043c-7220-4229-81cf-9b7e98183f7f" providerId="AD" clId="Web-{A5DBC9E9-8E11-DD56-65E0-EC71F6BFF62F}" dt="2025-02-15T03:58:13.537" v="364" actId="20577"/>
+          <ac:spMkLst>
+            <pc:docMk/>
+            <pc:sldMk cId="2160093586" sldId="256"/>
+            <ac:spMk id="2" creationId="{43D6251B-D1A4-CFB9-DFE4-A0A754DA0F7F}"/>
+          </ac:spMkLst>
+        </pc:spChg>
+      </pc:sldChg>
+      <pc:sldChg chg="modSp del">
+        <pc:chgData name="Syed E Shubha" userId="S::sshubh1@lsu.edu::5002043c-7220-4229-81cf-9b7e98183f7f" providerId="AD" clId="Web-{A5DBC9E9-8E11-DD56-65E0-EC71F6BFF62F}" dt="2025-02-15T03:42:23.311" v="95"/>
+        <pc:sldMkLst>
+          <pc:docMk/>
+          <pc:sldMk cId="3053846858" sldId="1889"/>
+        </pc:sldMkLst>
+        <pc:spChg chg="mod">
+          <ac:chgData name="Syed E Shubha" userId="S::sshubh1@lsu.edu::5002043c-7220-4229-81cf-9b7e98183f7f" providerId="AD" clId="Web-{A5DBC9E9-8E11-DD56-65E0-EC71F6BFF62F}" dt="2025-02-15T03:22:33.424" v="5" actId="20577"/>
+          <ac:spMkLst>
+            <pc:docMk/>
+            <pc:sldMk cId="3053846858" sldId="1889"/>
+            <ac:spMk id="2" creationId="{37B2A28D-46AD-F92C-1D35-6E495F2392D9}"/>
+          </ac:spMkLst>
+        </pc:spChg>
+      </pc:sldChg>
+      <pc:sldChg chg="modSp new">
+        <pc:chgData name="Syed E Shubha" userId="S::sshubh1@lsu.edu::5002043c-7220-4229-81cf-9b7e98183f7f" providerId="AD" clId="Web-{A5DBC9E9-8E11-DD56-65E0-EC71F6BFF62F}" dt="2025-02-15T03:52:41.289" v="314" actId="20577"/>
+        <pc:sldMkLst>
+          <pc:docMk/>
+          <pc:sldMk cId="3775863480" sldId="1891"/>
+        </pc:sldMkLst>
+        <pc:spChg chg="mod">
+          <ac:chgData name="Syed E Shubha" userId="S::sshubh1@lsu.edu::5002043c-7220-4229-81cf-9b7e98183f7f" providerId="AD" clId="Web-{A5DBC9E9-8E11-DD56-65E0-EC71F6BFF62F}" dt="2025-02-15T03:23:37.783" v="9" actId="20577"/>
+          <ac:spMkLst>
+            <pc:docMk/>
+            <pc:sldMk cId="3775863480" sldId="1891"/>
+            <ac:spMk id="2" creationId="{D4A0AFB7-75D0-5260-553A-74286D64CA11}"/>
+          </ac:spMkLst>
+        </pc:spChg>
+        <pc:spChg chg="mod">
+          <ac:chgData name="Syed E Shubha" userId="S::sshubh1@lsu.edu::5002043c-7220-4229-81cf-9b7e98183f7f" providerId="AD" clId="Web-{A5DBC9E9-8E11-DD56-65E0-EC71F6BFF62F}" dt="2025-02-15T03:52:41.289" v="314" actId="20577"/>
+          <ac:spMkLst>
+            <pc:docMk/>
+            <pc:sldMk cId="3775863480" sldId="1891"/>
+            <ac:spMk id="3" creationId="{387D7BA3-ED2D-8A11-DC0E-31B8850F8577}"/>
+          </ac:spMkLst>
+        </pc:spChg>
+      </pc:sldChg>
+      <pc:sldChg chg="modSp new">
+        <pc:chgData name="Syed E Shubha" userId="S::sshubh1@lsu.edu::5002043c-7220-4229-81cf-9b7e98183f7f" providerId="AD" clId="Web-{A5DBC9E9-8E11-DD56-65E0-EC71F6BFF62F}" dt="2025-02-15T03:43:44.748" v="121" actId="20577"/>
+        <pc:sldMkLst>
+          <pc:docMk/>
+          <pc:sldMk cId="2832237247" sldId="1892"/>
+        </pc:sldMkLst>
+        <pc:spChg chg="mod">
+          <ac:chgData name="Syed E Shubha" userId="S::sshubh1@lsu.edu::5002043c-7220-4229-81cf-9b7e98183f7f" providerId="AD" clId="Web-{A5DBC9E9-8E11-DD56-65E0-EC71F6BFF62F}" dt="2025-02-15T03:28:56.141" v="35" actId="20577"/>
+          <ac:spMkLst>
+            <pc:docMk/>
+            <pc:sldMk cId="2832237247" sldId="1892"/>
+            <ac:spMk id="2" creationId="{33B4C4A9-98B7-A7B6-7564-B892F984DCB9}"/>
+          </ac:spMkLst>
+        </pc:spChg>
+        <pc:spChg chg="mod">
+          <ac:chgData name="Syed E Shubha" userId="S::sshubh1@lsu.edu::5002043c-7220-4229-81cf-9b7e98183f7f" providerId="AD" clId="Web-{A5DBC9E9-8E11-DD56-65E0-EC71F6BFF62F}" dt="2025-02-15T03:43:44.748" v="121" actId="20577"/>
+          <ac:spMkLst>
+            <pc:docMk/>
+            <pc:sldMk cId="2832237247" sldId="1892"/>
+            <ac:spMk id="3" creationId="{31E5B7DF-0548-EB21-45EF-C8DF5C41A8D1}"/>
+          </ac:spMkLst>
+        </pc:spChg>
+      </pc:sldChg>
+      <pc:sldChg chg="modSp new">
+        <pc:chgData name="Syed E Shubha" userId="S::sshubh1@lsu.edu::5002043c-7220-4229-81cf-9b7e98183f7f" providerId="AD" clId="Web-{A5DBC9E9-8E11-DD56-65E0-EC71F6BFF62F}" dt="2025-02-15T03:53:21.071" v="343" actId="20577"/>
+        <pc:sldMkLst>
+          <pc:docMk/>
+          <pc:sldMk cId="582115935" sldId="1893"/>
+        </pc:sldMkLst>
+        <pc:spChg chg="mod">
+          <ac:chgData name="Syed E Shubha" userId="S::sshubh1@lsu.edu::5002043c-7220-4229-81cf-9b7e98183f7f" providerId="AD" clId="Web-{A5DBC9E9-8E11-DD56-65E0-EC71F6BFF62F}" dt="2025-02-15T03:47:35.856" v="212" actId="20577"/>
+          <ac:spMkLst>
+            <pc:docMk/>
+            <pc:sldMk cId="582115935" sldId="1893"/>
+            <ac:spMk id="2" creationId="{A8790D42-B0E9-D7E5-193C-E9A566075C5C}"/>
+          </ac:spMkLst>
+        </pc:spChg>
+        <pc:spChg chg="mod">
+          <ac:chgData name="Syed E Shubha" userId="S::sshubh1@lsu.edu::5002043c-7220-4229-81cf-9b7e98183f7f" providerId="AD" clId="Web-{A5DBC9E9-8E11-DD56-65E0-EC71F6BFF62F}" dt="2025-02-15T03:53:21.071" v="343" actId="20577"/>
+          <ac:spMkLst>
+            <pc:docMk/>
+            <pc:sldMk cId="582115935" sldId="1893"/>
+            <ac:spMk id="3" creationId="{D1238223-481F-2D2F-273D-637B6AE00304}"/>
+          </ac:spMkLst>
+        </pc:spChg>
+      </pc:sldChg>
+      <pc:sldChg chg="modSp new">
+        <pc:chgData name="Syed E Shubha" userId="S::sshubh1@lsu.edu::5002043c-7220-4229-81cf-9b7e98183f7f" providerId="AD" clId="Web-{A5DBC9E9-8E11-DD56-65E0-EC71F6BFF62F}" dt="2025-02-15T04:03:18.504" v="432" actId="20577"/>
+        <pc:sldMkLst>
+          <pc:docMk/>
+          <pc:sldMk cId="2328405071" sldId="1894"/>
+        </pc:sldMkLst>
+        <pc:spChg chg="mod">
+          <ac:chgData name="Syed E Shubha" userId="S::sshubh1@lsu.edu::5002043c-7220-4229-81cf-9b7e98183f7f" providerId="AD" clId="Web-{A5DBC9E9-8E11-DD56-65E0-EC71F6BFF62F}" dt="2025-02-15T03:58:35.412" v="367" actId="20577"/>
+          <ac:spMkLst>
+            <pc:docMk/>
+            <pc:sldMk cId="2328405071" sldId="1894"/>
+            <ac:spMk id="2" creationId="{4BDD9D30-01A2-C535-9767-4C48F6D050A2}"/>
+          </ac:spMkLst>
+        </pc:spChg>
+        <pc:spChg chg="mod">
+          <ac:chgData name="Syed E Shubha" userId="S::sshubh1@lsu.edu::5002043c-7220-4229-81cf-9b7e98183f7f" providerId="AD" clId="Web-{A5DBC9E9-8E11-DD56-65E0-EC71F6BFF62F}" dt="2025-02-15T04:03:18.504" v="432" actId="20577"/>
+          <ac:spMkLst>
+            <pc:docMk/>
+            <pc:sldMk cId="2328405071" sldId="1894"/>
+            <ac:spMk id="3" creationId="{2325B690-FC39-4ABA-A7DD-C920C2409729}"/>
+          </ac:spMkLst>
+        </pc:spChg>
+      </pc:sldChg>
+    </pc:docChg>
+  </pc:docChgLst>
+</pc:chgInfo>
+</file>
+
 <file path=ppt/notesMasters/notesMaster1.xml><?xml version="1.0" encoding="utf-8"?>
 <p:notesMaster xmlns:a="http://schemas.openxmlformats.org/drawingml/2006/main" xmlns:r="http://schemas.openxmlformats.org/officeDocument/2006/relationships" xmlns:p="http://schemas.openxmlformats.org/presentationml/2006/main">
   <p:cSld>
@@ -214,7 +361,7 @@
           <a:p>
             <a:fld id="{4F7775B3-ED76-476A-9905-090772E98060}" type="datetimeFigureOut">
               <a:rPr lang="en-US" smtClean="0"/>
-              <a:t>14-Feb-25</a:t>
+              <a:t>2/14/2025</a:t>
             </a:fld>
             <a:endParaRPr lang="en-US"/>
           </a:p>
@@ -6869,16 +7016,13 @@
           <a:lstStyle/>
           <a:p>
             <a:r>
-              <a:rPr lang="en-US" sz="4800" b="1" dirty="0">
+              <a:rPr lang="en-US" sz="4800" dirty="0">
                 <a:latin typeface="Arial"/>
                 <a:cs typeface="Arial"/>
               </a:rPr>
-              <a:t>Enhanced Quantum Internet Using Metrics Based on Information Entropy</a:t>
-            </a:r>
-            <a:endParaRPr lang="en-US" sz="3200" b="1" dirty="0">
-              <a:latin typeface="Arial" panose="020B0604020202020204" pitchFamily="34" charset="0"/>
-              <a:cs typeface="Arial" panose="020B0604020202020204" pitchFamily="34" charset="0"/>
-            </a:endParaRPr>
+              <a:t>Enhancing Quantum Dense Coding Using Information Entropy-Based Metrics</a:t>
+            </a:r>
+            <a:endParaRPr lang="en-US" dirty="0"/>
           </a:p>
         </p:txBody>
       </p:sp>
@@ -7204,6 +7348,2328 @@
 </file>
 
 <file path=ppt/slides/slide10.xml><?xml version="1.0" encoding="utf-8"?>
+<p:sld xmlns:a="http://schemas.openxmlformats.org/drawingml/2006/main" xmlns:r="http://schemas.openxmlformats.org/officeDocument/2006/relationships" xmlns:p="http://schemas.openxmlformats.org/presentationml/2006/main">
+  <p:cSld>
+    <p:spTree>
+      <p:nvGrpSpPr>
+        <p:cNvPr id="1" name=""/>
+        <p:cNvGrpSpPr/>
+        <p:nvPr/>
+      </p:nvGrpSpPr>
+      <p:grpSpPr>
+        <a:xfrm>
+          <a:off x="0" y="0"/>
+          <a:ext cx="0" cy="0"/>
+          <a:chOff x="0" y="0"/>
+          <a:chExt cx="0" cy="0"/>
+        </a:xfrm>
+      </p:grpSpPr>
+      <p:sp>
+        <p:nvSpPr>
+          <p:cNvPr id="2" name="Title 1">
+            <a:extLst>
+              <a:ext uri="{FF2B5EF4-FFF2-40B4-BE49-F238E27FC236}">
+                <a16:creationId xmlns:a16="http://schemas.microsoft.com/office/drawing/2014/main" id="{74C31AB2-1444-F1F1-DC4C-6A484C6F5751}"/>
+              </a:ext>
+            </a:extLst>
+          </p:cNvPr>
+          <p:cNvSpPr>
+            <a:spLocks noGrp="1"/>
+          </p:cNvSpPr>
+          <p:nvPr>
+            <p:ph type="title"/>
+          </p:nvPr>
+        </p:nvSpPr>
+        <p:spPr/>
+        <p:txBody>
+          <a:bodyPr/>
+          <a:lstStyle/>
+          <a:p>
+            <a:r>
+              <a:rPr lang="en-US" dirty="0"/>
+              <a:t>5 Qubit Code</a:t>
+            </a:r>
+          </a:p>
+        </p:txBody>
+      </p:sp>
+      <mc:AlternateContent xmlns:mc="http://schemas.openxmlformats.org/markup-compatibility/2006" xmlns:a14="http://schemas.microsoft.com/office/drawing/2010/main">
+        <mc:Choice Requires="a14">
+          <p:sp>
+            <p:nvSpPr>
+              <p:cNvPr id="3" name="Content Placeholder 2">
+                <a:extLst>
+                  <a:ext uri="{FF2B5EF4-FFF2-40B4-BE49-F238E27FC236}">
+                    <a16:creationId xmlns:a16="http://schemas.microsoft.com/office/drawing/2014/main" id="{3D553E29-0D6F-CC3E-65A6-757E5C5723BE}"/>
+                  </a:ext>
+                </a:extLst>
+              </p:cNvPr>
+              <p:cNvSpPr>
+                <a:spLocks noGrp="1"/>
+              </p:cNvSpPr>
+              <p:nvPr>
+                <p:ph idx="1"/>
+              </p:nvPr>
+            </p:nvSpPr>
+            <p:spPr/>
+            <p:txBody>
+              <a:bodyPr/>
+              <a:lstStyle/>
+              <a:p>
+                <a:pPr>
+                  <a:buFont typeface="Wingdings" panose="05000000000000000000" pitchFamily="2" charset="2"/>
+                  <a:buChar char="Ø"/>
+                </a:pPr>
+                <a:r>
+                  <a:rPr lang="en-US" dirty="0"/>
+                  <a:t> Smallest QECC to correct any arbitrary single qubit errors.</a:t>
+                </a:r>
+              </a:p>
+              <a:p>
+                <a:pPr>
+                  <a:buFont typeface="Wingdings" panose="05000000000000000000" pitchFamily="2" charset="2"/>
+                  <a:buChar char="Ø"/>
+                </a:pPr>
+                <a:endParaRPr lang="en-US" dirty="0"/>
+              </a:p>
+              <a:p>
+                <a:pPr>
+                  <a:buFont typeface="Wingdings" panose="05000000000000000000" pitchFamily="2" charset="2"/>
+                  <a:buChar char="Ø"/>
+                </a:pPr>
+                <a:r>
+                  <a:rPr lang="en-US" dirty="0"/>
+                  <a:t> Stabilizers: </a:t>
+                </a:r>
+              </a:p>
+              <a:p>
+                <a:pPr marL="0" indent="0">
+                  <a:buNone/>
+                </a:pPr>
+                <a14:m>
+                  <m:oMathPara xmlns:m="http://schemas.openxmlformats.org/officeDocument/2006/math">
+                    <m:oMathParaPr>
+                      <m:jc m:val="centerGroup"/>
+                    </m:oMathParaPr>
+                    <m:oMath xmlns:m="http://schemas.openxmlformats.org/officeDocument/2006/math">
+                      <m:r>
+                        <a:rPr lang="en-US" i="1" smtClean="0">
+                          <a:latin typeface="Cambria Math" panose="02040503050406030204" pitchFamily="18" charset="0"/>
+                        </a:rPr>
+                        <m:t>⟨</m:t>
+                      </m:r>
+                      <m:r>
+                        <a:rPr lang="en-US" b="0" i="1" smtClean="0">
+                          <a:latin typeface="Cambria Math" panose="02040503050406030204" pitchFamily="18" charset="0"/>
+                        </a:rPr>
+                        <m:t>𝑋𝑍𝑍𝑋𝐼</m:t>
+                      </m:r>
+                      <m:r>
+                        <a:rPr lang="en-US" b="0" i="1" smtClean="0">
+                          <a:latin typeface="Cambria Math" panose="02040503050406030204" pitchFamily="18" charset="0"/>
+                        </a:rPr>
+                        <m:t>, </m:t>
+                      </m:r>
+                      <m:r>
+                        <a:rPr lang="en-US" b="0" i="1" smtClean="0">
+                          <a:latin typeface="Cambria Math" panose="02040503050406030204" pitchFamily="18" charset="0"/>
+                        </a:rPr>
+                        <m:t>𝐼𝑋𝑍𝑍𝑋</m:t>
+                      </m:r>
+                      <m:r>
+                        <a:rPr lang="en-US" b="0" i="1" smtClean="0">
+                          <a:latin typeface="Cambria Math" panose="02040503050406030204" pitchFamily="18" charset="0"/>
+                        </a:rPr>
+                        <m:t>,</m:t>
+                      </m:r>
+                      <m:r>
+                        <a:rPr lang="en-US" b="0" i="1" smtClean="0">
+                          <a:latin typeface="Cambria Math" panose="02040503050406030204" pitchFamily="18" charset="0"/>
+                        </a:rPr>
+                        <m:t>𝑋𝐼𝑋𝑍𝑍</m:t>
+                      </m:r>
+                      <m:r>
+                        <a:rPr lang="en-US" b="0" i="1" smtClean="0">
+                          <a:latin typeface="Cambria Math" panose="02040503050406030204" pitchFamily="18" charset="0"/>
+                        </a:rPr>
+                        <m:t>,</m:t>
+                      </m:r>
+                      <m:r>
+                        <a:rPr lang="en-US" b="0" i="1" smtClean="0">
+                          <a:latin typeface="Cambria Math" panose="02040503050406030204" pitchFamily="18" charset="0"/>
+                        </a:rPr>
+                        <m:t>𝑍𝑋𝐼𝑋𝑍</m:t>
+                      </m:r>
+                      <m:r>
+                        <a:rPr lang="en-US" b="0" i="1" smtClean="0">
+                          <a:latin typeface="Cambria Math" panose="02040503050406030204" pitchFamily="18" charset="0"/>
+                        </a:rPr>
+                        <m:t>⟩</m:t>
+                      </m:r>
+                    </m:oMath>
+                  </m:oMathPara>
+                </a14:m>
+                <a:endParaRPr lang="en-US" dirty="0"/>
+              </a:p>
+              <a:p>
+                <a:pPr marL="0" indent="0">
+                  <a:buNone/>
+                </a:pPr>
+                <a:endParaRPr lang="en-US" dirty="0"/>
+              </a:p>
+              <a:p>
+                <a:pPr>
+                  <a:buFont typeface="Wingdings" panose="05000000000000000000" pitchFamily="2" charset="2"/>
+                  <a:buChar char="Ø"/>
+                </a:pPr>
+                <a:r>
+                  <a:rPr lang="en-US" dirty="0"/>
+                  <a:t> Logical qubits:</a:t>
+                </a:r>
+              </a:p>
+              <a:p>
+                <a:pPr marL="0" indent="0">
+                  <a:buNone/>
+                </a:pPr>
+                <a14:m>
+                  <m:oMathPara xmlns:m="http://schemas.openxmlformats.org/officeDocument/2006/math">
+                    <m:oMathParaPr>
+                      <m:jc m:val="centerGroup"/>
+                    </m:oMathParaPr>
+                    <m:oMath xmlns:m="http://schemas.openxmlformats.org/officeDocument/2006/math">
+                      <m:sSub>
+                        <m:sSubPr>
+                          <m:ctrlPr>
+                            <a:rPr lang="en-US" b="0" i="1" smtClean="0">
+                              <a:latin typeface="Cambria Math" panose="02040503050406030204" pitchFamily="18" charset="0"/>
+                            </a:rPr>
+                          </m:ctrlPr>
+                        </m:sSubPr>
+                        <m:e>
+                          <m:r>
+                            <a:rPr lang="en-US" b="0" i="1" smtClean="0">
+                              <a:latin typeface="Cambria Math" panose="02040503050406030204" pitchFamily="18" charset="0"/>
+                            </a:rPr>
+                            <m:t>𝑋</m:t>
+                          </m:r>
+                        </m:e>
+                        <m:sub>
+                          <m:r>
+                            <a:rPr lang="en-US" b="0" i="1" smtClean="0">
+                              <a:latin typeface="Cambria Math" panose="02040503050406030204" pitchFamily="18" charset="0"/>
+                            </a:rPr>
+                            <m:t>𝐿</m:t>
+                          </m:r>
+                        </m:sub>
+                      </m:sSub>
+                      <m:r>
+                        <a:rPr lang="en-US" b="0" i="1" smtClean="0">
+                          <a:latin typeface="Cambria Math" panose="02040503050406030204" pitchFamily="18" charset="0"/>
+                        </a:rPr>
+                        <m:t>=</m:t>
+                      </m:r>
+                      <m:r>
+                        <a:rPr lang="en-US" b="0" i="1" smtClean="0">
+                          <a:latin typeface="Cambria Math" panose="02040503050406030204" pitchFamily="18" charset="0"/>
+                        </a:rPr>
+                        <m:t>𝑋𝑋𝑋𝑋𝑋</m:t>
+                      </m:r>
+                      <m:r>
+                        <a:rPr lang="en-US" b="0" i="1" smtClean="0">
+                          <a:latin typeface="Cambria Math" panose="02040503050406030204" pitchFamily="18" charset="0"/>
+                        </a:rPr>
+                        <m:t>, </m:t>
+                      </m:r>
+                      <m:sSub>
+                        <m:sSubPr>
+                          <m:ctrlPr>
+                            <a:rPr lang="en-US" b="0" i="1" smtClean="0">
+                              <a:latin typeface="Cambria Math" panose="02040503050406030204" pitchFamily="18" charset="0"/>
+                            </a:rPr>
+                          </m:ctrlPr>
+                        </m:sSubPr>
+                        <m:e>
+                          <m:r>
+                            <a:rPr lang="en-US" b="0" i="1" smtClean="0">
+                              <a:latin typeface="Cambria Math" panose="02040503050406030204" pitchFamily="18" charset="0"/>
+                            </a:rPr>
+                            <m:t>𝑍</m:t>
+                          </m:r>
+                        </m:e>
+                        <m:sub>
+                          <m:r>
+                            <a:rPr lang="en-US" b="0" i="1" smtClean="0">
+                              <a:latin typeface="Cambria Math" panose="02040503050406030204" pitchFamily="18" charset="0"/>
+                            </a:rPr>
+                            <m:t>𝐿</m:t>
+                          </m:r>
+                        </m:sub>
+                      </m:sSub>
+                      <m:r>
+                        <a:rPr lang="en-US" b="0" i="1" smtClean="0">
+                          <a:latin typeface="Cambria Math" panose="02040503050406030204" pitchFamily="18" charset="0"/>
+                        </a:rPr>
+                        <m:t>=</m:t>
+                      </m:r>
+                      <m:r>
+                        <a:rPr lang="en-US" b="0" i="1" smtClean="0">
+                          <a:latin typeface="Cambria Math" panose="02040503050406030204" pitchFamily="18" charset="0"/>
+                        </a:rPr>
+                        <m:t>𝑍𝑍𝑍𝑍𝑍</m:t>
+                      </m:r>
+                    </m:oMath>
+                  </m:oMathPara>
+                </a14:m>
+                <a:endParaRPr lang="en-US" dirty="0"/>
+              </a:p>
+              <a:p>
+                <a:pPr marL="0" indent="0">
+                  <a:buNone/>
+                </a:pPr>
+                <a:endParaRPr lang="en-US" dirty="0"/>
+              </a:p>
+              <a:p>
+                <a:pPr marL="0" indent="0" algn="ctr">
+                  <a:buNone/>
+                </a:pPr>
+                <a14:m>
+                  <m:oMath xmlns:m="http://schemas.openxmlformats.org/officeDocument/2006/math">
+                    <m:sSub>
+                      <m:sSubPr>
+                        <m:ctrlPr>
+                          <a:rPr lang="en-US" b="0" i="1" smtClean="0">
+                            <a:latin typeface="Cambria Math" panose="02040503050406030204" pitchFamily="18" charset="0"/>
+                          </a:rPr>
+                        </m:ctrlPr>
+                      </m:sSubPr>
+                      <m:e>
+                        <m:r>
+                          <a:rPr lang="en-US" b="0" i="1" smtClean="0">
+                            <a:latin typeface="Cambria Math" panose="02040503050406030204" pitchFamily="18" charset="0"/>
+                          </a:rPr>
+                          <m:t>𝑋</m:t>
+                        </m:r>
+                      </m:e>
+                      <m:sub>
+                        <m:r>
+                          <a:rPr lang="en-US" b="0" i="1" smtClean="0">
+                            <a:latin typeface="Cambria Math" panose="02040503050406030204" pitchFamily="18" charset="0"/>
+                          </a:rPr>
+                          <m:t>𝐿</m:t>
+                        </m:r>
+                      </m:sub>
+                    </m:sSub>
+                    <m:r>
+                      <a:rPr lang="en-US" b="0" i="1" smtClean="0">
+                        <a:latin typeface="Cambria Math" panose="02040503050406030204" pitchFamily="18" charset="0"/>
+                      </a:rPr>
+                      <m:t> </m:t>
+                    </m:r>
+                    <m:sSub>
+                      <m:sSubPr>
+                        <m:ctrlPr>
+                          <a:rPr lang="en-US" b="0" i="1" smtClean="0">
+                            <a:latin typeface="Cambria Math" panose="02040503050406030204" pitchFamily="18" charset="0"/>
+                          </a:rPr>
+                        </m:ctrlPr>
+                      </m:sSubPr>
+                      <m:e>
+                        <m:d>
+                          <m:dPr>
+                            <m:begChr m:val="|"/>
+                            <m:endChr m:val="⟩"/>
+                            <m:ctrlPr>
+                              <a:rPr lang="en-US" b="0" i="1" smtClean="0">
+                                <a:latin typeface="Cambria Math" panose="02040503050406030204" pitchFamily="18" charset="0"/>
+                              </a:rPr>
+                            </m:ctrlPr>
+                          </m:dPr>
+                          <m:e>
+                            <m:r>
+                              <a:rPr lang="en-US" b="0" i="1" smtClean="0">
+                                <a:latin typeface="Cambria Math" panose="02040503050406030204" pitchFamily="18" charset="0"/>
+                              </a:rPr>
+                              <m:t>0</m:t>
+                            </m:r>
+                          </m:e>
+                        </m:d>
+                      </m:e>
+                      <m:sub>
+                        <m:r>
+                          <a:rPr lang="en-US" b="0" i="1" smtClean="0">
+                            <a:latin typeface="Cambria Math" panose="02040503050406030204" pitchFamily="18" charset="0"/>
+                          </a:rPr>
+                          <m:t>𝐿</m:t>
+                        </m:r>
+                      </m:sub>
+                    </m:sSub>
+                    <m:r>
+                      <a:rPr lang="en-US" b="0" i="1" smtClean="0">
+                        <a:latin typeface="Cambria Math" panose="02040503050406030204" pitchFamily="18" charset="0"/>
+                      </a:rPr>
+                      <m:t>=</m:t>
+                    </m:r>
+                    <m:sSub>
+                      <m:sSubPr>
+                        <m:ctrlPr>
+                          <a:rPr lang="en-US" b="0" i="1" smtClean="0">
+                            <a:latin typeface="Cambria Math" panose="02040503050406030204" pitchFamily="18" charset="0"/>
+                          </a:rPr>
+                        </m:ctrlPr>
+                      </m:sSubPr>
+                      <m:e>
+                        <m:d>
+                          <m:dPr>
+                            <m:begChr m:val="|"/>
+                            <m:endChr m:val="⟩"/>
+                            <m:ctrlPr>
+                              <a:rPr lang="en-US" b="0" i="1" smtClean="0">
+                                <a:latin typeface="Cambria Math" panose="02040503050406030204" pitchFamily="18" charset="0"/>
+                              </a:rPr>
+                            </m:ctrlPr>
+                          </m:dPr>
+                          <m:e>
+                            <m:r>
+                              <a:rPr lang="en-US" b="0" i="1" smtClean="0">
+                                <a:latin typeface="Cambria Math" panose="02040503050406030204" pitchFamily="18" charset="0"/>
+                              </a:rPr>
+                              <m:t>1</m:t>
+                            </m:r>
+                          </m:e>
+                        </m:d>
+                      </m:e>
+                      <m:sub>
+                        <m:r>
+                          <a:rPr lang="en-US" b="0" i="1" smtClean="0">
+                            <a:latin typeface="Cambria Math" panose="02040503050406030204" pitchFamily="18" charset="0"/>
+                          </a:rPr>
+                          <m:t>𝐿</m:t>
+                        </m:r>
+                      </m:sub>
+                    </m:sSub>
+                  </m:oMath>
+                </a14:m>
+                <a:r>
+                  <a:rPr lang="en-US" dirty="0"/>
+                  <a:t>, </a:t>
+                </a:r>
+                <a14:m>
+                  <m:oMath xmlns:m="http://schemas.openxmlformats.org/officeDocument/2006/math">
+                    <m:sSub>
+                      <m:sSubPr>
+                        <m:ctrlPr>
+                          <a:rPr lang="en-US" i="1">
+                            <a:latin typeface="Cambria Math" panose="02040503050406030204" pitchFamily="18" charset="0"/>
+                          </a:rPr>
+                        </m:ctrlPr>
+                      </m:sSubPr>
+                      <m:e>
+                        <m:r>
+                          <a:rPr lang="en-US" i="1">
+                            <a:latin typeface="Cambria Math" panose="02040503050406030204" pitchFamily="18" charset="0"/>
+                          </a:rPr>
+                          <m:t>𝑋</m:t>
+                        </m:r>
+                      </m:e>
+                      <m:sub>
+                        <m:r>
+                          <a:rPr lang="en-US" i="1">
+                            <a:latin typeface="Cambria Math" panose="02040503050406030204" pitchFamily="18" charset="0"/>
+                          </a:rPr>
+                          <m:t>𝐿</m:t>
+                        </m:r>
+                      </m:sub>
+                    </m:sSub>
+                    <m:r>
+                      <a:rPr lang="en-US" i="1">
+                        <a:latin typeface="Cambria Math" panose="02040503050406030204" pitchFamily="18" charset="0"/>
+                      </a:rPr>
+                      <m:t> </m:t>
+                    </m:r>
+                    <m:sSub>
+                      <m:sSubPr>
+                        <m:ctrlPr>
+                          <a:rPr lang="en-US" i="1">
+                            <a:latin typeface="Cambria Math" panose="02040503050406030204" pitchFamily="18" charset="0"/>
+                          </a:rPr>
+                        </m:ctrlPr>
+                      </m:sSubPr>
+                      <m:e>
+                        <m:d>
+                          <m:dPr>
+                            <m:begChr m:val="|"/>
+                            <m:endChr m:val="⟩"/>
+                            <m:ctrlPr>
+                              <a:rPr lang="en-US" i="1">
+                                <a:latin typeface="Cambria Math" panose="02040503050406030204" pitchFamily="18" charset="0"/>
+                              </a:rPr>
+                            </m:ctrlPr>
+                          </m:dPr>
+                          <m:e>
+                            <m:r>
+                              <a:rPr lang="en-US" b="0" i="1" smtClean="0">
+                                <a:latin typeface="Cambria Math" panose="02040503050406030204" pitchFamily="18" charset="0"/>
+                              </a:rPr>
+                              <m:t>1</m:t>
+                            </m:r>
+                          </m:e>
+                        </m:d>
+                      </m:e>
+                      <m:sub>
+                        <m:r>
+                          <a:rPr lang="en-US" i="1">
+                            <a:latin typeface="Cambria Math" panose="02040503050406030204" pitchFamily="18" charset="0"/>
+                          </a:rPr>
+                          <m:t>𝐿</m:t>
+                        </m:r>
+                      </m:sub>
+                    </m:sSub>
+                    <m:r>
+                      <a:rPr lang="en-US" i="1">
+                        <a:latin typeface="Cambria Math" panose="02040503050406030204" pitchFamily="18" charset="0"/>
+                      </a:rPr>
+                      <m:t>=</m:t>
+                    </m:r>
+                    <m:sSub>
+                      <m:sSubPr>
+                        <m:ctrlPr>
+                          <a:rPr lang="en-US" i="1">
+                            <a:latin typeface="Cambria Math" panose="02040503050406030204" pitchFamily="18" charset="0"/>
+                          </a:rPr>
+                        </m:ctrlPr>
+                      </m:sSubPr>
+                      <m:e>
+                        <m:d>
+                          <m:dPr>
+                            <m:begChr m:val="|"/>
+                            <m:endChr m:val="⟩"/>
+                            <m:ctrlPr>
+                              <a:rPr lang="en-US" i="1">
+                                <a:latin typeface="Cambria Math" panose="02040503050406030204" pitchFamily="18" charset="0"/>
+                              </a:rPr>
+                            </m:ctrlPr>
+                          </m:dPr>
+                          <m:e>
+                            <m:r>
+                              <a:rPr lang="en-US" b="0" i="1" smtClean="0">
+                                <a:latin typeface="Cambria Math" panose="02040503050406030204" pitchFamily="18" charset="0"/>
+                              </a:rPr>
+                              <m:t>0</m:t>
+                            </m:r>
+                          </m:e>
+                        </m:d>
+                      </m:e>
+                      <m:sub>
+                        <m:r>
+                          <a:rPr lang="en-US" i="1">
+                            <a:latin typeface="Cambria Math" panose="02040503050406030204" pitchFamily="18" charset="0"/>
+                          </a:rPr>
+                          <m:t>𝐿</m:t>
+                        </m:r>
+                      </m:sub>
+                    </m:sSub>
+                  </m:oMath>
+                </a14:m>
+                <a:endParaRPr lang="en-US" dirty="0"/>
+              </a:p>
+              <a:p>
+                <a:pPr marL="0" indent="0" algn="ctr">
+                  <a:buNone/>
+                </a:pPr>
+                <a:r>
+                  <a:rPr lang="en-US" dirty="0"/>
+                  <a:t> </a:t>
+                </a:r>
+                <a14:m>
+                  <m:oMath xmlns:m="http://schemas.openxmlformats.org/officeDocument/2006/math">
+                    <m:sSub>
+                      <m:sSubPr>
+                        <m:ctrlPr>
+                          <a:rPr lang="en-US" i="1">
+                            <a:latin typeface="Cambria Math" panose="02040503050406030204" pitchFamily="18" charset="0"/>
+                          </a:rPr>
+                        </m:ctrlPr>
+                      </m:sSubPr>
+                      <m:e>
+                        <m:r>
+                          <a:rPr lang="en-US" b="0" i="1" smtClean="0">
+                            <a:latin typeface="Cambria Math" panose="02040503050406030204" pitchFamily="18" charset="0"/>
+                          </a:rPr>
+                          <m:t>𝑍</m:t>
+                        </m:r>
+                      </m:e>
+                      <m:sub>
+                        <m:r>
+                          <a:rPr lang="en-US" i="1">
+                            <a:latin typeface="Cambria Math" panose="02040503050406030204" pitchFamily="18" charset="0"/>
+                          </a:rPr>
+                          <m:t>𝐿</m:t>
+                        </m:r>
+                      </m:sub>
+                    </m:sSub>
+                    <m:r>
+                      <a:rPr lang="en-US" i="1">
+                        <a:latin typeface="Cambria Math" panose="02040503050406030204" pitchFamily="18" charset="0"/>
+                      </a:rPr>
+                      <m:t> </m:t>
+                    </m:r>
+                    <m:sSub>
+                      <m:sSubPr>
+                        <m:ctrlPr>
+                          <a:rPr lang="en-US" i="1">
+                            <a:latin typeface="Cambria Math" panose="02040503050406030204" pitchFamily="18" charset="0"/>
+                          </a:rPr>
+                        </m:ctrlPr>
+                      </m:sSubPr>
+                      <m:e>
+                        <m:d>
+                          <m:dPr>
+                            <m:begChr m:val="|"/>
+                            <m:endChr m:val="⟩"/>
+                            <m:ctrlPr>
+                              <a:rPr lang="en-US" i="1">
+                                <a:latin typeface="Cambria Math" panose="02040503050406030204" pitchFamily="18" charset="0"/>
+                              </a:rPr>
+                            </m:ctrlPr>
+                          </m:dPr>
+                          <m:e>
+                            <m:r>
+                              <a:rPr lang="en-US" i="1">
+                                <a:latin typeface="Cambria Math" panose="02040503050406030204" pitchFamily="18" charset="0"/>
+                              </a:rPr>
+                              <m:t>0</m:t>
+                            </m:r>
+                          </m:e>
+                        </m:d>
+                      </m:e>
+                      <m:sub>
+                        <m:r>
+                          <a:rPr lang="en-US" i="1">
+                            <a:latin typeface="Cambria Math" panose="02040503050406030204" pitchFamily="18" charset="0"/>
+                          </a:rPr>
+                          <m:t>𝐿</m:t>
+                        </m:r>
+                      </m:sub>
+                    </m:sSub>
+                    <m:r>
+                      <a:rPr lang="en-US" i="1">
+                        <a:latin typeface="Cambria Math" panose="02040503050406030204" pitchFamily="18" charset="0"/>
+                      </a:rPr>
+                      <m:t>=</m:t>
+                    </m:r>
+                    <m:sSub>
+                      <m:sSubPr>
+                        <m:ctrlPr>
+                          <a:rPr lang="en-US" i="1">
+                            <a:latin typeface="Cambria Math" panose="02040503050406030204" pitchFamily="18" charset="0"/>
+                          </a:rPr>
+                        </m:ctrlPr>
+                      </m:sSubPr>
+                      <m:e>
+                        <m:d>
+                          <m:dPr>
+                            <m:begChr m:val="|"/>
+                            <m:endChr m:val="⟩"/>
+                            <m:ctrlPr>
+                              <a:rPr lang="en-US" i="1">
+                                <a:latin typeface="Cambria Math" panose="02040503050406030204" pitchFamily="18" charset="0"/>
+                              </a:rPr>
+                            </m:ctrlPr>
+                          </m:dPr>
+                          <m:e>
+                            <m:r>
+                              <a:rPr lang="en-US" b="0" i="1" smtClean="0">
+                                <a:latin typeface="Cambria Math" panose="02040503050406030204" pitchFamily="18" charset="0"/>
+                              </a:rPr>
+                              <m:t>0</m:t>
+                            </m:r>
+                          </m:e>
+                        </m:d>
+                      </m:e>
+                      <m:sub>
+                        <m:r>
+                          <a:rPr lang="en-US" i="1">
+                            <a:latin typeface="Cambria Math" panose="02040503050406030204" pitchFamily="18" charset="0"/>
+                          </a:rPr>
+                          <m:t>𝐿</m:t>
+                        </m:r>
+                      </m:sub>
+                    </m:sSub>
+                  </m:oMath>
+                </a14:m>
+                <a:r>
+                  <a:rPr lang="en-US" dirty="0"/>
+                  <a:t>, </a:t>
+                </a:r>
+                <a14:m>
+                  <m:oMath xmlns:m="http://schemas.openxmlformats.org/officeDocument/2006/math">
+                    <m:sSub>
+                      <m:sSubPr>
+                        <m:ctrlPr>
+                          <a:rPr lang="en-US" i="1">
+                            <a:latin typeface="Cambria Math" panose="02040503050406030204" pitchFamily="18" charset="0"/>
+                          </a:rPr>
+                        </m:ctrlPr>
+                      </m:sSubPr>
+                      <m:e>
+                        <m:r>
+                          <a:rPr lang="en-US" b="0" i="1" smtClean="0">
+                            <a:latin typeface="Cambria Math" panose="02040503050406030204" pitchFamily="18" charset="0"/>
+                          </a:rPr>
+                          <m:t>𝑍</m:t>
+                        </m:r>
+                      </m:e>
+                      <m:sub>
+                        <m:r>
+                          <a:rPr lang="en-US" i="1">
+                            <a:latin typeface="Cambria Math" panose="02040503050406030204" pitchFamily="18" charset="0"/>
+                          </a:rPr>
+                          <m:t>𝐿</m:t>
+                        </m:r>
+                      </m:sub>
+                    </m:sSub>
+                    <m:r>
+                      <a:rPr lang="en-US" i="1">
+                        <a:latin typeface="Cambria Math" panose="02040503050406030204" pitchFamily="18" charset="0"/>
+                      </a:rPr>
+                      <m:t> </m:t>
+                    </m:r>
+                    <m:sSub>
+                      <m:sSubPr>
+                        <m:ctrlPr>
+                          <a:rPr lang="en-US" i="1">
+                            <a:latin typeface="Cambria Math" panose="02040503050406030204" pitchFamily="18" charset="0"/>
+                          </a:rPr>
+                        </m:ctrlPr>
+                      </m:sSubPr>
+                      <m:e>
+                        <m:d>
+                          <m:dPr>
+                            <m:begChr m:val="|"/>
+                            <m:endChr m:val="⟩"/>
+                            <m:ctrlPr>
+                              <a:rPr lang="en-US" i="1">
+                                <a:latin typeface="Cambria Math" panose="02040503050406030204" pitchFamily="18" charset="0"/>
+                              </a:rPr>
+                            </m:ctrlPr>
+                          </m:dPr>
+                          <m:e>
+                            <m:r>
+                              <a:rPr lang="en-US" i="1">
+                                <a:latin typeface="Cambria Math" panose="02040503050406030204" pitchFamily="18" charset="0"/>
+                              </a:rPr>
+                              <m:t>1</m:t>
+                            </m:r>
+                          </m:e>
+                        </m:d>
+                      </m:e>
+                      <m:sub>
+                        <m:r>
+                          <a:rPr lang="en-US" i="1">
+                            <a:latin typeface="Cambria Math" panose="02040503050406030204" pitchFamily="18" charset="0"/>
+                          </a:rPr>
+                          <m:t>𝐿</m:t>
+                        </m:r>
+                      </m:sub>
+                    </m:sSub>
+                    <m:r>
+                      <a:rPr lang="en-US" i="1">
+                        <a:latin typeface="Cambria Math" panose="02040503050406030204" pitchFamily="18" charset="0"/>
+                      </a:rPr>
+                      <m:t>=</m:t>
+                    </m:r>
+                    <m:r>
+                      <a:rPr lang="en-US" b="0" i="1" smtClean="0">
+                        <a:latin typeface="Cambria Math" panose="02040503050406030204" pitchFamily="18" charset="0"/>
+                      </a:rPr>
+                      <m:t>−</m:t>
+                    </m:r>
+                    <m:sSub>
+                      <m:sSubPr>
+                        <m:ctrlPr>
+                          <a:rPr lang="en-US" i="1">
+                            <a:latin typeface="Cambria Math" panose="02040503050406030204" pitchFamily="18" charset="0"/>
+                          </a:rPr>
+                        </m:ctrlPr>
+                      </m:sSubPr>
+                      <m:e>
+                        <m:d>
+                          <m:dPr>
+                            <m:begChr m:val="|"/>
+                            <m:endChr m:val="⟩"/>
+                            <m:ctrlPr>
+                              <a:rPr lang="en-US" i="1">
+                                <a:latin typeface="Cambria Math" panose="02040503050406030204" pitchFamily="18" charset="0"/>
+                              </a:rPr>
+                            </m:ctrlPr>
+                          </m:dPr>
+                          <m:e>
+                            <m:r>
+                              <a:rPr lang="en-US" b="0" i="1" smtClean="0">
+                                <a:latin typeface="Cambria Math" panose="02040503050406030204" pitchFamily="18" charset="0"/>
+                              </a:rPr>
+                              <m:t>1</m:t>
+                            </m:r>
+                          </m:e>
+                        </m:d>
+                      </m:e>
+                      <m:sub>
+                        <m:r>
+                          <a:rPr lang="en-US" i="1">
+                            <a:latin typeface="Cambria Math" panose="02040503050406030204" pitchFamily="18" charset="0"/>
+                          </a:rPr>
+                          <m:t>𝐿</m:t>
+                        </m:r>
+                      </m:sub>
+                    </m:sSub>
+                  </m:oMath>
+                </a14:m>
+                <a:r>
+                  <a:rPr lang="en-US" dirty="0"/>
+                  <a:t> </a:t>
+                </a:r>
+              </a:p>
+              <a:p>
+                <a:endParaRPr lang="en-US" dirty="0"/>
+              </a:p>
+            </p:txBody>
+          </p:sp>
+        </mc:Choice>
+        <mc:Fallback xmlns="">
+          <p:sp>
+            <p:nvSpPr>
+              <p:cNvPr id="3" name="Content Placeholder 2">
+                <a:extLst>
+                  <a:ext uri="{FF2B5EF4-FFF2-40B4-BE49-F238E27FC236}">
+                    <a16:creationId xmlns:a16="http://schemas.microsoft.com/office/drawing/2014/main" id="{3D553E29-0D6F-CC3E-65A6-757E5C5723BE}"/>
+                  </a:ext>
+                </a:extLst>
+              </p:cNvPr>
+              <p:cNvSpPr>
+                <a:spLocks noGrp="1" noRot="1" noChangeAspect="1" noMove="1" noResize="1" noEditPoints="1" noAdjustHandles="1" noChangeArrowheads="1" noChangeShapeType="1" noTextEdit="1"/>
+              </p:cNvSpPr>
+              <p:nvPr>
+                <p:ph idx="1"/>
+              </p:nvPr>
+            </p:nvSpPr>
+            <p:spPr>
+              <a:blipFill>
+                <a:blip r:embed="rId2"/>
+                <a:stretch>
+                  <a:fillRect l="-714" t="-1568"/>
+                </a:stretch>
+              </a:blipFill>
+            </p:spPr>
+            <p:txBody>
+              <a:bodyPr/>
+              <a:lstStyle/>
+              <a:p>
+                <a:r>
+                  <a:rPr lang="en-US">
+                    <a:noFill/>
+                  </a:rPr>
+                  <a:t> </a:t>
+                </a:r>
+              </a:p>
+            </p:txBody>
+          </p:sp>
+        </mc:Fallback>
+      </mc:AlternateContent>
+      <p:sp>
+        <p:nvSpPr>
+          <p:cNvPr id="4" name="Footer Placeholder 3">
+            <a:extLst>
+              <a:ext uri="{FF2B5EF4-FFF2-40B4-BE49-F238E27FC236}">
+                <a16:creationId xmlns:a16="http://schemas.microsoft.com/office/drawing/2014/main" id="{05967310-F29C-5C61-4AD1-A34766CE2959}"/>
+              </a:ext>
+            </a:extLst>
+          </p:cNvPr>
+          <p:cNvSpPr>
+            <a:spLocks noGrp="1"/>
+          </p:cNvSpPr>
+          <p:nvPr>
+            <p:ph type="ftr" sz="quarter" idx="11"/>
+          </p:nvPr>
+        </p:nvSpPr>
+        <p:spPr/>
+        <p:txBody>
+          <a:bodyPr/>
+          <a:lstStyle/>
+          <a:p>
+            <a:r>
+              <a:rPr lang="en-US"/>
+              <a:t>All Rights Reserved</a:t>
+            </a:r>
+            <a:endParaRPr lang="en-US" dirty="0"/>
+          </a:p>
+        </p:txBody>
+      </p:sp>
+    </p:spTree>
+    <p:extLst>
+      <p:ext uri="{BB962C8B-B14F-4D97-AF65-F5344CB8AC3E}">
+        <p14:creationId xmlns:p14="http://schemas.microsoft.com/office/powerpoint/2010/main" val="3845705967"/>
+      </p:ext>
+    </p:extLst>
+  </p:cSld>
+  <p:clrMapOvr>
+    <a:masterClrMapping/>
+  </p:clrMapOvr>
+</p:sld>
+</file>
+
+<file path=ppt/slides/slide11.xml><?xml version="1.0" encoding="utf-8"?>
+<p:sld xmlns:a="http://schemas.openxmlformats.org/drawingml/2006/main" xmlns:r="http://schemas.openxmlformats.org/officeDocument/2006/relationships" xmlns:p="http://schemas.openxmlformats.org/presentationml/2006/main">
+  <p:cSld>
+    <p:spTree>
+      <p:nvGrpSpPr>
+        <p:cNvPr id="1" name=""/>
+        <p:cNvGrpSpPr/>
+        <p:nvPr/>
+      </p:nvGrpSpPr>
+      <p:grpSpPr>
+        <a:xfrm>
+          <a:off x="0" y="0"/>
+          <a:ext cx="0" cy="0"/>
+          <a:chOff x="0" y="0"/>
+          <a:chExt cx="0" cy="0"/>
+        </a:xfrm>
+      </p:grpSpPr>
+      <p:sp>
+        <p:nvSpPr>
+          <p:cNvPr id="2" name="Title 1">
+            <a:extLst>
+              <a:ext uri="{FF2B5EF4-FFF2-40B4-BE49-F238E27FC236}">
+                <a16:creationId xmlns:a16="http://schemas.microsoft.com/office/drawing/2014/main" id="{E4AD8231-D865-73FF-D1A0-7A07E8CB30E5}"/>
+              </a:ext>
+            </a:extLst>
+          </p:cNvPr>
+          <p:cNvSpPr>
+            <a:spLocks noGrp="1"/>
+          </p:cNvSpPr>
+          <p:nvPr>
+            <p:ph type="title"/>
+          </p:nvPr>
+        </p:nvSpPr>
+        <p:spPr/>
+        <p:txBody>
+          <a:bodyPr/>
+          <a:lstStyle/>
+          <a:p>
+            <a:r>
+              <a:rPr lang="en-US" dirty="0"/>
+              <a:t>Quantum Discord (QD)</a:t>
+            </a:r>
+          </a:p>
+        </p:txBody>
+      </p:sp>
+      <mc:AlternateContent xmlns:mc="http://schemas.openxmlformats.org/markup-compatibility/2006" xmlns:a14="http://schemas.microsoft.com/office/drawing/2010/main">
+        <mc:Choice Requires="a14">
+          <p:sp>
+            <p:nvSpPr>
+              <p:cNvPr id="3" name="Content Placeholder 2">
+                <a:extLst>
+                  <a:ext uri="{FF2B5EF4-FFF2-40B4-BE49-F238E27FC236}">
+                    <a16:creationId xmlns:a16="http://schemas.microsoft.com/office/drawing/2014/main" id="{2FBDA459-C823-9821-3E36-E6C1F82C2950}"/>
+                  </a:ext>
+                </a:extLst>
+              </p:cNvPr>
+              <p:cNvSpPr>
+                <a:spLocks noGrp="1"/>
+              </p:cNvSpPr>
+              <p:nvPr>
+                <p:ph idx="1"/>
+              </p:nvPr>
+            </p:nvSpPr>
+            <p:spPr/>
+            <p:txBody>
+              <a:bodyPr/>
+              <a:lstStyle/>
+              <a:p>
+                <a:pPr>
+                  <a:buFont typeface="Wingdings" panose="05000000000000000000" pitchFamily="2" charset="2"/>
+                  <a:buChar char="Ø"/>
+                </a:pPr>
+                <a:r>
+                  <a:rPr lang="en-US" dirty="0"/>
+                  <a:t> Difference between quantum and classical mutual information.</a:t>
+                </a:r>
+              </a:p>
+              <a:p>
+                <a:pPr marL="0" indent="0">
+                  <a:buNone/>
+                </a:pPr>
+                <a14:m>
+                  <m:oMathPara xmlns:m="http://schemas.openxmlformats.org/officeDocument/2006/math">
+                    <m:oMathParaPr>
+                      <m:jc m:val="center"/>
+                    </m:oMathParaPr>
+                    <m:oMath xmlns:m="http://schemas.openxmlformats.org/officeDocument/2006/math">
+                      <m:r>
+                        <a:rPr lang="en-US" b="0" i="1" smtClean="0">
+                          <a:latin typeface="Cambria Math" panose="02040503050406030204" pitchFamily="18" charset="0"/>
+                        </a:rPr>
+                        <m:t>𝛿</m:t>
+                      </m:r>
+                      <m:d>
+                        <m:dPr>
+                          <m:ctrlPr>
+                            <a:rPr lang="en-US" b="0" i="1" smtClean="0">
+                              <a:latin typeface="Cambria Math" panose="02040503050406030204" pitchFamily="18" charset="0"/>
+                            </a:rPr>
+                          </m:ctrlPr>
+                        </m:dPr>
+                        <m:e>
+                          <m:r>
+                            <a:rPr lang="en-US" b="0" i="1" smtClean="0">
+                              <a:latin typeface="Cambria Math" panose="02040503050406030204" pitchFamily="18" charset="0"/>
+                            </a:rPr>
+                            <m:t>𝐴</m:t>
+                          </m:r>
+                          <m:r>
+                            <a:rPr lang="en-US" b="0" i="1" smtClean="0">
+                              <a:latin typeface="Cambria Math" panose="02040503050406030204" pitchFamily="18" charset="0"/>
+                            </a:rPr>
+                            <m:t>:</m:t>
+                          </m:r>
+                          <m:r>
+                            <a:rPr lang="en-US" b="0" i="1" smtClean="0">
+                              <a:latin typeface="Cambria Math" panose="02040503050406030204" pitchFamily="18" charset="0"/>
+                            </a:rPr>
+                            <m:t>𝐵</m:t>
+                          </m:r>
+                        </m:e>
+                      </m:d>
+                      <m:r>
+                        <a:rPr lang="en-US" b="0" i="1" smtClean="0">
+                          <a:latin typeface="Cambria Math" panose="02040503050406030204" pitchFamily="18" charset="0"/>
+                        </a:rPr>
+                        <m:t>=</m:t>
+                      </m:r>
+                      <m:r>
+                        <a:rPr lang="en-US" b="0" i="1" smtClean="0">
+                          <a:latin typeface="Cambria Math" panose="02040503050406030204" pitchFamily="18" charset="0"/>
+                        </a:rPr>
+                        <m:t>𝐼</m:t>
+                      </m:r>
+                      <m:d>
+                        <m:dPr>
+                          <m:ctrlPr>
+                            <a:rPr lang="en-US" b="0" i="1" smtClean="0">
+                              <a:latin typeface="Cambria Math" panose="02040503050406030204" pitchFamily="18" charset="0"/>
+                            </a:rPr>
+                          </m:ctrlPr>
+                        </m:dPr>
+                        <m:e>
+                          <m:r>
+                            <a:rPr lang="en-US" b="0" i="1" smtClean="0">
+                              <a:latin typeface="Cambria Math" panose="02040503050406030204" pitchFamily="18" charset="0"/>
+                            </a:rPr>
+                            <m:t>𝐴</m:t>
+                          </m:r>
+                          <m:r>
+                            <a:rPr lang="en-US" b="0" i="1" smtClean="0">
+                              <a:latin typeface="Cambria Math" panose="02040503050406030204" pitchFamily="18" charset="0"/>
+                            </a:rPr>
+                            <m:t>:</m:t>
+                          </m:r>
+                          <m:r>
+                            <a:rPr lang="en-US" b="0" i="1" smtClean="0">
+                              <a:latin typeface="Cambria Math" panose="02040503050406030204" pitchFamily="18" charset="0"/>
+                            </a:rPr>
+                            <m:t>𝐵</m:t>
+                          </m:r>
+                        </m:e>
+                      </m:d>
+                      <m:r>
+                        <a:rPr lang="en-US" b="0" i="1" smtClean="0">
+                          <a:latin typeface="Cambria Math" panose="02040503050406030204" pitchFamily="18" charset="0"/>
+                        </a:rPr>
+                        <m:t>−</m:t>
+                      </m:r>
+                      <m:r>
+                        <a:rPr lang="en-US" b="0" i="1" smtClean="0">
+                          <a:latin typeface="Cambria Math" panose="02040503050406030204" pitchFamily="18" charset="0"/>
+                        </a:rPr>
+                        <m:t>𝐽</m:t>
+                      </m:r>
+                      <m:r>
+                        <a:rPr lang="en-US" b="0" i="1" smtClean="0">
+                          <a:latin typeface="Cambria Math" panose="02040503050406030204" pitchFamily="18" charset="0"/>
+                        </a:rPr>
+                        <m:t>(</m:t>
+                      </m:r>
+                      <m:r>
+                        <a:rPr lang="en-US" b="0" i="1" smtClean="0">
+                          <a:latin typeface="Cambria Math" panose="02040503050406030204" pitchFamily="18" charset="0"/>
+                        </a:rPr>
+                        <m:t>𝐴</m:t>
+                      </m:r>
+                      <m:r>
+                        <a:rPr lang="en-US" b="0" i="1" smtClean="0">
+                          <a:latin typeface="Cambria Math" panose="02040503050406030204" pitchFamily="18" charset="0"/>
+                        </a:rPr>
+                        <m:t>:</m:t>
+                      </m:r>
+                      <m:r>
+                        <a:rPr lang="en-US" b="0" i="1" smtClean="0">
+                          <a:latin typeface="Cambria Math" panose="02040503050406030204" pitchFamily="18" charset="0"/>
+                        </a:rPr>
+                        <m:t>𝐵</m:t>
+                      </m:r>
+                      <m:r>
+                        <a:rPr lang="en-US" b="0" i="1" smtClean="0">
+                          <a:latin typeface="Cambria Math" panose="02040503050406030204" pitchFamily="18" charset="0"/>
+                        </a:rPr>
+                        <m:t>)</m:t>
+                      </m:r>
+                    </m:oMath>
+                  </m:oMathPara>
+                </a14:m>
+                <a:endParaRPr lang="en-US" dirty="0"/>
+              </a:p>
+              <a:p>
+                <a:pPr marL="0" indent="0">
+                  <a:buNone/>
+                </a:pPr>
+                <a:endParaRPr lang="en-US" dirty="0"/>
+              </a:p>
+              <a:p>
+                <a:pPr>
+                  <a:buFont typeface="Wingdings" panose="05000000000000000000" pitchFamily="2" charset="2"/>
+                  <a:buChar char="Ø"/>
+                </a:pPr>
+                <a:r>
+                  <a:rPr lang="en-US" dirty="0"/>
+                  <a:t> Measures the amount of non-classical correlations in a quantum system. </a:t>
+                </a:r>
+              </a:p>
+              <a:p>
+                <a:pPr algn="just">
+                  <a:buFont typeface="Wingdings" panose="05000000000000000000" pitchFamily="2" charset="2"/>
+                  <a:buChar char="Ø"/>
+                </a:pPr>
+                <a:endParaRPr lang="en-US" dirty="0"/>
+              </a:p>
+              <a:p>
+                <a:pPr algn="just">
+                  <a:buFont typeface="Wingdings" panose="05000000000000000000" pitchFamily="2" charset="2"/>
+                  <a:buChar char="Ø"/>
+                </a:pPr>
+                <a:r>
+                  <a:rPr lang="en-US" dirty="0"/>
+                  <a:t> Quantum discord can be non-zero even in separable (non-entangled) states. </a:t>
+                </a:r>
+              </a:p>
+              <a:p>
+                <a:pPr algn="just">
+                  <a:buFont typeface="Wingdings" panose="05000000000000000000" pitchFamily="2" charset="2"/>
+                  <a:buChar char="Ø"/>
+                </a:pPr>
+                <a:endParaRPr lang="en-US" dirty="0"/>
+              </a:p>
+              <a:p>
+                <a:pPr algn="just">
+                  <a:buFont typeface="Wingdings" panose="05000000000000000000" pitchFamily="2" charset="2"/>
+                  <a:buChar char="Ø"/>
+                </a:pPr>
+                <a:r>
+                  <a:rPr lang="en-US" dirty="0"/>
+                  <a:t> Zero discord implies the system is classically correlated.</a:t>
+                </a:r>
+              </a:p>
+              <a:p>
+                <a:pPr algn="just">
+                  <a:buFont typeface="Wingdings" panose="05000000000000000000" pitchFamily="2" charset="2"/>
+                  <a:buChar char="Ø"/>
+                </a:pPr>
+                <a:endParaRPr lang="en-US" dirty="0"/>
+              </a:p>
+              <a:p>
+                <a:pPr>
+                  <a:buFont typeface="Wingdings" panose="05000000000000000000" pitchFamily="2" charset="2"/>
+                  <a:buChar char="Ø"/>
+                </a:pPr>
+                <a:r>
+                  <a:rPr lang="en-US" dirty="0"/>
+                  <a:t> Discord is asymmetric.</a:t>
+                </a:r>
+              </a:p>
+            </p:txBody>
+          </p:sp>
+        </mc:Choice>
+        <mc:Fallback xmlns="">
+          <p:sp>
+            <p:nvSpPr>
+              <p:cNvPr id="3" name="Content Placeholder 2">
+                <a:extLst>
+                  <a:ext uri="{FF2B5EF4-FFF2-40B4-BE49-F238E27FC236}">
+                    <a16:creationId xmlns:a16="http://schemas.microsoft.com/office/drawing/2014/main" id="{2FBDA459-C823-9821-3E36-E6C1F82C2950}"/>
+                  </a:ext>
+                </a:extLst>
+              </p:cNvPr>
+              <p:cNvSpPr>
+                <a:spLocks noGrp="1" noRot="1" noChangeAspect="1" noMove="1" noResize="1" noEditPoints="1" noAdjustHandles="1" noChangeArrowheads="1" noChangeShapeType="1" noTextEdit="1"/>
+              </p:cNvSpPr>
+              <p:nvPr>
+                <p:ph idx="1"/>
+              </p:nvPr>
+            </p:nvSpPr>
+            <p:spPr>
+              <a:blipFill>
+                <a:blip r:embed="rId2"/>
+                <a:stretch>
+                  <a:fillRect l="-714" t="-1568"/>
+                </a:stretch>
+              </a:blipFill>
+            </p:spPr>
+            <p:txBody>
+              <a:bodyPr/>
+              <a:lstStyle/>
+              <a:p>
+                <a:r>
+                  <a:rPr lang="en-US">
+                    <a:noFill/>
+                  </a:rPr>
+                  <a:t> </a:t>
+                </a:r>
+              </a:p>
+            </p:txBody>
+          </p:sp>
+        </mc:Fallback>
+      </mc:AlternateContent>
+      <p:sp>
+        <p:nvSpPr>
+          <p:cNvPr id="4" name="Footer Placeholder 3">
+            <a:extLst>
+              <a:ext uri="{FF2B5EF4-FFF2-40B4-BE49-F238E27FC236}">
+                <a16:creationId xmlns:a16="http://schemas.microsoft.com/office/drawing/2014/main" id="{EFED1BA6-716F-0F62-7C44-E8C21DDB1D03}"/>
+              </a:ext>
+            </a:extLst>
+          </p:cNvPr>
+          <p:cNvSpPr>
+            <a:spLocks noGrp="1"/>
+          </p:cNvSpPr>
+          <p:nvPr>
+            <p:ph type="ftr" sz="quarter" idx="11"/>
+          </p:nvPr>
+        </p:nvSpPr>
+        <p:spPr/>
+        <p:txBody>
+          <a:bodyPr/>
+          <a:lstStyle/>
+          <a:p>
+            <a:r>
+              <a:rPr lang="en-US"/>
+              <a:t>All Rights Reserved</a:t>
+            </a:r>
+          </a:p>
+        </p:txBody>
+      </p:sp>
+    </p:spTree>
+    <p:extLst>
+      <p:ext uri="{BB962C8B-B14F-4D97-AF65-F5344CB8AC3E}">
+        <p14:creationId xmlns:p14="http://schemas.microsoft.com/office/powerpoint/2010/main" val="3707972811"/>
+      </p:ext>
+    </p:extLst>
+  </p:cSld>
+  <p:clrMapOvr>
+    <a:masterClrMapping/>
+  </p:clrMapOvr>
+  <p:timing>
+    <p:tnLst>
+      <p:par>
+        <p:cTn id="1" dur="indefinite" restart="never" nodeType="tmRoot">
+          <p:childTnLst>
+            <p:seq concurrent="1" nextAc="seek">
+              <p:cTn id="2" dur="indefinite" nodeType="mainSeq">
+                <p:childTnLst>
+                  <p:par>
+                    <p:cTn id="3" fill="hold">
+                      <p:stCondLst>
+                        <p:cond delay="indefinite"/>
+                      </p:stCondLst>
+                      <p:childTnLst>
+                        <p:par>
+                          <p:cTn id="4" fill="hold">
+                            <p:stCondLst>
+                              <p:cond delay="0"/>
+                            </p:stCondLst>
+                            <p:childTnLst>
+                              <p:par>
+                                <p:cTn id="5" presetID="1" presetClass="entr" presetSubtype="0" fill="hold" nodeType="clickEffect">
+                                  <p:stCondLst>
+                                    <p:cond delay="0"/>
+                                  </p:stCondLst>
+                                  <p:childTnLst>
+                                    <p:set>
+                                      <p:cBhvr>
+                                        <p:cTn id="6" dur="1" fill="hold">
+                                          <p:stCondLst>
+                                            <p:cond delay="0"/>
+                                          </p:stCondLst>
+                                        </p:cTn>
+                                        <p:tgtEl>
+                                          <p:spTgt spid="3">
+                                            <p:txEl>
+                                              <p:pRg st="3" end="3"/>
+                                            </p:txEl>
+                                          </p:spTgt>
+                                        </p:tgtEl>
+                                        <p:attrNameLst>
+                                          <p:attrName>style.visibility</p:attrName>
+                                        </p:attrNameLst>
+                                      </p:cBhvr>
+                                      <p:to>
+                                        <p:strVal val="visible"/>
+                                      </p:to>
+                                    </p:set>
+                                  </p:childTnLst>
+                                </p:cTn>
+                              </p:par>
+                            </p:childTnLst>
+                          </p:cTn>
+                        </p:par>
+                      </p:childTnLst>
+                    </p:cTn>
+                  </p:par>
+                  <p:par>
+                    <p:cTn id="7" fill="hold">
+                      <p:stCondLst>
+                        <p:cond delay="indefinite"/>
+                      </p:stCondLst>
+                      <p:childTnLst>
+                        <p:par>
+                          <p:cTn id="8" fill="hold">
+                            <p:stCondLst>
+                              <p:cond delay="0"/>
+                            </p:stCondLst>
+                            <p:childTnLst>
+                              <p:par>
+                                <p:cTn id="9" presetID="1" presetClass="entr" presetSubtype="0" fill="hold" nodeType="clickEffect">
+                                  <p:stCondLst>
+                                    <p:cond delay="0"/>
+                                  </p:stCondLst>
+                                  <p:childTnLst>
+                                    <p:set>
+                                      <p:cBhvr>
+                                        <p:cTn id="10" dur="1" fill="hold">
+                                          <p:stCondLst>
+                                            <p:cond delay="0"/>
+                                          </p:stCondLst>
+                                        </p:cTn>
+                                        <p:tgtEl>
+                                          <p:spTgt spid="3">
+                                            <p:txEl>
+                                              <p:pRg st="5" end="5"/>
+                                            </p:txEl>
+                                          </p:spTgt>
+                                        </p:tgtEl>
+                                        <p:attrNameLst>
+                                          <p:attrName>style.visibility</p:attrName>
+                                        </p:attrNameLst>
+                                      </p:cBhvr>
+                                      <p:to>
+                                        <p:strVal val="visible"/>
+                                      </p:to>
+                                    </p:set>
+                                  </p:childTnLst>
+                                </p:cTn>
+                              </p:par>
+                            </p:childTnLst>
+                          </p:cTn>
+                        </p:par>
+                      </p:childTnLst>
+                    </p:cTn>
+                  </p:par>
+                  <p:par>
+                    <p:cTn id="11" fill="hold">
+                      <p:stCondLst>
+                        <p:cond delay="indefinite"/>
+                      </p:stCondLst>
+                      <p:childTnLst>
+                        <p:par>
+                          <p:cTn id="12" fill="hold">
+                            <p:stCondLst>
+                              <p:cond delay="0"/>
+                            </p:stCondLst>
+                            <p:childTnLst>
+                              <p:par>
+                                <p:cTn id="13" presetID="1" presetClass="entr" presetSubtype="0" fill="hold" nodeType="clickEffect">
+                                  <p:stCondLst>
+                                    <p:cond delay="0"/>
+                                  </p:stCondLst>
+                                  <p:childTnLst>
+                                    <p:set>
+                                      <p:cBhvr>
+                                        <p:cTn id="14" dur="1" fill="hold">
+                                          <p:stCondLst>
+                                            <p:cond delay="0"/>
+                                          </p:stCondLst>
+                                        </p:cTn>
+                                        <p:tgtEl>
+                                          <p:spTgt spid="3">
+                                            <p:txEl>
+                                              <p:pRg st="7" end="7"/>
+                                            </p:txEl>
+                                          </p:spTgt>
+                                        </p:tgtEl>
+                                        <p:attrNameLst>
+                                          <p:attrName>style.visibility</p:attrName>
+                                        </p:attrNameLst>
+                                      </p:cBhvr>
+                                      <p:to>
+                                        <p:strVal val="visible"/>
+                                      </p:to>
+                                    </p:set>
+                                  </p:childTnLst>
+                                </p:cTn>
+                              </p:par>
+                            </p:childTnLst>
+                          </p:cTn>
+                        </p:par>
+                      </p:childTnLst>
+                    </p:cTn>
+                  </p:par>
+                  <p:par>
+                    <p:cTn id="15" fill="hold">
+                      <p:stCondLst>
+                        <p:cond delay="indefinite"/>
+                      </p:stCondLst>
+                      <p:childTnLst>
+                        <p:par>
+                          <p:cTn id="16" fill="hold">
+                            <p:stCondLst>
+                              <p:cond delay="0"/>
+                            </p:stCondLst>
+                            <p:childTnLst>
+                              <p:par>
+                                <p:cTn id="17" presetID="1" presetClass="entr" presetSubtype="0" fill="hold" nodeType="clickEffect">
+                                  <p:stCondLst>
+                                    <p:cond delay="0"/>
+                                  </p:stCondLst>
+                                  <p:childTnLst>
+                                    <p:set>
+                                      <p:cBhvr>
+                                        <p:cTn id="18" dur="1" fill="hold">
+                                          <p:stCondLst>
+                                            <p:cond delay="0"/>
+                                          </p:stCondLst>
+                                        </p:cTn>
+                                        <p:tgtEl>
+                                          <p:spTgt spid="3">
+                                            <p:txEl>
+                                              <p:pRg st="9" end="9"/>
+                                            </p:txEl>
+                                          </p:spTgt>
+                                        </p:tgtEl>
+                                        <p:attrNameLst>
+                                          <p:attrName>style.visibility</p:attrName>
+                                        </p:attrNameLst>
+                                      </p:cBhvr>
+                                      <p:to>
+                                        <p:strVal val="visible"/>
+                                      </p:to>
+                                    </p:set>
+                                  </p:childTnLst>
+                                </p:cTn>
+                              </p:par>
+                            </p:childTnLst>
+                          </p:cTn>
+                        </p:par>
+                      </p:childTnLst>
+                    </p:cTn>
+                  </p:par>
+                </p:childTnLst>
+              </p:cTn>
+              <p:prevCondLst>
+                <p:cond evt="onPrev" delay="0">
+                  <p:tgtEl>
+                    <p:sldTgt/>
+                  </p:tgtEl>
+                </p:cond>
+              </p:prevCondLst>
+              <p:nextCondLst>
+                <p:cond evt="onNext" delay="0">
+                  <p:tgtEl>
+                    <p:sldTgt/>
+                  </p:tgtEl>
+                </p:cond>
+              </p:nextCondLst>
+            </p:seq>
+          </p:childTnLst>
+        </p:cTn>
+      </p:par>
+    </p:tnLst>
+  </p:timing>
+</p:sld>
+</file>
+
+<file path=ppt/slides/slide12.xml><?xml version="1.0" encoding="utf-8"?>
+<p:sld xmlns:a="http://schemas.openxmlformats.org/drawingml/2006/main" xmlns:r="http://schemas.openxmlformats.org/officeDocument/2006/relationships" xmlns:p="http://schemas.openxmlformats.org/presentationml/2006/main">
+  <p:cSld>
+    <p:spTree>
+      <p:nvGrpSpPr>
+        <p:cNvPr id="1" name=""/>
+        <p:cNvGrpSpPr/>
+        <p:nvPr/>
+      </p:nvGrpSpPr>
+      <p:grpSpPr>
+        <a:xfrm>
+          <a:off x="0" y="0"/>
+          <a:ext cx="0" cy="0"/>
+          <a:chOff x="0" y="0"/>
+          <a:chExt cx="0" cy="0"/>
+        </a:xfrm>
+      </p:grpSpPr>
+      <p:sp>
+        <p:nvSpPr>
+          <p:cNvPr id="2" name="Title 1">
+            <a:extLst>
+              <a:ext uri="{FF2B5EF4-FFF2-40B4-BE49-F238E27FC236}">
+                <a16:creationId xmlns:a16="http://schemas.microsoft.com/office/drawing/2014/main" id="{039CEBF4-9F49-4895-1296-148445D22FB3}"/>
+              </a:ext>
+            </a:extLst>
+          </p:cNvPr>
+          <p:cNvSpPr>
+            <a:spLocks noGrp="1"/>
+          </p:cNvSpPr>
+          <p:nvPr>
+            <p:ph type="title"/>
+          </p:nvPr>
+        </p:nvSpPr>
+        <p:spPr/>
+        <p:txBody>
+          <a:bodyPr/>
+          <a:lstStyle/>
+          <a:p>
+            <a:r>
+              <a:rPr lang="en-US" dirty="0"/>
+              <a:t>Finding 1</a:t>
+            </a:r>
+          </a:p>
+        </p:txBody>
+      </p:sp>
+      <mc:AlternateContent xmlns:mc="http://schemas.openxmlformats.org/markup-compatibility/2006" xmlns:a14="http://schemas.microsoft.com/office/drawing/2010/main">
+        <mc:Choice Requires="a14">
+          <p:sp>
+            <p:nvSpPr>
+              <p:cNvPr id="3" name="Content Placeholder 2">
+                <a:extLst>
+                  <a:ext uri="{FF2B5EF4-FFF2-40B4-BE49-F238E27FC236}">
+                    <a16:creationId xmlns:a16="http://schemas.microsoft.com/office/drawing/2014/main" id="{0ED337AA-35E6-57D0-117B-5B6E7CCB341F}"/>
+                  </a:ext>
+                </a:extLst>
+              </p:cNvPr>
+              <p:cNvSpPr>
+                <a:spLocks noGrp="1"/>
+              </p:cNvSpPr>
+              <p:nvPr>
+                <p:ph idx="1"/>
+              </p:nvPr>
+            </p:nvSpPr>
+            <p:spPr/>
+            <p:txBody>
+              <a:bodyPr/>
+              <a:lstStyle/>
+              <a:p>
+                <a:pPr>
+                  <a:buFont typeface="Wingdings" panose="05000000000000000000" pitchFamily="2" charset="2"/>
+                  <a:buChar char="Ø"/>
+                </a:pPr>
+                <a:r>
+                  <a:rPr lang="en-US" dirty="0"/>
+                  <a:t> Quantum Mutual Information:</a:t>
+                </a:r>
+              </a:p>
+              <a:p>
+                <a:pPr marL="0" indent="0">
+                  <a:buNone/>
+                </a:pPr>
+                <a14:m>
+                  <m:oMathPara xmlns:m="http://schemas.openxmlformats.org/officeDocument/2006/math">
+                    <m:oMathParaPr>
+                      <m:jc m:val="centerGroup"/>
+                    </m:oMathParaPr>
+                    <m:oMath xmlns:m="http://schemas.openxmlformats.org/officeDocument/2006/math">
+                      <m:r>
+                        <a:rPr lang="en-US" b="0" i="1" smtClean="0">
+                          <a:latin typeface="Cambria Math" panose="02040503050406030204" pitchFamily="18" charset="0"/>
+                        </a:rPr>
+                        <m:t>𝐼</m:t>
+                      </m:r>
+                      <m:d>
+                        <m:dPr>
+                          <m:ctrlPr>
+                            <a:rPr lang="en-US" b="0" i="1" smtClean="0">
+                              <a:latin typeface="Cambria Math" panose="02040503050406030204" pitchFamily="18" charset="0"/>
+                            </a:rPr>
+                          </m:ctrlPr>
+                        </m:dPr>
+                        <m:e>
+                          <m:r>
+                            <a:rPr lang="en-US" b="0" i="1" smtClean="0">
+                              <a:latin typeface="Cambria Math" panose="02040503050406030204" pitchFamily="18" charset="0"/>
+                            </a:rPr>
+                            <m:t>𝐴</m:t>
+                          </m:r>
+                          <m:r>
+                            <a:rPr lang="en-US" b="0" i="1" smtClean="0">
+                              <a:latin typeface="Cambria Math" panose="02040503050406030204" pitchFamily="18" charset="0"/>
+                            </a:rPr>
+                            <m:t>:</m:t>
+                          </m:r>
+                          <m:r>
+                            <a:rPr lang="en-US" b="0" i="1" smtClean="0">
+                              <a:latin typeface="Cambria Math" panose="02040503050406030204" pitchFamily="18" charset="0"/>
+                            </a:rPr>
+                            <m:t>𝐵</m:t>
+                          </m:r>
+                        </m:e>
+                      </m:d>
+                      <m:r>
+                        <a:rPr lang="en-US" b="0" i="1" smtClean="0">
+                          <a:latin typeface="Cambria Math" panose="02040503050406030204" pitchFamily="18" charset="0"/>
+                        </a:rPr>
+                        <m:t>=</m:t>
+                      </m:r>
+                      <m:r>
+                        <a:rPr lang="en-US" b="0" i="1" smtClean="0">
+                          <a:latin typeface="Cambria Math" panose="02040503050406030204" pitchFamily="18" charset="0"/>
+                        </a:rPr>
+                        <m:t>𝑆</m:t>
+                      </m:r>
+                      <m:d>
+                        <m:dPr>
+                          <m:ctrlPr>
+                            <a:rPr lang="en-US" b="0" i="1" smtClean="0">
+                              <a:latin typeface="Cambria Math" panose="02040503050406030204" pitchFamily="18" charset="0"/>
+                            </a:rPr>
+                          </m:ctrlPr>
+                        </m:dPr>
+                        <m:e>
+                          <m:sSub>
+                            <m:sSubPr>
+                              <m:ctrlPr>
+                                <a:rPr lang="en-US" b="0" i="1" smtClean="0">
+                                  <a:latin typeface="Cambria Math" panose="02040503050406030204" pitchFamily="18" charset="0"/>
+                                </a:rPr>
+                              </m:ctrlPr>
+                            </m:sSubPr>
+                            <m:e>
+                              <m:r>
+                                <a:rPr lang="en-US" b="0" i="1" smtClean="0">
+                                  <a:latin typeface="Cambria Math" panose="02040503050406030204" pitchFamily="18" charset="0"/>
+                                </a:rPr>
+                                <m:t>𝜌</m:t>
+                              </m:r>
+                            </m:e>
+                            <m:sub>
+                              <m:r>
+                                <a:rPr lang="en-US" b="0" i="1" smtClean="0">
+                                  <a:latin typeface="Cambria Math" panose="02040503050406030204" pitchFamily="18" charset="0"/>
+                                </a:rPr>
+                                <m:t>𝐴</m:t>
+                              </m:r>
+                            </m:sub>
+                          </m:sSub>
+                        </m:e>
+                      </m:d>
+                      <m:r>
+                        <a:rPr lang="en-US" b="0" i="1" smtClean="0">
+                          <a:latin typeface="Cambria Math" panose="02040503050406030204" pitchFamily="18" charset="0"/>
+                        </a:rPr>
+                        <m:t>+</m:t>
+                      </m:r>
+                      <m:r>
+                        <a:rPr lang="en-US" b="0" i="1" smtClean="0">
+                          <a:latin typeface="Cambria Math" panose="02040503050406030204" pitchFamily="18" charset="0"/>
+                        </a:rPr>
+                        <m:t>𝑆</m:t>
+                      </m:r>
+                      <m:d>
+                        <m:dPr>
+                          <m:ctrlPr>
+                            <a:rPr lang="en-US" b="0" i="1" smtClean="0">
+                              <a:latin typeface="Cambria Math" panose="02040503050406030204" pitchFamily="18" charset="0"/>
+                            </a:rPr>
+                          </m:ctrlPr>
+                        </m:dPr>
+                        <m:e>
+                          <m:sSub>
+                            <m:sSubPr>
+                              <m:ctrlPr>
+                                <a:rPr lang="en-US" b="0" i="1" smtClean="0">
+                                  <a:latin typeface="Cambria Math" panose="02040503050406030204" pitchFamily="18" charset="0"/>
+                                </a:rPr>
+                              </m:ctrlPr>
+                            </m:sSubPr>
+                            <m:e>
+                              <m:r>
+                                <a:rPr lang="en-US" b="0" i="1" smtClean="0">
+                                  <a:latin typeface="Cambria Math" panose="02040503050406030204" pitchFamily="18" charset="0"/>
+                                </a:rPr>
+                                <m:t>𝜌</m:t>
+                              </m:r>
+                            </m:e>
+                            <m:sub>
+                              <m:r>
+                                <a:rPr lang="en-US" b="0" i="1" smtClean="0">
+                                  <a:latin typeface="Cambria Math" panose="02040503050406030204" pitchFamily="18" charset="0"/>
+                                </a:rPr>
+                                <m:t>𝐵</m:t>
+                              </m:r>
+                            </m:sub>
+                          </m:sSub>
+                        </m:e>
+                      </m:d>
+                      <m:r>
+                        <a:rPr lang="en-US" b="0" i="1" smtClean="0">
+                          <a:latin typeface="Cambria Math" panose="02040503050406030204" pitchFamily="18" charset="0"/>
+                        </a:rPr>
+                        <m:t> −</m:t>
+                      </m:r>
+                      <m:r>
+                        <a:rPr lang="en-US" b="0" i="1" smtClean="0">
+                          <a:latin typeface="Cambria Math" panose="02040503050406030204" pitchFamily="18" charset="0"/>
+                        </a:rPr>
+                        <m:t>𝑆</m:t>
+                      </m:r>
+                      <m:d>
+                        <m:dPr>
+                          <m:ctrlPr>
+                            <a:rPr lang="en-US" b="0" i="1" smtClean="0">
+                              <a:latin typeface="Cambria Math" panose="02040503050406030204" pitchFamily="18" charset="0"/>
+                            </a:rPr>
+                          </m:ctrlPr>
+                        </m:dPr>
+                        <m:e>
+                          <m:sSub>
+                            <m:sSubPr>
+                              <m:ctrlPr>
+                                <a:rPr lang="en-US" b="0" i="1" smtClean="0">
+                                  <a:latin typeface="Cambria Math" panose="02040503050406030204" pitchFamily="18" charset="0"/>
+                                </a:rPr>
+                              </m:ctrlPr>
+                            </m:sSubPr>
+                            <m:e>
+                              <m:r>
+                                <a:rPr lang="en-US" b="0" i="1" smtClean="0">
+                                  <a:latin typeface="Cambria Math" panose="02040503050406030204" pitchFamily="18" charset="0"/>
+                                </a:rPr>
+                                <m:t>𝜌</m:t>
+                              </m:r>
+                            </m:e>
+                            <m:sub>
+                              <m:r>
+                                <a:rPr lang="en-US" b="0" i="1" smtClean="0">
+                                  <a:latin typeface="Cambria Math" panose="02040503050406030204" pitchFamily="18" charset="0"/>
+                                </a:rPr>
+                                <m:t>𝐴𝐵</m:t>
+                              </m:r>
+                            </m:sub>
+                          </m:sSub>
+                        </m:e>
+                      </m:d>
+                    </m:oMath>
+                  </m:oMathPara>
+                </a14:m>
+                <a:endParaRPr lang="en-US" b="0" dirty="0"/>
+              </a:p>
+              <a:p>
+                <a:pPr marL="0" indent="0">
+                  <a:buNone/>
+                </a:pPr>
+                <a:r>
+                  <a:rPr lang="en-US" dirty="0"/>
+                  <a:t>S is Von Neumann Entropy </a:t>
+                </a:r>
+              </a:p>
+              <a:p>
+                <a:pPr marL="0" indent="0">
+                  <a:buNone/>
+                </a:pPr>
+                <a:endParaRPr lang="en-US" dirty="0"/>
+              </a:p>
+              <a:p>
+                <a:pPr>
+                  <a:buFont typeface="Wingdings" panose="05000000000000000000" pitchFamily="2" charset="2"/>
+                  <a:buChar char="Ø"/>
+                </a:pPr>
+                <a:r>
+                  <a:rPr lang="en-US" dirty="0"/>
+                  <a:t> Classical Mutual Information:</a:t>
+                </a:r>
+              </a:p>
+              <a:p>
+                <a:pPr marL="0" indent="0">
+                  <a:buNone/>
+                </a:pPr>
+                <a14:m>
+                  <m:oMathPara xmlns:m="http://schemas.openxmlformats.org/officeDocument/2006/math">
+                    <m:oMathParaPr>
+                      <m:jc m:val="centerGroup"/>
+                    </m:oMathParaPr>
+                    <m:oMath xmlns:m="http://schemas.openxmlformats.org/officeDocument/2006/math">
+                      <m:r>
+                        <a:rPr lang="en-US" b="0" i="1" smtClean="0">
+                          <a:latin typeface="Cambria Math" panose="02040503050406030204" pitchFamily="18" charset="0"/>
+                        </a:rPr>
+                        <m:t>𝐽</m:t>
+                      </m:r>
+                      <m:d>
+                        <m:dPr>
+                          <m:ctrlPr>
+                            <a:rPr lang="en-US" b="0" i="1" smtClean="0">
+                              <a:latin typeface="Cambria Math" panose="02040503050406030204" pitchFamily="18" charset="0"/>
+                            </a:rPr>
+                          </m:ctrlPr>
+                        </m:dPr>
+                        <m:e>
+                          <m:r>
+                            <a:rPr lang="en-US" b="0" i="1" smtClean="0">
+                              <a:latin typeface="Cambria Math" panose="02040503050406030204" pitchFamily="18" charset="0"/>
+                            </a:rPr>
+                            <m:t>𝐴</m:t>
+                          </m:r>
+                          <m:r>
+                            <a:rPr lang="en-US" b="0" i="1" smtClean="0">
+                              <a:latin typeface="Cambria Math" panose="02040503050406030204" pitchFamily="18" charset="0"/>
+                            </a:rPr>
+                            <m:t>:</m:t>
+                          </m:r>
+                          <m:r>
+                            <a:rPr lang="en-US" b="0" i="1" smtClean="0">
+                              <a:latin typeface="Cambria Math" panose="02040503050406030204" pitchFamily="18" charset="0"/>
+                            </a:rPr>
+                            <m:t>𝐵</m:t>
+                          </m:r>
+                        </m:e>
+                      </m:d>
+                      <m:r>
+                        <a:rPr lang="en-US" b="0" i="1" smtClean="0">
+                          <a:latin typeface="Cambria Math" panose="02040503050406030204" pitchFamily="18" charset="0"/>
+                        </a:rPr>
+                        <m:t>=</m:t>
+                      </m:r>
+                      <m:r>
+                        <a:rPr lang="en-US" i="1">
+                          <a:latin typeface="Cambria Math" panose="02040503050406030204" pitchFamily="18" charset="0"/>
+                        </a:rPr>
+                        <m:t>𝑆</m:t>
+                      </m:r>
+                      <m:d>
+                        <m:dPr>
+                          <m:ctrlPr>
+                            <a:rPr lang="en-US" i="1">
+                              <a:latin typeface="Cambria Math" panose="02040503050406030204" pitchFamily="18" charset="0"/>
+                            </a:rPr>
+                          </m:ctrlPr>
+                        </m:dPr>
+                        <m:e>
+                          <m:sSub>
+                            <m:sSubPr>
+                              <m:ctrlPr>
+                                <a:rPr lang="en-US" i="1">
+                                  <a:latin typeface="Cambria Math" panose="02040503050406030204" pitchFamily="18" charset="0"/>
+                                </a:rPr>
+                              </m:ctrlPr>
+                            </m:sSubPr>
+                            <m:e>
+                              <m:r>
+                                <a:rPr lang="en-US" i="1">
+                                  <a:latin typeface="Cambria Math" panose="02040503050406030204" pitchFamily="18" charset="0"/>
+                                </a:rPr>
+                                <m:t>𝜌</m:t>
+                              </m:r>
+                            </m:e>
+                            <m:sub>
+                              <m:r>
+                                <a:rPr lang="en-US" i="1">
+                                  <a:latin typeface="Cambria Math" panose="02040503050406030204" pitchFamily="18" charset="0"/>
+                                </a:rPr>
+                                <m:t>𝐵</m:t>
+                              </m:r>
+                            </m:sub>
+                          </m:sSub>
+                        </m:e>
+                      </m:d>
+                      <m:r>
+                        <a:rPr lang="en-US" i="1">
+                          <a:latin typeface="Cambria Math" panose="02040503050406030204" pitchFamily="18" charset="0"/>
+                        </a:rPr>
+                        <m:t> −</m:t>
+                      </m:r>
+                      <m:r>
+                        <a:rPr lang="en-US" i="1">
+                          <a:latin typeface="Cambria Math" panose="02040503050406030204" pitchFamily="18" charset="0"/>
+                        </a:rPr>
+                        <m:t>𝑆</m:t>
+                      </m:r>
+                      <m:d>
+                        <m:dPr>
+                          <m:ctrlPr>
+                            <a:rPr lang="en-US" i="1">
+                              <a:latin typeface="Cambria Math" panose="02040503050406030204" pitchFamily="18" charset="0"/>
+                            </a:rPr>
+                          </m:ctrlPr>
+                        </m:dPr>
+                        <m:e>
+                          <m:sSub>
+                            <m:sSubPr>
+                              <m:ctrlPr>
+                                <a:rPr lang="en-US" i="1">
+                                  <a:latin typeface="Cambria Math" panose="02040503050406030204" pitchFamily="18" charset="0"/>
+                                </a:rPr>
+                              </m:ctrlPr>
+                            </m:sSubPr>
+                            <m:e>
+                              <m:r>
+                                <a:rPr lang="en-US" i="1">
+                                  <a:latin typeface="Cambria Math" panose="02040503050406030204" pitchFamily="18" charset="0"/>
+                                </a:rPr>
+                                <m:t>𝜌</m:t>
+                              </m:r>
+                            </m:e>
+                            <m:sub>
+                              <m:r>
+                                <a:rPr lang="en-US" i="1">
+                                  <a:latin typeface="Cambria Math" panose="02040503050406030204" pitchFamily="18" charset="0"/>
+                                </a:rPr>
+                                <m:t>𝐵</m:t>
+                              </m:r>
+                            </m:sub>
+                          </m:sSub>
+                        </m:e>
+                        <m:e>
+                          <m:r>
+                            <a:rPr lang="en-US" b="0" i="1" smtClean="0">
+                              <a:latin typeface="Cambria Math" panose="02040503050406030204" pitchFamily="18" charset="0"/>
+                            </a:rPr>
+                            <m:t>𝐴</m:t>
+                          </m:r>
+                        </m:e>
+                      </m:d>
+                    </m:oMath>
+                  </m:oMathPara>
+                </a14:m>
+                <a:endParaRPr lang="en-US" dirty="0"/>
+              </a:p>
+              <a:p>
+                <a:pPr marL="0" indent="0">
+                  <a:buNone/>
+                </a:pPr>
+                <a:endParaRPr lang="en-US" dirty="0"/>
+              </a:p>
+              <a:p>
+                <a:pPr>
+                  <a:buFont typeface="Wingdings" panose="05000000000000000000" pitchFamily="2" charset="2"/>
+                  <a:buChar char="Ø"/>
+                </a:pPr>
+                <a:r>
+                  <a:rPr lang="en-US" dirty="0"/>
+                  <a:t> Now </a:t>
+                </a:r>
+                <a14:m>
+                  <m:oMath xmlns:m="http://schemas.openxmlformats.org/officeDocument/2006/math">
+                    <m:r>
+                      <a:rPr lang="en-US" i="1" smtClean="0">
+                        <a:latin typeface="Cambria Math" panose="02040503050406030204" pitchFamily="18" charset="0"/>
+                      </a:rPr>
+                      <m:t>𝑆</m:t>
+                    </m:r>
+                    <m:d>
+                      <m:dPr>
+                        <m:ctrlPr>
+                          <a:rPr lang="en-US" i="1" smtClean="0">
+                            <a:latin typeface="Cambria Math" panose="02040503050406030204" pitchFamily="18" charset="0"/>
+                          </a:rPr>
+                        </m:ctrlPr>
+                      </m:dPr>
+                      <m:e>
+                        <m:sSub>
+                          <m:sSubPr>
+                            <m:ctrlPr>
+                              <a:rPr lang="en-US" i="1">
+                                <a:latin typeface="Cambria Math" panose="02040503050406030204" pitchFamily="18" charset="0"/>
+                              </a:rPr>
+                            </m:ctrlPr>
+                          </m:sSubPr>
+                          <m:e>
+                            <m:r>
+                              <a:rPr lang="en-US" i="1">
+                                <a:latin typeface="Cambria Math" panose="02040503050406030204" pitchFamily="18" charset="0"/>
+                              </a:rPr>
+                              <m:t>𝜌</m:t>
+                            </m:r>
+                          </m:e>
+                          <m:sub>
+                            <m:r>
+                              <a:rPr lang="en-US" i="1">
+                                <a:latin typeface="Cambria Math" panose="02040503050406030204" pitchFamily="18" charset="0"/>
+                              </a:rPr>
+                              <m:t>𝐵</m:t>
+                            </m:r>
+                          </m:sub>
+                        </m:sSub>
+                      </m:e>
+                      <m:e>
+                        <m:r>
+                          <a:rPr lang="en-US" b="0" i="1" smtClean="0">
+                            <a:latin typeface="Cambria Math" panose="02040503050406030204" pitchFamily="18" charset="0"/>
+                          </a:rPr>
+                          <m:t>𝐴</m:t>
+                        </m:r>
+                      </m:e>
+                    </m:d>
+                    <m:r>
+                      <a:rPr lang="en-US" b="0" i="0" smtClean="0">
+                        <a:latin typeface="Cambria Math" panose="02040503050406030204" pitchFamily="18" charset="0"/>
+                      </a:rPr>
+                      <m:t>=</m:t>
+                    </m:r>
+                    <m:limLow>
+                      <m:limLowPr>
+                        <m:ctrlPr>
+                          <a:rPr lang="en-US" b="0" i="1" smtClean="0">
+                            <a:latin typeface="Cambria Math" panose="02040503050406030204" pitchFamily="18" charset="0"/>
+                          </a:rPr>
+                        </m:ctrlPr>
+                      </m:limLowPr>
+                      <m:e>
+                        <m:r>
+                          <m:rPr>
+                            <m:sty m:val="p"/>
+                          </m:rPr>
+                          <a:rPr lang="en-US" b="0" i="0" smtClean="0">
+                            <a:latin typeface="Cambria Math" panose="02040503050406030204" pitchFamily="18" charset="0"/>
+                          </a:rPr>
+                          <m:t>min</m:t>
+                        </m:r>
+                      </m:e>
+                      <m:lim>
+                        <m:d>
+                          <m:dPr>
+                            <m:begChr m:val="{"/>
+                            <m:endChr m:val="}"/>
+                            <m:ctrlPr>
+                              <a:rPr lang="en-US" b="0" i="1" smtClean="0">
+                                <a:latin typeface="Cambria Math" panose="02040503050406030204" pitchFamily="18" charset="0"/>
+                              </a:rPr>
+                            </m:ctrlPr>
+                          </m:dPr>
+                          <m:e>
+                            <m:sSub>
+                              <m:sSubPr>
+                                <m:ctrlPr>
+                                  <a:rPr lang="en-US" b="0" i="1" smtClean="0">
+                                    <a:latin typeface="Cambria Math" panose="02040503050406030204" pitchFamily="18" charset="0"/>
+                                  </a:rPr>
+                                </m:ctrlPr>
+                              </m:sSubPr>
+                              <m:e>
+                                <m:r>
+                                  <m:rPr>
+                                    <m:sty m:val="p"/>
+                                  </m:rPr>
+                                  <a:rPr lang="en-US" b="0" i="0" smtClean="0">
+                                    <a:latin typeface="Cambria Math" panose="02040503050406030204" pitchFamily="18" charset="0"/>
+                                  </a:rPr>
+                                  <m:t>A</m:t>
+                                </m:r>
+                              </m:e>
+                              <m:sub>
+                                <m:r>
+                                  <m:rPr>
+                                    <m:sty m:val="p"/>
+                                  </m:rPr>
+                                  <a:rPr lang="en-US" b="0" i="0" smtClean="0">
+                                    <a:latin typeface="Cambria Math" panose="02040503050406030204" pitchFamily="18" charset="0"/>
+                                  </a:rPr>
+                                  <m:t>k</m:t>
+                                </m:r>
+                              </m:sub>
+                            </m:sSub>
+                          </m:e>
+                        </m:d>
+                      </m:lim>
+                    </m:limLow>
+                    <m:r>
+                      <a:rPr lang="en-US" b="0" i="0" smtClean="0">
+                        <a:latin typeface="Cambria Math" panose="02040503050406030204" pitchFamily="18" charset="0"/>
+                      </a:rPr>
+                      <m:t> </m:t>
+                    </m:r>
+                    <m:nary>
+                      <m:naryPr>
+                        <m:chr m:val="∑"/>
+                        <m:supHide m:val="on"/>
+                        <m:ctrlPr>
+                          <a:rPr lang="en-US" b="0" i="1" smtClean="0">
+                            <a:latin typeface="Cambria Math" panose="02040503050406030204" pitchFamily="18" charset="0"/>
+                          </a:rPr>
+                        </m:ctrlPr>
+                      </m:naryPr>
+                      <m:sub>
+                        <m:r>
+                          <a:rPr lang="en-US" b="0" i="1" smtClean="0">
+                            <a:latin typeface="Cambria Math" panose="02040503050406030204" pitchFamily="18" charset="0"/>
+                          </a:rPr>
+                          <m:t>𝑘</m:t>
+                        </m:r>
+                      </m:sub>
+                      <m:sup/>
+                      <m:e>
+                        <m:sSub>
+                          <m:sSubPr>
+                            <m:ctrlPr>
+                              <a:rPr lang="en-US" b="0" i="1" smtClean="0">
+                                <a:latin typeface="Cambria Math" panose="02040503050406030204" pitchFamily="18" charset="0"/>
+                              </a:rPr>
+                            </m:ctrlPr>
+                          </m:sSubPr>
+                          <m:e>
+                            <m:r>
+                              <a:rPr lang="en-US" b="0" i="1" smtClean="0">
+                                <a:latin typeface="Cambria Math" panose="02040503050406030204" pitchFamily="18" charset="0"/>
+                              </a:rPr>
+                              <m:t>𝑝</m:t>
+                            </m:r>
+                          </m:e>
+                          <m:sub>
+                            <m:r>
+                              <a:rPr lang="en-US" b="0" i="1" smtClean="0">
+                                <a:latin typeface="Cambria Math" panose="02040503050406030204" pitchFamily="18" charset="0"/>
+                              </a:rPr>
+                              <m:t>𝑘</m:t>
+                            </m:r>
+                          </m:sub>
+                        </m:sSub>
+                        <m:r>
+                          <a:rPr lang="en-US" b="0" i="1" smtClean="0">
+                            <a:latin typeface="Cambria Math" panose="02040503050406030204" pitchFamily="18" charset="0"/>
+                          </a:rPr>
+                          <m:t>𝑆</m:t>
+                        </m:r>
+                        <m:r>
+                          <a:rPr lang="en-US" b="0" i="1" smtClean="0">
+                            <a:latin typeface="Cambria Math" panose="02040503050406030204" pitchFamily="18" charset="0"/>
+                          </a:rPr>
+                          <m:t>(</m:t>
+                        </m:r>
+                        <m:sSubSup>
+                          <m:sSubSupPr>
+                            <m:ctrlPr>
+                              <a:rPr lang="en-US" b="0" i="1" smtClean="0">
+                                <a:latin typeface="Cambria Math" panose="02040503050406030204" pitchFamily="18" charset="0"/>
+                              </a:rPr>
+                            </m:ctrlPr>
+                          </m:sSubSupPr>
+                          <m:e>
+                            <m:r>
+                              <a:rPr lang="en-US" b="0" i="1" smtClean="0">
+                                <a:latin typeface="Cambria Math" panose="02040503050406030204" pitchFamily="18" charset="0"/>
+                              </a:rPr>
+                              <m:t>𝜌</m:t>
+                            </m:r>
+                          </m:e>
+                          <m:sub>
+                            <m:r>
+                              <a:rPr lang="en-US" b="0" i="1" smtClean="0">
+                                <a:latin typeface="Cambria Math" panose="02040503050406030204" pitchFamily="18" charset="0"/>
+                              </a:rPr>
+                              <m:t>𝐵</m:t>
+                            </m:r>
+                          </m:sub>
+                          <m:sup>
+                            <m:r>
+                              <a:rPr lang="en-US" b="0" i="1" smtClean="0">
+                                <a:latin typeface="Cambria Math" panose="02040503050406030204" pitchFamily="18" charset="0"/>
+                              </a:rPr>
+                              <m:t>𝑘</m:t>
+                            </m:r>
+                          </m:sup>
+                        </m:sSubSup>
+                        <m:r>
+                          <a:rPr lang="en-US" b="0" i="1" smtClean="0">
+                            <a:latin typeface="Cambria Math" panose="02040503050406030204" pitchFamily="18" charset="0"/>
+                          </a:rPr>
+                          <m:t>|</m:t>
+                        </m:r>
+                        <m:sSub>
+                          <m:sSubPr>
+                            <m:ctrlPr>
+                              <a:rPr lang="en-US" b="0" i="1" smtClean="0">
+                                <a:latin typeface="Cambria Math" panose="02040503050406030204" pitchFamily="18" charset="0"/>
+                              </a:rPr>
+                            </m:ctrlPr>
+                          </m:sSubPr>
+                          <m:e>
+                            <m:r>
+                              <a:rPr lang="en-US" b="0" i="1" smtClean="0">
+                                <a:latin typeface="Cambria Math" panose="02040503050406030204" pitchFamily="18" charset="0"/>
+                              </a:rPr>
+                              <m:t>𝐴</m:t>
+                            </m:r>
+                          </m:e>
+                          <m:sub>
+                            <m:r>
+                              <a:rPr lang="en-US" b="0" i="1" smtClean="0">
+                                <a:latin typeface="Cambria Math" panose="02040503050406030204" pitchFamily="18" charset="0"/>
+                              </a:rPr>
+                              <m:t>𝑘</m:t>
+                            </m:r>
+                          </m:sub>
+                        </m:sSub>
+                        <m:r>
+                          <a:rPr lang="en-US" b="0" i="1" smtClean="0">
+                            <a:latin typeface="Cambria Math" panose="02040503050406030204" pitchFamily="18" charset="0"/>
+                          </a:rPr>
+                          <m:t>)</m:t>
+                        </m:r>
+                      </m:e>
+                    </m:nary>
+                  </m:oMath>
+                </a14:m>
+                <a:endParaRPr lang="en-US" b="0" i="1" dirty="0">
+                  <a:latin typeface="Cambria Math" panose="02040503050406030204" pitchFamily="18" charset="0"/>
+                </a:endParaRPr>
+              </a:p>
+              <a:p>
+                <a:pPr marL="0" indent="0">
+                  <a:buNone/>
+                </a:pPr>
+                <a14:m>
+                  <m:oMath xmlns:m="http://schemas.openxmlformats.org/officeDocument/2006/math">
+                    <m:sSub>
+                      <m:sSubPr>
+                        <m:ctrlPr>
+                          <a:rPr lang="en-US" b="0" i="1" smtClean="0">
+                            <a:latin typeface="Cambria Math" panose="02040503050406030204" pitchFamily="18" charset="0"/>
+                          </a:rPr>
+                        </m:ctrlPr>
+                      </m:sSubPr>
+                      <m:e>
+                        <m:r>
+                          <a:rPr lang="en-US" b="0" i="1" smtClean="0">
+                            <a:latin typeface="Cambria Math" panose="02040503050406030204" pitchFamily="18" charset="0"/>
+                          </a:rPr>
+                          <m:t>𝐴</m:t>
+                        </m:r>
+                      </m:e>
+                      <m:sub>
+                        <m:r>
+                          <a:rPr lang="en-US" b="0" i="1" smtClean="0">
+                            <a:latin typeface="Cambria Math" panose="02040503050406030204" pitchFamily="18" charset="0"/>
+                          </a:rPr>
+                          <m:t>𝑘</m:t>
+                        </m:r>
+                      </m:sub>
+                    </m:sSub>
+                  </m:oMath>
+                </a14:m>
+                <a:r>
+                  <a:rPr lang="en-US" dirty="0"/>
+                  <a:t>’s are measurement elements for A.</a:t>
+                </a:r>
+              </a:p>
+              <a:p>
+                <a:pPr>
+                  <a:buFont typeface="Wingdings" panose="05000000000000000000" pitchFamily="2" charset="2"/>
+                  <a:buChar char="Ø"/>
+                </a:pPr>
+                <a:endParaRPr lang="en-US" dirty="0"/>
+              </a:p>
+              <a:p>
+                <a:pPr marL="0" indent="0">
+                  <a:buNone/>
+                </a:pPr>
+                <a:endParaRPr lang="en-US" dirty="0"/>
+              </a:p>
+            </p:txBody>
+          </p:sp>
+        </mc:Choice>
+        <mc:Fallback xmlns="">
+          <p:sp>
+            <p:nvSpPr>
+              <p:cNvPr id="3" name="Content Placeholder 2">
+                <a:extLst>
+                  <a:ext uri="{FF2B5EF4-FFF2-40B4-BE49-F238E27FC236}">
+                    <a16:creationId xmlns:a16="http://schemas.microsoft.com/office/drawing/2014/main" id="{0ED337AA-35E6-57D0-117B-5B6E7CCB341F}"/>
+                  </a:ext>
+                </a:extLst>
+              </p:cNvPr>
+              <p:cNvSpPr>
+                <a:spLocks noGrp="1" noRot="1" noChangeAspect="1" noMove="1" noResize="1" noEditPoints="1" noAdjustHandles="1" noChangeArrowheads="1" noChangeShapeType="1" noTextEdit="1"/>
+              </p:cNvSpPr>
+              <p:nvPr>
+                <p:ph idx="1"/>
+              </p:nvPr>
+            </p:nvSpPr>
+            <p:spPr>
+              <a:blipFill>
+                <a:blip r:embed="rId2"/>
+                <a:stretch>
+                  <a:fillRect l="-823" t="-1568"/>
+                </a:stretch>
+              </a:blipFill>
+            </p:spPr>
+            <p:txBody>
+              <a:bodyPr/>
+              <a:lstStyle/>
+              <a:p>
+                <a:r>
+                  <a:rPr lang="en-US">
+                    <a:noFill/>
+                  </a:rPr>
+                  <a:t> </a:t>
+                </a:r>
+              </a:p>
+            </p:txBody>
+          </p:sp>
+        </mc:Fallback>
+      </mc:AlternateContent>
+      <p:sp>
+        <p:nvSpPr>
+          <p:cNvPr id="4" name="Footer Placeholder 3">
+            <a:extLst>
+              <a:ext uri="{FF2B5EF4-FFF2-40B4-BE49-F238E27FC236}">
+                <a16:creationId xmlns:a16="http://schemas.microsoft.com/office/drawing/2014/main" id="{01C397C1-4E2E-0610-44DF-79FCF25F8594}"/>
+              </a:ext>
+            </a:extLst>
+          </p:cNvPr>
+          <p:cNvSpPr>
+            <a:spLocks noGrp="1"/>
+          </p:cNvSpPr>
+          <p:nvPr>
+            <p:ph type="ftr" sz="quarter" idx="11"/>
+          </p:nvPr>
+        </p:nvSpPr>
+        <p:spPr/>
+        <p:txBody>
+          <a:bodyPr/>
+          <a:lstStyle/>
+          <a:p>
+            <a:r>
+              <a:rPr lang="en-US"/>
+              <a:t>All Rights Reserved</a:t>
+            </a:r>
+            <a:endParaRPr lang="en-US" dirty="0"/>
+          </a:p>
+        </p:txBody>
+      </p:sp>
+    </p:spTree>
+    <p:extLst>
+      <p:ext uri="{BB962C8B-B14F-4D97-AF65-F5344CB8AC3E}">
+        <p14:creationId xmlns:p14="http://schemas.microsoft.com/office/powerpoint/2010/main" val="489513884"/>
+      </p:ext>
+    </p:extLst>
+  </p:cSld>
+  <p:clrMapOvr>
+    <a:masterClrMapping/>
+  </p:clrMapOvr>
+</p:sld>
+</file>
+
+<file path=ppt/slides/slide13.xml><?xml version="1.0" encoding="utf-8"?>
 <p:sld xmlns:a="http://schemas.openxmlformats.org/drawingml/2006/main" xmlns:r="http://schemas.openxmlformats.org/officeDocument/2006/relationships" xmlns:p="http://schemas.openxmlformats.org/presentationml/2006/main">
   <p:cSld>
     <p:spTree>
@@ -8011,7 +10477,7 @@
 </p:sld>
 </file>
 
-<file path=ppt/slides/slide11.xml><?xml version="1.0" encoding="utf-8"?>
+<file path=ppt/slides/slide14.xml><?xml version="1.0" encoding="utf-8"?>
 <p:sld xmlns:a="http://schemas.openxmlformats.org/drawingml/2006/main" xmlns:r="http://schemas.openxmlformats.org/officeDocument/2006/relationships" xmlns:p="http://schemas.openxmlformats.org/presentationml/2006/main">
   <p:cSld>
     <p:spTree>
@@ -8064,8 +10530,8 @@
           </a:p>
         </p:txBody>
       </p:sp>
-      <mc:AlternateContent xmlns:mc="http://schemas.openxmlformats.org/markup-compatibility/2006">
-        <mc:Choice xmlns:a14="http://schemas.microsoft.com/office/drawing/2010/main" Requires="a14">
+      <mc:AlternateContent xmlns:mc="http://schemas.openxmlformats.org/markup-compatibility/2006" xmlns:a14="http://schemas.microsoft.com/office/drawing/2010/main">
+        <mc:Choice Requires="a14">
           <p:sp>
             <p:nvSpPr>
               <p:cNvPr id="3" name="Content Placeholder 2">
@@ -8617,7 +11083,7 @@
             </p:txBody>
           </p:sp>
         </mc:Choice>
-        <mc:Fallback>
+        <mc:Fallback xmlns="">
           <p:sp>
             <p:nvSpPr>
               <p:cNvPr id="3" name="Content Placeholder 2">
@@ -8707,7 +11173,7 @@
 </p:sld>
 </file>
 
-<file path=ppt/slides/slide12.xml><?xml version="1.0" encoding="utf-8"?>
+<file path=ppt/slides/slide15.xml><?xml version="1.0" encoding="utf-8"?>
 <p:sld xmlns:a="http://schemas.openxmlformats.org/drawingml/2006/main" xmlns:r="http://schemas.openxmlformats.org/officeDocument/2006/relationships" xmlns:p="http://schemas.openxmlformats.org/presentationml/2006/main">
   <p:cSld>
     <p:spTree>
@@ -8883,7 +11349,7 @@
 </p:sld>
 </file>
 
-<file path=ppt/slides/slide13.xml><?xml version="1.0" encoding="utf-8"?>
+<file path=ppt/slides/slide16.xml><?xml version="1.0" encoding="utf-8"?>
 <p:sld xmlns:a="http://schemas.openxmlformats.org/drawingml/2006/main" xmlns:r="http://schemas.openxmlformats.org/officeDocument/2006/relationships" xmlns:p="http://schemas.openxmlformats.org/presentationml/2006/main">
   <p:cSld>
     <p:spTree>
@@ -9049,7 +11515,7 @@
 </p:sld>
 </file>
 
-<file path=ppt/slides/slide14.xml><?xml version="1.0" encoding="utf-8"?>
+<file path=ppt/slides/slide17.xml><?xml version="1.0" encoding="utf-8"?>
 <p:sld xmlns:a="http://schemas.openxmlformats.org/drawingml/2006/main" xmlns:r="http://schemas.openxmlformats.org/officeDocument/2006/relationships" xmlns:p="http://schemas.openxmlformats.org/presentationml/2006/main">
   <p:cSld>
     <p:spTree>
@@ -9094,8 +11560,8 @@
           </a:p>
         </p:txBody>
       </p:sp>
-      <mc:AlternateContent xmlns:mc="http://schemas.openxmlformats.org/markup-compatibility/2006">
-        <mc:Choice xmlns:a14="http://schemas.microsoft.com/office/drawing/2010/main" Requires="a14">
+      <mc:AlternateContent xmlns:mc="http://schemas.openxmlformats.org/markup-compatibility/2006" xmlns:a14="http://schemas.microsoft.com/office/drawing/2010/main">
+        <mc:Choice Requires="a14">
           <p:sp>
             <p:nvSpPr>
               <p:cNvPr id="3" name="Content Placeholder 2">
@@ -9321,7 +11787,7 @@
             </p:txBody>
           </p:sp>
         </mc:Choice>
-        <mc:Fallback>
+        <mc:Fallback xmlns="">
           <p:sp>
             <p:nvSpPr>
               <p:cNvPr id="3" name="Content Placeholder 2">
@@ -9403,7 +11869,7 @@
 </p:sld>
 </file>
 
-<file path=ppt/slides/slide15.xml><?xml version="1.0" encoding="utf-8"?>
+<file path=ppt/slides/slide18.xml><?xml version="1.0" encoding="utf-8"?>
 <p:sld xmlns:a="http://schemas.openxmlformats.org/drawingml/2006/main" xmlns:r="http://schemas.openxmlformats.org/officeDocument/2006/relationships" xmlns:p="http://schemas.openxmlformats.org/presentationml/2006/main">
   <p:cSld>
     <p:spTree>
@@ -10085,7 +12551,7 @@
 </p:sld>
 </file>
 
-<file path=ppt/slides/slide16.xml><?xml version="1.0" encoding="utf-8"?>
+<file path=ppt/slides/slide19.xml><?xml version="1.0" encoding="utf-8"?>
 <p:sld xmlns:a="http://schemas.openxmlformats.org/drawingml/2006/main" xmlns:r="http://schemas.openxmlformats.org/officeDocument/2006/relationships" xmlns:p="http://schemas.openxmlformats.org/presentationml/2006/main">
   <p:cSld>
     <p:spTree>
@@ -10130,8 +12596,8 @@
           </a:p>
         </p:txBody>
       </p:sp>
-      <mc:AlternateContent xmlns:mc="http://schemas.openxmlformats.org/markup-compatibility/2006">
-        <mc:Choice xmlns:a14="http://schemas.microsoft.com/office/drawing/2010/main" Requires="a14">
+      <mc:AlternateContent xmlns:mc="http://schemas.openxmlformats.org/markup-compatibility/2006" xmlns:a14="http://schemas.microsoft.com/office/drawing/2010/main">
+        <mc:Choice Requires="a14">
           <p:sp>
             <p:nvSpPr>
               <p:cNvPr id="3" name="Content Placeholder 2">
@@ -10921,7 +13387,7 @@
             </p:txBody>
           </p:sp>
         </mc:Choice>
-        <mc:Fallback>
+        <mc:Fallback xmlns="">
           <p:sp>
             <p:nvSpPr>
               <p:cNvPr id="3" name="Content Placeholder 2">
@@ -11003,263 +13469,6 @@
 </p:sld>
 </file>
 
-<file path=ppt/slides/slide17.xml><?xml version="1.0" encoding="utf-8"?>
-<p:sld xmlns:a="http://schemas.openxmlformats.org/drawingml/2006/main" xmlns:r="http://schemas.openxmlformats.org/officeDocument/2006/relationships" xmlns:p="http://schemas.openxmlformats.org/presentationml/2006/main">
-  <p:cSld>
-    <p:spTree>
-      <p:nvGrpSpPr>
-        <p:cNvPr id="1" name=""/>
-        <p:cNvGrpSpPr/>
-        <p:nvPr/>
-      </p:nvGrpSpPr>
-      <p:grpSpPr>
-        <a:xfrm>
-          <a:off x="0" y="0"/>
-          <a:ext cx="0" cy="0"/>
-          <a:chOff x="0" y="0"/>
-          <a:chExt cx="0" cy="0"/>
-        </a:xfrm>
-      </p:grpSpPr>
-      <p:sp>
-        <p:nvSpPr>
-          <p:cNvPr id="2" name="Title 1">
-            <a:extLst>
-              <a:ext uri="{FF2B5EF4-FFF2-40B4-BE49-F238E27FC236}">
-                <a16:creationId xmlns:a16="http://schemas.microsoft.com/office/drawing/2014/main" id="{E921A107-AB51-4447-B917-291964DB150D}"/>
-              </a:ext>
-            </a:extLst>
-          </p:cNvPr>
-          <p:cNvSpPr>
-            <a:spLocks noGrp="1"/>
-          </p:cNvSpPr>
-          <p:nvPr>
-            <p:ph type="title"/>
-          </p:nvPr>
-        </p:nvSpPr>
-        <p:spPr/>
-        <p:txBody>
-          <a:bodyPr/>
-          <a:lstStyle/>
-          <a:p>
-            <a:r>
-              <a:rPr lang="en-US" dirty="0"/>
-              <a:t>References</a:t>
-            </a:r>
-          </a:p>
-        </p:txBody>
-      </p:sp>
-      <p:sp>
-        <p:nvSpPr>
-          <p:cNvPr id="3" name="Content Placeholder 2">
-            <a:extLst>
-              <a:ext uri="{FF2B5EF4-FFF2-40B4-BE49-F238E27FC236}">
-                <a16:creationId xmlns:a16="http://schemas.microsoft.com/office/drawing/2014/main" id="{97892623-EC42-984A-E592-3D8717E7C17D}"/>
-              </a:ext>
-            </a:extLst>
-          </p:cNvPr>
-          <p:cNvSpPr>
-            <a:spLocks noGrp="1"/>
-          </p:cNvSpPr>
-          <p:nvPr>
-            <p:ph idx="1"/>
-          </p:nvPr>
-        </p:nvSpPr>
-        <p:spPr/>
-        <p:txBody>
-          <a:bodyPr/>
-          <a:lstStyle/>
-          <a:p>
-            <a:pPr marL="0" indent="0">
-              <a:buNone/>
-            </a:pPr>
-            <a:r>
-              <a:rPr lang="en-US" sz="1600" dirty="0">
-                <a:latin typeface="Times New Roman" panose="02020603050405020304" pitchFamily="18" charset="0"/>
-                <a:cs typeface="Times New Roman" panose="02020603050405020304" pitchFamily="18" charset="0"/>
-              </a:rPr>
-              <a:t>[1] </a:t>
-            </a:r>
-            <a:r>
-              <a:rPr lang="en-US" sz="1600" b="0" i="0" dirty="0">
-                <a:effectLst/>
-                <a:latin typeface="Times New Roman" panose="02020603050405020304" pitchFamily="18" charset="0"/>
-                <a:cs typeface="Times New Roman" panose="02020603050405020304" pitchFamily="18" charset="0"/>
-                <a:hlinkClick r:id="rId2"/>
-              </a:rPr>
-              <a:t>https://doi.org/10.1103/PhysRevLett.69.2881</a:t>
-            </a:r>
-            <a:endParaRPr lang="en-US" sz="1600" b="0" i="0" dirty="0">
-              <a:effectLst/>
-              <a:latin typeface="Times New Roman" panose="02020603050405020304" pitchFamily="18" charset="0"/>
-              <a:cs typeface="Times New Roman" panose="02020603050405020304" pitchFamily="18" charset="0"/>
-            </a:endParaRPr>
-          </a:p>
-          <a:p>
-            <a:pPr marL="0" indent="0">
-              <a:buNone/>
-            </a:pPr>
-            <a:r>
-              <a:rPr lang="en-US" sz="1600" dirty="0">
-                <a:latin typeface="Times New Roman" panose="02020603050405020304" pitchFamily="18" charset="0"/>
-                <a:cs typeface="Times New Roman" panose="02020603050405020304" pitchFamily="18" charset="0"/>
-              </a:rPr>
-              <a:t>[2] </a:t>
-            </a:r>
-            <a:r>
-              <a:rPr lang="en-US" sz="1600" b="0" i="0" dirty="0">
-                <a:solidFill>
-                  <a:srgbClr val="222222"/>
-                </a:solidFill>
-                <a:effectLst/>
-                <a:latin typeface="Times New Roman" panose="02020603050405020304" pitchFamily="18" charset="0"/>
-                <a:cs typeface="Times New Roman" panose="02020603050405020304" pitchFamily="18" charset="0"/>
-                <a:hlinkClick r:id="rId3"/>
-              </a:rPr>
-              <a:t>https://doi.org/10.1038/srep06956</a:t>
-            </a:r>
-            <a:endParaRPr lang="en-US" sz="1600" b="0" i="0" dirty="0">
-              <a:solidFill>
-                <a:srgbClr val="222222"/>
-              </a:solidFill>
-              <a:effectLst/>
-              <a:latin typeface="Times New Roman" panose="02020603050405020304" pitchFamily="18" charset="0"/>
-              <a:cs typeface="Times New Roman" panose="02020603050405020304" pitchFamily="18" charset="0"/>
-            </a:endParaRPr>
-          </a:p>
-          <a:p>
-            <a:pPr marL="0" indent="0">
-              <a:buNone/>
-            </a:pPr>
-            <a:r>
-              <a:rPr lang="en-US" sz="1600" dirty="0">
-                <a:solidFill>
-                  <a:srgbClr val="222222"/>
-                </a:solidFill>
-                <a:latin typeface="Times New Roman" panose="02020603050405020304" pitchFamily="18" charset="0"/>
-                <a:cs typeface="Times New Roman" panose="02020603050405020304" pitchFamily="18" charset="0"/>
-              </a:rPr>
-              <a:t>[3] </a:t>
-            </a:r>
-            <a:r>
-              <a:rPr lang="en-US" sz="1600" b="0" i="0" dirty="0">
-                <a:effectLst/>
-                <a:latin typeface="Times New Roman" panose="02020603050405020304" pitchFamily="18" charset="0"/>
-                <a:cs typeface="Times New Roman" panose="02020603050405020304" pitchFamily="18" charset="0"/>
-                <a:hlinkClick r:id="rId4"/>
-              </a:rPr>
-              <a:t>https://doi.org/10.1103/PhysRevA.83.054101</a:t>
-            </a:r>
-            <a:endParaRPr lang="en-US" sz="1600" b="0" i="0" dirty="0">
-              <a:effectLst/>
-              <a:latin typeface="Times New Roman" panose="02020603050405020304" pitchFamily="18" charset="0"/>
-              <a:cs typeface="Times New Roman" panose="02020603050405020304" pitchFamily="18" charset="0"/>
-            </a:endParaRPr>
-          </a:p>
-          <a:p>
-            <a:pPr marL="0" indent="0">
-              <a:buNone/>
-            </a:pPr>
-            <a:r>
-              <a:rPr lang="en-US" sz="1600" dirty="0">
-                <a:latin typeface="Times New Roman" panose="02020603050405020304" pitchFamily="18" charset="0"/>
-                <a:cs typeface="Times New Roman" panose="02020603050405020304" pitchFamily="18" charset="0"/>
-              </a:rPr>
-              <a:t>[4] </a:t>
-            </a:r>
-            <a:r>
-              <a:rPr lang="en-US" sz="1600" dirty="0">
-                <a:latin typeface="Times New Roman" panose="02020603050405020304" pitchFamily="18" charset="0"/>
-                <a:cs typeface="Times New Roman" panose="02020603050405020304" pitchFamily="18" charset="0"/>
-                <a:hlinkClick r:id="rId5"/>
-              </a:rPr>
-              <a:t>https://doi.org/10.1103/PhysRevLett.77.2818</a:t>
-            </a:r>
-            <a:endParaRPr lang="en-US" sz="1600" dirty="0">
-              <a:latin typeface="Times New Roman" panose="02020603050405020304" pitchFamily="18" charset="0"/>
-              <a:cs typeface="Times New Roman" panose="02020603050405020304" pitchFamily="18" charset="0"/>
-            </a:endParaRPr>
-          </a:p>
-          <a:p>
-            <a:pPr marL="0" indent="0">
-              <a:buNone/>
-            </a:pPr>
-            <a:r>
-              <a:rPr lang="en-US" sz="1600" b="0" i="0" dirty="0">
-                <a:effectLst/>
-                <a:latin typeface="Times New Roman" panose="02020603050405020304" pitchFamily="18" charset="0"/>
-                <a:cs typeface="Times New Roman" panose="02020603050405020304" pitchFamily="18" charset="0"/>
-              </a:rPr>
-              <a:t>[5] </a:t>
-            </a:r>
-            <a:r>
-              <a:rPr lang="en-US" sz="1600" b="0" i="0" dirty="0">
-                <a:effectLst/>
-                <a:latin typeface="Times New Roman" panose="02020603050405020304" pitchFamily="18" charset="0"/>
-                <a:cs typeface="Times New Roman" panose="02020603050405020304" pitchFamily="18" charset="0"/>
-                <a:hlinkClick r:id="rId6"/>
-              </a:rPr>
-              <a:t>https://doi.org/10.1103/PhysRevLett.86.5811</a:t>
-            </a:r>
-            <a:endParaRPr lang="en-US" sz="1600" b="0" i="0" dirty="0">
-              <a:effectLst/>
-              <a:latin typeface="Times New Roman" panose="02020603050405020304" pitchFamily="18" charset="0"/>
-              <a:cs typeface="Times New Roman" panose="02020603050405020304" pitchFamily="18" charset="0"/>
-            </a:endParaRPr>
-          </a:p>
-          <a:p>
-            <a:pPr marL="0" indent="0">
-              <a:buNone/>
-            </a:pPr>
-            <a:endParaRPr lang="en-US" sz="1600" b="0" i="0" dirty="0">
-              <a:effectLst/>
-              <a:latin typeface="Times New Roman" panose="02020603050405020304" pitchFamily="18" charset="0"/>
-              <a:cs typeface="Times New Roman" panose="02020603050405020304" pitchFamily="18" charset="0"/>
-            </a:endParaRPr>
-          </a:p>
-        </p:txBody>
-      </p:sp>
-      <p:sp>
-        <p:nvSpPr>
-          <p:cNvPr id="4" name="Footer Placeholder 3">
-            <a:extLst>
-              <a:ext uri="{FF2B5EF4-FFF2-40B4-BE49-F238E27FC236}">
-                <a16:creationId xmlns:a16="http://schemas.microsoft.com/office/drawing/2014/main" id="{00555844-5850-DAED-A124-DC7015F1E1F3}"/>
-              </a:ext>
-            </a:extLst>
-          </p:cNvPr>
-          <p:cNvSpPr>
-            <a:spLocks noGrp="1"/>
-          </p:cNvSpPr>
-          <p:nvPr>
-            <p:ph type="ftr" sz="quarter" idx="11"/>
-          </p:nvPr>
-        </p:nvSpPr>
-        <p:spPr/>
-        <p:txBody>
-          <a:bodyPr/>
-          <a:lstStyle/>
-          <a:p>
-            <a:r>
-              <a:rPr lang="en-US"/>
-              <a:t>All Rights Reserved</a:t>
-            </a:r>
-            <a:endParaRPr lang="en-US" dirty="0"/>
-          </a:p>
-        </p:txBody>
-      </p:sp>
-    </p:spTree>
-    <p:extLst>
-      <p:ext uri="{BB962C8B-B14F-4D97-AF65-F5344CB8AC3E}">
-        <p14:creationId xmlns:p14="http://schemas.microsoft.com/office/powerpoint/2010/main" val="654118308"/>
-      </p:ext>
-    </p:extLst>
-  </p:cSld>
-  <p:clrMapOvr>
-    <a:masterClrMapping/>
-  </p:clrMapOvr>
-</p:sld>
-</file>
-
 <file path=ppt/slides/slide2.xml><?xml version="1.0" encoding="utf-8"?>
 <p:sld xmlns:a="http://schemas.openxmlformats.org/drawingml/2006/main" xmlns:r="http://schemas.openxmlformats.org/officeDocument/2006/relationships" xmlns:p="http://schemas.openxmlformats.org/presentationml/2006/main">
   <p:cSld>
@@ -11305,8 +13514,8 @@
           </a:p>
         </p:txBody>
       </p:sp>
-      <mc:AlternateContent xmlns:mc="http://schemas.openxmlformats.org/markup-compatibility/2006">
-        <mc:Choice xmlns:a14="http://schemas.microsoft.com/office/drawing/2010/main" Requires="a14">
+      <mc:AlternateContent xmlns:mc="http://schemas.openxmlformats.org/markup-compatibility/2006" xmlns:a14="http://schemas.microsoft.com/office/drawing/2010/main">
+        <mc:Choice Requires="a14">
           <p:sp>
             <p:nvSpPr>
               <p:cNvPr id="3" name="Content Placeholder 2">
@@ -11595,7 +13804,7 @@
             </p:txBody>
           </p:sp>
         </mc:Choice>
-        <mc:Fallback>
+        <mc:Fallback xmlns="">
           <p:sp>
             <p:nvSpPr>
               <p:cNvPr id="3" name="Content Placeholder 2">
@@ -11712,6 +13921,263 @@
 </p:sld>
 </file>
 
+<file path=ppt/slides/slide20.xml><?xml version="1.0" encoding="utf-8"?>
+<p:sld xmlns:a="http://schemas.openxmlformats.org/drawingml/2006/main" xmlns:r="http://schemas.openxmlformats.org/officeDocument/2006/relationships" xmlns:p="http://schemas.openxmlformats.org/presentationml/2006/main">
+  <p:cSld>
+    <p:spTree>
+      <p:nvGrpSpPr>
+        <p:cNvPr id="1" name=""/>
+        <p:cNvGrpSpPr/>
+        <p:nvPr/>
+      </p:nvGrpSpPr>
+      <p:grpSpPr>
+        <a:xfrm>
+          <a:off x="0" y="0"/>
+          <a:ext cx="0" cy="0"/>
+          <a:chOff x="0" y="0"/>
+          <a:chExt cx="0" cy="0"/>
+        </a:xfrm>
+      </p:grpSpPr>
+      <p:sp>
+        <p:nvSpPr>
+          <p:cNvPr id="2" name="Title 1">
+            <a:extLst>
+              <a:ext uri="{FF2B5EF4-FFF2-40B4-BE49-F238E27FC236}">
+                <a16:creationId xmlns:a16="http://schemas.microsoft.com/office/drawing/2014/main" id="{E921A107-AB51-4447-B917-291964DB150D}"/>
+              </a:ext>
+            </a:extLst>
+          </p:cNvPr>
+          <p:cNvSpPr>
+            <a:spLocks noGrp="1"/>
+          </p:cNvSpPr>
+          <p:nvPr>
+            <p:ph type="title"/>
+          </p:nvPr>
+        </p:nvSpPr>
+        <p:spPr/>
+        <p:txBody>
+          <a:bodyPr/>
+          <a:lstStyle/>
+          <a:p>
+            <a:r>
+              <a:rPr lang="en-US" dirty="0"/>
+              <a:t>References</a:t>
+            </a:r>
+          </a:p>
+        </p:txBody>
+      </p:sp>
+      <p:sp>
+        <p:nvSpPr>
+          <p:cNvPr id="3" name="Content Placeholder 2">
+            <a:extLst>
+              <a:ext uri="{FF2B5EF4-FFF2-40B4-BE49-F238E27FC236}">
+                <a16:creationId xmlns:a16="http://schemas.microsoft.com/office/drawing/2014/main" id="{97892623-EC42-984A-E592-3D8717E7C17D}"/>
+              </a:ext>
+            </a:extLst>
+          </p:cNvPr>
+          <p:cNvSpPr>
+            <a:spLocks noGrp="1"/>
+          </p:cNvSpPr>
+          <p:nvPr>
+            <p:ph idx="1"/>
+          </p:nvPr>
+        </p:nvSpPr>
+        <p:spPr/>
+        <p:txBody>
+          <a:bodyPr/>
+          <a:lstStyle/>
+          <a:p>
+            <a:pPr marL="0" indent="0">
+              <a:buNone/>
+            </a:pPr>
+            <a:r>
+              <a:rPr lang="en-US" sz="1600" dirty="0">
+                <a:latin typeface="Times New Roman" panose="02020603050405020304" pitchFamily="18" charset="0"/>
+                <a:cs typeface="Times New Roman" panose="02020603050405020304" pitchFamily="18" charset="0"/>
+              </a:rPr>
+              <a:t>[1] </a:t>
+            </a:r>
+            <a:r>
+              <a:rPr lang="en-US" sz="1600" b="0" i="0" dirty="0">
+                <a:effectLst/>
+                <a:latin typeface="Times New Roman" panose="02020603050405020304" pitchFamily="18" charset="0"/>
+                <a:cs typeface="Times New Roman" panose="02020603050405020304" pitchFamily="18" charset="0"/>
+                <a:hlinkClick r:id="rId2"/>
+              </a:rPr>
+              <a:t>https://doi.org/10.1103/PhysRevLett.69.2881</a:t>
+            </a:r>
+            <a:endParaRPr lang="en-US" sz="1600" b="0" i="0" dirty="0">
+              <a:effectLst/>
+              <a:latin typeface="Times New Roman" panose="02020603050405020304" pitchFamily="18" charset="0"/>
+              <a:cs typeface="Times New Roman" panose="02020603050405020304" pitchFamily="18" charset="0"/>
+            </a:endParaRPr>
+          </a:p>
+          <a:p>
+            <a:pPr marL="0" indent="0">
+              <a:buNone/>
+            </a:pPr>
+            <a:r>
+              <a:rPr lang="en-US" sz="1600" dirty="0">
+                <a:latin typeface="Times New Roman" panose="02020603050405020304" pitchFamily="18" charset="0"/>
+                <a:cs typeface="Times New Roman" panose="02020603050405020304" pitchFamily="18" charset="0"/>
+              </a:rPr>
+              <a:t>[2] </a:t>
+            </a:r>
+            <a:r>
+              <a:rPr lang="en-US" sz="1600" b="0" i="0" dirty="0">
+                <a:solidFill>
+                  <a:srgbClr val="222222"/>
+                </a:solidFill>
+                <a:effectLst/>
+                <a:latin typeface="Times New Roman" panose="02020603050405020304" pitchFamily="18" charset="0"/>
+                <a:cs typeface="Times New Roman" panose="02020603050405020304" pitchFamily="18" charset="0"/>
+                <a:hlinkClick r:id="rId3"/>
+              </a:rPr>
+              <a:t>https://doi.org/10.1038/srep06956</a:t>
+            </a:r>
+            <a:endParaRPr lang="en-US" sz="1600" b="0" i="0" dirty="0">
+              <a:solidFill>
+                <a:srgbClr val="222222"/>
+              </a:solidFill>
+              <a:effectLst/>
+              <a:latin typeface="Times New Roman" panose="02020603050405020304" pitchFamily="18" charset="0"/>
+              <a:cs typeface="Times New Roman" panose="02020603050405020304" pitchFamily="18" charset="0"/>
+            </a:endParaRPr>
+          </a:p>
+          <a:p>
+            <a:pPr marL="0" indent="0">
+              <a:buNone/>
+            </a:pPr>
+            <a:r>
+              <a:rPr lang="en-US" sz="1600" dirty="0">
+                <a:solidFill>
+                  <a:srgbClr val="222222"/>
+                </a:solidFill>
+                <a:latin typeface="Times New Roman" panose="02020603050405020304" pitchFamily="18" charset="0"/>
+                <a:cs typeface="Times New Roman" panose="02020603050405020304" pitchFamily="18" charset="0"/>
+              </a:rPr>
+              <a:t>[3] </a:t>
+            </a:r>
+            <a:r>
+              <a:rPr lang="en-US" sz="1600" b="0" i="0" dirty="0">
+                <a:effectLst/>
+                <a:latin typeface="Times New Roman" panose="02020603050405020304" pitchFamily="18" charset="0"/>
+                <a:cs typeface="Times New Roman" panose="02020603050405020304" pitchFamily="18" charset="0"/>
+                <a:hlinkClick r:id="rId4"/>
+              </a:rPr>
+              <a:t>https://doi.org/10.1103/PhysRevA.83.054101</a:t>
+            </a:r>
+            <a:endParaRPr lang="en-US" sz="1600" b="0" i="0" dirty="0">
+              <a:effectLst/>
+              <a:latin typeface="Times New Roman" panose="02020603050405020304" pitchFamily="18" charset="0"/>
+              <a:cs typeface="Times New Roman" panose="02020603050405020304" pitchFamily="18" charset="0"/>
+            </a:endParaRPr>
+          </a:p>
+          <a:p>
+            <a:pPr marL="0" indent="0">
+              <a:buNone/>
+            </a:pPr>
+            <a:r>
+              <a:rPr lang="en-US" sz="1600" dirty="0">
+                <a:latin typeface="Times New Roman" panose="02020603050405020304" pitchFamily="18" charset="0"/>
+                <a:cs typeface="Times New Roman" panose="02020603050405020304" pitchFamily="18" charset="0"/>
+              </a:rPr>
+              <a:t>[4] </a:t>
+            </a:r>
+            <a:r>
+              <a:rPr lang="en-US" sz="1600" dirty="0">
+                <a:latin typeface="Times New Roman" panose="02020603050405020304" pitchFamily="18" charset="0"/>
+                <a:cs typeface="Times New Roman" panose="02020603050405020304" pitchFamily="18" charset="0"/>
+                <a:hlinkClick r:id="rId5"/>
+              </a:rPr>
+              <a:t>https://doi.org/10.1103/PhysRevLett.77.2818</a:t>
+            </a:r>
+            <a:endParaRPr lang="en-US" sz="1600" dirty="0">
+              <a:latin typeface="Times New Roman" panose="02020603050405020304" pitchFamily="18" charset="0"/>
+              <a:cs typeface="Times New Roman" panose="02020603050405020304" pitchFamily="18" charset="0"/>
+            </a:endParaRPr>
+          </a:p>
+          <a:p>
+            <a:pPr marL="0" indent="0">
+              <a:buNone/>
+            </a:pPr>
+            <a:r>
+              <a:rPr lang="en-US" sz="1600" b="0" i="0" dirty="0">
+                <a:effectLst/>
+                <a:latin typeface="Times New Roman" panose="02020603050405020304" pitchFamily="18" charset="0"/>
+                <a:cs typeface="Times New Roman" panose="02020603050405020304" pitchFamily="18" charset="0"/>
+              </a:rPr>
+              <a:t>[5] </a:t>
+            </a:r>
+            <a:r>
+              <a:rPr lang="en-US" sz="1600" b="0" i="0" dirty="0">
+                <a:effectLst/>
+                <a:latin typeface="Times New Roman" panose="02020603050405020304" pitchFamily="18" charset="0"/>
+                <a:cs typeface="Times New Roman" panose="02020603050405020304" pitchFamily="18" charset="0"/>
+                <a:hlinkClick r:id="rId6"/>
+              </a:rPr>
+              <a:t>https://doi.org/10.1103/PhysRevLett.86.5811</a:t>
+            </a:r>
+            <a:endParaRPr lang="en-US" sz="1600" b="0" i="0" dirty="0">
+              <a:effectLst/>
+              <a:latin typeface="Times New Roman" panose="02020603050405020304" pitchFamily="18" charset="0"/>
+              <a:cs typeface="Times New Roman" panose="02020603050405020304" pitchFamily="18" charset="0"/>
+            </a:endParaRPr>
+          </a:p>
+          <a:p>
+            <a:pPr marL="0" indent="0">
+              <a:buNone/>
+            </a:pPr>
+            <a:endParaRPr lang="en-US" sz="1600" b="0" i="0" dirty="0">
+              <a:effectLst/>
+              <a:latin typeface="Times New Roman" panose="02020603050405020304" pitchFamily="18" charset="0"/>
+              <a:cs typeface="Times New Roman" panose="02020603050405020304" pitchFamily="18" charset="0"/>
+            </a:endParaRPr>
+          </a:p>
+        </p:txBody>
+      </p:sp>
+      <p:sp>
+        <p:nvSpPr>
+          <p:cNvPr id="4" name="Footer Placeholder 3">
+            <a:extLst>
+              <a:ext uri="{FF2B5EF4-FFF2-40B4-BE49-F238E27FC236}">
+                <a16:creationId xmlns:a16="http://schemas.microsoft.com/office/drawing/2014/main" id="{00555844-5850-DAED-A124-DC7015F1E1F3}"/>
+              </a:ext>
+            </a:extLst>
+          </p:cNvPr>
+          <p:cNvSpPr>
+            <a:spLocks noGrp="1"/>
+          </p:cNvSpPr>
+          <p:nvPr>
+            <p:ph type="ftr" sz="quarter" idx="11"/>
+          </p:nvPr>
+        </p:nvSpPr>
+        <p:spPr/>
+        <p:txBody>
+          <a:bodyPr/>
+          <a:lstStyle/>
+          <a:p>
+            <a:r>
+              <a:rPr lang="en-US"/>
+              <a:t>All Rights Reserved</a:t>
+            </a:r>
+            <a:endParaRPr lang="en-US" dirty="0"/>
+          </a:p>
+        </p:txBody>
+      </p:sp>
+    </p:spTree>
+    <p:extLst>
+      <p:ext uri="{BB962C8B-B14F-4D97-AF65-F5344CB8AC3E}">
+        <p14:creationId xmlns:p14="http://schemas.microsoft.com/office/powerpoint/2010/main" val="654118308"/>
+      </p:ext>
+    </p:extLst>
+  </p:cSld>
+  <p:clrMapOvr>
+    <a:masterClrMapping/>
+  </p:clrMapOvr>
+</p:sld>
+</file>
+
 <file path=ppt/slides/slide3.xml><?xml version="1.0" encoding="utf-8"?>
 <p:sld xmlns:a="http://schemas.openxmlformats.org/drawingml/2006/main" xmlns:r="http://schemas.openxmlformats.org/officeDocument/2006/relationships" xmlns:p="http://schemas.openxmlformats.org/presentationml/2006/main">
   <p:cSld>
@@ -11734,7 +14200,7 @@
           <p:cNvPr id="2" name="Title 1">
             <a:extLst>
               <a:ext uri="{FF2B5EF4-FFF2-40B4-BE49-F238E27FC236}">
-                <a16:creationId xmlns:a16="http://schemas.microsoft.com/office/drawing/2014/main" id="{37B2A28D-46AD-F92C-1D35-6E495F2392D9}"/>
+                <a16:creationId xmlns:a16="http://schemas.microsoft.com/office/drawing/2014/main" id="{D4A0AFB7-75D0-5260-553A-74286D64CA11}"/>
               </a:ext>
             </a:extLst>
           </p:cNvPr>
@@ -11751,8 +14217,11 @@
           <a:lstStyle/>
           <a:p>
             <a:r>
-              <a:rPr lang="en-US" dirty="0"/>
-              <a:t>Motivation</a:t>
+              <a:rPr lang="en-US" dirty="0">
+                <a:latin typeface="Arial"/>
+                <a:cs typeface="Arial"/>
+              </a:rPr>
+              <a:t>What I am trying to do</a:t>
             </a:r>
           </a:p>
         </p:txBody>
@@ -11762,7 +14231,7 @@
           <p:cNvPr id="3" name="Content Placeholder 2">
             <a:extLst>
               <a:ext uri="{FF2B5EF4-FFF2-40B4-BE49-F238E27FC236}">
-                <a16:creationId xmlns:a16="http://schemas.microsoft.com/office/drawing/2014/main" id="{C0A006AF-E727-0F23-4D96-F2EDBF1FF068}"/>
+                <a16:creationId xmlns:a16="http://schemas.microsoft.com/office/drawing/2014/main" id="{387D7BA3-ED2D-8A11-DC0E-31B8850F8577}"/>
               </a:ext>
             </a:extLst>
           </p:cNvPr>
@@ -11775,119 +14244,170 @@
         </p:nvSpPr>
         <p:spPr/>
         <p:txBody>
-          <a:bodyPr/>
+          <a:bodyPr vert="horz" lIns="91440" tIns="45720" rIns="91440" bIns="45720" rtlCol="0" anchor="t">
+            <a:normAutofit fontScale="92500" lnSpcReduction="10000"/>
+          </a:bodyPr>
           <a:lstStyle/>
           <a:p>
             <a:pPr>
-              <a:buFont typeface="Wingdings" panose="05000000000000000000" pitchFamily="2" charset="2"/>
+              <a:buFont typeface="Wingdings" panose="020B0604020202020204" pitchFamily="34" charset="0"/>
               <a:buChar char="Ø"/>
             </a:pPr>
             <a:r>
-              <a:rPr lang="en-US" dirty="0"/>
-              <a:t> </a:t>
-            </a:r>
-            <a:r>
-              <a:rPr lang="pt-BR" dirty="0"/>
-              <a:t>Quantum discord can be used as a resource for quantum cryptography [2].</a:t>
-            </a:r>
+              <a:rPr lang="en-US" b="1" dirty="0">
+                <a:latin typeface="Arial"/>
+                <a:cs typeface="Arial"/>
+              </a:rPr>
+              <a:t>Error Correction:</a:t>
+            </a:r>
+            <a:r>
+              <a:rPr lang="en-US" dirty="0">
+                <a:latin typeface="Arial"/>
+                <a:cs typeface="Arial"/>
+              </a:rPr>
+              <a:t> Alice encodes her qubit using a 5-qubit perfect code to protect against errors.</a:t>
+            </a:r>
+            <a:endParaRPr lang="en-US" dirty="0"/>
           </a:p>
           <a:p>
             <a:pPr>
-              <a:buFont typeface="Wingdings" panose="05000000000000000000" pitchFamily="2" charset="2"/>
+              <a:buFont typeface="Wingdings" panose="020B0604020202020204" pitchFamily="34" charset="0"/>
               <a:buChar char="Ø"/>
             </a:pPr>
-            <a:r>
-              <a:rPr lang="pt-BR" dirty="0"/>
-              <a:t> Superdense Coding is the basis for quantum internet. </a:t>
-            </a:r>
+            <a:endParaRPr lang="en-US"/>
           </a:p>
           <a:p>
             <a:pPr>
-              <a:buFont typeface="Wingdings" panose="05000000000000000000" pitchFamily="2" charset="2"/>
+              <a:buFont typeface="Wingdings" panose="020B0604020202020204" pitchFamily="34" charset="0"/>
               <a:buChar char="Ø"/>
             </a:pPr>
             <a:r>
-              <a:rPr lang="pt-BR" dirty="0"/>
-              <a:t> When Alice sends her qubit, it can be affected by noise. </a:t>
-            </a:r>
+              <a:rPr lang="en-US" b="1" dirty="0">
+                <a:latin typeface="Arial"/>
+                <a:cs typeface="Arial"/>
+              </a:rPr>
+              <a:t>Entanglement Quality Assessment: </a:t>
+            </a:r>
+            <a:r>
+              <a:rPr lang="en-US" dirty="0">
+                <a:latin typeface="Arial"/>
+                <a:cs typeface="Arial"/>
+              </a:rPr>
+              <a:t>Bob decodes the received qubit and assesses the shared entanglement quality using metrics like Entanglement of Formation (</a:t>
+            </a:r>
+            <a:r>
+              <a:rPr lang="en-US" err="1">
+                <a:latin typeface="Arial"/>
+                <a:cs typeface="Arial"/>
+              </a:rPr>
+              <a:t>EoF</a:t>
+            </a:r>
+            <a:r>
+              <a:rPr lang="en-US" dirty="0">
+                <a:latin typeface="Arial"/>
+                <a:cs typeface="Arial"/>
+              </a:rPr>
+              <a:t>) and Quantum Discord (QD).</a:t>
+            </a:r>
+            <a:endParaRPr lang="en-US" dirty="0"/>
           </a:p>
           <a:p>
             <a:pPr>
-              <a:buFont typeface="Wingdings" panose="05000000000000000000" pitchFamily="2" charset="2"/>
+              <a:buFont typeface="Wingdings" panose="020B0604020202020204" pitchFamily="34" charset="0"/>
               <a:buChar char="Ø"/>
             </a:pPr>
-            <a:r>
-              <a:rPr lang="pt-BR" dirty="0"/>
-              <a:t> This noise model is easier to simulate since it is just one qubit.</a:t>
-            </a:r>
+            <a:endParaRPr lang="en-US"/>
           </a:p>
           <a:p>
             <a:pPr>
-              <a:buFont typeface="Wingdings" panose="05000000000000000000" pitchFamily="2" charset="2"/>
+              <a:buFont typeface="Wingdings" panose="020B0604020202020204" pitchFamily="34" charset="0"/>
               <a:buChar char="Ø"/>
             </a:pPr>
             <a:r>
-              <a:rPr lang="pt-BR" dirty="0"/>
-              <a:t> Alice can use 5 qubit perfect code to encode her qubit.</a:t>
-            </a:r>
+              <a:rPr lang="en-US" b="1" dirty="0">
+                <a:latin typeface="Arial"/>
+                <a:cs typeface="Arial"/>
+              </a:rPr>
+              <a:t>Adaptive Entanglement Purification:</a:t>
+            </a:r>
+            <a:r>
+              <a:rPr lang="en-US" dirty="0">
+                <a:latin typeface="Arial"/>
+                <a:cs typeface="Arial"/>
+              </a:rPr>
+              <a:t> If the entanglement quality is low (based on QD/</a:t>
+            </a:r>
+            <a:r>
+              <a:rPr lang="en-US" dirty="0" err="1">
+                <a:latin typeface="Arial"/>
+                <a:cs typeface="Arial"/>
+              </a:rPr>
+              <a:t>EoF</a:t>
+            </a:r>
+            <a:r>
+              <a:rPr lang="en-US" dirty="0">
+                <a:latin typeface="Arial"/>
+                <a:cs typeface="Arial"/>
+              </a:rPr>
+              <a:t>), Bob applies an extra layer of entanglement purification using a DEJMPS-style protocol. The purification parameters are adaptively set based on the measured QD/</a:t>
+            </a:r>
+            <a:r>
+              <a:rPr lang="en-US" dirty="0" err="1">
+                <a:latin typeface="Arial"/>
+                <a:cs typeface="Arial"/>
+              </a:rPr>
+              <a:t>EoF</a:t>
+            </a:r>
+            <a:r>
+              <a:rPr lang="en-US" dirty="0">
+                <a:latin typeface="Arial"/>
+                <a:cs typeface="Arial"/>
+              </a:rPr>
+              <a:t>.</a:t>
+            </a:r>
+            <a:endParaRPr lang="en-US" dirty="0"/>
           </a:p>
           <a:p>
             <a:pPr>
-              <a:buFont typeface="Wingdings" panose="05000000000000000000" pitchFamily="2" charset="2"/>
+              <a:buFont typeface="Wingdings" panose="020B0604020202020204" pitchFamily="34" charset="0"/>
               <a:buChar char="Ø"/>
             </a:pPr>
-            <a:r>
-              <a:rPr lang="pt-BR" dirty="0"/>
-              <a:t> However it may not enough depending on the noise. </a:t>
-            </a:r>
+            <a:endParaRPr lang="en-US"/>
           </a:p>
           <a:p>
             <a:pPr>
-              <a:buFont typeface="Wingdings" panose="05000000000000000000" pitchFamily="2" charset="2"/>
+              <a:buFont typeface="Wingdings" panose="020B0604020202020204" pitchFamily="34" charset="0"/>
               <a:buChar char="Ø"/>
             </a:pPr>
             <a:r>
-              <a:rPr lang="pt-BR" dirty="0"/>
-              <a:t> Fidelity alone isn’t enough to learn about the noise channel.</a:t>
-            </a:r>
-          </a:p>
-          <a:p>
-            <a:pPr>
-              <a:buFont typeface="Wingdings" panose="05000000000000000000" pitchFamily="2" charset="2"/>
-              <a:buChar char="Ø"/>
-            </a:pPr>
-            <a:r>
-              <a:rPr lang="pt-BR" dirty="0"/>
-              <a:t> We can use another layer of entanglement purification based on Quantum Discord and Entanglement of Formation: </a:t>
-            </a:r>
-            <a:r>
-              <a:rPr lang="en-US" dirty="0"/>
-              <a:t>DEJMPS protocol.</a:t>
-            </a:r>
-          </a:p>
-          <a:p>
-            <a:pPr>
-              <a:buFont typeface="Wingdings" panose="05000000000000000000" pitchFamily="2" charset="2"/>
-              <a:buChar char="Ø"/>
-            </a:pPr>
-            <a:r>
-              <a:rPr lang="en-US" dirty="0"/>
-              <a:t> DEJMPS needs an angle which determines the efficiency of purification.</a:t>
-            </a:r>
-          </a:p>
-          <a:p>
-            <a:pPr>
-              <a:buFont typeface="Wingdings" panose="05000000000000000000" pitchFamily="2" charset="2"/>
-              <a:buChar char="Ø"/>
-            </a:pPr>
-            <a:r>
-              <a:rPr lang="en-US" dirty="0"/>
-              <a:t> Why need </a:t>
-            </a:r>
-            <a:r>
-              <a:rPr lang="pt-BR" dirty="0"/>
-              <a:t>Entanglement of Formation? To know the quality of Entanglement.</a:t>
-            </a:r>
+              <a:rPr lang="en-US" b="1" dirty="0">
+                <a:latin typeface="Arial"/>
+                <a:cs typeface="Arial"/>
+              </a:rPr>
+              <a:t>Machine Learning Optimization (optional): </a:t>
+            </a:r>
+            <a:r>
+              <a:rPr lang="en-US" dirty="0">
+                <a:latin typeface="Arial"/>
+                <a:cs typeface="Arial"/>
+              </a:rPr>
+              <a:t>The strategy may incorporate machine learning to map the correlation measures (QD/</a:t>
+            </a:r>
+            <a:r>
+              <a:rPr lang="en-US" dirty="0" err="1">
+                <a:latin typeface="Arial"/>
+                <a:cs typeface="Arial"/>
+              </a:rPr>
+              <a:t>EoF</a:t>
+            </a:r>
+            <a:r>
+              <a:rPr lang="en-US" dirty="0">
+                <a:latin typeface="Arial"/>
+                <a:cs typeface="Arial"/>
+              </a:rPr>
+              <a:t>) to optimal correction parameters, further enhancing the entanglement purification process.</a:t>
+            </a:r>
+            <a:endParaRPr lang="en-US"/>
           </a:p>
         </p:txBody>
       </p:sp>
@@ -11896,7 +14416,7 @@
           <p:cNvPr id="4" name="Footer Placeholder 3">
             <a:extLst>
               <a:ext uri="{FF2B5EF4-FFF2-40B4-BE49-F238E27FC236}">
-                <a16:creationId xmlns:a16="http://schemas.microsoft.com/office/drawing/2014/main" id="{7C7D3894-92C5-42B4-268B-0E828B721C0C}"/>
+                <a16:creationId xmlns:a16="http://schemas.microsoft.com/office/drawing/2014/main" id="{F12ED3DB-E17C-D2B4-1C68-9EDBF2F5B05A}"/>
               </a:ext>
             </a:extLst>
           </p:cNvPr>
@@ -11913,17 +14433,16 @@
           <a:lstStyle/>
           <a:p>
             <a:r>
-              <a:rPr lang="en-US"/>
+              <a:rPr lang="en-US" dirty="0"/>
               <a:t>All Rights Reserved</a:t>
             </a:r>
-            <a:endParaRPr lang="en-US" dirty="0"/>
           </a:p>
         </p:txBody>
       </p:sp>
     </p:spTree>
     <p:extLst>
       <p:ext uri="{BB962C8B-B14F-4D97-AF65-F5344CB8AC3E}">
-        <p14:creationId xmlns:p14="http://schemas.microsoft.com/office/powerpoint/2010/main" val="3053846858"/>
+        <p14:creationId xmlns:p14="http://schemas.microsoft.com/office/powerpoint/2010/main" val="3775863480"/>
       </p:ext>
     </p:extLst>
   </p:cSld>
@@ -11934,6 +14453,719 @@
 </file>
 
 <file path=ppt/slides/slide4.xml><?xml version="1.0" encoding="utf-8"?>
+<p:sld xmlns:a="http://schemas.openxmlformats.org/drawingml/2006/main" xmlns:r="http://schemas.openxmlformats.org/officeDocument/2006/relationships" xmlns:p="http://schemas.openxmlformats.org/presentationml/2006/main">
+  <p:cSld>
+    <p:spTree>
+      <p:nvGrpSpPr>
+        <p:cNvPr id="1" name=""/>
+        <p:cNvGrpSpPr/>
+        <p:nvPr/>
+      </p:nvGrpSpPr>
+      <p:grpSpPr>
+        <a:xfrm>
+          <a:off x="0" y="0"/>
+          <a:ext cx="0" cy="0"/>
+          <a:chOff x="0" y="0"/>
+          <a:chExt cx="0" cy="0"/>
+        </a:xfrm>
+      </p:grpSpPr>
+      <p:sp>
+        <p:nvSpPr>
+          <p:cNvPr id="2" name="Title 1">
+            <a:extLst>
+              <a:ext uri="{FF2B5EF4-FFF2-40B4-BE49-F238E27FC236}">
+                <a16:creationId xmlns:a16="http://schemas.microsoft.com/office/drawing/2014/main" id="{33B4C4A9-98B7-A7B6-7564-B892F984DCB9}"/>
+              </a:ext>
+            </a:extLst>
+          </p:cNvPr>
+          <p:cNvSpPr>
+            <a:spLocks noGrp="1"/>
+          </p:cNvSpPr>
+          <p:nvPr>
+            <p:ph type="title"/>
+          </p:nvPr>
+        </p:nvSpPr>
+        <p:spPr/>
+        <p:txBody>
+          <a:bodyPr/>
+          <a:lstStyle/>
+          <a:p>
+            <a:r>
+              <a:rPr lang="en-US" dirty="0">
+                <a:latin typeface="Arial"/>
+                <a:cs typeface="Arial"/>
+              </a:rPr>
+              <a:t>Todays Practice and Limitation</a:t>
+            </a:r>
+            <a:endParaRPr lang="en-US" dirty="0"/>
+          </a:p>
+        </p:txBody>
+      </p:sp>
+      <p:sp>
+        <p:nvSpPr>
+          <p:cNvPr id="3" name="Content Placeholder 2">
+            <a:extLst>
+              <a:ext uri="{FF2B5EF4-FFF2-40B4-BE49-F238E27FC236}">
+                <a16:creationId xmlns:a16="http://schemas.microsoft.com/office/drawing/2014/main" id="{31E5B7DF-0548-EB21-45EF-C8DF5C41A8D1}"/>
+              </a:ext>
+            </a:extLst>
+          </p:cNvPr>
+          <p:cNvSpPr>
+            <a:spLocks noGrp="1"/>
+          </p:cNvSpPr>
+          <p:nvPr>
+            <p:ph idx="1"/>
+          </p:nvPr>
+        </p:nvSpPr>
+        <p:spPr/>
+        <p:txBody>
+          <a:bodyPr vert="horz" lIns="91440" tIns="45720" rIns="91440" bIns="45720" rtlCol="0" anchor="t">
+            <a:normAutofit/>
+          </a:bodyPr>
+          <a:lstStyle/>
+          <a:p>
+            <a:pPr>
+              <a:buFont typeface="Wingdings" panose="020B0604020202020204" pitchFamily="34" charset="0"/>
+              <a:buChar char="Ø"/>
+            </a:pPr>
+            <a:r>
+              <a:rPr lang="en-US" b="1" dirty="0">
+                <a:latin typeface="Arial"/>
+                <a:cs typeface="Arial"/>
+              </a:rPr>
+              <a:t>Standard practice: </a:t>
+            </a:r>
+            <a:r>
+              <a:rPr lang="en-US" dirty="0">
+                <a:latin typeface="Arial"/>
+                <a:cs typeface="Arial"/>
+              </a:rPr>
+              <a:t>Shared entanglement (Bell pairs) is used to encode 2 classical bits per qubit, but noise models degrade the Bell state.</a:t>
+            </a:r>
+            <a:endParaRPr lang="en-US"/>
+          </a:p>
+          <a:p>
+            <a:pPr>
+              <a:buFont typeface="Wingdings" panose="020B0604020202020204" pitchFamily="34" charset="0"/>
+              <a:buChar char="Ø"/>
+            </a:pPr>
+            <a:endParaRPr lang="en-US"/>
+          </a:p>
+          <a:p>
+            <a:pPr>
+              <a:buFont typeface="Wingdings" panose="020B0604020202020204" pitchFamily="34" charset="0"/>
+              <a:buChar char="Ø"/>
+            </a:pPr>
+            <a:r>
+              <a:rPr lang="en-US" b="1" dirty="0">
+                <a:latin typeface="Arial"/>
+                <a:cs typeface="Arial"/>
+              </a:rPr>
+              <a:t>Error correction and purification: </a:t>
+            </a:r>
+            <a:r>
+              <a:rPr lang="en-US" dirty="0">
+                <a:latin typeface="Arial"/>
+                <a:cs typeface="Arial"/>
+              </a:rPr>
+              <a:t>Fixed codes (e.g., 5-qubit code) or standalone protocols (e.g., BBPSSW) are applied independently without real-time feedback.</a:t>
+            </a:r>
+          </a:p>
+          <a:p>
+            <a:pPr>
+              <a:buFont typeface="Wingdings" panose="020B0604020202020204" pitchFamily="34" charset="0"/>
+              <a:buChar char="Ø"/>
+            </a:pPr>
+            <a:endParaRPr lang="en-US"/>
+          </a:p>
+          <a:p>
+            <a:pPr>
+              <a:buFont typeface="Wingdings" panose="020B0604020202020204" pitchFamily="34" charset="0"/>
+              <a:buChar char="Ø"/>
+            </a:pPr>
+            <a:r>
+              <a:rPr lang="en-US" b="1" dirty="0">
+                <a:latin typeface="Arial"/>
+                <a:cs typeface="Arial"/>
+              </a:rPr>
+              <a:t>Limitations:</a:t>
+            </a:r>
+            <a:r>
+              <a:rPr lang="en-US" dirty="0">
+                <a:latin typeface="Arial"/>
+                <a:cs typeface="Arial"/>
+              </a:rPr>
+              <a:t> Existing protocols don't adapt to actual correlations, neglecting secondary measures like quantum discord (QD) or entanglement of formation (</a:t>
+            </a:r>
+            <a:r>
+              <a:rPr lang="en-US" dirty="0" err="1">
+                <a:latin typeface="Arial"/>
+                <a:cs typeface="Arial"/>
+              </a:rPr>
+              <a:t>EoF</a:t>
+            </a:r>
+            <a:r>
+              <a:rPr lang="en-US" dirty="0">
+                <a:latin typeface="Arial"/>
+                <a:cs typeface="Arial"/>
+              </a:rPr>
+              <a:t>). And they use either QECC or Purification, not both.</a:t>
+            </a:r>
+          </a:p>
+          <a:p>
+            <a:pPr>
+              <a:buFont typeface="Wingdings" panose="020B0604020202020204" pitchFamily="34" charset="0"/>
+              <a:buChar char="Ø"/>
+            </a:pPr>
+            <a:endParaRPr lang="en-US" dirty="0">
+              <a:latin typeface="Arial"/>
+              <a:cs typeface="Arial"/>
+            </a:endParaRPr>
+          </a:p>
+        </p:txBody>
+      </p:sp>
+      <p:sp>
+        <p:nvSpPr>
+          <p:cNvPr id="4" name="Footer Placeholder 3">
+            <a:extLst>
+              <a:ext uri="{FF2B5EF4-FFF2-40B4-BE49-F238E27FC236}">
+                <a16:creationId xmlns:a16="http://schemas.microsoft.com/office/drawing/2014/main" id="{49681C82-C4D1-A542-26D6-04855CCF8580}"/>
+              </a:ext>
+            </a:extLst>
+          </p:cNvPr>
+          <p:cNvSpPr>
+            <a:spLocks noGrp="1"/>
+          </p:cNvSpPr>
+          <p:nvPr>
+            <p:ph type="ftr" sz="quarter" idx="11"/>
+          </p:nvPr>
+        </p:nvSpPr>
+        <p:spPr/>
+        <p:txBody>
+          <a:bodyPr/>
+          <a:lstStyle/>
+          <a:p>
+            <a:r>
+              <a:rPr lang="en-US" dirty="0"/>
+              <a:t>All Rights Reserved</a:t>
+            </a:r>
+          </a:p>
+        </p:txBody>
+      </p:sp>
+    </p:spTree>
+    <p:extLst>
+      <p:ext uri="{BB962C8B-B14F-4D97-AF65-F5344CB8AC3E}">
+        <p14:creationId xmlns:p14="http://schemas.microsoft.com/office/powerpoint/2010/main" val="2832237247"/>
+      </p:ext>
+    </p:extLst>
+  </p:cSld>
+  <p:clrMapOvr>
+    <a:masterClrMapping/>
+  </p:clrMapOvr>
+</p:sld>
+</file>
+
+<file path=ppt/slides/slide5.xml><?xml version="1.0" encoding="utf-8"?>
+<p:sld xmlns:a="http://schemas.openxmlformats.org/drawingml/2006/main" xmlns:r="http://schemas.openxmlformats.org/officeDocument/2006/relationships" xmlns:p="http://schemas.openxmlformats.org/presentationml/2006/main">
+  <p:cSld>
+    <p:spTree>
+      <p:nvGrpSpPr>
+        <p:cNvPr id="1" name=""/>
+        <p:cNvGrpSpPr/>
+        <p:nvPr/>
+      </p:nvGrpSpPr>
+      <p:grpSpPr>
+        <a:xfrm>
+          <a:off x="0" y="0"/>
+          <a:ext cx="0" cy="0"/>
+          <a:chOff x="0" y="0"/>
+          <a:chExt cx="0" cy="0"/>
+        </a:xfrm>
+      </p:grpSpPr>
+      <p:sp>
+        <p:nvSpPr>
+          <p:cNvPr id="2" name="Title 1">
+            <a:extLst>
+              <a:ext uri="{FF2B5EF4-FFF2-40B4-BE49-F238E27FC236}">
+                <a16:creationId xmlns:a16="http://schemas.microsoft.com/office/drawing/2014/main" id="{A8790D42-B0E9-D7E5-193C-E9A566075C5C}"/>
+              </a:ext>
+            </a:extLst>
+          </p:cNvPr>
+          <p:cNvSpPr>
+            <a:spLocks noGrp="1"/>
+          </p:cNvSpPr>
+          <p:nvPr>
+            <p:ph type="title"/>
+          </p:nvPr>
+        </p:nvSpPr>
+        <p:spPr/>
+        <p:txBody>
+          <a:bodyPr/>
+          <a:lstStyle/>
+          <a:p>
+            <a:r>
+              <a:rPr lang="en-US" dirty="0">
+                <a:latin typeface="Arial"/>
+                <a:cs typeface="Arial"/>
+              </a:rPr>
+              <a:t>Novelty and Practicality</a:t>
+            </a:r>
+            <a:endParaRPr lang="en-US" dirty="0"/>
+          </a:p>
+        </p:txBody>
+      </p:sp>
+      <p:sp>
+        <p:nvSpPr>
+          <p:cNvPr id="3" name="Content Placeholder 2">
+            <a:extLst>
+              <a:ext uri="{FF2B5EF4-FFF2-40B4-BE49-F238E27FC236}">
+                <a16:creationId xmlns:a16="http://schemas.microsoft.com/office/drawing/2014/main" id="{D1238223-481F-2D2F-273D-637B6AE00304}"/>
+              </a:ext>
+            </a:extLst>
+          </p:cNvPr>
+          <p:cNvSpPr>
+            <a:spLocks noGrp="1"/>
+          </p:cNvSpPr>
+          <p:nvPr>
+            <p:ph idx="1"/>
+          </p:nvPr>
+        </p:nvSpPr>
+        <p:spPr/>
+        <p:txBody>
+          <a:bodyPr vert="horz" lIns="91440" tIns="45720" rIns="91440" bIns="45720" rtlCol="0" anchor="t">
+            <a:normAutofit lnSpcReduction="10000"/>
+          </a:bodyPr>
+          <a:lstStyle/>
+          <a:p>
+            <a:pPr>
+              <a:buFont typeface="Wingdings" panose="020B0604020202020204" pitchFamily="34" charset="0"/>
+              <a:buChar char="Ø"/>
+            </a:pPr>
+            <a:r>
+              <a:rPr lang="en-US" b="1" dirty="0">
+                <a:latin typeface="Arial"/>
+                <a:cs typeface="Arial"/>
+              </a:rPr>
+              <a:t>Integrated Adaptive Strategy:</a:t>
+            </a:r>
+            <a:r>
+              <a:rPr lang="en-US" dirty="0">
+                <a:latin typeface="Arial"/>
+                <a:cs typeface="Arial"/>
+              </a:rPr>
+              <a:t> Our protocol uniquely combines QECC with an adaptive entanglement purification step. </a:t>
+            </a:r>
+          </a:p>
+          <a:p>
+            <a:pPr>
+              <a:buFont typeface="Wingdings" panose="020B0604020202020204" pitchFamily="34" charset="0"/>
+              <a:buChar char="Ø"/>
+            </a:pPr>
+            <a:r>
+              <a:rPr lang="en-US" b="1" dirty="0">
+                <a:latin typeface="Arial"/>
+                <a:cs typeface="Arial"/>
+              </a:rPr>
+              <a:t>Use of Quantum Correlation Metrics:</a:t>
+            </a:r>
+            <a:r>
+              <a:rPr lang="en-US" dirty="0">
+                <a:latin typeface="Arial"/>
+                <a:cs typeface="Arial"/>
+              </a:rPr>
+              <a:t> Employing QD and </a:t>
+            </a:r>
+            <a:r>
+              <a:rPr lang="en-US" dirty="0" err="1">
+                <a:latin typeface="Arial"/>
+                <a:cs typeface="Arial"/>
+              </a:rPr>
+              <a:t>EoF</a:t>
+            </a:r>
+            <a:r>
+              <a:rPr lang="en-US" dirty="0">
+                <a:latin typeface="Arial"/>
+                <a:cs typeface="Arial"/>
+              </a:rPr>
+              <a:t> to guide the purification process is novel. Traditional protocols mainly monitor fidelity, which doesn't capture the whole picture.</a:t>
+            </a:r>
+          </a:p>
+          <a:p>
+            <a:pPr>
+              <a:buFont typeface="Wingdings" panose="020B0604020202020204" pitchFamily="34" charset="0"/>
+              <a:buChar char="Ø"/>
+            </a:pPr>
+            <a:endParaRPr lang="en-US" sz="600" dirty="0">
+              <a:latin typeface="Arial"/>
+              <a:cs typeface="Arial"/>
+            </a:endParaRPr>
+          </a:p>
+          <a:p>
+            <a:pPr>
+              <a:buFont typeface="Wingdings" panose="020B0604020202020204" pitchFamily="34" charset="0"/>
+              <a:buChar char="Ø"/>
+            </a:pPr>
+            <a:r>
+              <a:rPr lang="en-US" b="1" dirty="0">
+                <a:latin typeface="Arial"/>
+                <a:cs typeface="Arial"/>
+              </a:rPr>
+              <a:t>Tailored Correction and Resource Efficiency:</a:t>
+            </a:r>
+            <a:r>
+              <a:rPr lang="en-US" dirty="0">
+                <a:latin typeface="Arial"/>
+                <a:cs typeface="Arial"/>
+              </a:rPr>
+              <a:t> By adaptively tuning the purification parameters based on the state’s current quantum correlations, we may recover a higher degree of entanglement compared to fixed protocols. </a:t>
+            </a:r>
+            <a:endParaRPr lang="en-US" dirty="0"/>
+          </a:p>
+          <a:p>
+            <a:pPr>
+              <a:buFont typeface="Wingdings" panose="020B0604020202020204" pitchFamily="34" charset="0"/>
+              <a:buChar char="Ø"/>
+            </a:pPr>
+            <a:endParaRPr lang="en-US" sz="600" dirty="0">
+              <a:latin typeface="Arial"/>
+              <a:cs typeface="Arial"/>
+            </a:endParaRPr>
+          </a:p>
+          <a:p>
+            <a:pPr>
+              <a:buFont typeface="Wingdings" panose="020B0604020202020204" pitchFamily="34" charset="0"/>
+              <a:buChar char="Ø"/>
+            </a:pPr>
+            <a:r>
+              <a:rPr lang="en-US" b="1" dirty="0">
+                <a:latin typeface="Arial"/>
+                <a:cs typeface="Arial"/>
+              </a:rPr>
+              <a:t>Robustness Against Noise:</a:t>
+            </a:r>
+            <a:r>
+              <a:rPr lang="en-US" dirty="0">
+                <a:latin typeface="Arial"/>
+                <a:cs typeface="Arial"/>
+              </a:rPr>
+              <a:t> Our combined strategy is designed to handle both phase and amplitude damping errors. By using advanced metrics (QD and </a:t>
+            </a:r>
+            <a:r>
+              <a:rPr lang="en-US" dirty="0" err="1">
+                <a:latin typeface="Arial"/>
+                <a:cs typeface="Arial"/>
+              </a:rPr>
+              <a:t>EoF</a:t>
+            </a:r>
+            <a:r>
+              <a:rPr lang="en-US" dirty="0">
+                <a:latin typeface="Arial"/>
+                <a:cs typeface="Arial"/>
+              </a:rPr>
+              <a:t>), the protocol might be extended for more general errors.</a:t>
+            </a:r>
+          </a:p>
+          <a:p>
+            <a:pPr>
+              <a:buFont typeface="Wingdings,Sans-Serif" panose="020B0604020202020204" pitchFamily="34" charset="0"/>
+              <a:buChar char="Ø"/>
+            </a:pPr>
+            <a:endParaRPr lang="en-US" sz="600" dirty="0">
+              <a:latin typeface="Arial"/>
+              <a:cs typeface="Arial"/>
+            </a:endParaRPr>
+          </a:p>
+          <a:p>
+            <a:pPr>
+              <a:buFont typeface="Wingdings,Sans-Serif" panose="020B0604020202020204" pitchFamily="34" charset="0"/>
+              <a:buChar char="Ø"/>
+            </a:pPr>
+            <a:r>
+              <a:rPr lang="en-US" b="1" dirty="0">
+                <a:latin typeface="Arial"/>
+                <a:cs typeface="Arial"/>
+              </a:rPr>
+              <a:t>Potential ML Integration:</a:t>
+            </a:r>
+            <a:r>
+              <a:rPr lang="en-US" dirty="0">
+                <a:latin typeface="Arial"/>
+                <a:cs typeface="Arial"/>
+              </a:rPr>
+              <a:t> We may use ML to relate </a:t>
+            </a:r>
+            <a:r>
+              <a:rPr lang="en-US" sz="2200" dirty="0">
+                <a:latin typeface="Arial"/>
+                <a:cs typeface="Arial"/>
+              </a:rPr>
+              <a:t>DEJMPS with </a:t>
+            </a:r>
+            <a:r>
+              <a:rPr lang="en-US" sz="2200" dirty="0" err="1">
+                <a:latin typeface="Arial"/>
+                <a:cs typeface="Arial"/>
+              </a:rPr>
+              <a:t>QD+EoF</a:t>
+            </a:r>
+            <a:r>
+              <a:rPr lang="en-US" sz="2200" dirty="0">
+                <a:latin typeface="Arial"/>
+                <a:cs typeface="Arial"/>
+              </a:rPr>
+              <a:t>.</a:t>
+            </a:r>
+            <a:endParaRPr lang="en-US" dirty="0"/>
+          </a:p>
+        </p:txBody>
+      </p:sp>
+      <p:sp>
+        <p:nvSpPr>
+          <p:cNvPr id="4" name="Footer Placeholder 3">
+            <a:extLst>
+              <a:ext uri="{FF2B5EF4-FFF2-40B4-BE49-F238E27FC236}">
+                <a16:creationId xmlns:a16="http://schemas.microsoft.com/office/drawing/2014/main" id="{E4CA039D-C72E-E3CC-49AE-38395F7ECF8C}"/>
+              </a:ext>
+            </a:extLst>
+          </p:cNvPr>
+          <p:cNvSpPr>
+            <a:spLocks noGrp="1"/>
+          </p:cNvSpPr>
+          <p:nvPr>
+            <p:ph type="ftr" sz="quarter" idx="11"/>
+          </p:nvPr>
+        </p:nvSpPr>
+        <p:spPr/>
+        <p:txBody>
+          <a:bodyPr/>
+          <a:lstStyle/>
+          <a:p>
+            <a:r>
+              <a:rPr lang="en-US" dirty="0"/>
+              <a:t>All Rights Reserved</a:t>
+            </a:r>
+          </a:p>
+        </p:txBody>
+      </p:sp>
+    </p:spTree>
+    <p:extLst>
+      <p:ext uri="{BB962C8B-B14F-4D97-AF65-F5344CB8AC3E}">
+        <p14:creationId xmlns:p14="http://schemas.microsoft.com/office/powerpoint/2010/main" val="582115935"/>
+      </p:ext>
+    </p:extLst>
+  </p:cSld>
+  <p:clrMapOvr>
+    <a:masterClrMapping/>
+  </p:clrMapOvr>
+</p:sld>
+</file>
+
+<file path=ppt/slides/slide6.xml><?xml version="1.0" encoding="utf-8"?>
+<p:sld xmlns:a="http://schemas.openxmlformats.org/drawingml/2006/main" xmlns:r="http://schemas.openxmlformats.org/officeDocument/2006/relationships" xmlns:p="http://schemas.openxmlformats.org/presentationml/2006/main">
+  <p:cSld>
+    <p:spTree>
+      <p:nvGrpSpPr>
+        <p:cNvPr id="1" name=""/>
+        <p:cNvGrpSpPr/>
+        <p:nvPr/>
+      </p:nvGrpSpPr>
+      <p:grpSpPr>
+        <a:xfrm>
+          <a:off x="0" y="0"/>
+          <a:ext cx="0" cy="0"/>
+          <a:chOff x="0" y="0"/>
+          <a:chExt cx="0" cy="0"/>
+        </a:xfrm>
+      </p:grpSpPr>
+      <p:sp>
+        <p:nvSpPr>
+          <p:cNvPr id="2" name="Title 1">
+            <a:extLst>
+              <a:ext uri="{FF2B5EF4-FFF2-40B4-BE49-F238E27FC236}">
+                <a16:creationId xmlns:a16="http://schemas.microsoft.com/office/drawing/2014/main" id="{4BDD9D30-01A2-C535-9767-4C48F6D050A2}"/>
+              </a:ext>
+            </a:extLst>
+          </p:cNvPr>
+          <p:cNvSpPr>
+            <a:spLocks noGrp="1"/>
+          </p:cNvSpPr>
+          <p:nvPr>
+            <p:ph type="title"/>
+          </p:nvPr>
+        </p:nvSpPr>
+        <p:spPr/>
+        <p:txBody>
+          <a:bodyPr/>
+          <a:lstStyle/>
+          <a:p>
+            <a:r>
+              <a:rPr lang="en-US" dirty="0">
+                <a:latin typeface="Arial"/>
+                <a:cs typeface="Arial"/>
+              </a:rPr>
+              <a:t>Applications</a:t>
+            </a:r>
+            <a:endParaRPr lang="en-US" dirty="0"/>
+          </a:p>
+        </p:txBody>
+      </p:sp>
+      <p:sp>
+        <p:nvSpPr>
+          <p:cNvPr id="3" name="Content Placeholder 2">
+            <a:extLst>
+              <a:ext uri="{FF2B5EF4-FFF2-40B4-BE49-F238E27FC236}">
+                <a16:creationId xmlns:a16="http://schemas.microsoft.com/office/drawing/2014/main" id="{2325B690-FC39-4ABA-A7DD-C920C2409729}"/>
+              </a:ext>
+            </a:extLst>
+          </p:cNvPr>
+          <p:cNvSpPr>
+            <a:spLocks noGrp="1"/>
+          </p:cNvSpPr>
+          <p:nvPr>
+            <p:ph idx="1"/>
+          </p:nvPr>
+        </p:nvSpPr>
+        <p:spPr/>
+        <p:txBody>
+          <a:bodyPr vert="horz" lIns="91440" tIns="45720" rIns="91440" bIns="45720" rtlCol="0" anchor="ctr">
+            <a:normAutofit/>
+          </a:bodyPr>
+          <a:lstStyle/>
+          <a:p>
+            <a:pPr>
+              <a:buFont typeface="Wingdings" panose="020B0604020202020204" pitchFamily="34" charset="0"/>
+              <a:buChar char="Ø"/>
+            </a:pPr>
+            <a:r>
+              <a:rPr lang="en-US" dirty="0">
+                <a:latin typeface="Arial"/>
+                <a:cs typeface="Arial"/>
+              </a:rPr>
+              <a:t>Developing next-gen quantum communication protocols with higher fidelity under realistic noise conditions.</a:t>
+            </a:r>
+          </a:p>
+          <a:p>
+            <a:pPr>
+              <a:buFont typeface="Wingdings" panose="020B0604020202020204" pitchFamily="34" charset="0"/>
+              <a:buChar char="Ø"/>
+            </a:pPr>
+            <a:r>
+              <a:rPr lang="en-US" dirty="0">
+                <a:latin typeface="Arial"/>
+                <a:cs typeface="Arial"/>
+              </a:rPr>
+              <a:t>Improving superdense coding schemes for more secure and higher-capacity quantum networks and QKD systems.</a:t>
+            </a:r>
+          </a:p>
+          <a:p>
+            <a:pPr>
+              <a:buFont typeface="Wingdings" panose="020B0604020202020204" pitchFamily="34" charset="0"/>
+              <a:buChar char="Ø"/>
+            </a:pPr>
+            <a:r>
+              <a:rPr lang="en-US" dirty="0">
+                <a:latin typeface="Arial"/>
+                <a:cs typeface="Arial"/>
+              </a:rPr>
+              <a:t>Informing hardware designs with adaptive error management to operate under NISQ-era limitations.</a:t>
+            </a:r>
+          </a:p>
+          <a:p>
+            <a:pPr>
+              <a:buFont typeface="Wingdings" panose="020B0604020202020204" pitchFamily="34" charset="0"/>
+              <a:buChar char="Ø"/>
+            </a:pPr>
+            <a:r>
+              <a:rPr lang="en-US" dirty="0">
+                <a:latin typeface="Arial"/>
+                <a:cs typeface="Arial"/>
+              </a:rPr>
+              <a:t>Exploring conceptual interest in integrating advanced quantum correlation measures for resource-optimized quantum protocols.</a:t>
+            </a:r>
+          </a:p>
+          <a:p>
+            <a:pPr>
+              <a:buFont typeface="Wingdings" panose="020B0604020202020204" pitchFamily="34" charset="0"/>
+              <a:buChar char="Ø"/>
+            </a:pPr>
+            <a:endParaRPr lang="en-US" dirty="0">
+              <a:latin typeface="Arial"/>
+              <a:cs typeface="Arial"/>
+            </a:endParaRPr>
+          </a:p>
+          <a:p>
+            <a:pPr marL="0" indent="0" algn="ctr">
+              <a:buNone/>
+            </a:pPr>
+            <a:r>
+              <a:rPr lang="en-US" sz="2000" b="1">
+                <a:latin typeface="Arial"/>
+                <a:cs typeface="Arial"/>
+              </a:rPr>
+              <a:t>Dense Coding is the basis of Quantum Internet. If successful, our approach can </a:t>
+            </a:r>
+            <a:r>
+              <a:rPr lang="en-US" sz="2000" b="1" dirty="0">
+                <a:latin typeface="Arial"/>
+                <a:cs typeface="Arial"/>
+              </a:rPr>
+              <a:t>make superdense coding and secure quantum communication more robust and resource-efficient, benefiting both fundamental research and practical implementations.</a:t>
+            </a:r>
+          </a:p>
+          <a:p>
+            <a:pPr>
+              <a:buFont typeface="Wingdings" panose="020B0604020202020204" pitchFamily="34" charset="0"/>
+              <a:buChar char="Ø"/>
+            </a:pPr>
+            <a:endParaRPr lang="en-US" dirty="0">
+              <a:latin typeface="Arial"/>
+              <a:cs typeface="Arial"/>
+            </a:endParaRPr>
+          </a:p>
+        </p:txBody>
+      </p:sp>
+      <p:sp>
+        <p:nvSpPr>
+          <p:cNvPr id="4" name="Footer Placeholder 3">
+            <a:extLst>
+              <a:ext uri="{FF2B5EF4-FFF2-40B4-BE49-F238E27FC236}">
+                <a16:creationId xmlns:a16="http://schemas.microsoft.com/office/drawing/2014/main" id="{F56AB909-30C3-DBAB-36F1-6E523B1572BA}"/>
+              </a:ext>
+            </a:extLst>
+          </p:cNvPr>
+          <p:cNvSpPr>
+            <a:spLocks noGrp="1"/>
+          </p:cNvSpPr>
+          <p:nvPr>
+            <p:ph type="ftr" sz="quarter" idx="11"/>
+          </p:nvPr>
+        </p:nvSpPr>
+        <p:spPr/>
+        <p:txBody>
+          <a:bodyPr/>
+          <a:lstStyle/>
+          <a:p>
+            <a:r>
+              <a:rPr lang="en-US" dirty="0"/>
+              <a:t>All Rights Reserved</a:t>
+            </a:r>
+          </a:p>
+        </p:txBody>
+      </p:sp>
+    </p:spTree>
+    <p:extLst>
+      <p:ext uri="{BB962C8B-B14F-4D97-AF65-F5344CB8AC3E}">
+        <p14:creationId xmlns:p14="http://schemas.microsoft.com/office/powerpoint/2010/main" val="2328405071"/>
+      </p:ext>
+    </p:extLst>
+  </p:cSld>
+  <p:clrMapOvr>
+    <a:masterClrMapping/>
+  </p:clrMapOvr>
+</p:sld>
+</file>
+
+<file path=ppt/slides/slide7.xml><?xml version="1.0" encoding="utf-8"?>
 <p:sld xmlns:a="http://schemas.openxmlformats.org/drawingml/2006/main" xmlns:r="http://schemas.openxmlformats.org/officeDocument/2006/relationships" xmlns:p="http://schemas.openxmlformats.org/presentationml/2006/main">
   <p:cSld>
     <p:spTree>
@@ -13116,7 +16348,7 @@
 </p:sld>
 </file>
 
-<file path=ppt/slides/slide5.xml><?xml version="1.0" encoding="utf-8"?>
+<file path=ppt/slides/slide8.xml><?xml version="1.0" encoding="utf-8"?>
 <p:sld xmlns:a="http://schemas.openxmlformats.org/drawingml/2006/main" xmlns:r="http://schemas.openxmlformats.org/officeDocument/2006/relationships" xmlns:p="http://schemas.openxmlformats.org/presentationml/2006/main">
   <p:cSld>
     <p:spTree>
@@ -13161,8 +16393,8 @@
           </a:p>
         </p:txBody>
       </p:sp>
-      <mc:AlternateContent xmlns:mc="http://schemas.openxmlformats.org/markup-compatibility/2006">
-        <mc:Choice xmlns:a14="http://schemas.microsoft.com/office/drawing/2010/main" Requires="a14">
+      <mc:AlternateContent xmlns:mc="http://schemas.openxmlformats.org/markup-compatibility/2006" xmlns:a14="http://schemas.microsoft.com/office/drawing/2010/main">
+        <mc:Choice Requires="a14">
           <p:sp>
             <p:nvSpPr>
               <p:cNvPr id="3" name="Content Placeholder 2">
@@ -13740,7 +16972,7 @@
             </p:txBody>
           </p:sp>
         </mc:Choice>
-        <mc:Fallback>
+        <mc:Fallback xmlns="">
           <p:sp>
             <p:nvSpPr>
               <p:cNvPr id="3" name="Content Placeholder 2">
@@ -13822,7 +17054,7 @@
 </p:sld>
 </file>
 
-<file path=ppt/slides/slide6.xml><?xml version="1.0" encoding="utf-8"?>
+<file path=ppt/slides/slide9.xml><?xml version="1.0" encoding="utf-8"?>
 <p:sld xmlns:a="http://schemas.openxmlformats.org/drawingml/2006/main" xmlns:r="http://schemas.openxmlformats.org/officeDocument/2006/relationships" xmlns:p="http://schemas.openxmlformats.org/presentationml/2006/main">
   <p:cSld>
     <p:spTree>
@@ -13867,8 +17099,8 @@
           </a:p>
         </p:txBody>
       </p:sp>
-      <mc:AlternateContent xmlns:mc="http://schemas.openxmlformats.org/markup-compatibility/2006">
-        <mc:Choice xmlns:a14="http://schemas.microsoft.com/office/drawing/2010/main" Requires="a14">
+      <mc:AlternateContent xmlns:mc="http://schemas.openxmlformats.org/markup-compatibility/2006" xmlns:a14="http://schemas.microsoft.com/office/drawing/2010/main">
+        <mc:Choice Requires="a14">
           <p:sp>
             <p:nvSpPr>
               <p:cNvPr id="3" name="Content Placeholder 2">
@@ -14397,7 +17629,7 @@
             </p:txBody>
           </p:sp>
         </mc:Choice>
-        <mc:Fallback>
+        <mc:Fallback xmlns="">
           <p:sp>
             <p:nvSpPr>
               <p:cNvPr id="3" name="Content Placeholder 2">
@@ -14470,2328 +17702,6 @@
     <p:extLst>
       <p:ext uri="{BB962C8B-B14F-4D97-AF65-F5344CB8AC3E}">
         <p14:creationId xmlns:p14="http://schemas.microsoft.com/office/powerpoint/2010/main" val="4244588319"/>
-      </p:ext>
-    </p:extLst>
-  </p:cSld>
-  <p:clrMapOvr>
-    <a:masterClrMapping/>
-  </p:clrMapOvr>
-</p:sld>
-</file>
-
-<file path=ppt/slides/slide7.xml><?xml version="1.0" encoding="utf-8"?>
-<p:sld xmlns:a="http://schemas.openxmlformats.org/drawingml/2006/main" xmlns:r="http://schemas.openxmlformats.org/officeDocument/2006/relationships" xmlns:p="http://schemas.openxmlformats.org/presentationml/2006/main">
-  <p:cSld>
-    <p:spTree>
-      <p:nvGrpSpPr>
-        <p:cNvPr id="1" name=""/>
-        <p:cNvGrpSpPr/>
-        <p:nvPr/>
-      </p:nvGrpSpPr>
-      <p:grpSpPr>
-        <a:xfrm>
-          <a:off x="0" y="0"/>
-          <a:ext cx="0" cy="0"/>
-          <a:chOff x="0" y="0"/>
-          <a:chExt cx="0" cy="0"/>
-        </a:xfrm>
-      </p:grpSpPr>
-      <p:sp>
-        <p:nvSpPr>
-          <p:cNvPr id="2" name="Title 1">
-            <a:extLst>
-              <a:ext uri="{FF2B5EF4-FFF2-40B4-BE49-F238E27FC236}">
-                <a16:creationId xmlns:a16="http://schemas.microsoft.com/office/drawing/2014/main" id="{74C31AB2-1444-F1F1-DC4C-6A484C6F5751}"/>
-              </a:ext>
-            </a:extLst>
-          </p:cNvPr>
-          <p:cNvSpPr>
-            <a:spLocks noGrp="1"/>
-          </p:cNvSpPr>
-          <p:nvPr>
-            <p:ph type="title"/>
-          </p:nvPr>
-        </p:nvSpPr>
-        <p:spPr/>
-        <p:txBody>
-          <a:bodyPr/>
-          <a:lstStyle/>
-          <a:p>
-            <a:r>
-              <a:rPr lang="en-US" dirty="0"/>
-              <a:t>5 Qubit Code</a:t>
-            </a:r>
-          </a:p>
-        </p:txBody>
-      </p:sp>
-      <mc:AlternateContent xmlns:mc="http://schemas.openxmlformats.org/markup-compatibility/2006" xmlns:a14="http://schemas.microsoft.com/office/drawing/2010/main">
-        <mc:Choice Requires="a14">
-          <p:sp>
-            <p:nvSpPr>
-              <p:cNvPr id="3" name="Content Placeholder 2">
-                <a:extLst>
-                  <a:ext uri="{FF2B5EF4-FFF2-40B4-BE49-F238E27FC236}">
-                    <a16:creationId xmlns:a16="http://schemas.microsoft.com/office/drawing/2014/main" id="{3D553E29-0D6F-CC3E-65A6-757E5C5723BE}"/>
-                  </a:ext>
-                </a:extLst>
-              </p:cNvPr>
-              <p:cNvSpPr>
-                <a:spLocks noGrp="1"/>
-              </p:cNvSpPr>
-              <p:nvPr>
-                <p:ph idx="1"/>
-              </p:nvPr>
-            </p:nvSpPr>
-            <p:spPr/>
-            <p:txBody>
-              <a:bodyPr/>
-              <a:lstStyle/>
-              <a:p>
-                <a:pPr>
-                  <a:buFont typeface="Wingdings" panose="05000000000000000000" pitchFamily="2" charset="2"/>
-                  <a:buChar char="Ø"/>
-                </a:pPr>
-                <a:r>
-                  <a:rPr lang="en-US" dirty="0"/>
-                  <a:t> Smallest QECC to correct any arbitrary single qubit errors.</a:t>
-                </a:r>
-              </a:p>
-              <a:p>
-                <a:pPr>
-                  <a:buFont typeface="Wingdings" panose="05000000000000000000" pitchFamily="2" charset="2"/>
-                  <a:buChar char="Ø"/>
-                </a:pPr>
-                <a:endParaRPr lang="en-US" dirty="0"/>
-              </a:p>
-              <a:p>
-                <a:pPr>
-                  <a:buFont typeface="Wingdings" panose="05000000000000000000" pitchFamily="2" charset="2"/>
-                  <a:buChar char="Ø"/>
-                </a:pPr>
-                <a:r>
-                  <a:rPr lang="en-US" dirty="0"/>
-                  <a:t> Stabilizers: </a:t>
-                </a:r>
-              </a:p>
-              <a:p>
-                <a:pPr marL="0" indent="0">
-                  <a:buNone/>
-                </a:pPr>
-                <a14:m>
-                  <m:oMathPara xmlns:m="http://schemas.openxmlformats.org/officeDocument/2006/math">
-                    <m:oMathParaPr>
-                      <m:jc m:val="centerGroup"/>
-                    </m:oMathParaPr>
-                    <m:oMath xmlns:m="http://schemas.openxmlformats.org/officeDocument/2006/math">
-                      <m:r>
-                        <a:rPr lang="en-US" i="1" smtClean="0">
-                          <a:latin typeface="Cambria Math" panose="02040503050406030204" pitchFamily="18" charset="0"/>
-                        </a:rPr>
-                        <m:t>⟨</m:t>
-                      </m:r>
-                      <m:r>
-                        <a:rPr lang="en-US" b="0" i="1" smtClean="0">
-                          <a:latin typeface="Cambria Math" panose="02040503050406030204" pitchFamily="18" charset="0"/>
-                        </a:rPr>
-                        <m:t>𝑋𝑍𝑍𝑋𝐼</m:t>
-                      </m:r>
-                      <m:r>
-                        <a:rPr lang="en-US" b="0" i="1" smtClean="0">
-                          <a:latin typeface="Cambria Math" panose="02040503050406030204" pitchFamily="18" charset="0"/>
-                        </a:rPr>
-                        <m:t>, </m:t>
-                      </m:r>
-                      <m:r>
-                        <a:rPr lang="en-US" b="0" i="1" smtClean="0">
-                          <a:latin typeface="Cambria Math" panose="02040503050406030204" pitchFamily="18" charset="0"/>
-                        </a:rPr>
-                        <m:t>𝐼𝑋𝑍𝑍𝑋</m:t>
-                      </m:r>
-                      <m:r>
-                        <a:rPr lang="en-US" b="0" i="1" smtClean="0">
-                          <a:latin typeface="Cambria Math" panose="02040503050406030204" pitchFamily="18" charset="0"/>
-                        </a:rPr>
-                        <m:t>,</m:t>
-                      </m:r>
-                      <m:r>
-                        <a:rPr lang="en-US" b="0" i="1" smtClean="0">
-                          <a:latin typeface="Cambria Math" panose="02040503050406030204" pitchFamily="18" charset="0"/>
-                        </a:rPr>
-                        <m:t>𝑋𝐼𝑋𝑍𝑍</m:t>
-                      </m:r>
-                      <m:r>
-                        <a:rPr lang="en-US" b="0" i="1" smtClean="0">
-                          <a:latin typeface="Cambria Math" panose="02040503050406030204" pitchFamily="18" charset="0"/>
-                        </a:rPr>
-                        <m:t>,</m:t>
-                      </m:r>
-                      <m:r>
-                        <a:rPr lang="en-US" b="0" i="1" smtClean="0">
-                          <a:latin typeface="Cambria Math" panose="02040503050406030204" pitchFamily="18" charset="0"/>
-                        </a:rPr>
-                        <m:t>𝑍𝑋𝐼𝑋𝑍</m:t>
-                      </m:r>
-                      <m:r>
-                        <a:rPr lang="en-US" b="0" i="1" smtClean="0">
-                          <a:latin typeface="Cambria Math" panose="02040503050406030204" pitchFamily="18" charset="0"/>
-                        </a:rPr>
-                        <m:t>⟩</m:t>
-                      </m:r>
-                    </m:oMath>
-                  </m:oMathPara>
-                </a14:m>
-                <a:endParaRPr lang="en-US" dirty="0"/>
-              </a:p>
-              <a:p>
-                <a:pPr marL="0" indent="0">
-                  <a:buNone/>
-                </a:pPr>
-                <a:endParaRPr lang="en-US" dirty="0"/>
-              </a:p>
-              <a:p>
-                <a:pPr>
-                  <a:buFont typeface="Wingdings" panose="05000000000000000000" pitchFamily="2" charset="2"/>
-                  <a:buChar char="Ø"/>
-                </a:pPr>
-                <a:r>
-                  <a:rPr lang="en-US" dirty="0"/>
-                  <a:t> Logical qubits:</a:t>
-                </a:r>
-              </a:p>
-              <a:p>
-                <a:pPr marL="0" indent="0">
-                  <a:buNone/>
-                </a:pPr>
-                <a14:m>
-                  <m:oMathPara xmlns:m="http://schemas.openxmlformats.org/officeDocument/2006/math">
-                    <m:oMathParaPr>
-                      <m:jc m:val="centerGroup"/>
-                    </m:oMathParaPr>
-                    <m:oMath xmlns:m="http://schemas.openxmlformats.org/officeDocument/2006/math">
-                      <m:sSub>
-                        <m:sSubPr>
-                          <m:ctrlPr>
-                            <a:rPr lang="en-US" b="0" i="1" smtClean="0">
-                              <a:latin typeface="Cambria Math" panose="02040503050406030204" pitchFamily="18" charset="0"/>
-                            </a:rPr>
-                          </m:ctrlPr>
-                        </m:sSubPr>
-                        <m:e>
-                          <m:r>
-                            <a:rPr lang="en-US" b="0" i="1" smtClean="0">
-                              <a:latin typeface="Cambria Math" panose="02040503050406030204" pitchFamily="18" charset="0"/>
-                            </a:rPr>
-                            <m:t>𝑋</m:t>
-                          </m:r>
-                        </m:e>
-                        <m:sub>
-                          <m:r>
-                            <a:rPr lang="en-US" b="0" i="1" smtClean="0">
-                              <a:latin typeface="Cambria Math" panose="02040503050406030204" pitchFamily="18" charset="0"/>
-                            </a:rPr>
-                            <m:t>𝐿</m:t>
-                          </m:r>
-                        </m:sub>
-                      </m:sSub>
-                      <m:r>
-                        <a:rPr lang="en-US" b="0" i="1" smtClean="0">
-                          <a:latin typeface="Cambria Math" panose="02040503050406030204" pitchFamily="18" charset="0"/>
-                        </a:rPr>
-                        <m:t>=</m:t>
-                      </m:r>
-                      <m:r>
-                        <a:rPr lang="en-US" b="0" i="1" smtClean="0">
-                          <a:latin typeface="Cambria Math" panose="02040503050406030204" pitchFamily="18" charset="0"/>
-                        </a:rPr>
-                        <m:t>𝑋𝑋𝑋𝑋𝑋</m:t>
-                      </m:r>
-                      <m:r>
-                        <a:rPr lang="en-US" b="0" i="1" smtClean="0">
-                          <a:latin typeface="Cambria Math" panose="02040503050406030204" pitchFamily="18" charset="0"/>
-                        </a:rPr>
-                        <m:t>, </m:t>
-                      </m:r>
-                      <m:sSub>
-                        <m:sSubPr>
-                          <m:ctrlPr>
-                            <a:rPr lang="en-US" b="0" i="1" smtClean="0">
-                              <a:latin typeface="Cambria Math" panose="02040503050406030204" pitchFamily="18" charset="0"/>
-                            </a:rPr>
-                          </m:ctrlPr>
-                        </m:sSubPr>
-                        <m:e>
-                          <m:r>
-                            <a:rPr lang="en-US" b="0" i="1" smtClean="0">
-                              <a:latin typeface="Cambria Math" panose="02040503050406030204" pitchFamily="18" charset="0"/>
-                            </a:rPr>
-                            <m:t>𝑍</m:t>
-                          </m:r>
-                        </m:e>
-                        <m:sub>
-                          <m:r>
-                            <a:rPr lang="en-US" b="0" i="1" smtClean="0">
-                              <a:latin typeface="Cambria Math" panose="02040503050406030204" pitchFamily="18" charset="0"/>
-                            </a:rPr>
-                            <m:t>𝐿</m:t>
-                          </m:r>
-                        </m:sub>
-                      </m:sSub>
-                      <m:r>
-                        <a:rPr lang="en-US" b="0" i="1" smtClean="0">
-                          <a:latin typeface="Cambria Math" panose="02040503050406030204" pitchFamily="18" charset="0"/>
-                        </a:rPr>
-                        <m:t>=</m:t>
-                      </m:r>
-                      <m:r>
-                        <a:rPr lang="en-US" b="0" i="1" smtClean="0">
-                          <a:latin typeface="Cambria Math" panose="02040503050406030204" pitchFamily="18" charset="0"/>
-                        </a:rPr>
-                        <m:t>𝑍𝑍𝑍𝑍𝑍</m:t>
-                      </m:r>
-                    </m:oMath>
-                  </m:oMathPara>
-                </a14:m>
-                <a:endParaRPr lang="en-US" dirty="0"/>
-              </a:p>
-              <a:p>
-                <a:pPr marL="0" indent="0">
-                  <a:buNone/>
-                </a:pPr>
-                <a:endParaRPr lang="en-US" dirty="0"/>
-              </a:p>
-              <a:p>
-                <a:pPr marL="0" indent="0" algn="ctr">
-                  <a:buNone/>
-                </a:pPr>
-                <a14:m>
-                  <m:oMath xmlns:m="http://schemas.openxmlformats.org/officeDocument/2006/math">
-                    <m:sSub>
-                      <m:sSubPr>
-                        <m:ctrlPr>
-                          <a:rPr lang="en-US" b="0" i="1" smtClean="0">
-                            <a:latin typeface="Cambria Math" panose="02040503050406030204" pitchFamily="18" charset="0"/>
-                          </a:rPr>
-                        </m:ctrlPr>
-                      </m:sSubPr>
-                      <m:e>
-                        <m:r>
-                          <a:rPr lang="en-US" b="0" i="1" smtClean="0">
-                            <a:latin typeface="Cambria Math" panose="02040503050406030204" pitchFamily="18" charset="0"/>
-                          </a:rPr>
-                          <m:t>𝑋</m:t>
-                        </m:r>
-                      </m:e>
-                      <m:sub>
-                        <m:r>
-                          <a:rPr lang="en-US" b="0" i="1" smtClean="0">
-                            <a:latin typeface="Cambria Math" panose="02040503050406030204" pitchFamily="18" charset="0"/>
-                          </a:rPr>
-                          <m:t>𝐿</m:t>
-                        </m:r>
-                      </m:sub>
-                    </m:sSub>
-                    <m:r>
-                      <a:rPr lang="en-US" b="0" i="1" smtClean="0">
-                        <a:latin typeface="Cambria Math" panose="02040503050406030204" pitchFamily="18" charset="0"/>
-                      </a:rPr>
-                      <m:t> </m:t>
-                    </m:r>
-                    <m:sSub>
-                      <m:sSubPr>
-                        <m:ctrlPr>
-                          <a:rPr lang="en-US" b="0" i="1" smtClean="0">
-                            <a:latin typeface="Cambria Math" panose="02040503050406030204" pitchFamily="18" charset="0"/>
-                          </a:rPr>
-                        </m:ctrlPr>
-                      </m:sSubPr>
-                      <m:e>
-                        <m:d>
-                          <m:dPr>
-                            <m:begChr m:val="|"/>
-                            <m:endChr m:val="⟩"/>
-                            <m:ctrlPr>
-                              <a:rPr lang="en-US" b="0" i="1" smtClean="0">
-                                <a:latin typeface="Cambria Math" panose="02040503050406030204" pitchFamily="18" charset="0"/>
-                              </a:rPr>
-                            </m:ctrlPr>
-                          </m:dPr>
-                          <m:e>
-                            <m:r>
-                              <a:rPr lang="en-US" b="0" i="1" smtClean="0">
-                                <a:latin typeface="Cambria Math" panose="02040503050406030204" pitchFamily="18" charset="0"/>
-                              </a:rPr>
-                              <m:t>0</m:t>
-                            </m:r>
-                          </m:e>
-                        </m:d>
-                      </m:e>
-                      <m:sub>
-                        <m:r>
-                          <a:rPr lang="en-US" b="0" i="1" smtClean="0">
-                            <a:latin typeface="Cambria Math" panose="02040503050406030204" pitchFamily="18" charset="0"/>
-                          </a:rPr>
-                          <m:t>𝐿</m:t>
-                        </m:r>
-                      </m:sub>
-                    </m:sSub>
-                    <m:r>
-                      <a:rPr lang="en-US" b="0" i="1" smtClean="0">
-                        <a:latin typeface="Cambria Math" panose="02040503050406030204" pitchFamily="18" charset="0"/>
-                      </a:rPr>
-                      <m:t>=</m:t>
-                    </m:r>
-                    <m:sSub>
-                      <m:sSubPr>
-                        <m:ctrlPr>
-                          <a:rPr lang="en-US" b="0" i="1" smtClean="0">
-                            <a:latin typeface="Cambria Math" panose="02040503050406030204" pitchFamily="18" charset="0"/>
-                          </a:rPr>
-                        </m:ctrlPr>
-                      </m:sSubPr>
-                      <m:e>
-                        <m:d>
-                          <m:dPr>
-                            <m:begChr m:val="|"/>
-                            <m:endChr m:val="⟩"/>
-                            <m:ctrlPr>
-                              <a:rPr lang="en-US" b="0" i="1" smtClean="0">
-                                <a:latin typeface="Cambria Math" panose="02040503050406030204" pitchFamily="18" charset="0"/>
-                              </a:rPr>
-                            </m:ctrlPr>
-                          </m:dPr>
-                          <m:e>
-                            <m:r>
-                              <a:rPr lang="en-US" b="0" i="1" smtClean="0">
-                                <a:latin typeface="Cambria Math" panose="02040503050406030204" pitchFamily="18" charset="0"/>
-                              </a:rPr>
-                              <m:t>1</m:t>
-                            </m:r>
-                          </m:e>
-                        </m:d>
-                      </m:e>
-                      <m:sub>
-                        <m:r>
-                          <a:rPr lang="en-US" b="0" i="1" smtClean="0">
-                            <a:latin typeface="Cambria Math" panose="02040503050406030204" pitchFamily="18" charset="0"/>
-                          </a:rPr>
-                          <m:t>𝐿</m:t>
-                        </m:r>
-                      </m:sub>
-                    </m:sSub>
-                  </m:oMath>
-                </a14:m>
-                <a:r>
-                  <a:rPr lang="en-US" dirty="0"/>
-                  <a:t>, </a:t>
-                </a:r>
-                <a14:m>
-                  <m:oMath xmlns:m="http://schemas.openxmlformats.org/officeDocument/2006/math">
-                    <m:sSub>
-                      <m:sSubPr>
-                        <m:ctrlPr>
-                          <a:rPr lang="en-US" i="1">
-                            <a:latin typeface="Cambria Math" panose="02040503050406030204" pitchFamily="18" charset="0"/>
-                          </a:rPr>
-                        </m:ctrlPr>
-                      </m:sSubPr>
-                      <m:e>
-                        <m:r>
-                          <a:rPr lang="en-US" i="1">
-                            <a:latin typeface="Cambria Math" panose="02040503050406030204" pitchFamily="18" charset="0"/>
-                          </a:rPr>
-                          <m:t>𝑋</m:t>
-                        </m:r>
-                      </m:e>
-                      <m:sub>
-                        <m:r>
-                          <a:rPr lang="en-US" i="1">
-                            <a:latin typeface="Cambria Math" panose="02040503050406030204" pitchFamily="18" charset="0"/>
-                          </a:rPr>
-                          <m:t>𝐿</m:t>
-                        </m:r>
-                      </m:sub>
-                    </m:sSub>
-                    <m:r>
-                      <a:rPr lang="en-US" i="1">
-                        <a:latin typeface="Cambria Math" panose="02040503050406030204" pitchFamily="18" charset="0"/>
-                      </a:rPr>
-                      <m:t> </m:t>
-                    </m:r>
-                    <m:sSub>
-                      <m:sSubPr>
-                        <m:ctrlPr>
-                          <a:rPr lang="en-US" i="1">
-                            <a:latin typeface="Cambria Math" panose="02040503050406030204" pitchFamily="18" charset="0"/>
-                          </a:rPr>
-                        </m:ctrlPr>
-                      </m:sSubPr>
-                      <m:e>
-                        <m:d>
-                          <m:dPr>
-                            <m:begChr m:val="|"/>
-                            <m:endChr m:val="⟩"/>
-                            <m:ctrlPr>
-                              <a:rPr lang="en-US" i="1">
-                                <a:latin typeface="Cambria Math" panose="02040503050406030204" pitchFamily="18" charset="0"/>
-                              </a:rPr>
-                            </m:ctrlPr>
-                          </m:dPr>
-                          <m:e>
-                            <m:r>
-                              <a:rPr lang="en-US" b="0" i="1" smtClean="0">
-                                <a:latin typeface="Cambria Math" panose="02040503050406030204" pitchFamily="18" charset="0"/>
-                              </a:rPr>
-                              <m:t>1</m:t>
-                            </m:r>
-                          </m:e>
-                        </m:d>
-                      </m:e>
-                      <m:sub>
-                        <m:r>
-                          <a:rPr lang="en-US" i="1">
-                            <a:latin typeface="Cambria Math" panose="02040503050406030204" pitchFamily="18" charset="0"/>
-                          </a:rPr>
-                          <m:t>𝐿</m:t>
-                        </m:r>
-                      </m:sub>
-                    </m:sSub>
-                    <m:r>
-                      <a:rPr lang="en-US" i="1">
-                        <a:latin typeface="Cambria Math" panose="02040503050406030204" pitchFamily="18" charset="0"/>
-                      </a:rPr>
-                      <m:t>=</m:t>
-                    </m:r>
-                    <m:sSub>
-                      <m:sSubPr>
-                        <m:ctrlPr>
-                          <a:rPr lang="en-US" i="1">
-                            <a:latin typeface="Cambria Math" panose="02040503050406030204" pitchFamily="18" charset="0"/>
-                          </a:rPr>
-                        </m:ctrlPr>
-                      </m:sSubPr>
-                      <m:e>
-                        <m:d>
-                          <m:dPr>
-                            <m:begChr m:val="|"/>
-                            <m:endChr m:val="⟩"/>
-                            <m:ctrlPr>
-                              <a:rPr lang="en-US" i="1">
-                                <a:latin typeface="Cambria Math" panose="02040503050406030204" pitchFamily="18" charset="0"/>
-                              </a:rPr>
-                            </m:ctrlPr>
-                          </m:dPr>
-                          <m:e>
-                            <m:r>
-                              <a:rPr lang="en-US" b="0" i="1" smtClean="0">
-                                <a:latin typeface="Cambria Math" panose="02040503050406030204" pitchFamily="18" charset="0"/>
-                              </a:rPr>
-                              <m:t>0</m:t>
-                            </m:r>
-                          </m:e>
-                        </m:d>
-                      </m:e>
-                      <m:sub>
-                        <m:r>
-                          <a:rPr lang="en-US" i="1">
-                            <a:latin typeface="Cambria Math" panose="02040503050406030204" pitchFamily="18" charset="0"/>
-                          </a:rPr>
-                          <m:t>𝐿</m:t>
-                        </m:r>
-                      </m:sub>
-                    </m:sSub>
-                  </m:oMath>
-                </a14:m>
-                <a:endParaRPr lang="en-US" dirty="0"/>
-              </a:p>
-              <a:p>
-                <a:pPr marL="0" indent="0" algn="ctr">
-                  <a:buNone/>
-                </a:pPr>
-                <a:r>
-                  <a:rPr lang="en-US" dirty="0"/>
-                  <a:t> </a:t>
-                </a:r>
-                <a14:m>
-                  <m:oMath xmlns:m="http://schemas.openxmlformats.org/officeDocument/2006/math">
-                    <m:sSub>
-                      <m:sSubPr>
-                        <m:ctrlPr>
-                          <a:rPr lang="en-US" i="1">
-                            <a:latin typeface="Cambria Math" panose="02040503050406030204" pitchFamily="18" charset="0"/>
-                          </a:rPr>
-                        </m:ctrlPr>
-                      </m:sSubPr>
-                      <m:e>
-                        <m:r>
-                          <a:rPr lang="en-US" b="0" i="1" smtClean="0">
-                            <a:latin typeface="Cambria Math" panose="02040503050406030204" pitchFamily="18" charset="0"/>
-                          </a:rPr>
-                          <m:t>𝑍</m:t>
-                        </m:r>
-                      </m:e>
-                      <m:sub>
-                        <m:r>
-                          <a:rPr lang="en-US" i="1">
-                            <a:latin typeface="Cambria Math" panose="02040503050406030204" pitchFamily="18" charset="0"/>
-                          </a:rPr>
-                          <m:t>𝐿</m:t>
-                        </m:r>
-                      </m:sub>
-                    </m:sSub>
-                    <m:r>
-                      <a:rPr lang="en-US" i="1">
-                        <a:latin typeface="Cambria Math" panose="02040503050406030204" pitchFamily="18" charset="0"/>
-                      </a:rPr>
-                      <m:t> </m:t>
-                    </m:r>
-                    <m:sSub>
-                      <m:sSubPr>
-                        <m:ctrlPr>
-                          <a:rPr lang="en-US" i="1">
-                            <a:latin typeface="Cambria Math" panose="02040503050406030204" pitchFamily="18" charset="0"/>
-                          </a:rPr>
-                        </m:ctrlPr>
-                      </m:sSubPr>
-                      <m:e>
-                        <m:d>
-                          <m:dPr>
-                            <m:begChr m:val="|"/>
-                            <m:endChr m:val="⟩"/>
-                            <m:ctrlPr>
-                              <a:rPr lang="en-US" i="1">
-                                <a:latin typeface="Cambria Math" panose="02040503050406030204" pitchFamily="18" charset="0"/>
-                              </a:rPr>
-                            </m:ctrlPr>
-                          </m:dPr>
-                          <m:e>
-                            <m:r>
-                              <a:rPr lang="en-US" i="1">
-                                <a:latin typeface="Cambria Math" panose="02040503050406030204" pitchFamily="18" charset="0"/>
-                              </a:rPr>
-                              <m:t>0</m:t>
-                            </m:r>
-                          </m:e>
-                        </m:d>
-                      </m:e>
-                      <m:sub>
-                        <m:r>
-                          <a:rPr lang="en-US" i="1">
-                            <a:latin typeface="Cambria Math" panose="02040503050406030204" pitchFamily="18" charset="0"/>
-                          </a:rPr>
-                          <m:t>𝐿</m:t>
-                        </m:r>
-                      </m:sub>
-                    </m:sSub>
-                    <m:r>
-                      <a:rPr lang="en-US" i="1">
-                        <a:latin typeface="Cambria Math" panose="02040503050406030204" pitchFamily="18" charset="0"/>
-                      </a:rPr>
-                      <m:t>=</m:t>
-                    </m:r>
-                    <m:sSub>
-                      <m:sSubPr>
-                        <m:ctrlPr>
-                          <a:rPr lang="en-US" i="1">
-                            <a:latin typeface="Cambria Math" panose="02040503050406030204" pitchFamily="18" charset="0"/>
-                          </a:rPr>
-                        </m:ctrlPr>
-                      </m:sSubPr>
-                      <m:e>
-                        <m:d>
-                          <m:dPr>
-                            <m:begChr m:val="|"/>
-                            <m:endChr m:val="⟩"/>
-                            <m:ctrlPr>
-                              <a:rPr lang="en-US" i="1">
-                                <a:latin typeface="Cambria Math" panose="02040503050406030204" pitchFamily="18" charset="0"/>
-                              </a:rPr>
-                            </m:ctrlPr>
-                          </m:dPr>
-                          <m:e>
-                            <m:r>
-                              <a:rPr lang="en-US" b="0" i="1" smtClean="0">
-                                <a:latin typeface="Cambria Math" panose="02040503050406030204" pitchFamily="18" charset="0"/>
-                              </a:rPr>
-                              <m:t>0</m:t>
-                            </m:r>
-                          </m:e>
-                        </m:d>
-                      </m:e>
-                      <m:sub>
-                        <m:r>
-                          <a:rPr lang="en-US" i="1">
-                            <a:latin typeface="Cambria Math" panose="02040503050406030204" pitchFamily="18" charset="0"/>
-                          </a:rPr>
-                          <m:t>𝐿</m:t>
-                        </m:r>
-                      </m:sub>
-                    </m:sSub>
-                  </m:oMath>
-                </a14:m>
-                <a:r>
-                  <a:rPr lang="en-US" dirty="0"/>
-                  <a:t>, </a:t>
-                </a:r>
-                <a14:m>
-                  <m:oMath xmlns:m="http://schemas.openxmlformats.org/officeDocument/2006/math">
-                    <m:sSub>
-                      <m:sSubPr>
-                        <m:ctrlPr>
-                          <a:rPr lang="en-US" i="1">
-                            <a:latin typeface="Cambria Math" panose="02040503050406030204" pitchFamily="18" charset="0"/>
-                          </a:rPr>
-                        </m:ctrlPr>
-                      </m:sSubPr>
-                      <m:e>
-                        <m:r>
-                          <a:rPr lang="en-US" b="0" i="1" smtClean="0">
-                            <a:latin typeface="Cambria Math" panose="02040503050406030204" pitchFamily="18" charset="0"/>
-                          </a:rPr>
-                          <m:t>𝑍</m:t>
-                        </m:r>
-                      </m:e>
-                      <m:sub>
-                        <m:r>
-                          <a:rPr lang="en-US" i="1">
-                            <a:latin typeface="Cambria Math" panose="02040503050406030204" pitchFamily="18" charset="0"/>
-                          </a:rPr>
-                          <m:t>𝐿</m:t>
-                        </m:r>
-                      </m:sub>
-                    </m:sSub>
-                    <m:r>
-                      <a:rPr lang="en-US" i="1">
-                        <a:latin typeface="Cambria Math" panose="02040503050406030204" pitchFamily="18" charset="0"/>
-                      </a:rPr>
-                      <m:t> </m:t>
-                    </m:r>
-                    <m:sSub>
-                      <m:sSubPr>
-                        <m:ctrlPr>
-                          <a:rPr lang="en-US" i="1">
-                            <a:latin typeface="Cambria Math" panose="02040503050406030204" pitchFamily="18" charset="0"/>
-                          </a:rPr>
-                        </m:ctrlPr>
-                      </m:sSubPr>
-                      <m:e>
-                        <m:d>
-                          <m:dPr>
-                            <m:begChr m:val="|"/>
-                            <m:endChr m:val="⟩"/>
-                            <m:ctrlPr>
-                              <a:rPr lang="en-US" i="1">
-                                <a:latin typeface="Cambria Math" panose="02040503050406030204" pitchFamily="18" charset="0"/>
-                              </a:rPr>
-                            </m:ctrlPr>
-                          </m:dPr>
-                          <m:e>
-                            <m:r>
-                              <a:rPr lang="en-US" i="1">
-                                <a:latin typeface="Cambria Math" panose="02040503050406030204" pitchFamily="18" charset="0"/>
-                              </a:rPr>
-                              <m:t>1</m:t>
-                            </m:r>
-                          </m:e>
-                        </m:d>
-                      </m:e>
-                      <m:sub>
-                        <m:r>
-                          <a:rPr lang="en-US" i="1">
-                            <a:latin typeface="Cambria Math" panose="02040503050406030204" pitchFamily="18" charset="0"/>
-                          </a:rPr>
-                          <m:t>𝐿</m:t>
-                        </m:r>
-                      </m:sub>
-                    </m:sSub>
-                    <m:r>
-                      <a:rPr lang="en-US" i="1">
-                        <a:latin typeface="Cambria Math" panose="02040503050406030204" pitchFamily="18" charset="0"/>
-                      </a:rPr>
-                      <m:t>=</m:t>
-                    </m:r>
-                    <m:r>
-                      <a:rPr lang="en-US" b="0" i="1" smtClean="0">
-                        <a:latin typeface="Cambria Math" panose="02040503050406030204" pitchFamily="18" charset="0"/>
-                      </a:rPr>
-                      <m:t>−</m:t>
-                    </m:r>
-                    <m:sSub>
-                      <m:sSubPr>
-                        <m:ctrlPr>
-                          <a:rPr lang="en-US" i="1">
-                            <a:latin typeface="Cambria Math" panose="02040503050406030204" pitchFamily="18" charset="0"/>
-                          </a:rPr>
-                        </m:ctrlPr>
-                      </m:sSubPr>
-                      <m:e>
-                        <m:d>
-                          <m:dPr>
-                            <m:begChr m:val="|"/>
-                            <m:endChr m:val="⟩"/>
-                            <m:ctrlPr>
-                              <a:rPr lang="en-US" i="1">
-                                <a:latin typeface="Cambria Math" panose="02040503050406030204" pitchFamily="18" charset="0"/>
-                              </a:rPr>
-                            </m:ctrlPr>
-                          </m:dPr>
-                          <m:e>
-                            <m:r>
-                              <a:rPr lang="en-US" b="0" i="1" smtClean="0">
-                                <a:latin typeface="Cambria Math" panose="02040503050406030204" pitchFamily="18" charset="0"/>
-                              </a:rPr>
-                              <m:t>1</m:t>
-                            </m:r>
-                          </m:e>
-                        </m:d>
-                      </m:e>
-                      <m:sub>
-                        <m:r>
-                          <a:rPr lang="en-US" i="1">
-                            <a:latin typeface="Cambria Math" panose="02040503050406030204" pitchFamily="18" charset="0"/>
-                          </a:rPr>
-                          <m:t>𝐿</m:t>
-                        </m:r>
-                      </m:sub>
-                    </m:sSub>
-                  </m:oMath>
-                </a14:m>
-                <a:r>
-                  <a:rPr lang="en-US" dirty="0"/>
-                  <a:t> </a:t>
-                </a:r>
-              </a:p>
-              <a:p>
-                <a:endParaRPr lang="en-US" dirty="0"/>
-              </a:p>
-            </p:txBody>
-          </p:sp>
-        </mc:Choice>
-        <mc:Fallback xmlns="">
-          <p:sp>
-            <p:nvSpPr>
-              <p:cNvPr id="3" name="Content Placeholder 2">
-                <a:extLst>
-                  <a:ext uri="{FF2B5EF4-FFF2-40B4-BE49-F238E27FC236}">
-                    <a16:creationId xmlns:a16="http://schemas.microsoft.com/office/drawing/2014/main" id="{3D553E29-0D6F-CC3E-65A6-757E5C5723BE}"/>
-                  </a:ext>
-                </a:extLst>
-              </p:cNvPr>
-              <p:cNvSpPr>
-                <a:spLocks noGrp="1" noRot="1" noChangeAspect="1" noMove="1" noResize="1" noEditPoints="1" noAdjustHandles="1" noChangeArrowheads="1" noChangeShapeType="1" noTextEdit="1"/>
-              </p:cNvSpPr>
-              <p:nvPr>
-                <p:ph idx="1"/>
-              </p:nvPr>
-            </p:nvSpPr>
-            <p:spPr>
-              <a:blipFill>
-                <a:blip r:embed="rId2"/>
-                <a:stretch>
-                  <a:fillRect l="-714" t="-1568"/>
-                </a:stretch>
-              </a:blipFill>
-            </p:spPr>
-            <p:txBody>
-              <a:bodyPr/>
-              <a:lstStyle/>
-              <a:p>
-                <a:r>
-                  <a:rPr lang="en-US">
-                    <a:noFill/>
-                  </a:rPr>
-                  <a:t> </a:t>
-                </a:r>
-              </a:p>
-            </p:txBody>
-          </p:sp>
-        </mc:Fallback>
-      </mc:AlternateContent>
-      <p:sp>
-        <p:nvSpPr>
-          <p:cNvPr id="4" name="Footer Placeholder 3">
-            <a:extLst>
-              <a:ext uri="{FF2B5EF4-FFF2-40B4-BE49-F238E27FC236}">
-                <a16:creationId xmlns:a16="http://schemas.microsoft.com/office/drawing/2014/main" id="{05967310-F29C-5C61-4AD1-A34766CE2959}"/>
-              </a:ext>
-            </a:extLst>
-          </p:cNvPr>
-          <p:cNvSpPr>
-            <a:spLocks noGrp="1"/>
-          </p:cNvSpPr>
-          <p:nvPr>
-            <p:ph type="ftr" sz="quarter" idx="11"/>
-          </p:nvPr>
-        </p:nvSpPr>
-        <p:spPr/>
-        <p:txBody>
-          <a:bodyPr/>
-          <a:lstStyle/>
-          <a:p>
-            <a:r>
-              <a:rPr lang="en-US"/>
-              <a:t>All Rights Reserved</a:t>
-            </a:r>
-            <a:endParaRPr lang="en-US" dirty="0"/>
-          </a:p>
-        </p:txBody>
-      </p:sp>
-    </p:spTree>
-    <p:extLst>
-      <p:ext uri="{BB962C8B-B14F-4D97-AF65-F5344CB8AC3E}">
-        <p14:creationId xmlns:p14="http://schemas.microsoft.com/office/powerpoint/2010/main" val="3845705967"/>
-      </p:ext>
-    </p:extLst>
-  </p:cSld>
-  <p:clrMapOvr>
-    <a:masterClrMapping/>
-  </p:clrMapOvr>
-</p:sld>
-</file>
-
-<file path=ppt/slides/slide8.xml><?xml version="1.0" encoding="utf-8"?>
-<p:sld xmlns:a="http://schemas.openxmlformats.org/drawingml/2006/main" xmlns:r="http://schemas.openxmlformats.org/officeDocument/2006/relationships" xmlns:p="http://schemas.openxmlformats.org/presentationml/2006/main">
-  <p:cSld>
-    <p:spTree>
-      <p:nvGrpSpPr>
-        <p:cNvPr id="1" name=""/>
-        <p:cNvGrpSpPr/>
-        <p:nvPr/>
-      </p:nvGrpSpPr>
-      <p:grpSpPr>
-        <a:xfrm>
-          <a:off x="0" y="0"/>
-          <a:ext cx="0" cy="0"/>
-          <a:chOff x="0" y="0"/>
-          <a:chExt cx="0" cy="0"/>
-        </a:xfrm>
-      </p:grpSpPr>
-      <p:sp>
-        <p:nvSpPr>
-          <p:cNvPr id="2" name="Title 1">
-            <a:extLst>
-              <a:ext uri="{FF2B5EF4-FFF2-40B4-BE49-F238E27FC236}">
-                <a16:creationId xmlns:a16="http://schemas.microsoft.com/office/drawing/2014/main" id="{E4AD8231-D865-73FF-D1A0-7A07E8CB30E5}"/>
-              </a:ext>
-            </a:extLst>
-          </p:cNvPr>
-          <p:cNvSpPr>
-            <a:spLocks noGrp="1"/>
-          </p:cNvSpPr>
-          <p:nvPr>
-            <p:ph type="title"/>
-          </p:nvPr>
-        </p:nvSpPr>
-        <p:spPr/>
-        <p:txBody>
-          <a:bodyPr/>
-          <a:lstStyle/>
-          <a:p>
-            <a:r>
-              <a:rPr lang="en-US" dirty="0"/>
-              <a:t>Quantum Discord (QD)</a:t>
-            </a:r>
-          </a:p>
-        </p:txBody>
-      </p:sp>
-      <mc:AlternateContent xmlns:mc="http://schemas.openxmlformats.org/markup-compatibility/2006" xmlns:a14="http://schemas.microsoft.com/office/drawing/2010/main">
-        <mc:Choice Requires="a14">
-          <p:sp>
-            <p:nvSpPr>
-              <p:cNvPr id="3" name="Content Placeholder 2">
-                <a:extLst>
-                  <a:ext uri="{FF2B5EF4-FFF2-40B4-BE49-F238E27FC236}">
-                    <a16:creationId xmlns:a16="http://schemas.microsoft.com/office/drawing/2014/main" id="{2FBDA459-C823-9821-3E36-E6C1F82C2950}"/>
-                  </a:ext>
-                </a:extLst>
-              </p:cNvPr>
-              <p:cNvSpPr>
-                <a:spLocks noGrp="1"/>
-              </p:cNvSpPr>
-              <p:nvPr>
-                <p:ph idx="1"/>
-              </p:nvPr>
-            </p:nvSpPr>
-            <p:spPr/>
-            <p:txBody>
-              <a:bodyPr/>
-              <a:lstStyle/>
-              <a:p>
-                <a:pPr>
-                  <a:buFont typeface="Wingdings" panose="05000000000000000000" pitchFamily="2" charset="2"/>
-                  <a:buChar char="Ø"/>
-                </a:pPr>
-                <a:r>
-                  <a:rPr lang="en-US" dirty="0"/>
-                  <a:t> Difference between quantum and classical mutual information.</a:t>
-                </a:r>
-              </a:p>
-              <a:p>
-                <a:pPr marL="0" indent="0">
-                  <a:buNone/>
-                </a:pPr>
-                <a14:m>
-                  <m:oMathPara xmlns:m="http://schemas.openxmlformats.org/officeDocument/2006/math">
-                    <m:oMathParaPr>
-                      <m:jc m:val="center"/>
-                    </m:oMathParaPr>
-                    <m:oMath xmlns:m="http://schemas.openxmlformats.org/officeDocument/2006/math">
-                      <m:r>
-                        <a:rPr lang="en-US" b="0" i="1" smtClean="0">
-                          <a:latin typeface="Cambria Math" panose="02040503050406030204" pitchFamily="18" charset="0"/>
-                        </a:rPr>
-                        <m:t>𝛿</m:t>
-                      </m:r>
-                      <m:d>
-                        <m:dPr>
-                          <m:ctrlPr>
-                            <a:rPr lang="en-US" b="0" i="1" smtClean="0">
-                              <a:latin typeface="Cambria Math" panose="02040503050406030204" pitchFamily="18" charset="0"/>
-                            </a:rPr>
-                          </m:ctrlPr>
-                        </m:dPr>
-                        <m:e>
-                          <m:r>
-                            <a:rPr lang="en-US" b="0" i="1" smtClean="0">
-                              <a:latin typeface="Cambria Math" panose="02040503050406030204" pitchFamily="18" charset="0"/>
-                            </a:rPr>
-                            <m:t>𝐴</m:t>
-                          </m:r>
-                          <m:r>
-                            <a:rPr lang="en-US" b="0" i="1" smtClean="0">
-                              <a:latin typeface="Cambria Math" panose="02040503050406030204" pitchFamily="18" charset="0"/>
-                            </a:rPr>
-                            <m:t>:</m:t>
-                          </m:r>
-                          <m:r>
-                            <a:rPr lang="en-US" b="0" i="1" smtClean="0">
-                              <a:latin typeface="Cambria Math" panose="02040503050406030204" pitchFamily="18" charset="0"/>
-                            </a:rPr>
-                            <m:t>𝐵</m:t>
-                          </m:r>
-                        </m:e>
-                      </m:d>
-                      <m:r>
-                        <a:rPr lang="en-US" b="0" i="1" smtClean="0">
-                          <a:latin typeface="Cambria Math" panose="02040503050406030204" pitchFamily="18" charset="0"/>
-                        </a:rPr>
-                        <m:t>=</m:t>
-                      </m:r>
-                      <m:r>
-                        <a:rPr lang="en-US" b="0" i="1" smtClean="0">
-                          <a:latin typeface="Cambria Math" panose="02040503050406030204" pitchFamily="18" charset="0"/>
-                        </a:rPr>
-                        <m:t>𝐼</m:t>
-                      </m:r>
-                      <m:d>
-                        <m:dPr>
-                          <m:ctrlPr>
-                            <a:rPr lang="en-US" b="0" i="1" smtClean="0">
-                              <a:latin typeface="Cambria Math" panose="02040503050406030204" pitchFamily="18" charset="0"/>
-                            </a:rPr>
-                          </m:ctrlPr>
-                        </m:dPr>
-                        <m:e>
-                          <m:r>
-                            <a:rPr lang="en-US" b="0" i="1" smtClean="0">
-                              <a:latin typeface="Cambria Math" panose="02040503050406030204" pitchFamily="18" charset="0"/>
-                            </a:rPr>
-                            <m:t>𝐴</m:t>
-                          </m:r>
-                          <m:r>
-                            <a:rPr lang="en-US" b="0" i="1" smtClean="0">
-                              <a:latin typeface="Cambria Math" panose="02040503050406030204" pitchFamily="18" charset="0"/>
-                            </a:rPr>
-                            <m:t>:</m:t>
-                          </m:r>
-                          <m:r>
-                            <a:rPr lang="en-US" b="0" i="1" smtClean="0">
-                              <a:latin typeface="Cambria Math" panose="02040503050406030204" pitchFamily="18" charset="0"/>
-                            </a:rPr>
-                            <m:t>𝐵</m:t>
-                          </m:r>
-                        </m:e>
-                      </m:d>
-                      <m:r>
-                        <a:rPr lang="en-US" b="0" i="1" smtClean="0">
-                          <a:latin typeface="Cambria Math" panose="02040503050406030204" pitchFamily="18" charset="0"/>
-                        </a:rPr>
-                        <m:t>−</m:t>
-                      </m:r>
-                      <m:r>
-                        <a:rPr lang="en-US" b="0" i="1" smtClean="0">
-                          <a:latin typeface="Cambria Math" panose="02040503050406030204" pitchFamily="18" charset="0"/>
-                        </a:rPr>
-                        <m:t>𝐽</m:t>
-                      </m:r>
-                      <m:r>
-                        <a:rPr lang="en-US" b="0" i="1" smtClean="0">
-                          <a:latin typeface="Cambria Math" panose="02040503050406030204" pitchFamily="18" charset="0"/>
-                        </a:rPr>
-                        <m:t>(</m:t>
-                      </m:r>
-                      <m:r>
-                        <a:rPr lang="en-US" b="0" i="1" smtClean="0">
-                          <a:latin typeface="Cambria Math" panose="02040503050406030204" pitchFamily="18" charset="0"/>
-                        </a:rPr>
-                        <m:t>𝐴</m:t>
-                      </m:r>
-                      <m:r>
-                        <a:rPr lang="en-US" b="0" i="1" smtClean="0">
-                          <a:latin typeface="Cambria Math" panose="02040503050406030204" pitchFamily="18" charset="0"/>
-                        </a:rPr>
-                        <m:t>:</m:t>
-                      </m:r>
-                      <m:r>
-                        <a:rPr lang="en-US" b="0" i="1" smtClean="0">
-                          <a:latin typeface="Cambria Math" panose="02040503050406030204" pitchFamily="18" charset="0"/>
-                        </a:rPr>
-                        <m:t>𝐵</m:t>
-                      </m:r>
-                      <m:r>
-                        <a:rPr lang="en-US" b="0" i="1" smtClean="0">
-                          <a:latin typeface="Cambria Math" panose="02040503050406030204" pitchFamily="18" charset="0"/>
-                        </a:rPr>
-                        <m:t>)</m:t>
-                      </m:r>
-                    </m:oMath>
-                  </m:oMathPara>
-                </a14:m>
-                <a:endParaRPr lang="en-US" dirty="0"/>
-              </a:p>
-              <a:p>
-                <a:pPr marL="0" indent="0">
-                  <a:buNone/>
-                </a:pPr>
-                <a:endParaRPr lang="en-US" dirty="0"/>
-              </a:p>
-              <a:p>
-                <a:pPr>
-                  <a:buFont typeface="Wingdings" panose="05000000000000000000" pitchFamily="2" charset="2"/>
-                  <a:buChar char="Ø"/>
-                </a:pPr>
-                <a:r>
-                  <a:rPr lang="en-US" dirty="0"/>
-                  <a:t> Measures the amount of non-classical correlations in a quantum system. </a:t>
-                </a:r>
-              </a:p>
-              <a:p>
-                <a:pPr algn="just">
-                  <a:buFont typeface="Wingdings" panose="05000000000000000000" pitchFamily="2" charset="2"/>
-                  <a:buChar char="Ø"/>
-                </a:pPr>
-                <a:endParaRPr lang="en-US" dirty="0"/>
-              </a:p>
-              <a:p>
-                <a:pPr algn="just">
-                  <a:buFont typeface="Wingdings" panose="05000000000000000000" pitchFamily="2" charset="2"/>
-                  <a:buChar char="Ø"/>
-                </a:pPr>
-                <a:r>
-                  <a:rPr lang="en-US" dirty="0"/>
-                  <a:t> Quantum discord can be non-zero even in separable (non-entangled) states. </a:t>
-                </a:r>
-              </a:p>
-              <a:p>
-                <a:pPr algn="just">
-                  <a:buFont typeface="Wingdings" panose="05000000000000000000" pitchFamily="2" charset="2"/>
-                  <a:buChar char="Ø"/>
-                </a:pPr>
-                <a:endParaRPr lang="en-US" dirty="0"/>
-              </a:p>
-              <a:p>
-                <a:pPr algn="just">
-                  <a:buFont typeface="Wingdings" panose="05000000000000000000" pitchFamily="2" charset="2"/>
-                  <a:buChar char="Ø"/>
-                </a:pPr>
-                <a:r>
-                  <a:rPr lang="en-US" dirty="0"/>
-                  <a:t> Zero discord implies the system is classically correlated.</a:t>
-                </a:r>
-              </a:p>
-              <a:p>
-                <a:pPr algn="just">
-                  <a:buFont typeface="Wingdings" panose="05000000000000000000" pitchFamily="2" charset="2"/>
-                  <a:buChar char="Ø"/>
-                </a:pPr>
-                <a:endParaRPr lang="en-US" dirty="0"/>
-              </a:p>
-              <a:p>
-                <a:pPr>
-                  <a:buFont typeface="Wingdings" panose="05000000000000000000" pitchFamily="2" charset="2"/>
-                  <a:buChar char="Ø"/>
-                </a:pPr>
-                <a:r>
-                  <a:rPr lang="en-US" dirty="0"/>
-                  <a:t> Discord is asymmetric.</a:t>
-                </a:r>
-              </a:p>
-            </p:txBody>
-          </p:sp>
-        </mc:Choice>
-        <mc:Fallback xmlns="">
-          <p:sp>
-            <p:nvSpPr>
-              <p:cNvPr id="3" name="Content Placeholder 2">
-                <a:extLst>
-                  <a:ext uri="{FF2B5EF4-FFF2-40B4-BE49-F238E27FC236}">
-                    <a16:creationId xmlns:a16="http://schemas.microsoft.com/office/drawing/2014/main" id="{2FBDA459-C823-9821-3E36-E6C1F82C2950}"/>
-                  </a:ext>
-                </a:extLst>
-              </p:cNvPr>
-              <p:cNvSpPr>
-                <a:spLocks noGrp="1" noRot="1" noChangeAspect="1" noMove="1" noResize="1" noEditPoints="1" noAdjustHandles="1" noChangeArrowheads="1" noChangeShapeType="1" noTextEdit="1"/>
-              </p:cNvSpPr>
-              <p:nvPr>
-                <p:ph idx="1"/>
-              </p:nvPr>
-            </p:nvSpPr>
-            <p:spPr>
-              <a:blipFill>
-                <a:blip r:embed="rId2"/>
-                <a:stretch>
-                  <a:fillRect l="-714" t="-1568"/>
-                </a:stretch>
-              </a:blipFill>
-            </p:spPr>
-            <p:txBody>
-              <a:bodyPr/>
-              <a:lstStyle/>
-              <a:p>
-                <a:r>
-                  <a:rPr lang="en-US">
-                    <a:noFill/>
-                  </a:rPr>
-                  <a:t> </a:t>
-                </a:r>
-              </a:p>
-            </p:txBody>
-          </p:sp>
-        </mc:Fallback>
-      </mc:AlternateContent>
-      <p:sp>
-        <p:nvSpPr>
-          <p:cNvPr id="4" name="Footer Placeholder 3">
-            <a:extLst>
-              <a:ext uri="{FF2B5EF4-FFF2-40B4-BE49-F238E27FC236}">
-                <a16:creationId xmlns:a16="http://schemas.microsoft.com/office/drawing/2014/main" id="{EFED1BA6-716F-0F62-7C44-E8C21DDB1D03}"/>
-              </a:ext>
-            </a:extLst>
-          </p:cNvPr>
-          <p:cNvSpPr>
-            <a:spLocks noGrp="1"/>
-          </p:cNvSpPr>
-          <p:nvPr>
-            <p:ph type="ftr" sz="quarter" idx="11"/>
-          </p:nvPr>
-        </p:nvSpPr>
-        <p:spPr/>
-        <p:txBody>
-          <a:bodyPr/>
-          <a:lstStyle/>
-          <a:p>
-            <a:r>
-              <a:rPr lang="en-US"/>
-              <a:t>All Rights Reserved</a:t>
-            </a:r>
-          </a:p>
-        </p:txBody>
-      </p:sp>
-    </p:spTree>
-    <p:extLst>
-      <p:ext uri="{BB962C8B-B14F-4D97-AF65-F5344CB8AC3E}">
-        <p14:creationId xmlns:p14="http://schemas.microsoft.com/office/powerpoint/2010/main" val="3707972811"/>
-      </p:ext>
-    </p:extLst>
-  </p:cSld>
-  <p:clrMapOvr>
-    <a:masterClrMapping/>
-  </p:clrMapOvr>
-  <p:timing>
-    <p:tnLst>
-      <p:par>
-        <p:cTn id="1" dur="indefinite" restart="never" nodeType="tmRoot">
-          <p:childTnLst>
-            <p:seq concurrent="1" nextAc="seek">
-              <p:cTn id="2" dur="indefinite" nodeType="mainSeq">
-                <p:childTnLst>
-                  <p:par>
-                    <p:cTn id="3" fill="hold">
-                      <p:stCondLst>
-                        <p:cond delay="indefinite"/>
-                      </p:stCondLst>
-                      <p:childTnLst>
-                        <p:par>
-                          <p:cTn id="4" fill="hold">
-                            <p:stCondLst>
-                              <p:cond delay="0"/>
-                            </p:stCondLst>
-                            <p:childTnLst>
-                              <p:par>
-                                <p:cTn id="5" presetID="1" presetClass="entr" presetSubtype="0" fill="hold" nodeType="clickEffect">
-                                  <p:stCondLst>
-                                    <p:cond delay="0"/>
-                                  </p:stCondLst>
-                                  <p:childTnLst>
-                                    <p:set>
-                                      <p:cBhvr>
-                                        <p:cTn id="6" dur="1" fill="hold">
-                                          <p:stCondLst>
-                                            <p:cond delay="0"/>
-                                          </p:stCondLst>
-                                        </p:cTn>
-                                        <p:tgtEl>
-                                          <p:spTgt spid="3">
-                                            <p:txEl>
-                                              <p:pRg st="3" end="3"/>
-                                            </p:txEl>
-                                          </p:spTgt>
-                                        </p:tgtEl>
-                                        <p:attrNameLst>
-                                          <p:attrName>style.visibility</p:attrName>
-                                        </p:attrNameLst>
-                                      </p:cBhvr>
-                                      <p:to>
-                                        <p:strVal val="visible"/>
-                                      </p:to>
-                                    </p:set>
-                                  </p:childTnLst>
-                                </p:cTn>
-                              </p:par>
-                            </p:childTnLst>
-                          </p:cTn>
-                        </p:par>
-                      </p:childTnLst>
-                    </p:cTn>
-                  </p:par>
-                  <p:par>
-                    <p:cTn id="7" fill="hold">
-                      <p:stCondLst>
-                        <p:cond delay="indefinite"/>
-                      </p:stCondLst>
-                      <p:childTnLst>
-                        <p:par>
-                          <p:cTn id="8" fill="hold">
-                            <p:stCondLst>
-                              <p:cond delay="0"/>
-                            </p:stCondLst>
-                            <p:childTnLst>
-                              <p:par>
-                                <p:cTn id="9" presetID="1" presetClass="entr" presetSubtype="0" fill="hold" nodeType="clickEffect">
-                                  <p:stCondLst>
-                                    <p:cond delay="0"/>
-                                  </p:stCondLst>
-                                  <p:childTnLst>
-                                    <p:set>
-                                      <p:cBhvr>
-                                        <p:cTn id="10" dur="1" fill="hold">
-                                          <p:stCondLst>
-                                            <p:cond delay="0"/>
-                                          </p:stCondLst>
-                                        </p:cTn>
-                                        <p:tgtEl>
-                                          <p:spTgt spid="3">
-                                            <p:txEl>
-                                              <p:pRg st="5" end="5"/>
-                                            </p:txEl>
-                                          </p:spTgt>
-                                        </p:tgtEl>
-                                        <p:attrNameLst>
-                                          <p:attrName>style.visibility</p:attrName>
-                                        </p:attrNameLst>
-                                      </p:cBhvr>
-                                      <p:to>
-                                        <p:strVal val="visible"/>
-                                      </p:to>
-                                    </p:set>
-                                  </p:childTnLst>
-                                </p:cTn>
-                              </p:par>
-                            </p:childTnLst>
-                          </p:cTn>
-                        </p:par>
-                      </p:childTnLst>
-                    </p:cTn>
-                  </p:par>
-                  <p:par>
-                    <p:cTn id="11" fill="hold">
-                      <p:stCondLst>
-                        <p:cond delay="indefinite"/>
-                      </p:stCondLst>
-                      <p:childTnLst>
-                        <p:par>
-                          <p:cTn id="12" fill="hold">
-                            <p:stCondLst>
-                              <p:cond delay="0"/>
-                            </p:stCondLst>
-                            <p:childTnLst>
-                              <p:par>
-                                <p:cTn id="13" presetID="1" presetClass="entr" presetSubtype="0" fill="hold" nodeType="clickEffect">
-                                  <p:stCondLst>
-                                    <p:cond delay="0"/>
-                                  </p:stCondLst>
-                                  <p:childTnLst>
-                                    <p:set>
-                                      <p:cBhvr>
-                                        <p:cTn id="14" dur="1" fill="hold">
-                                          <p:stCondLst>
-                                            <p:cond delay="0"/>
-                                          </p:stCondLst>
-                                        </p:cTn>
-                                        <p:tgtEl>
-                                          <p:spTgt spid="3">
-                                            <p:txEl>
-                                              <p:pRg st="7" end="7"/>
-                                            </p:txEl>
-                                          </p:spTgt>
-                                        </p:tgtEl>
-                                        <p:attrNameLst>
-                                          <p:attrName>style.visibility</p:attrName>
-                                        </p:attrNameLst>
-                                      </p:cBhvr>
-                                      <p:to>
-                                        <p:strVal val="visible"/>
-                                      </p:to>
-                                    </p:set>
-                                  </p:childTnLst>
-                                </p:cTn>
-                              </p:par>
-                            </p:childTnLst>
-                          </p:cTn>
-                        </p:par>
-                      </p:childTnLst>
-                    </p:cTn>
-                  </p:par>
-                  <p:par>
-                    <p:cTn id="15" fill="hold">
-                      <p:stCondLst>
-                        <p:cond delay="indefinite"/>
-                      </p:stCondLst>
-                      <p:childTnLst>
-                        <p:par>
-                          <p:cTn id="16" fill="hold">
-                            <p:stCondLst>
-                              <p:cond delay="0"/>
-                            </p:stCondLst>
-                            <p:childTnLst>
-                              <p:par>
-                                <p:cTn id="17" presetID="1" presetClass="entr" presetSubtype="0" fill="hold" nodeType="clickEffect">
-                                  <p:stCondLst>
-                                    <p:cond delay="0"/>
-                                  </p:stCondLst>
-                                  <p:childTnLst>
-                                    <p:set>
-                                      <p:cBhvr>
-                                        <p:cTn id="18" dur="1" fill="hold">
-                                          <p:stCondLst>
-                                            <p:cond delay="0"/>
-                                          </p:stCondLst>
-                                        </p:cTn>
-                                        <p:tgtEl>
-                                          <p:spTgt spid="3">
-                                            <p:txEl>
-                                              <p:pRg st="9" end="9"/>
-                                            </p:txEl>
-                                          </p:spTgt>
-                                        </p:tgtEl>
-                                        <p:attrNameLst>
-                                          <p:attrName>style.visibility</p:attrName>
-                                        </p:attrNameLst>
-                                      </p:cBhvr>
-                                      <p:to>
-                                        <p:strVal val="visible"/>
-                                      </p:to>
-                                    </p:set>
-                                  </p:childTnLst>
-                                </p:cTn>
-                              </p:par>
-                            </p:childTnLst>
-                          </p:cTn>
-                        </p:par>
-                      </p:childTnLst>
-                    </p:cTn>
-                  </p:par>
-                </p:childTnLst>
-              </p:cTn>
-              <p:prevCondLst>
-                <p:cond evt="onPrev" delay="0">
-                  <p:tgtEl>
-                    <p:sldTgt/>
-                  </p:tgtEl>
-                </p:cond>
-              </p:prevCondLst>
-              <p:nextCondLst>
-                <p:cond evt="onNext" delay="0">
-                  <p:tgtEl>
-                    <p:sldTgt/>
-                  </p:tgtEl>
-                </p:cond>
-              </p:nextCondLst>
-            </p:seq>
-          </p:childTnLst>
-        </p:cTn>
-      </p:par>
-    </p:tnLst>
-  </p:timing>
-</p:sld>
-</file>
-
-<file path=ppt/slides/slide9.xml><?xml version="1.0" encoding="utf-8"?>
-<p:sld xmlns:a="http://schemas.openxmlformats.org/drawingml/2006/main" xmlns:r="http://schemas.openxmlformats.org/officeDocument/2006/relationships" xmlns:p="http://schemas.openxmlformats.org/presentationml/2006/main">
-  <p:cSld>
-    <p:spTree>
-      <p:nvGrpSpPr>
-        <p:cNvPr id="1" name=""/>
-        <p:cNvGrpSpPr/>
-        <p:nvPr/>
-      </p:nvGrpSpPr>
-      <p:grpSpPr>
-        <a:xfrm>
-          <a:off x="0" y="0"/>
-          <a:ext cx="0" cy="0"/>
-          <a:chOff x="0" y="0"/>
-          <a:chExt cx="0" cy="0"/>
-        </a:xfrm>
-      </p:grpSpPr>
-      <p:sp>
-        <p:nvSpPr>
-          <p:cNvPr id="2" name="Title 1">
-            <a:extLst>
-              <a:ext uri="{FF2B5EF4-FFF2-40B4-BE49-F238E27FC236}">
-                <a16:creationId xmlns:a16="http://schemas.microsoft.com/office/drawing/2014/main" id="{039CEBF4-9F49-4895-1296-148445D22FB3}"/>
-              </a:ext>
-            </a:extLst>
-          </p:cNvPr>
-          <p:cNvSpPr>
-            <a:spLocks noGrp="1"/>
-          </p:cNvSpPr>
-          <p:nvPr>
-            <p:ph type="title"/>
-          </p:nvPr>
-        </p:nvSpPr>
-        <p:spPr/>
-        <p:txBody>
-          <a:bodyPr/>
-          <a:lstStyle/>
-          <a:p>
-            <a:r>
-              <a:rPr lang="en-US" dirty="0"/>
-              <a:t>Finding 1</a:t>
-            </a:r>
-          </a:p>
-        </p:txBody>
-      </p:sp>
-      <mc:AlternateContent xmlns:mc="http://schemas.openxmlformats.org/markup-compatibility/2006" xmlns:a14="http://schemas.microsoft.com/office/drawing/2010/main">
-        <mc:Choice Requires="a14">
-          <p:sp>
-            <p:nvSpPr>
-              <p:cNvPr id="3" name="Content Placeholder 2">
-                <a:extLst>
-                  <a:ext uri="{FF2B5EF4-FFF2-40B4-BE49-F238E27FC236}">
-                    <a16:creationId xmlns:a16="http://schemas.microsoft.com/office/drawing/2014/main" id="{0ED337AA-35E6-57D0-117B-5B6E7CCB341F}"/>
-                  </a:ext>
-                </a:extLst>
-              </p:cNvPr>
-              <p:cNvSpPr>
-                <a:spLocks noGrp="1"/>
-              </p:cNvSpPr>
-              <p:nvPr>
-                <p:ph idx="1"/>
-              </p:nvPr>
-            </p:nvSpPr>
-            <p:spPr/>
-            <p:txBody>
-              <a:bodyPr/>
-              <a:lstStyle/>
-              <a:p>
-                <a:pPr>
-                  <a:buFont typeface="Wingdings" panose="05000000000000000000" pitchFamily="2" charset="2"/>
-                  <a:buChar char="Ø"/>
-                </a:pPr>
-                <a:r>
-                  <a:rPr lang="en-US" dirty="0"/>
-                  <a:t> Quantum Mutual Information:</a:t>
-                </a:r>
-              </a:p>
-              <a:p>
-                <a:pPr marL="0" indent="0">
-                  <a:buNone/>
-                </a:pPr>
-                <a14:m>
-                  <m:oMathPara xmlns:m="http://schemas.openxmlformats.org/officeDocument/2006/math">
-                    <m:oMathParaPr>
-                      <m:jc m:val="centerGroup"/>
-                    </m:oMathParaPr>
-                    <m:oMath xmlns:m="http://schemas.openxmlformats.org/officeDocument/2006/math">
-                      <m:r>
-                        <a:rPr lang="en-US" b="0" i="1" smtClean="0">
-                          <a:latin typeface="Cambria Math" panose="02040503050406030204" pitchFamily="18" charset="0"/>
-                        </a:rPr>
-                        <m:t>𝐼</m:t>
-                      </m:r>
-                      <m:d>
-                        <m:dPr>
-                          <m:ctrlPr>
-                            <a:rPr lang="en-US" b="0" i="1" smtClean="0">
-                              <a:latin typeface="Cambria Math" panose="02040503050406030204" pitchFamily="18" charset="0"/>
-                            </a:rPr>
-                          </m:ctrlPr>
-                        </m:dPr>
-                        <m:e>
-                          <m:r>
-                            <a:rPr lang="en-US" b="0" i="1" smtClean="0">
-                              <a:latin typeface="Cambria Math" panose="02040503050406030204" pitchFamily="18" charset="0"/>
-                            </a:rPr>
-                            <m:t>𝐴</m:t>
-                          </m:r>
-                          <m:r>
-                            <a:rPr lang="en-US" b="0" i="1" smtClean="0">
-                              <a:latin typeface="Cambria Math" panose="02040503050406030204" pitchFamily="18" charset="0"/>
-                            </a:rPr>
-                            <m:t>:</m:t>
-                          </m:r>
-                          <m:r>
-                            <a:rPr lang="en-US" b="0" i="1" smtClean="0">
-                              <a:latin typeface="Cambria Math" panose="02040503050406030204" pitchFamily="18" charset="0"/>
-                            </a:rPr>
-                            <m:t>𝐵</m:t>
-                          </m:r>
-                        </m:e>
-                      </m:d>
-                      <m:r>
-                        <a:rPr lang="en-US" b="0" i="1" smtClean="0">
-                          <a:latin typeface="Cambria Math" panose="02040503050406030204" pitchFamily="18" charset="0"/>
-                        </a:rPr>
-                        <m:t>=</m:t>
-                      </m:r>
-                      <m:r>
-                        <a:rPr lang="en-US" b="0" i="1" smtClean="0">
-                          <a:latin typeface="Cambria Math" panose="02040503050406030204" pitchFamily="18" charset="0"/>
-                        </a:rPr>
-                        <m:t>𝑆</m:t>
-                      </m:r>
-                      <m:d>
-                        <m:dPr>
-                          <m:ctrlPr>
-                            <a:rPr lang="en-US" b="0" i="1" smtClean="0">
-                              <a:latin typeface="Cambria Math" panose="02040503050406030204" pitchFamily="18" charset="0"/>
-                            </a:rPr>
-                          </m:ctrlPr>
-                        </m:dPr>
-                        <m:e>
-                          <m:sSub>
-                            <m:sSubPr>
-                              <m:ctrlPr>
-                                <a:rPr lang="en-US" b="0" i="1" smtClean="0">
-                                  <a:latin typeface="Cambria Math" panose="02040503050406030204" pitchFamily="18" charset="0"/>
-                                </a:rPr>
-                              </m:ctrlPr>
-                            </m:sSubPr>
-                            <m:e>
-                              <m:r>
-                                <a:rPr lang="en-US" b="0" i="1" smtClean="0">
-                                  <a:latin typeface="Cambria Math" panose="02040503050406030204" pitchFamily="18" charset="0"/>
-                                </a:rPr>
-                                <m:t>𝜌</m:t>
-                              </m:r>
-                            </m:e>
-                            <m:sub>
-                              <m:r>
-                                <a:rPr lang="en-US" b="0" i="1" smtClean="0">
-                                  <a:latin typeface="Cambria Math" panose="02040503050406030204" pitchFamily="18" charset="0"/>
-                                </a:rPr>
-                                <m:t>𝐴</m:t>
-                              </m:r>
-                            </m:sub>
-                          </m:sSub>
-                        </m:e>
-                      </m:d>
-                      <m:r>
-                        <a:rPr lang="en-US" b="0" i="1" smtClean="0">
-                          <a:latin typeface="Cambria Math" panose="02040503050406030204" pitchFamily="18" charset="0"/>
-                        </a:rPr>
-                        <m:t>+</m:t>
-                      </m:r>
-                      <m:r>
-                        <a:rPr lang="en-US" b="0" i="1" smtClean="0">
-                          <a:latin typeface="Cambria Math" panose="02040503050406030204" pitchFamily="18" charset="0"/>
-                        </a:rPr>
-                        <m:t>𝑆</m:t>
-                      </m:r>
-                      <m:d>
-                        <m:dPr>
-                          <m:ctrlPr>
-                            <a:rPr lang="en-US" b="0" i="1" smtClean="0">
-                              <a:latin typeface="Cambria Math" panose="02040503050406030204" pitchFamily="18" charset="0"/>
-                            </a:rPr>
-                          </m:ctrlPr>
-                        </m:dPr>
-                        <m:e>
-                          <m:sSub>
-                            <m:sSubPr>
-                              <m:ctrlPr>
-                                <a:rPr lang="en-US" b="0" i="1" smtClean="0">
-                                  <a:latin typeface="Cambria Math" panose="02040503050406030204" pitchFamily="18" charset="0"/>
-                                </a:rPr>
-                              </m:ctrlPr>
-                            </m:sSubPr>
-                            <m:e>
-                              <m:r>
-                                <a:rPr lang="en-US" b="0" i="1" smtClean="0">
-                                  <a:latin typeface="Cambria Math" panose="02040503050406030204" pitchFamily="18" charset="0"/>
-                                </a:rPr>
-                                <m:t>𝜌</m:t>
-                              </m:r>
-                            </m:e>
-                            <m:sub>
-                              <m:r>
-                                <a:rPr lang="en-US" b="0" i="1" smtClean="0">
-                                  <a:latin typeface="Cambria Math" panose="02040503050406030204" pitchFamily="18" charset="0"/>
-                                </a:rPr>
-                                <m:t>𝐵</m:t>
-                              </m:r>
-                            </m:sub>
-                          </m:sSub>
-                        </m:e>
-                      </m:d>
-                      <m:r>
-                        <a:rPr lang="en-US" b="0" i="1" smtClean="0">
-                          <a:latin typeface="Cambria Math" panose="02040503050406030204" pitchFamily="18" charset="0"/>
-                        </a:rPr>
-                        <m:t> −</m:t>
-                      </m:r>
-                      <m:r>
-                        <a:rPr lang="en-US" b="0" i="1" smtClean="0">
-                          <a:latin typeface="Cambria Math" panose="02040503050406030204" pitchFamily="18" charset="0"/>
-                        </a:rPr>
-                        <m:t>𝑆</m:t>
-                      </m:r>
-                      <m:d>
-                        <m:dPr>
-                          <m:ctrlPr>
-                            <a:rPr lang="en-US" b="0" i="1" smtClean="0">
-                              <a:latin typeface="Cambria Math" panose="02040503050406030204" pitchFamily="18" charset="0"/>
-                            </a:rPr>
-                          </m:ctrlPr>
-                        </m:dPr>
-                        <m:e>
-                          <m:sSub>
-                            <m:sSubPr>
-                              <m:ctrlPr>
-                                <a:rPr lang="en-US" b="0" i="1" smtClean="0">
-                                  <a:latin typeface="Cambria Math" panose="02040503050406030204" pitchFamily="18" charset="0"/>
-                                </a:rPr>
-                              </m:ctrlPr>
-                            </m:sSubPr>
-                            <m:e>
-                              <m:r>
-                                <a:rPr lang="en-US" b="0" i="1" smtClean="0">
-                                  <a:latin typeface="Cambria Math" panose="02040503050406030204" pitchFamily="18" charset="0"/>
-                                </a:rPr>
-                                <m:t>𝜌</m:t>
-                              </m:r>
-                            </m:e>
-                            <m:sub>
-                              <m:r>
-                                <a:rPr lang="en-US" b="0" i="1" smtClean="0">
-                                  <a:latin typeface="Cambria Math" panose="02040503050406030204" pitchFamily="18" charset="0"/>
-                                </a:rPr>
-                                <m:t>𝐴𝐵</m:t>
-                              </m:r>
-                            </m:sub>
-                          </m:sSub>
-                        </m:e>
-                      </m:d>
-                    </m:oMath>
-                  </m:oMathPara>
-                </a14:m>
-                <a:endParaRPr lang="en-US" b="0" dirty="0"/>
-              </a:p>
-              <a:p>
-                <a:pPr marL="0" indent="0">
-                  <a:buNone/>
-                </a:pPr>
-                <a:r>
-                  <a:rPr lang="en-US" dirty="0"/>
-                  <a:t>S is Von Neumann Entropy </a:t>
-                </a:r>
-              </a:p>
-              <a:p>
-                <a:pPr marL="0" indent="0">
-                  <a:buNone/>
-                </a:pPr>
-                <a:endParaRPr lang="en-US" dirty="0"/>
-              </a:p>
-              <a:p>
-                <a:pPr>
-                  <a:buFont typeface="Wingdings" panose="05000000000000000000" pitchFamily="2" charset="2"/>
-                  <a:buChar char="Ø"/>
-                </a:pPr>
-                <a:r>
-                  <a:rPr lang="en-US" dirty="0"/>
-                  <a:t> Classical Mutual Information:</a:t>
-                </a:r>
-              </a:p>
-              <a:p>
-                <a:pPr marL="0" indent="0">
-                  <a:buNone/>
-                </a:pPr>
-                <a14:m>
-                  <m:oMathPara xmlns:m="http://schemas.openxmlformats.org/officeDocument/2006/math">
-                    <m:oMathParaPr>
-                      <m:jc m:val="centerGroup"/>
-                    </m:oMathParaPr>
-                    <m:oMath xmlns:m="http://schemas.openxmlformats.org/officeDocument/2006/math">
-                      <m:r>
-                        <a:rPr lang="en-US" b="0" i="1" smtClean="0">
-                          <a:latin typeface="Cambria Math" panose="02040503050406030204" pitchFamily="18" charset="0"/>
-                        </a:rPr>
-                        <m:t>𝐽</m:t>
-                      </m:r>
-                      <m:d>
-                        <m:dPr>
-                          <m:ctrlPr>
-                            <a:rPr lang="en-US" b="0" i="1" smtClean="0">
-                              <a:latin typeface="Cambria Math" panose="02040503050406030204" pitchFamily="18" charset="0"/>
-                            </a:rPr>
-                          </m:ctrlPr>
-                        </m:dPr>
-                        <m:e>
-                          <m:r>
-                            <a:rPr lang="en-US" b="0" i="1" smtClean="0">
-                              <a:latin typeface="Cambria Math" panose="02040503050406030204" pitchFamily="18" charset="0"/>
-                            </a:rPr>
-                            <m:t>𝐴</m:t>
-                          </m:r>
-                          <m:r>
-                            <a:rPr lang="en-US" b="0" i="1" smtClean="0">
-                              <a:latin typeface="Cambria Math" panose="02040503050406030204" pitchFamily="18" charset="0"/>
-                            </a:rPr>
-                            <m:t>:</m:t>
-                          </m:r>
-                          <m:r>
-                            <a:rPr lang="en-US" b="0" i="1" smtClean="0">
-                              <a:latin typeface="Cambria Math" panose="02040503050406030204" pitchFamily="18" charset="0"/>
-                            </a:rPr>
-                            <m:t>𝐵</m:t>
-                          </m:r>
-                        </m:e>
-                      </m:d>
-                      <m:r>
-                        <a:rPr lang="en-US" b="0" i="1" smtClean="0">
-                          <a:latin typeface="Cambria Math" panose="02040503050406030204" pitchFamily="18" charset="0"/>
-                        </a:rPr>
-                        <m:t>=</m:t>
-                      </m:r>
-                      <m:r>
-                        <a:rPr lang="en-US" i="1">
-                          <a:latin typeface="Cambria Math" panose="02040503050406030204" pitchFamily="18" charset="0"/>
-                        </a:rPr>
-                        <m:t>𝑆</m:t>
-                      </m:r>
-                      <m:d>
-                        <m:dPr>
-                          <m:ctrlPr>
-                            <a:rPr lang="en-US" i="1">
-                              <a:latin typeface="Cambria Math" panose="02040503050406030204" pitchFamily="18" charset="0"/>
-                            </a:rPr>
-                          </m:ctrlPr>
-                        </m:dPr>
-                        <m:e>
-                          <m:sSub>
-                            <m:sSubPr>
-                              <m:ctrlPr>
-                                <a:rPr lang="en-US" i="1">
-                                  <a:latin typeface="Cambria Math" panose="02040503050406030204" pitchFamily="18" charset="0"/>
-                                </a:rPr>
-                              </m:ctrlPr>
-                            </m:sSubPr>
-                            <m:e>
-                              <m:r>
-                                <a:rPr lang="en-US" i="1">
-                                  <a:latin typeface="Cambria Math" panose="02040503050406030204" pitchFamily="18" charset="0"/>
-                                </a:rPr>
-                                <m:t>𝜌</m:t>
-                              </m:r>
-                            </m:e>
-                            <m:sub>
-                              <m:r>
-                                <a:rPr lang="en-US" i="1">
-                                  <a:latin typeface="Cambria Math" panose="02040503050406030204" pitchFamily="18" charset="0"/>
-                                </a:rPr>
-                                <m:t>𝐵</m:t>
-                              </m:r>
-                            </m:sub>
-                          </m:sSub>
-                        </m:e>
-                      </m:d>
-                      <m:r>
-                        <a:rPr lang="en-US" i="1">
-                          <a:latin typeface="Cambria Math" panose="02040503050406030204" pitchFamily="18" charset="0"/>
-                        </a:rPr>
-                        <m:t> −</m:t>
-                      </m:r>
-                      <m:r>
-                        <a:rPr lang="en-US" i="1">
-                          <a:latin typeface="Cambria Math" panose="02040503050406030204" pitchFamily="18" charset="0"/>
-                        </a:rPr>
-                        <m:t>𝑆</m:t>
-                      </m:r>
-                      <m:d>
-                        <m:dPr>
-                          <m:ctrlPr>
-                            <a:rPr lang="en-US" i="1">
-                              <a:latin typeface="Cambria Math" panose="02040503050406030204" pitchFamily="18" charset="0"/>
-                            </a:rPr>
-                          </m:ctrlPr>
-                        </m:dPr>
-                        <m:e>
-                          <m:sSub>
-                            <m:sSubPr>
-                              <m:ctrlPr>
-                                <a:rPr lang="en-US" i="1">
-                                  <a:latin typeface="Cambria Math" panose="02040503050406030204" pitchFamily="18" charset="0"/>
-                                </a:rPr>
-                              </m:ctrlPr>
-                            </m:sSubPr>
-                            <m:e>
-                              <m:r>
-                                <a:rPr lang="en-US" i="1">
-                                  <a:latin typeface="Cambria Math" panose="02040503050406030204" pitchFamily="18" charset="0"/>
-                                </a:rPr>
-                                <m:t>𝜌</m:t>
-                              </m:r>
-                            </m:e>
-                            <m:sub>
-                              <m:r>
-                                <a:rPr lang="en-US" i="1">
-                                  <a:latin typeface="Cambria Math" panose="02040503050406030204" pitchFamily="18" charset="0"/>
-                                </a:rPr>
-                                <m:t>𝐵</m:t>
-                              </m:r>
-                            </m:sub>
-                          </m:sSub>
-                        </m:e>
-                        <m:e>
-                          <m:r>
-                            <a:rPr lang="en-US" b="0" i="1" smtClean="0">
-                              <a:latin typeface="Cambria Math" panose="02040503050406030204" pitchFamily="18" charset="0"/>
-                            </a:rPr>
-                            <m:t>𝐴</m:t>
-                          </m:r>
-                        </m:e>
-                      </m:d>
-                    </m:oMath>
-                  </m:oMathPara>
-                </a14:m>
-                <a:endParaRPr lang="en-US" dirty="0"/>
-              </a:p>
-              <a:p>
-                <a:pPr marL="0" indent="0">
-                  <a:buNone/>
-                </a:pPr>
-                <a:endParaRPr lang="en-US" dirty="0"/>
-              </a:p>
-              <a:p>
-                <a:pPr>
-                  <a:buFont typeface="Wingdings" panose="05000000000000000000" pitchFamily="2" charset="2"/>
-                  <a:buChar char="Ø"/>
-                </a:pPr>
-                <a:r>
-                  <a:rPr lang="en-US" dirty="0"/>
-                  <a:t> Now </a:t>
-                </a:r>
-                <a14:m>
-                  <m:oMath xmlns:m="http://schemas.openxmlformats.org/officeDocument/2006/math">
-                    <m:r>
-                      <a:rPr lang="en-US" i="1" smtClean="0">
-                        <a:latin typeface="Cambria Math" panose="02040503050406030204" pitchFamily="18" charset="0"/>
-                      </a:rPr>
-                      <m:t>𝑆</m:t>
-                    </m:r>
-                    <m:d>
-                      <m:dPr>
-                        <m:ctrlPr>
-                          <a:rPr lang="en-US" i="1" smtClean="0">
-                            <a:latin typeface="Cambria Math" panose="02040503050406030204" pitchFamily="18" charset="0"/>
-                          </a:rPr>
-                        </m:ctrlPr>
-                      </m:dPr>
-                      <m:e>
-                        <m:sSub>
-                          <m:sSubPr>
-                            <m:ctrlPr>
-                              <a:rPr lang="en-US" i="1">
-                                <a:latin typeface="Cambria Math" panose="02040503050406030204" pitchFamily="18" charset="0"/>
-                              </a:rPr>
-                            </m:ctrlPr>
-                          </m:sSubPr>
-                          <m:e>
-                            <m:r>
-                              <a:rPr lang="en-US" i="1">
-                                <a:latin typeface="Cambria Math" panose="02040503050406030204" pitchFamily="18" charset="0"/>
-                              </a:rPr>
-                              <m:t>𝜌</m:t>
-                            </m:r>
-                          </m:e>
-                          <m:sub>
-                            <m:r>
-                              <a:rPr lang="en-US" i="1">
-                                <a:latin typeface="Cambria Math" panose="02040503050406030204" pitchFamily="18" charset="0"/>
-                              </a:rPr>
-                              <m:t>𝐵</m:t>
-                            </m:r>
-                          </m:sub>
-                        </m:sSub>
-                      </m:e>
-                      <m:e>
-                        <m:r>
-                          <a:rPr lang="en-US" b="0" i="1" smtClean="0">
-                            <a:latin typeface="Cambria Math" panose="02040503050406030204" pitchFamily="18" charset="0"/>
-                          </a:rPr>
-                          <m:t>𝐴</m:t>
-                        </m:r>
-                      </m:e>
-                    </m:d>
-                    <m:r>
-                      <a:rPr lang="en-US" b="0" i="0" smtClean="0">
-                        <a:latin typeface="Cambria Math" panose="02040503050406030204" pitchFamily="18" charset="0"/>
-                      </a:rPr>
-                      <m:t>=</m:t>
-                    </m:r>
-                    <m:limLow>
-                      <m:limLowPr>
-                        <m:ctrlPr>
-                          <a:rPr lang="en-US" b="0" i="1" smtClean="0">
-                            <a:latin typeface="Cambria Math" panose="02040503050406030204" pitchFamily="18" charset="0"/>
-                          </a:rPr>
-                        </m:ctrlPr>
-                      </m:limLowPr>
-                      <m:e>
-                        <m:r>
-                          <m:rPr>
-                            <m:sty m:val="p"/>
-                          </m:rPr>
-                          <a:rPr lang="en-US" b="0" i="0" smtClean="0">
-                            <a:latin typeface="Cambria Math" panose="02040503050406030204" pitchFamily="18" charset="0"/>
-                          </a:rPr>
-                          <m:t>min</m:t>
-                        </m:r>
-                      </m:e>
-                      <m:lim>
-                        <m:d>
-                          <m:dPr>
-                            <m:begChr m:val="{"/>
-                            <m:endChr m:val="}"/>
-                            <m:ctrlPr>
-                              <a:rPr lang="en-US" b="0" i="1" smtClean="0">
-                                <a:latin typeface="Cambria Math" panose="02040503050406030204" pitchFamily="18" charset="0"/>
-                              </a:rPr>
-                            </m:ctrlPr>
-                          </m:dPr>
-                          <m:e>
-                            <m:sSub>
-                              <m:sSubPr>
-                                <m:ctrlPr>
-                                  <a:rPr lang="en-US" b="0" i="1" smtClean="0">
-                                    <a:latin typeface="Cambria Math" panose="02040503050406030204" pitchFamily="18" charset="0"/>
-                                  </a:rPr>
-                                </m:ctrlPr>
-                              </m:sSubPr>
-                              <m:e>
-                                <m:r>
-                                  <m:rPr>
-                                    <m:sty m:val="p"/>
-                                  </m:rPr>
-                                  <a:rPr lang="en-US" b="0" i="0" smtClean="0">
-                                    <a:latin typeface="Cambria Math" panose="02040503050406030204" pitchFamily="18" charset="0"/>
-                                  </a:rPr>
-                                  <m:t>A</m:t>
-                                </m:r>
-                              </m:e>
-                              <m:sub>
-                                <m:r>
-                                  <m:rPr>
-                                    <m:sty m:val="p"/>
-                                  </m:rPr>
-                                  <a:rPr lang="en-US" b="0" i="0" smtClean="0">
-                                    <a:latin typeface="Cambria Math" panose="02040503050406030204" pitchFamily="18" charset="0"/>
-                                  </a:rPr>
-                                  <m:t>k</m:t>
-                                </m:r>
-                              </m:sub>
-                            </m:sSub>
-                          </m:e>
-                        </m:d>
-                      </m:lim>
-                    </m:limLow>
-                    <m:r>
-                      <a:rPr lang="en-US" b="0" i="0" smtClean="0">
-                        <a:latin typeface="Cambria Math" panose="02040503050406030204" pitchFamily="18" charset="0"/>
-                      </a:rPr>
-                      <m:t> </m:t>
-                    </m:r>
-                    <m:nary>
-                      <m:naryPr>
-                        <m:chr m:val="∑"/>
-                        <m:supHide m:val="on"/>
-                        <m:ctrlPr>
-                          <a:rPr lang="en-US" b="0" i="1" smtClean="0">
-                            <a:latin typeface="Cambria Math" panose="02040503050406030204" pitchFamily="18" charset="0"/>
-                          </a:rPr>
-                        </m:ctrlPr>
-                      </m:naryPr>
-                      <m:sub>
-                        <m:r>
-                          <a:rPr lang="en-US" b="0" i="1" smtClean="0">
-                            <a:latin typeface="Cambria Math" panose="02040503050406030204" pitchFamily="18" charset="0"/>
-                          </a:rPr>
-                          <m:t>𝑘</m:t>
-                        </m:r>
-                      </m:sub>
-                      <m:sup/>
-                      <m:e>
-                        <m:sSub>
-                          <m:sSubPr>
-                            <m:ctrlPr>
-                              <a:rPr lang="en-US" b="0" i="1" smtClean="0">
-                                <a:latin typeface="Cambria Math" panose="02040503050406030204" pitchFamily="18" charset="0"/>
-                              </a:rPr>
-                            </m:ctrlPr>
-                          </m:sSubPr>
-                          <m:e>
-                            <m:r>
-                              <a:rPr lang="en-US" b="0" i="1" smtClean="0">
-                                <a:latin typeface="Cambria Math" panose="02040503050406030204" pitchFamily="18" charset="0"/>
-                              </a:rPr>
-                              <m:t>𝑝</m:t>
-                            </m:r>
-                          </m:e>
-                          <m:sub>
-                            <m:r>
-                              <a:rPr lang="en-US" b="0" i="1" smtClean="0">
-                                <a:latin typeface="Cambria Math" panose="02040503050406030204" pitchFamily="18" charset="0"/>
-                              </a:rPr>
-                              <m:t>𝑘</m:t>
-                            </m:r>
-                          </m:sub>
-                        </m:sSub>
-                        <m:r>
-                          <a:rPr lang="en-US" b="0" i="1" smtClean="0">
-                            <a:latin typeface="Cambria Math" panose="02040503050406030204" pitchFamily="18" charset="0"/>
-                          </a:rPr>
-                          <m:t>𝑆</m:t>
-                        </m:r>
-                        <m:r>
-                          <a:rPr lang="en-US" b="0" i="1" smtClean="0">
-                            <a:latin typeface="Cambria Math" panose="02040503050406030204" pitchFamily="18" charset="0"/>
-                          </a:rPr>
-                          <m:t>(</m:t>
-                        </m:r>
-                        <m:sSubSup>
-                          <m:sSubSupPr>
-                            <m:ctrlPr>
-                              <a:rPr lang="en-US" b="0" i="1" smtClean="0">
-                                <a:latin typeface="Cambria Math" panose="02040503050406030204" pitchFamily="18" charset="0"/>
-                              </a:rPr>
-                            </m:ctrlPr>
-                          </m:sSubSupPr>
-                          <m:e>
-                            <m:r>
-                              <a:rPr lang="en-US" b="0" i="1" smtClean="0">
-                                <a:latin typeface="Cambria Math" panose="02040503050406030204" pitchFamily="18" charset="0"/>
-                              </a:rPr>
-                              <m:t>𝜌</m:t>
-                            </m:r>
-                          </m:e>
-                          <m:sub>
-                            <m:r>
-                              <a:rPr lang="en-US" b="0" i="1" smtClean="0">
-                                <a:latin typeface="Cambria Math" panose="02040503050406030204" pitchFamily="18" charset="0"/>
-                              </a:rPr>
-                              <m:t>𝐵</m:t>
-                            </m:r>
-                          </m:sub>
-                          <m:sup>
-                            <m:r>
-                              <a:rPr lang="en-US" b="0" i="1" smtClean="0">
-                                <a:latin typeface="Cambria Math" panose="02040503050406030204" pitchFamily="18" charset="0"/>
-                              </a:rPr>
-                              <m:t>𝑘</m:t>
-                            </m:r>
-                          </m:sup>
-                        </m:sSubSup>
-                        <m:r>
-                          <a:rPr lang="en-US" b="0" i="1" smtClean="0">
-                            <a:latin typeface="Cambria Math" panose="02040503050406030204" pitchFamily="18" charset="0"/>
-                          </a:rPr>
-                          <m:t>|</m:t>
-                        </m:r>
-                        <m:sSub>
-                          <m:sSubPr>
-                            <m:ctrlPr>
-                              <a:rPr lang="en-US" b="0" i="1" smtClean="0">
-                                <a:latin typeface="Cambria Math" panose="02040503050406030204" pitchFamily="18" charset="0"/>
-                              </a:rPr>
-                            </m:ctrlPr>
-                          </m:sSubPr>
-                          <m:e>
-                            <m:r>
-                              <a:rPr lang="en-US" b="0" i="1" smtClean="0">
-                                <a:latin typeface="Cambria Math" panose="02040503050406030204" pitchFamily="18" charset="0"/>
-                              </a:rPr>
-                              <m:t>𝐴</m:t>
-                            </m:r>
-                          </m:e>
-                          <m:sub>
-                            <m:r>
-                              <a:rPr lang="en-US" b="0" i="1" smtClean="0">
-                                <a:latin typeface="Cambria Math" panose="02040503050406030204" pitchFamily="18" charset="0"/>
-                              </a:rPr>
-                              <m:t>𝑘</m:t>
-                            </m:r>
-                          </m:sub>
-                        </m:sSub>
-                        <m:r>
-                          <a:rPr lang="en-US" b="0" i="1" smtClean="0">
-                            <a:latin typeface="Cambria Math" panose="02040503050406030204" pitchFamily="18" charset="0"/>
-                          </a:rPr>
-                          <m:t>)</m:t>
-                        </m:r>
-                      </m:e>
-                    </m:nary>
-                  </m:oMath>
-                </a14:m>
-                <a:endParaRPr lang="en-US" b="0" i="1" dirty="0">
-                  <a:latin typeface="Cambria Math" panose="02040503050406030204" pitchFamily="18" charset="0"/>
-                </a:endParaRPr>
-              </a:p>
-              <a:p>
-                <a:pPr marL="0" indent="0">
-                  <a:buNone/>
-                </a:pPr>
-                <a14:m>
-                  <m:oMath xmlns:m="http://schemas.openxmlformats.org/officeDocument/2006/math">
-                    <m:sSub>
-                      <m:sSubPr>
-                        <m:ctrlPr>
-                          <a:rPr lang="en-US" b="0" i="1" smtClean="0">
-                            <a:latin typeface="Cambria Math" panose="02040503050406030204" pitchFamily="18" charset="0"/>
-                          </a:rPr>
-                        </m:ctrlPr>
-                      </m:sSubPr>
-                      <m:e>
-                        <m:r>
-                          <a:rPr lang="en-US" b="0" i="1" smtClean="0">
-                            <a:latin typeface="Cambria Math" panose="02040503050406030204" pitchFamily="18" charset="0"/>
-                          </a:rPr>
-                          <m:t>𝐴</m:t>
-                        </m:r>
-                      </m:e>
-                      <m:sub>
-                        <m:r>
-                          <a:rPr lang="en-US" b="0" i="1" smtClean="0">
-                            <a:latin typeface="Cambria Math" panose="02040503050406030204" pitchFamily="18" charset="0"/>
-                          </a:rPr>
-                          <m:t>𝑘</m:t>
-                        </m:r>
-                      </m:sub>
-                    </m:sSub>
-                  </m:oMath>
-                </a14:m>
-                <a:r>
-                  <a:rPr lang="en-US" dirty="0"/>
-                  <a:t>’s are measurement elements for A.</a:t>
-                </a:r>
-              </a:p>
-              <a:p>
-                <a:pPr>
-                  <a:buFont typeface="Wingdings" panose="05000000000000000000" pitchFamily="2" charset="2"/>
-                  <a:buChar char="Ø"/>
-                </a:pPr>
-                <a:endParaRPr lang="en-US" dirty="0"/>
-              </a:p>
-              <a:p>
-                <a:pPr marL="0" indent="0">
-                  <a:buNone/>
-                </a:pPr>
-                <a:endParaRPr lang="en-US" dirty="0"/>
-              </a:p>
-            </p:txBody>
-          </p:sp>
-        </mc:Choice>
-        <mc:Fallback xmlns="">
-          <p:sp>
-            <p:nvSpPr>
-              <p:cNvPr id="3" name="Content Placeholder 2">
-                <a:extLst>
-                  <a:ext uri="{FF2B5EF4-FFF2-40B4-BE49-F238E27FC236}">
-                    <a16:creationId xmlns:a16="http://schemas.microsoft.com/office/drawing/2014/main" id="{0ED337AA-35E6-57D0-117B-5B6E7CCB341F}"/>
-                  </a:ext>
-                </a:extLst>
-              </p:cNvPr>
-              <p:cNvSpPr>
-                <a:spLocks noGrp="1" noRot="1" noChangeAspect="1" noMove="1" noResize="1" noEditPoints="1" noAdjustHandles="1" noChangeArrowheads="1" noChangeShapeType="1" noTextEdit="1"/>
-              </p:cNvSpPr>
-              <p:nvPr>
-                <p:ph idx="1"/>
-              </p:nvPr>
-            </p:nvSpPr>
-            <p:spPr>
-              <a:blipFill>
-                <a:blip r:embed="rId2"/>
-                <a:stretch>
-                  <a:fillRect l="-823" t="-1568"/>
-                </a:stretch>
-              </a:blipFill>
-            </p:spPr>
-            <p:txBody>
-              <a:bodyPr/>
-              <a:lstStyle/>
-              <a:p>
-                <a:r>
-                  <a:rPr lang="en-US">
-                    <a:noFill/>
-                  </a:rPr>
-                  <a:t> </a:t>
-                </a:r>
-              </a:p>
-            </p:txBody>
-          </p:sp>
-        </mc:Fallback>
-      </mc:AlternateContent>
-      <p:sp>
-        <p:nvSpPr>
-          <p:cNvPr id="4" name="Footer Placeholder 3">
-            <a:extLst>
-              <a:ext uri="{FF2B5EF4-FFF2-40B4-BE49-F238E27FC236}">
-                <a16:creationId xmlns:a16="http://schemas.microsoft.com/office/drawing/2014/main" id="{01C397C1-4E2E-0610-44DF-79FCF25F8594}"/>
-              </a:ext>
-            </a:extLst>
-          </p:cNvPr>
-          <p:cNvSpPr>
-            <a:spLocks noGrp="1"/>
-          </p:cNvSpPr>
-          <p:nvPr>
-            <p:ph type="ftr" sz="quarter" idx="11"/>
-          </p:nvPr>
-        </p:nvSpPr>
-        <p:spPr/>
-        <p:txBody>
-          <a:bodyPr/>
-          <a:lstStyle/>
-          <a:p>
-            <a:r>
-              <a:rPr lang="en-US"/>
-              <a:t>All Rights Reserved</a:t>
-            </a:r>
-            <a:endParaRPr lang="en-US" dirty="0"/>
-          </a:p>
-        </p:txBody>
-      </p:sp>
-    </p:spTree>
-    <p:extLst>
-      <p:ext uri="{BB962C8B-B14F-4D97-AF65-F5344CB8AC3E}">
-        <p14:creationId xmlns:p14="http://schemas.microsoft.com/office/powerpoint/2010/main" val="489513884"/>
       </p:ext>
     </p:extLst>
   </p:cSld>

--- a/Fidelity_EntropyMatrics.pptx
+++ b/Fidelity_EntropyMatrics.pptx
@@ -138,6 +138,7 @@
 <file path=ppt/revisionInfo.xml><?xml version="1.0" encoding="utf-8"?>
 <p1510:revInfo xmlns:a="http://schemas.openxmlformats.org/drawingml/2006/main" xmlns:r="http://schemas.openxmlformats.org/officeDocument/2006/relationships" xmlns:p1510="http://schemas.microsoft.com/office/powerpoint/2015/10/main">
   <p1510:revLst>
+    <p1510:client id="{548E95C3-F0D3-B9D9-FF83-04105D59607D}" v="96" dt="2025-02-15T07:07:41.250"/>
     <p1510:client id="{A5DBC9E9-8E11-DD56-65E0-EC71F6BFF62F}" v="419" dt="2025-02-15T04:03:18.504"/>
   </p1510:revLst>
 </p1510:revInfo>
@@ -145,6 +146,61 @@
 
 <file path=ppt/changesInfos/changesInfo1.xml><?xml version="1.0" encoding="utf-8"?>
 <pc:chgInfo xmlns:a="http://schemas.openxmlformats.org/drawingml/2006/main" xmlns:r="http://schemas.openxmlformats.org/officeDocument/2006/relationships" xmlns:ac="http://schemas.microsoft.com/office/drawing/2013/main/command" xmlns:pc="http://schemas.microsoft.com/office/powerpoint/2013/main/command">
+  <pc:docChgLst>
+    <pc:chgData name="Syed E Shubha" userId="S::sshubh1@lsu.edu::5002043c-7220-4229-81cf-9b7e98183f7f" providerId="AD" clId="Web-{548E95C3-F0D3-B9D9-FF83-04105D59607D}"/>
+    <pc:docChg chg="modSld">
+      <pc:chgData name="Syed E Shubha" userId="S::sshubh1@lsu.edu::5002043c-7220-4229-81cf-9b7e98183f7f" providerId="AD" clId="Web-{548E95C3-F0D3-B9D9-FF83-04105D59607D}" dt="2025-02-15T07:07:41.250" v="92" actId="20577"/>
+      <pc:docMkLst>
+        <pc:docMk/>
+      </pc:docMkLst>
+      <pc:sldChg chg="addSp delSp modSp">
+        <pc:chgData name="Syed E Shubha" userId="S::sshubh1@lsu.edu::5002043c-7220-4229-81cf-9b7e98183f7f" providerId="AD" clId="Web-{548E95C3-F0D3-B9D9-FF83-04105D59607D}" dt="2025-02-15T07:07:41.250" v="92" actId="20577"/>
+        <pc:sldMkLst>
+          <pc:docMk/>
+          <pc:sldMk cId="654118308" sldId="1890"/>
+        </pc:sldMkLst>
+        <pc:spChg chg="mod">
+          <ac:chgData name="Syed E Shubha" userId="S::sshubh1@lsu.edu::5002043c-7220-4229-81cf-9b7e98183f7f" providerId="AD" clId="Web-{548E95C3-F0D3-B9D9-FF83-04105D59607D}" dt="2025-02-15T07:07:41.250" v="92" actId="20577"/>
+          <ac:spMkLst>
+            <pc:docMk/>
+            <pc:sldMk cId="654118308" sldId="1890"/>
+            <ac:spMk id="3" creationId="{97892623-EC42-984A-E592-3D8717E7C17D}"/>
+          </ac:spMkLst>
+        </pc:spChg>
+        <pc:graphicFrameChg chg="add del mod">
+          <ac:chgData name="Syed E Shubha" userId="S::sshubh1@lsu.edu::5002043c-7220-4229-81cf-9b7e98183f7f" providerId="AD" clId="Web-{548E95C3-F0D3-B9D9-FF83-04105D59607D}" dt="2025-02-15T07:02:39.027" v="60"/>
+          <ac:graphicFrameMkLst>
+            <pc:docMk/>
+            <pc:sldMk cId="654118308" sldId="1890"/>
+            <ac:graphicFrameMk id="6" creationId="{03E5E0E4-3BE6-80D7-F820-114C5BFCF7DF}"/>
+          </ac:graphicFrameMkLst>
+        </pc:graphicFrameChg>
+        <pc:graphicFrameChg chg="add del mod modGraphic">
+          <ac:chgData name="Syed E Shubha" userId="S::sshubh1@lsu.edu::5002043c-7220-4229-81cf-9b7e98183f7f" providerId="AD" clId="Web-{548E95C3-F0D3-B9D9-FF83-04105D59607D}" dt="2025-02-15T07:03:09.621" v="66"/>
+          <ac:graphicFrameMkLst>
+            <pc:docMk/>
+            <pc:sldMk cId="654118308" sldId="1890"/>
+            <ac:graphicFrameMk id="8" creationId="{F2A42A71-68EA-C7D4-A0AD-04642A44B3FF}"/>
+          </ac:graphicFrameMkLst>
+        </pc:graphicFrameChg>
+      </pc:sldChg>
+      <pc:sldChg chg="modSp">
+        <pc:chgData name="Syed E Shubha" userId="S::sshubh1@lsu.edu::5002043c-7220-4229-81cf-9b7e98183f7f" providerId="AD" clId="Web-{548E95C3-F0D3-B9D9-FF83-04105D59607D}" dt="2025-02-15T07:07:15.906" v="85" actId="20577"/>
+        <pc:sldMkLst>
+          <pc:docMk/>
+          <pc:sldMk cId="2832237247" sldId="1892"/>
+        </pc:sldMkLst>
+        <pc:spChg chg="mod">
+          <ac:chgData name="Syed E Shubha" userId="S::sshubh1@lsu.edu::5002043c-7220-4229-81cf-9b7e98183f7f" providerId="AD" clId="Web-{548E95C3-F0D3-B9D9-FF83-04105D59607D}" dt="2025-02-15T07:07:15.906" v="85" actId="20577"/>
+          <ac:spMkLst>
+            <pc:docMk/>
+            <pc:sldMk cId="2832237247" sldId="1892"/>
+            <ac:spMk id="3" creationId="{31E5B7DF-0548-EB21-45EF-C8DF5C41A8D1}"/>
+          </ac:spMkLst>
+        </pc:spChg>
+      </pc:sldChg>
+    </pc:docChg>
+  </pc:docChgLst>
   <pc:docChgLst>
     <pc:chgData name="Syed E Shubha" userId="S::sshubh1@lsu.edu::5002043c-7220-4229-81cf-9b7e98183f7f" providerId="AD" clId="Web-{A5DBC9E9-8E11-DD56-65E0-EC71F6BFF62F}"/>
     <pc:docChg chg="addSld delSld modSld">
@@ -13984,32 +14040,34 @@
         </p:nvSpPr>
         <p:spPr/>
         <p:txBody>
-          <a:bodyPr/>
+          <a:bodyPr vert="horz" lIns="91440" tIns="45720" rIns="91440" bIns="45720" rtlCol="0" anchor="t">
+            <a:normAutofit/>
+          </a:bodyPr>
           <a:lstStyle/>
           <a:p>
             <a:pPr marL="0" indent="0">
               <a:buNone/>
             </a:pPr>
             <a:r>
-              <a:rPr lang="en-US" sz="1600" dirty="0">
-                <a:latin typeface="Times New Roman" panose="02020603050405020304" pitchFamily="18" charset="0"/>
-                <a:cs typeface="Times New Roman" panose="02020603050405020304" pitchFamily="18" charset="0"/>
+              <a:rPr lang="en-US" dirty="0">
+                <a:latin typeface="Times New Roman"/>
+                <a:cs typeface="Times New Roman"/>
               </a:rPr>
               <a:t>[1] </a:t>
             </a:r>
             <a:r>
-              <a:rPr lang="en-US" sz="1600" b="0" i="0" dirty="0">
+              <a:rPr lang="en-US" b="0" i="0" dirty="0">
                 <a:effectLst/>
-                <a:latin typeface="Times New Roman" panose="02020603050405020304" pitchFamily="18" charset="0"/>
-                <a:cs typeface="Times New Roman" panose="02020603050405020304" pitchFamily="18" charset="0"/>
+                <a:latin typeface="Times New Roman"/>
+                <a:cs typeface="Times New Roman"/>
                 <a:hlinkClick r:id="rId2"/>
               </a:rPr>
               <a:t>https://doi.org/10.1103/PhysRevLett.69.2881</a:t>
             </a:r>
-            <a:endParaRPr lang="en-US" sz="1600" b="0" i="0" dirty="0">
+            <a:endParaRPr lang="en-US" b="0" i="0" dirty="0">
               <a:effectLst/>
-              <a:latin typeface="Times New Roman" panose="02020603050405020304" pitchFamily="18" charset="0"/>
-              <a:cs typeface="Times New Roman" panose="02020603050405020304" pitchFamily="18" charset="0"/>
+              <a:latin typeface="Times New Roman"/>
+              <a:cs typeface="Times New Roman"/>
             </a:endParaRPr>
           </a:p>
           <a:p>
@@ -14017,31 +14075,31 @@
               <a:buNone/>
             </a:pPr>
             <a:r>
-              <a:rPr lang="en-US" sz="1600" dirty="0">
-                <a:latin typeface="Times New Roman" panose="02020603050405020304" pitchFamily="18" charset="0"/>
-                <a:cs typeface="Times New Roman" panose="02020603050405020304" pitchFamily="18" charset="0"/>
+              <a:rPr lang="en-US" dirty="0">
+                <a:latin typeface="Times New Roman"/>
+                <a:cs typeface="Times New Roman"/>
               </a:rPr>
               <a:t>[2] </a:t>
             </a:r>
             <a:r>
-              <a:rPr lang="en-US" sz="1600" b="0" i="0" dirty="0">
+              <a:rPr lang="en-US" b="0" i="0" dirty="0">
                 <a:solidFill>
                   <a:srgbClr val="222222"/>
                 </a:solidFill>
                 <a:effectLst/>
-                <a:latin typeface="Times New Roman" panose="02020603050405020304" pitchFamily="18" charset="0"/>
-                <a:cs typeface="Times New Roman" panose="02020603050405020304" pitchFamily="18" charset="0"/>
+                <a:latin typeface="Times New Roman"/>
+                <a:cs typeface="Times New Roman"/>
                 <a:hlinkClick r:id="rId3"/>
               </a:rPr>
               <a:t>https://doi.org/10.1038/srep06956</a:t>
             </a:r>
-            <a:endParaRPr lang="en-US" sz="1600" b="0" i="0" dirty="0">
+            <a:endParaRPr lang="en-US" b="0" i="0" dirty="0">
               <a:solidFill>
                 <a:srgbClr val="222222"/>
               </a:solidFill>
               <a:effectLst/>
-              <a:latin typeface="Times New Roman" panose="02020603050405020304" pitchFamily="18" charset="0"/>
-              <a:cs typeface="Times New Roman" panose="02020603050405020304" pitchFamily="18" charset="0"/>
+              <a:latin typeface="Times New Roman"/>
+              <a:cs typeface="Times New Roman"/>
             </a:endParaRPr>
           </a:p>
           <a:p>
@@ -14049,28 +14107,28 @@
               <a:buNone/>
             </a:pPr>
             <a:r>
-              <a:rPr lang="en-US" sz="1600" dirty="0">
+              <a:rPr lang="en-US" dirty="0">
                 <a:solidFill>
                   <a:srgbClr val="222222"/>
                 </a:solidFill>
-                <a:latin typeface="Times New Roman" panose="02020603050405020304" pitchFamily="18" charset="0"/>
-                <a:cs typeface="Times New Roman" panose="02020603050405020304" pitchFamily="18" charset="0"/>
+                <a:latin typeface="Times New Roman"/>
+                <a:cs typeface="Times New Roman"/>
               </a:rPr>
               <a:t>[3] </a:t>
             </a:r>
             <a:r>
-              <a:rPr lang="en-US" sz="1600" b="0" i="0" dirty="0">
+              <a:rPr lang="en-US" b="0" i="0" dirty="0">
                 <a:effectLst/>
-                <a:latin typeface="Times New Roman" panose="02020603050405020304" pitchFamily="18" charset="0"/>
-                <a:cs typeface="Times New Roman" panose="02020603050405020304" pitchFamily="18" charset="0"/>
+                <a:latin typeface="Times New Roman"/>
+                <a:cs typeface="Times New Roman"/>
                 <a:hlinkClick r:id="rId4"/>
               </a:rPr>
               <a:t>https://doi.org/10.1103/PhysRevA.83.054101</a:t>
             </a:r>
-            <a:endParaRPr lang="en-US" sz="1600" b="0" i="0" dirty="0">
+            <a:endParaRPr lang="en-US" b="0" i="0" dirty="0">
               <a:effectLst/>
-              <a:latin typeface="Times New Roman" panose="02020603050405020304" pitchFamily="18" charset="0"/>
-              <a:cs typeface="Times New Roman" panose="02020603050405020304" pitchFamily="18" charset="0"/>
+              <a:latin typeface="Times New Roman"/>
+              <a:cs typeface="Times New Roman"/>
             </a:endParaRPr>
           </a:p>
           <a:p>
@@ -14078,23 +14136,23 @@
               <a:buNone/>
             </a:pPr>
             <a:r>
-              <a:rPr lang="en-US" sz="1600" dirty="0">
-                <a:latin typeface="Times New Roman" panose="02020603050405020304" pitchFamily="18" charset="0"/>
-                <a:cs typeface="Times New Roman" panose="02020603050405020304" pitchFamily="18" charset="0"/>
+              <a:rPr lang="en-US" dirty="0">
+                <a:latin typeface="Times New Roman"/>
+                <a:cs typeface="Times New Roman"/>
               </a:rPr>
               <a:t>[4] </a:t>
             </a:r>
             <a:r>
-              <a:rPr lang="en-US" sz="1600" dirty="0">
-                <a:latin typeface="Times New Roman" panose="02020603050405020304" pitchFamily="18" charset="0"/>
-                <a:cs typeface="Times New Roman" panose="02020603050405020304" pitchFamily="18" charset="0"/>
+              <a:rPr lang="en-US" dirty="0">
+                <a:latin typeface="Times New Roman"/>
+                <a:cs typeface="Times New Roman"/>
                 <a:hlinkClick r:id="rId5"/>
               </a:rPr>
               <a:t>https://doi.org/10.1103/PhysRevLett.77.2818</a:t>
             </a:r>
-            <a:endParaRPr lang="en-US" sz="1600" dirty="0">
-              <a:latin typeface="Times New Roman" panose="02020603050405020304" pitchFamily="18" charset="0"/>
-              <a:cs typeface="Times New Roman" panose="02020603050405020304" pitchFamily="18" charset="0"/>
+            <a:endParaRPr lang="en-US" dirty="0">
+              <a:latin typeface="Times New Roman"/>
+              <a:cs typeface="Times New Roman"/>
             </a:endParaRPr>
           </a:p>
           <a:p>
@@ -14102,34 +14160,178 @@
               <a:buNone/>
             </a:pPr>
             <a:r>
-              <a:rPr lang="en-US" sz="1600" b="0" i="0" dirty="0">
+              <a:rPr lang="en-US" b="0" i="0" dirty="0">
                 <a:effectLst/>
-                <a:latin typeface="Times New Roman" panose="02020603050405020304" pitchFamily="18" charset="0"/>
-                <a:cs typeface="Times New Roman" panose="02020603050405020304" pitchFamily="18" charset="0"/>
+                <a:latin typeface="Times New Roman"/>
+                <a:cs typeface="Times New Roman"/>
               </a:rPr>
               <a:t>[5] </a:t>
             </a:r>
             <a:r>
-              <a:rPr lang="en-US" sz="1600" b="0" i="0" dirty="0">
+              <a:rPr lang="en-US" b="0" i="0" dirty="0">
                 <a:effectLst/>
-                <a:latin typeface="Times New Roman" panose="02020603050405020304" pitchFamily="18" charset="0"/>
-                <a:cs typeface="Times New Roman" panose="02020603050405020304" pitchFamily="18" charset="0"/>
+                <a:latin typeface="Times New Roman"/>
+                <a:cs typeface="Times New Roman"/>
                 <a:hlinkClick r:id="rId6"/>
               </a:rPr>
               <a:t>https://doi.org/10.1103/PhysRevLett.86.5811</a:t>
             </a:r>
-            <a:endParaRPr lang="en-US" sz="1600" b="0" i="0" dirty="0">
+            <a:endParaRPr lang="en-US" b="0" i="0" dirty="0">
               <a:effectLst/>
-              <a:latin typeface="Times New Roman" panose="02020603050405020304" pitchFamily="18" charset="0"/>
-              <a:cs typeface="Times New Roman" panose="02020603050405020304" pitchFamily="18" charset="0"/>
+              <a:latin typeface="Times New Roman"/>
+              <a:cs typeface="Times New Roman"/>
             </a:endParaRPr>
           </a:p>
           <a:p>
             <a:pPr marL="0" indent="0">
               <a:buNone/>
             </a:pPr>
-            <a:endParaRPr lang="en-US" sz="1600" b="0" i="0" dirty="0">
+            <a:r>
+              <a:rPr lang="en-US" dirty="0">
+                <a:latin typeface="Times New Roman"/>
+                <a:cs typeface="Times New Roman"/>
+              </a:rPr>
+              <a:t>[6] </a:t>
+            </a:r>
+            <a:r>
+              <a:rPr lang="en-US" dirty="0">
+                <a:latin typeface="Times New Roman"/>
+                <a:cs typeface="Arial"/>
+                <a:hlinkClick r:id="rId7"/>
+              </a:rPr>
+              <a:t>https://doi.org/10.1103/PhysRevLett.118.050501</a:t>
+            </a:r>
+            <a:endParaRPr lang="en-US" b="0" i="0" dirty="0">
               <a:effectLst/>
+              <a:latin typeface="Times New Roman"/>
+              <a:cs typeface="Arial"/>
+            </a:endParaRPr>
+          </a:p>
+          <a:p>
+            <a:pPr marL="0" indent="0">
+              <a:buNone/>
+            </a:pPr>
+            <a:r>
+              <a:rPr lang="en-US" dirty="0">
+                <a:latin typeface="Times New Roman"/>
+                <a:cs typeface="Arial"/>
+              </a:rPr>
+              <a:t>[7] </a:t>
+            </a:r>
+            <a:r>
+              <a:rPr lang="en-US" dirty="0">
+                <a:latin typeface="Times New Roman"/>
+                <a:cs typeface="Arial"/>
+                <a:hlinkClick r:id="rId8"/>
+              </a:rPr>
+              <a:t>https://doi.org/10.1007/s11128-018-1920-z</a:t>
+            </a:r>
+            <a:endParaRPr lang="en-US" dirty="0">
+              <a:latin typeface="Times New Roman"/>
+              <a:cs typeface="Arial"/>
+            </a:endParaRPr>
+          </a:p>
+          <a:p>
+            <a:pPr marL="0" indent="0">
+              <a:buNone/>
+            </a:pPr>
+            <a:r>
+              <a:rPr lang="en-US" dirty="0">
+                <a:latin typeface="Times New Roman"/>
+                <a:cs typeface="Times New Roman"/>
+              </a:rPr>
+              <a:t>[8] </a:t>
+            </a:r>
+            <a:r>
+              <a:rPr lang="en-US" dirty="0">
+                <a:latin typeface="Times New Roman"/>
+                <a:cs typeface="Arial"/>
+                <a:hlinkClick r:id="rId9"/>
+              </a:rPr>
+              <a:t>https://doi.org/10.48550/arXiv.2210.15161</a:t>
+            </a:r>
+            <a:endParaRPr lang="en-US">
+              <a:latin typeface="Times New Roman"/>
+              <a:cs typeface="Times New Roman" panose="02020603050405020304" pitchFamily="18" charset="0"/>
+            </a:endParaRPr>
+          </a:p>
+          <a:p>
+            <a:pPr marL="0" indent="0">
+              <a:buNone/>
+            </a:pPr>
+            <a:r>
+              <a:rPr lang="en-US" dirty="0">
+                <a:latin typeface="Times New Roman"/>
+                <a:cs typeface="Times New Roman"/>
+              </a:rPr>
+              <a:t>[9] </a:t>
+            </a:r>
+            <a:r>
+              <a:rPr lang="en-US" dirty="0">
+                <a:latin typeface="Times New Roman"/>
+                <a:cs typeface="Times New Roman"/>
+                <a:hlinkClick r:id="rId10"/>
+              </a:rPr>
+              <a:t>https://doi.org/10.48550/arXiv.quant-ph/0702156</a:t>
+            </a:r>
+            <a:endParaRPr lang="en-US" dirty="0">
+              <a:latin typeface="Times New Roman"/>
+              <a:cs typeface="Times New Roman"/>
+            </a:endParaRPr>
+          </a:p>
+          <a:p>
+            <a:pPr marL="0" indent="0">
+              <a:buNone/>
+            </a:pPr>
+            <a:r>
+              <a:rPr lang="en-US" dirty="0">
+                <a:latin typeface="Times New Roman"/>
+                <a:cs typeface="Times New Roman"/>
+              </a:rPr>
+              <a:t>[10] </a:t>
+            </a:r>
+            <a:r>
+              <a:rPr lang="en-US" dirty="0">
+                <a:latin typeface="Times New Roman"/>
+                <a:cs typeface="Arial"/>
+                <a:hlinkClick r:id="rId11"/>
+              </a:rPr>
+              <a:t>https://doi.org/10.1103/PRXQuantum.3.020302</a:t>
+            </a:r>
+            <a:endParaRPr lang="en-US" dirty="0">
+              <a:latin typeface="Times New Roman"/>
+              <a:cs typeface="Arial"/>
+            </a:endParaRPr>
+          </a:p>
+          <a:p>
+            <a:pPr marL="0" indent="0">
+              <a:buNone/>
+            </a:pPr>
+            <a:r>
+              <a:rPr lang="en-US" dirty="0">
+                <a:latin typeface="Times New Roman"/>
+                <a:cs typeface="Arial"/>
+              </a:rPr>
+              <a:t>[11] </a:t>
+            </a:r>
+            <a:r>
+              <a:rPr lang="en-US" dirty="0">
+                <a:latin typeface="Times New Roman"/>
+                <a:cs typeface="Arial"/>
+                <a:hlinkClick r:id="rId12"/>
+              </a:rPr>
+              <a:t>https://doi.org/10.1515/qmetro-2016-0001</a:t>
+            </a:r>
+            <a:endParaRPr lang="en-US" dirty="0">
+              <a:latin typeface="Times New Roman"/>
+              <a:cs typeface="Arial"/>
+            </a:endParaRPr>
+          </a:p>
+          <a:p>
+            <a:pPr marL="0" indent="0">
+              <a:buNone/>
+            </a:pPr>
+            <a:endParaRPr lang="en-US" sz="1600" dirty="0">
               <a:latin typeface="Times New Roman" panose="02020603050405020304" pitchFamily="18" charset="0"/>
               <a:cs typeface="Times New Roman" panose="02020603050405020304" pitchFamily="18" charset="0"/>
             </a:endParaRPr>
@@ -14540,9 +14742,9 @@
                 <a:latin typeface="Arial"/>
                 <a:cs typeface="Arial"/>
               </a:rPr>
-              <a:t>Shared entanglement (Bell pairs) is used to encode 2 classical bits per qubit, but noise models degrade the Bell state.</a:t>
-            </a:r>
-            <a:endParaRPr lang="en-US"/>
+              <a:t>Shared entanglement (Bell pairs) is used to encode 2 classical bits per qubit, but noise models degrade the Bell state [1,6].</a:t>
+            </a:r>
+            <a:endParaRPr lang="en-US" dirty="0"/>
           </a:p>
           <a:p>
             <a:pPr>
@@ -14568,7 +14770,7 @@
                 <a:latin typeface="Arial"/>
                 <a:cs typeface="Arial"/>
               </a:rPr>
-              <a:t>Fixed codes (e.g., 5-qubit code) or standalone protocols (e.g., BBPSSW) are applied independently without real-time feedback.</a:t>
+              <a:t>Fixed codes or standalone protocols are applied independently without real-time feedback [7-11].</a:t>
             </a:r>
           </a:p>
           <a:p>
@@ -14595,7 +14797,7 @@
                 <a:latin typeface="Arial"/>
                 <a:cs typeface="Arial"/>
               </a:rPr>
-              <a:t> Existing protocols don't adapt to actual correlations, neglecting secondary measures like quantum discord (QD) or entanglement of formation (</a:t>
+              <a:t> Existing protocols don't adapt to actual correlations [8,11], neglecting secondary measures like quantum discord (QD) or entanglement of formation (</a:t>
             </a:r>
             <a:r>
               <a:rPr lang="en-US" dirty="0" err="1">
